--- a/MakingSecurityDecisionsLikeABoss.pptx
+++ b/MakingSecurityDecisionsLikeABoss.pptx
@@ -5,7 +5,7 @@
     <p:sldMasterId id="2147483768" r:id="rId1"/>
   </p:sldMasterIdLst>
   <p:notesMasterIdLst>
-    <p:notesMasterId r:id="rId38"/>
+    <p:notesMasterId r:id="rId42"/>
   </p:notesMasterIdLst>
   <p:sldIdLst>
     <p:sldId id="282" r:id="rId2"/>
@@ -20,30 +20,34 @@
     <p:sldId id="286" r:id="rId11"/>
     <p:sldId id="278" r:id="rId12"/>
     <p:sldId id="263" r:id="rId13"/>
-    <p:sldId id="288" r:id="rId14"/>
-    <p:sldId id="318" r:id="rId15"/>
-    <p:sldId id="290" r:id="rId16"/>
-    <p:sldId id="297" r:id="rId17"/>
-    <p:sldId id="299" r:id="rId18"/>
-    <p:sldId id="301" r:id="rId19"/>
-    <p:sldId id="308" r:id="rId20"/>
-    <p:sldId id="291" r:id="rId21"/>
-    <p:sldId id="300" r:id="rId22"/>
-    <p:sldId id="315" r:id="rId23"/>
-    <p:sldId id="316" r:id="rId24"/>
-    <p:sldId id="303" r:id="rId25"/>
-    <p:sldId id="317" r:id="rId26"/>
-    <p:sldId id="302" r:id="rId27"/>
-    <p:sldId id="309" r:id="rId28"/>
-    <p:sldId id="310" r:id="rId29"/>
-    <p:sldId id="311" r:id="rId30"/>
-    <p:sldId id="313" r:id="rId31"/>
-    <p:sldId id="314" r:id="rId32"/>
-    <p:sldId id="307" r:id="rId33"/>
-    <p:sldId id="320" r:id="rId34"/>
-    <p:sldId id="321" r:id="rId35"/>
-    <p:sldId id="312" r:id="rId36"/>
-    <p:sldId id="319" r:id="rId37"/>
+    <p:sldId id="322" r:id="rId14"/>
+    <p:sldId id="288" r:id="rId15"/>
+    <p:sldId id="323" r:id="rId16"/>
+    <p:sldId id="324" r:id="rId17"/>
+    <p:sldId id="318" r:id="rId18"/>
+    <p:sldId id="290" r:id="rId19"/>
+    <p:sldId id="297" r:id="rId20"/>
+    <p:sldId id="299" r:id="rId21"/>
+    <p:sldId id="301" r:id="rId22"/>
+    <p:sldId id="308" r:id="rId23"/>
+    <p:sldId id="291" r:id="rId24"/>
+    <p:sldId id="300" r:id="rId25"/>
+    <p:sldId id="315" r:id="rId26"/>
+    <p:sldId id="316" r:id="rId27"/>
+    <p:sldId id="325" r:id="rId28"/>
+    <p:sldId id="303" r:id="rId29"/>
+    <p:sldId id="317" r:id="rId30"/>
+    <p:sldId id="302" r:id="rId31"/>
+    <p:sldId id="309" r:id="rId32"/>
+    <p:sldId id="310" r:id="rId33"/>
+    <p:sldId id="311" r:id="rId34"/>
+    <p:sldId id="313" r:id="rId35"/>
+    <p:sldId id="314" r:id="rId36"/>
+    <p:sldId id="307" r:id="rId37"/>
+    <p:sldId id="320" r:id="rId38"/>
+    <p:sldId id="321" r:id="rId39"/>
+    <p:sldId id="312" r:id="rId40"/>
+    <p:sldId id="319" r:id="rId41"/>
   </p:sldIdLst>
   <p:sldSz cx="12192000" cy="6858000"/>
   <p:notesSz cx="6858000" cy="9144000"/>
@@ -4623,7 +4627,7 @@
   <dgm:whole/>
   <dgm:extLst>
     <a:ext uri="http://schemas.microsoft.com/office/drawing/2008/diagram">
-      <dsp:dataModelExt xmlns:dsp="http://schemas.microsoft.com/office/drawing/2008/diagram" relId="rId6" minVer="http://schemas.openxmlformats.org/drawingml/2006/diagram"/>
+      <dsp:dataModelExt xmlns:dsp="http://schemas.microsoft.com/office/drawing/2008/diagram" relId="rId7" minVer="http://schemas.openxmlformats.org/drawingml/2006/diagram"/>
     </a:ext>
   </dgm:extLst>
 </dgm:dataModel>
@@ -5734,7 +5738,7 @@
   <dgm:whole/>
   <dgm:extLst>
     <a:ext uri="http://schemas.microsoft.com/office/drawing/2008/diagram">
-      <dsp:dataModelExt xmlns:dsp="http://schemas.microsoft.com/office/drawing/2008/diagram" relId="rId6" minVer="http://schemas.openxmlformats.org/drawingml/2006/diagram"/>
+      <dsp:dataModelExt xmlns:dsp="http://schemas.microsoft.com/office/drawing/2008/diagram" relId="rId7" minVer="http://schemas.openxmlformats.org/drawingml/2006/diagram"/>
     </a:ext>
   </dgm:extLst>
 </dgm:dataModel>
@@ -6131,7 +6135,7 @@
   <dgm:whole/>
   <dgm:extLst>
     <a:ext uri="http://schemas.microsoft.com/office/drawing/2008/diagram">
-      <dsp:dataModelExt xmlns:dsp="http://schemas.microsoft.com/office/drawing/2008/diagram" relId="rId6" minVer="http://schemas.openxmlformats.org/drawingml/2006/diagram"/>
+      <dsp:dataModelExt xmlns:dsp="http://schemas.microsoft.com/office/drawing/2008/diagram" relId="rId7" minVer="http://schemas.openxmlformats.org/drawingml/2006/diagram"/>
     </a:ext>
   </dgm:extLst>
 </dgm:dataModel>
@@ -15408,7 +15412,7 @@
           <a:p>
             <a:fld id="{4BFECD01-8637-824E-80CD-FAFF90DCB9F6}" type="datetimeFigureOut">
               <a:rPr lang="en-US" smtClean="0"/>
-              <a:t>3/30/22</a:t>
+              <a:t>3/31/22</a:t>
             </a:fld>
             <a:endParaRPr lang="en-US"/>
           </a:p>
@@ -15719,23 +15723,6 @@
           <a:bodyPr/>
           <a:lstStyle/>
           <a:p>
-            <a:r>
-              <a:rPr lang="en-US" dirty="0"/>
-              <a:t>Changing the model or the approach is your prerogative. This is a Roughly Right beginning.</a:t>
-            </a:r>
-          </a:p>
-          <a:p>
-            <a:endParaRPr lang="en-US" dirty="0"/>
-          </a:p>
-          <a:p>
-            <a:r>
-              <a:rPr lang="en-US" dirty="0"/>
-              <a:t>V1.0	20220330	RLP	First </a:t>
-            </a:r>
-            <a:r>
-              <a:rPr lang="en-US"/>
-              <a:t>called version</a:t>
-            </a:r>
             <a:endParaRPr lang="en-US" dirty="0"/>
           </a:p>
         </p:txBody>
@@ -15757,7 +15744,7 @@
           <a:p>
             <a:fld id="{B1CAF607-DF55-DC47-B415-DAD88B121D06}" type="slidenum">
               <a:rPr lang="en-US" smtClean="0"/>
-              <a:t>2</a:t>
+              <a:t>1</a:t>
             </a:fld>
             <a:endParaRPr lang="en-US"/>
           </a:p>
@@ -15766,7 +15753,7 @@
     </p:spTree>
     <p:extLst>
       <p:ext uri="{BB962C8B-B14F-4D97-AF65-F5344CB8AC3E}">
-        <p14:creationId xmlns:p14="http://schemas.microsoft.com/office/powerpoint/2010/main" val="257694459"/>
+        <p14:creationId xmlns:p14="http://schemas.microsoft.com/office/powerpoint/2010/main" val="3831881882"/>
       </p:ext>
     </p:extLst>
   </p:cSld>
@@ -15822,23 +15809,26 @@
           <a:p>
             <a:r>
               <a:rPr lang="en-US" dirty="0"/>
-              <a:t>This is just one approach, there are many model, pick one and follow it</a:t>
-            </a:r>
+              <a:t>And the more we dig the more there is.</a:t>
+            </a:r>
+          </a:p>
+          <a:p>
+            <a:endParaRPr lang="en-US" dirty="0"/>
           </a:p>
           <a:p>
             <a:r>
               <a:rPr lang="en-US" dirty="0"/>
-              <a:t>We reuse a lot of terms here – sorry – </a:t>
-            </a:r>
+              <a:t>Even taking something like INVENTORY</a:t>
+            </a:r>
+          </a:p>
+          <a:p>
+            <a:endParaRPr lang="en-US" dirty="0"/>
           </a:p>
           <a:p>
             <a:r>
               <a:rPr lang="en-US" dirty="0"/>
-              <a:t>There is a logical service and a service you go pay for</a:t>
-            </a:r>
-          </a:p>
-          <a:p>
-            <a:endParaRPr lang="en-US" dirty="0"/>
+              <a:t>It is composed of multiple processes, techs etc.</a:t>
+            </a:r>
           </a:p>
         </p:txBody>
       </p:sp>
@@ -15859,7 +15849,7 @@
           <a:p>
             <a:fld id="{B1CAF607-DF55-DC47-B415-DAD88B121D06}" type="slidenum">
               <a:rPr lang="en-US" smtClean="0"/>
-              <a:t>13</a:t>
+              <a:t>10</a:t>
             </a:fld>
             <a:endParaRPr lang="en-US"/>
           </a:p>
@@ -15868,7 +15858,7 @@
     </p:spTree>
     <p:extLst>
       <p:ext uri="{BB962C8B-B14F-4D97-AF65-F5344CB8AC3E}">
-        <p14:creationId xmlns:p14="http://schemas.microsoft.com/office/powerpoint/2010/main" val="1774983963"/>
+        <p14:creationId xmlns:p14="http://schemas.microsoft.com/office/powerpoint/2010/main" val="649680828"/>
       </p:ext>
     </p:extLst>
   </p:cSld>
@@ -15924,17 +15914,40 @@
           <a:p>
             <a:r>
               <a:rPr lang="en-US" dirty="0"/>
-              <a:t>Notice these are not technology specific</a:t>
+              <a:t>Managers change</a:t>
             </a:r>
           </a:p>
           <a:p>
             <a:r>
               <a:rPr lang="en-US" dirty="0"/>
-              <a:t>You may come up with your own names but whatever you do pick a layout and use it</a:t>
+              <a:t>CISO change</a:t>
             </a:r>
           </a:p>
           <a:p>
             <a:endParaRPr lang="en-US" dirty="0"/>
+          </a:p>
+          <a:p>
+            <a:r>
+              <a:rPr lang="en-US" dirty="0"/>
+              <a:t>The business </a:t>
+            </a:r>
+            <a:r>
+              <a:rPr lang="en-US" dirty="0" err="1"/>
+              <a:t>regorgs</a:t>
+            </a:r>
+            <a:r>
+              <a:rPr lang="en-US" dirty="0"/>
+              <a:t> all the time</a:t>
+            </a:r>
+          </a:p>
+          <a:p>
+            <a:endParaRPr lang="en-US" dirty="0"/>
+          </a:p>
+          <a:p>
+            <a:r>
+              <a:rPr lang="en-US" dirty="0"/>
+              <a:t>How do WE talk about SECURITY and have it make sense?</a:t>
+            </a:r>
           </a:p>
         </p:txBody>
       </p:sp>
@@ -15955,7 +15968,7 @@
           <a:p>
             <a:fld id="{B1CAF607-DF55-DC47-B415-DAD88B121D06}" type="slidenum">
               <a:rPr lang="en-US" smtClean="0"/>
-              <a:t>15</a:t>
+              <a:t>11</a:t>
             </a:fld>
             <a:endParaRPr lang="en-US"/>
           </a:p>
@@ -15964,7 +15977,7 @@
     </p:spTree>
     <p:extLst>
       <p:ext uri="{BB962C8B-B14F-4D97-AF65-F5344CB8AC3E}">
-        <p14:creationId xmlns:p14="http://schemas.microsoft.com/office/powerpoint/2010/main" val="1860598555"/>
+        <p14:creationId xmlns:p14="http://schemas.microsoft.com/office/powerpoint/2010/main" val="3662069875"/>
       </p:ext>
     </p:extLst>
   </p:cSld>
@@ -16020,13 +16033,67 @@
           <a:p>
             <a:r>
               <a:rPr lang="en-US" dirty="0"/>
-              <a:t>Some of these look like they overlap</a:t>
+              <a:t>Lets use a model, something to follow</a:t>
             </a:r>
           </a:p>
           <a:p>
             <a:r>
               <a:rPr lang="en-US" dirty="0"/>
-              <a:t>They may</a:t>
+              <a:t>Capability</a:t>
+            </a:r>
+          </a:p>
+          <a:p>
+            <a:r>
+              <a:rPr lang="en-US" dirty="0"/>
+              <a:t>Service</a:t>
+            </a:r>
+          </a:p>
+          <a:p>
+            <a:r>
+              <a:rPr lang="en-US" dirty="0"/>
+              <a:t>Implementations</a:t>
+            </a:r>
+          </a:p>
+          <a:p>
+            <a:endParaRPr lang="en-US" dirty="0"/>
+          </a:p>
+          <a:p>
+            <a:r>
+              <a:rPr lang="en-US" dirty="0"/>
+              <a:t>Capabilities may vary between understandings</a:t>
+            </a:r>
+          </a:p>
+          <a:p>
+            <a:r>
+              <a:rPr lang="en-US" dirty="0"/>
+              <a:t>There can be different names for these items, levels, </a:t>
+            </a:r>
+          </a:p>
+          <a:p>
+            <a:endParaRPr lang="en-US" dirty="0"/>
+          </a:p>
+          <a:p>
+            <a:r>
+              <a:rPr lang="en-US" dirty="0"/>
+              <a:t>Capability Levels, Services, Functions, Processes</a:t>
+            </a:r>
+          </a:p>
+          <a:p>
+            <a:endParaRPr lang="en-US" dirty="0"/>
+          </a:p>
+          <a:p>
+            <a:r>
+              <a:rPr lang="en-US" dirty="0"/>
+              <a:t>We are just PICKING SOMETHING and sticking with it</a:t>
+            </a:r>
+          </a:p>
+          <a:p>
+            <a:endParaRPr lang="en-US" dirty="0"/>
+          </a:p>
+          <a:p>
+            <a:r>
+              <a:rPr lang="en-US" dirty="0"/>
+              <a:t>Super important to not – WRAPPED AROUND the AXLE</a:t>
             </a:r>
           </a:p>
           <a:p>
@@ -16051,7 +16118,7 @@
           <a:p>
             <a:fld id="{B1CAF607-DF55-DC47-B415-DAD88B121D06}" type="slidenum">
               <a:rPr lang="en-US" smtClean="0"/>
-              <a:t>16</a:t>
+              <a:t>12</a:t>
             </a:fld>
             <a:endParaRPr lang="en-US"/>
           </a:p>
@@ -16060,7 +16127,7 @@
     </p:spTree>
     <p:extLst>
       <p:ext uri="{BB962C8B-B14F-4D97-AF65-F5344CB8AC3E}">
-        <p14:creationId xmlns:p14="http://schemas.microsoft.com/office/powerpoint/2010/main" val="2036793062"/>
+        <p14:creationId xmlns:p14="http://schemas.microsoft.com/office/powerpoint/2010/main" val="573128066"/>
       </p:ext>
     </p:extLst>
   </p:cSld>
@@ -16116,13 +16183,40 @@
           <a:p>
             <a:r>
               <a:rPr lang="en-US" dirty="0"/>
-              <a:t>Remember this is really the catalog of capabilities, not yours</a:t>
-            </a:r>
+              <a:t>You know what this means</a:t>
+            </a:r>
+          </a:p>
+          <a:p>
+            <a:endParaRPr lang="en-US" dirty="0"/>
           </a:p>
           <a:p>
             <a:r>
               <a:rPr lang="en-US" dirty="0"/>
-              <a:t>You may have all, some, or more than is shown</a:t>
+              <a:t>Don’t get so close to the moving fiddly parts that you get all entangled</a:t>
+            </a:r>
+          </a:p>
+          <a:p>
+            <a:endParaRPr lang="en-US" dirty="0"/>
+          </a:p>
+          <a:p>
+            <a:r>
+              <a:rPr lang="en-US" dirty="0"/>
+              <a:t>Lets don’t do that</a:t>
+            </a:r>
+          </a:p>
+          <a:p>
+            <a:endParaRPr lang="en-US" dirty="0"/>
+          </a:p>
+          <a:p>
+            <a:r>
+              <a:rPr lang="en-US" dirty="0"/>
+              <a:t>Stay Simple</a:t>
+            </a:r>
+          </a:p>
+          <a:p>
+            <a:r>
+              <a:rPr lang="en-US" dirty="0"/>
+              <a:t>Stay SAFE</a:t>
             </a:r>
           </a:p>
         </p:txBody>
@@ -16144,7 +16238,7 @@
           <a:p>
             <a:fld id="{B1CAF607-DF55-DC47-B415-DAD88B121D06}" type="slidenum">
               <a:rPr lang="en-US" smtClean="0"/>
-              <a:t>17</a:t>
+              <a:t>13</a:t>
             </a:fld>
             <a:endParaRPr lang="en-US"/>
           </a:p>
@@ -16153,7 +16247,7 @@
     </p:spTree>
     <p:extLst>
       <p:ext uri="{BB962C8B-B14F-4D97-AF65-F5344CB8AC3E}">
-        <p14:creationId xmlns:p14="http://schemas.microsoft.com/office/powerpoint/2010/main" val="1599611946"/>
+        <p14:creationId xmlns:p14="http://schemas.microsoft.com/office/powerpoint/2010/main" val="2450922408"/>
       </p:ext>
     </p:extLst>
   </p:cSld>
@@ -16209,7 +16303,76 @@
           <a:p>
             <a:r>
               <a:rPr lang="en-US" dirty="0"/>
-              <a:t>No</a:t>
+              <a:t>So a CAPABILITY is something you can DO</a:t>
+            </a:r>
+          </a:p>
+          <a:p>
+            <a:r>
+              <a:rPr lang="en-US" dirty="0"/>
+              <a:t>A SERVICE or FUNCTION is more detail on that, SPECIFIC</a:t>
+            </a:r>
+          </a:p>
+          <a:p>
+            <a:r>
+              <a:rPr lang="en-US" dirty="0"/>
+              <a:t>Then you have to actually implement those great ideas</a:t>
+            </a:r>
+          </a:p>
+          <a:p>
+            <a:endParaRPr lang="en-US" dirty="0"/>
+          </a:p>
+          <a:p>
+            <a:r>
+              <a:rPr lang="en-US" dirty="0"/>
+              <a:t>EXAMPLES</a:t>
+            </a:r>
+          </a:p>
+          <a:p>
+            <a:endParaRPr lang="en-US" dirty="0"/>
+          </a:p>
+          <a:p>
+            <a:r>
+              <a:rPr lang="en-US" dirty="0"/>
+              <a:t>T&amp;V IS-A CAPABILITY</a:t>
+            </a:r>
+          </a:p>
+          <a:p>
+            <a:r>
+              <a:rPr lang="en-US" dirty="0"/>
+              <a:t>T&amp;V has to be managed</a:t>
+            </a:r>
+          </a:p>
+          <a:p>
+            <a:endParaRPr lang="en-US" dirty="0"/>
+          </a:p>
+          <a:p>
+            <a:r>
+              <a:rPr lang="en-US" dirty="0"/>
+              <a:t>Compliance Monitoring is something that T&amp;V does</a:t>
+            </a:r>
+          </a:p>
+          <a:p>
+            <a:r>
+              <a:rPr lang="en-US" dirty="0"/>
+              <a:t>Compliance could have many functions, lots of processes</a:t>
+            </a:r>
+          </a:p>
+          <a:p>
+            <a:endParaRPr lang="en-US" dirty="0"/>
+          </a:p>
+          <a:p>
+            <a:r>
+              <a:rPr lang="en-US" dirty="0"/>
+              <a:t>Tenable is an actual thing that does Compliance Monitoring</a:t>
+            </a:r>
+          </a:p>
+          <a:p>
+            <a:endParaRPr lang="en-US" dirty="0"/>
+          </a:p>
+          <a:p>
+            <a:r>
+              <a:rPr lang="en-US" dirty="0"/>
+              <a:t>So we have a T&amp;V capability that covers Compliance Monitoring and Tenable is the implementation end of it</a:t>
             </a:r>
           </a:p>
         </p:txBody>
@@ -16231,7 +16394,7 @@
           <a:p>
             <a:fld id="{B1CAF607-DF55-DC47-B415-DAD88B121D06}" type="slidenum">
               <a:rPr lang="en-US" smtClean="0"/>
-              <a:t>18</a:t>
+              <a:t>14</a:t>
             </a:fld>
             <a:endParaRPr lang="en-US"/>
           </a:p>
@@ -16240,7 +16403,7 @@
     </p:spTree>
     <p:extLst>
       <p:ext uri="{BB962C8B-B14F-4D97-AF65-F5344CB8AC3E}">
-        <p14:creationId xmlns:p14="http://schemas.microsoft.com/office/powerpoint/2010/main" val="3466422911"/>
+        <p14:creationId xmlns:p14="http://schemas.microsoft.com/office/powerpoint/2010/main" val="1774983963"/>
       </p:ext>
     </p:extLst>
   </p:cSld>
@@ -16294,22 +16457,7 @@
           <a:bodyPr/>
           <a:lstStyle/>
           <a:p>
-            <a:r>
-              <a:rPr lang="en-US" dirty="0"/>
-              <a:t>DEMO EXCEL</a:t>
-            </a:r>
-          </a:p>
-          <a:p>
-            <a:r>
-              <a:rPr lang="en-US" dirty="0"/>
-              <a:t>Make a list</a:t>
-            </a:r>
-          </a:p>
-          <a:p>
-            <a:r>
-              <a:rPr lang="en-US" dirty="0"/>
-              <a:t>If the technology does several things or has several functions, note them</a:t>
-            </a:r>
+            <a:endParaRPr lang="en-US" dirty="0"/>
           </a:p>
         </p:txBody>
       </p:sp>
@@ -16330,7 +16478,7 @@
           <a:p>
             <a:fld id="{B1CAF607-DF55-DC47-B415-DAD88B121D06}" type="slidenum">
               <a:rPr lang="en-US" smtClean="0"/>
-              <a:t>20</a:t>
+              <a:t>15</a:t>
             </a:fld>
             <a:endParaRPr lang="en-US"/>
           </a:p>
@@ -16339,7 +16487,7 @@
     </p:spTree>
     <p:extLst>
       <p:ext uri="{BB962C8B-B14F-4D97-AF65-F5344CB8AC3E}">
-        <p14:creationId xmlns:p14="http://schemas.microsoft.com/office/powerpoint/2010/main" val="229338711"/>
+        <p14:creationId xmlns:p14="http://schemas.microsoft.com/office/powerpoint/2010/main" val="503000836"/>
       </p:ext>
     </p:extLst>
   </p:cSld>
@@ -16395,19 +16543,13 @@
           <a:p>
             <a:r>
               <a:rPr lang="en-US" dirty="0"/>
-              <a:t>DEMO EXCEL</a:t>
+              <a:t>We can be much more specific</a:t>
             </a:r>
           </a:p>
           <a:p>
             <a:r>
               <a:rPr lang="en-US" dirty="0"/>
-              <a:t>Enter items</a:t>
-            </a:r>
-          </a:p>
-          <a:p>
-            <a:r>
-              <a:rPr lang="en-US" dirty="0"/>
-              <a:t>Items have multiples</a:t>
+              <a:t>Specific Functionality</a:t>
             </a:r>
           </a:p>
           <a:p>
@@ -16432,7 +16574,7 @@
           <a:p>
             <a:fld id="{B1CAF607-DF55-DC47-B415-DAD88B121D06}" type="slidenum">
               <a:rPr lang="en-US" smtClean="0"/>
-              <a:t>21</a:t>
+              <a:t>16</a:t>
             </a:fld>
             <a:endParaRPr lang="en-US"/>
           </a:p>
@@ -16441,7 +16583,7 @@
     </p:spTree>
     <p:extLst>
       <p:ext uri="{BB962C8B-B14F-4D97-AF65-F5344CB8AC3E}">
-        <p14:creationId xmlns:p14="http://schemas.microsoft.com/office/powerpoint/2010/main" val="2937311958"/>
+        <p14:creationId xmlns:p14="http://schemas.microsoft.com/office/powerpoint/2010/main" val="3155272798"/>
       </p:ext>
     </p:extLst>
   </p:cSld>
@@ -16497,7 +16639,26 @@
           <a:p>
             <a:r>
               <a:rPr lang="en-US" dirty="0"/>
-              <a:t>DEMO EXCEL</a:t>
+              <a:t>You can use languages and tools to be really specific.</a:t>
+            </a:r>
+          </a:p>
+          <a:p>
+            <a:endParaRPr lang="en-US" dirty="0"/>
+          </a:p>
+          <a:p>
+            <a:r>
+              <a:rPr lang="en-US" dirty="0" err="1"/>
+              <a:t>Archimate</a:t>
+            </a:r>
+            <a:r>
+              <a:rPr lang="en-US" dirty="0"/>
+              <a:t> is a modeling language to help with this.</a:t>
+            </a:r>
+          </a:p>
+          <a:p>
+            <a:r>
+              <a:rPr lang="en-US" dirty="0"/>
+              <a:t>Archi is also a nice tool.</a:t>
             </a:r>
           </a:p>
         </p:txBody>
@@ -16519,7 +16680,7 @@
           <a:p>
             <a:fld id="{B1CAF607-DF55-DC47-B415-DAD88B121D06}" type="slidenum">
               <a:rPr lang="en-US" smtClean="0"/>
-              <a:t>24</a:t>
+              <a:t>17</a:t>
             </a:fld>
             <a:endParaRPr lang="en-US"/>
           </a:p>
@@ -16528,7 +16689,7 @@
     </p:spTree>
     <p:extLst>
       <p:ext uri="{BB962C8B-B14F-4D97-AF65-F5344CB8AC3E}">
-        <p14:creationId xmlns:p14="http://schemas.microsoft.com/office/powerpoint/2010/main" val="3622576212"/>
+        <p14:creationId xmlns:p14="http://schemas.microsoft.com/office/powerpoint/2010/main" val="2580193670"/>
       </p:ext>
     </p:extLst>
   </p:cSld>
@@ -16584,14 +16745,53 @@
           <a:p>
             <a:r>
               <a:rPr lang="en-US" dirty="0"/>
-              <a:t>Visually you can mark the capabilities you care about</a:t>
-            </a:r>
+              <a:t>What are some common InfoSec Capabilities?</a:t>
+            </a:r>
+          </a:p>
+          <a:p>
+            <a:endParaRPr lang="en-US" dirty="0"/>
           </a:p>
           <a:p>
             <a:r>
               <a:rPr lang="en-US" dirty="0"/>
-              <a:t>You can mark the functionality that you have, don’t have and need</a:t>
-            </a:r>
+              <a:t>Notice these are not technology specific</a:t>
+            </a:r>
+          </a:p>
+          <a:p>
+            <a:endParaRPr lang="en-US" dirty="0"/>
+          </a:p>
+          <a:p>
+            <a:r>
+              <a:rPr lang="en-US" dirty="0"/>
+              <a:t>You may come up with your own names but whatever you do pick the labels and use them.</a:t>
+            </a:r>
+          </a:p>
+          <a:p>
+            <a:endParaRPr lang="en-US" dirty="0"/>
+          </a:p>
+          <a:p>
+            <a:r>
+              <a:rPr lang="en-US" dirty="0"/>
+              <a:t>Talk about others that may exist. This is just a fly by.</a:t>
+            </a:r>
+          </a:p>
+          <a:p>
+            <a:endParaRPr lang="en-US" dirty="0"/>
+          </a:p>
+          <a:p>
+            <a:endParaRPr lang="en-US" dirty="0"/>
+          </a:p>
+          <a:p>
+            <a:r>
+              <a:rPr lang="en-US" dirty="0"/>
+              <a:t>CAPABILITIES but right underneath them are</a:t>
+            </a:r>
+          </a:p>
+          <a:p>
+            <a:endParaRPr lang="en-US" dirty="0"/>
+          </a:p>
+          <a:p>
+            <a:endParaRPr lang="en-US" dirty="0"/>
           </a:p>
         </p:txBody>
       </p:sp>
@@ -16612,7 +16812,7 @@
           <a:p>
             <a:fld id="{B1CAF607-DF55-DC47-B415-DAD88B121D06}" type="slidenum">
               <a:rPr lang="en-US" smtClean="0"/>
-              <a:t>26</a:t>
+              <a:t>18</a:t>
             </a:fld>
             <a:endParaRPr lang="en-US"/>
           </a:p>
@@ -16621,7 +16821,7 @@
     </p:spTree>
     <p:extLst>
       <p:ext uri="{BB962C8B-B14F-4D97-AF65-F5344CB8AC3E}">
-        <p14:creationId xmlns:p14="http://schemas.microsoft.com/office/powerpoint/2010/main" val="2951091680"/>
+        <p14:creationId xmlns:p14="http://schemas.microsoft.com/office/powerpoint/2010/main" val="1860598555"/>
       </p:ext>
     </p:extLst>
   </p:cSld>
@@ -16677,31 +16877,28 @@
           <a:p>
             <a:r>
               <a:rPr lang="en-US" dirty="0"/>
-              <a:t>Increase maturity</a:t>
+              <a:t>Some of these look like they overlap</a:t>
             </a:r>
           </a:p>
           <a:p>
             <a:r>
               <a:rPr lang="en-US" dirty="0"/>
-              <a:t>New threat</a:t>
+              <a:t>They may.</a:t>
             </a:r>
           </a:p>
           <a:p>
             <a:r>
               <a:rPr lang="en-US" dirty="0"/>
-              <a:t>Change in your business</a:t>
-            </a:r>
+              <a:t>You must make a call and put items into buckets.</a:t>
+            </a:r>
+          </a:p>
+          <a:p>
+            <a:endParaRPr lang="en-US" dirty="0"/>
           </a:p>
           <a:p>
             <a:r>
               <a:rPr lang="en-US" dirty="0"/>
-              <a:t>Change in services</a:t>
-            </a:r>
-          </a:p>
-          <a:p>
-            <a:r>
-              <a:rPr lang="en-US" dirty="0"/>
-              <a:t>No longer need fax machine protection</a:t>
+              <a:t>As you get new ideas and functionality into the InfoSec world you will add more to this list.</a:t>
             </a:r>
           </a:p>
           <a:p>
@@ -16726,7 +16923,7 @@
           <a:p>
             <a:fld id="{B1CAF607-DF55-DC47-B415-DAD88B121D06}" type="slidenum">
               <a:rPr lang="en-US" smtClean="0"/>
-              <a:t>27</a:t>
+              <a:t>19</a:t>
             </a:fld>
             <a:endParaRPr lang="en-US"/>
           </a:p>
@@ -16735,7 +16932,7 @@
     </p:spTree>
     <p:extLst>
       <p:ext uri="{BB962C8B-B14F-4D97-AF65-F5344CB8AC3E}">
-        <p14:creationId xmlns:p14="http://schemas.microsoft.com/office/powerpoint/2010/main" val="1748277257"/>
+        <p14:creationId xmlns:p14="http://schemas.microsoft.com/office/powerpoint/2010/main" val="2036793062"/>
       </p:ext>
     </p:extLst>
   </p:cSld>
@@ -16789,7 +16986,55 @@
           <a:bodyPr/>
           <a:lstStyle/>
           <a:p>
+            <a:r>
+              <a:rPr lang="en-US" dirty="0"/>
+              <a:t>Ron Parker</a:t>
+            </a:r>
+          </a:p>
+          <a:p>
+            <a:r>
+              <a:rPr lang="en-US" dirty="0"/>
+              <a:t>Work for a Fortune 250 Insurance Company</a:t>
+            </a:r>
+          </a:p>
+          <a:p>
+            <a:r>
+              <a:rPr lang="en-US" dirty="0"/>
+              <a:t>Security Solution Engineering</a:t>
+            </a:r>
+          </a:p>
+          <a:p>
             <a:endParaRPr lang="en-US" dirty="0"/>
+          </a:p>
+          <a:p>
+            <a:r>
+              <a:rPr lang="en-US" dirty="0"/>
+              <a:t>This is the beginning of an approach.</a:t>
+            </a:r>
+          </a:p>
+          <a:p>
+            <a:r>
+              <a:rPr lang="en-US" dirty="0"/>
+              <a:t>Changing the model or the approach is your prerogative. </a:t>
+            </a:r>
+          </a:p>
+          <a:p>
+            <a:r>
+              <a:rPr lang="en-US" dirty="0"/>
+              <a:t>This is a Roughly Right beginning.</a:t>
+            </a:r>
+          </a:p>
+          <a:p>
+            <a:endParaRPr lang="en-US" dirty="0"/>
+          </a:p>
+          <a:p>
+            <a:endParaRPr lang="en-US" dirty="0"/>
+          </a:p>
+          <a:p>
+            <a:r>
+              <a:rPr lang="en-US" dirty="0"/>
+              <a:t>V1.0	20220330	RLP	First called version</a:t>
+            </a:r>
           </a:p>
         </p:txBody>
       </p:sp>
@@ -16810,7 +17055,7 @@
           <a:p>
             <a:fld id="{B1CAF607-DF55-DC47-B415-DAD88B121D06}" type="slidenum">
               <a:rPr lang="en-US" smtClean="0"/>
-              <a:t>3</a:t>
+              <a:t>2</a:t>
             </a:fld>
             <a:endParaRPr lang="en-US"/>
           </a:p>
@@ -16819,7 +17064,7 @@
     </p:spTree>
     <p:extLst>
       <p:ext uri="{BB962C8B-B14F-4D97-AF65-F5344CB8AC3E}">
-        <p14:creationId xmlns:p14="http://schemas.microsoft.com/office/powerpoint/2010/main" val="2047334690"/>
+        <p14:creationId xmlns:p14="http://schemas.microsoft.com/office/powerpoint/2010/main" val="257694459"/>
       </p:ext>
     </p:extLst>
   </p:cSld>
@@ -16873,7 +17118,34 @@
           <a:bodyPr/>
           <a:lstStyle/>
           <a:p>
+            <a:r>
+              <a:rPr lang="en-US" dirty="0"/>
+              <a:t>Remember this is really the catalog of capabilities, not yours</a:t>
+            </a:r>
+          </a:p>
+          <a:p>
+            <a:r>
+              <a:rPr lang="en-US" dirty="0"/>
+              <a:t>You may have all, some, or more than is shown.</a:t>
+            </a:r>
+          </a:p>
+          <a:p>
             <a:endParaRPr lang="en-US" dirty="0"/>
+          </a:p>
+          <a:p>
+            <a:r>
+              <a:rPr lang="en-US" dirty="0"/>
+              <a:t>You may break them down a lot more.</a:t>
+            </a:r>
+          </a:p>
+          <a:p>
+            <a:endParaRPr lang="en-US" dirty="0"/>
+          </a:p>
+          <a:p>
+            <a:r>
+              <a:rPr lang="en-US" dirty="0"/>
+              <a:t>It depends on your audience and needs.</a:t>
+            </a:r>
           </a:p>
         </p:txBody>
       </p:sp>
@@ -16894,7 +17166,7 @@
           <a:p>
             <a:fld id="{B1CAF607-DF55-DC47-B415-DAD88B121D06}" type="slidenum">
               <a:rPr lang="en-US" smtClean="0"/>
-              <a:t>29</a:t>
+              <a:t>20</a:t>
             </a:fld>
             <a:endParaRPr lang="en-US"/>
           </a:p>
@@ -16903,7 +17175,7 @@
     </p:spTree>
     <p:extLst>
       <p:ext uri="{BB962C8B-B14F-4D97-AF65-F5344CB8AC3E}">
-        <p14:creationId xmlns:p14="http://schemas.microsoft.com/office/powerpoint/2010/main" val="1664962197"/>
+        <p14:creationId xmlns:p14="http://schemas.microsoft.com/office/powerpoint/2010/main" val="1599611946"/>
       </p:ext>
     </p:extLst>
   </p:cSld>
@@ -16957,7 +17229,10 @@
           <a:bodyPr/>
           <a:lstStyle/>
           <a:p>
-            <a:endParaRPr lang="en-US" dirty="0"/>
+            <a:r>
+              <a:rPr lang="en-US" dirty="0"/>
+              <a:t>No</a:t>
+            </a:r>
           </a:p>
         </p:txBody>
       </p:sp>
@@ -16978,7 +17253,7 @@
           <a:p>
             <a:fld id="{B1CAF607-DF55-DC47-B415-DAD88B121D06}" type="slidenum">
               <a:rPr lang="en-US" smtClean="0"/>
-              <a:t>31</a:t>
+              <a:t>21</a:t>
             </a:fld>
             <a:endParaRPr lang="en-US"/>
           </a:p>
@@ -16987,7 +17262,7 @@
     </p:spTree>
     <p:extLst>
       <p:ext uri="{BB962C8B-B14F-4D97-AF65-F5344CB8AC3E}">
-        <p14:creationId xmlns:p14="http://schemas.microsoft.com/office/powerpoint/2010/main" val="4128579812"/>
+        <p14:creationId xmlns:p14="http://schemas.microsoft.com/office/powerpoint/2010/main" val="3466422911"/>
       </p:ext>
     </p:extLst>
   </p:cSld>
@@ -17043,37 +17318,41 @@
           <a:p>
             <a:r>
               <a:rPr lang="en-US" dirty="0"/>
-              <a:t>This is not an end all be all</a:t>
+              <a:t>We process first</a:t>
             </a:r>
           </a:p>
           <a:p>
             <a:r>
               <a:rPr lang="en-US" dirty="0"/>
-              <a:t>This is just a foundation for you to use</a:t>
-            </a:r>
+              <a:t>The steps</a:t>
+            </a:r>
+          </a:p>
+          <a:p>
+            <a:endParaRPr lang="en-US" dirty="0"/>
           </a:p>
           <a:p>
             <a:r>
               <a:rPr lang="en-US" dirty="0"/>
-              <a:t>Add more data points</a:t>
-            </a:r>
+              <a:t>I am almost sure you will not do these in order or all at one time</a:t>
+            </a:r>
+          </a:p>
+          <a:p>
+            <a:endParaRPr lang="en-US" dirty="0"/>
           </a:p>
           <a:p>
             <a:r>
               <a:rPr lang="en-US" dirty="0"/>
-              <a:t>Draw more diagrams</a:t>
-            </a:r>
+              <a:t>You could think about these as activities you do along the way</a:t>
+            </a:r>
+          </a:p>
+          <a:p>
+            <a:endParaRPr lang="en-US" dirty="0"/>
           </a:p>
           <a:p>
             <a:r>
               <a:rPr lang="en-US" dirty="0"/>
-              <a:t>Change </a:t>
-            </a:r>
-            <a:r>
-              <a:rPr lang="en-US"/>
-              <a:t>your diagrams to models </a:t>
-            </a:r>
-            <a:endParaRPr lang="en-US" dirty="0"/>
+              <a:t>so</a:t>
+            </a:r>
           </a:p>
         </p:txBody>
       </p:sp>
@@ -17094,7 +17373,7 @@
           <a:p>
             <a:fld id="{B1CAF607-DF55-DC47-B415-DAD88B121D06}" type="slidenum">
               <a:rPr lang="en-US" smtClean="0"/>
-              <a:t>34</a:t>
+              <a:t>22</a:t>
             </a:fld>
             <a:endParaRPr lang="en-US"/>
           </a:p>
@@ -17103,7 +17382,7 @@
     </p:spTree>
     <p:extLst>
       <p:ext uri="{BB962C8B-B14F-4D97-AF65-F5344CB8AC3E}">
-        <p14:creationId xmlns:p14="http://schemas.microsoft.com/office/powerpoint/2010/main" val="2248443384"/>
+        <p14:creationId xmlns:p14="http://schemas.microsoft.com/office/powerpoint/2010/main" val="3761448707"/>
       </p:ext>
     </p:extLst>
   </p:cSld>
@@ -17159,7 +17438,69 @@
           <a:p>
             <a:r>
               <a:rPr lang="en-US" dirty="0"/>
-              <a:t>Changing the model or the approach is your prerogative. This is a Roughly Right beginning.</a:t>
+              <a:t>INVENTORY</a:t>
+            </a:r>
+          </a:p>
+          <a:p>
+            <a:endParaRPr lang="en-US" dirty="0"/>
+          </a:p>
+          <a:p>
+            <a:r>
+              <a:rPr lang="en-US" dirty="0"/>
+              <a:t>Make a list</a:t>
+            </a:r>
+          </a:p>
+          <a:p>
+            <a:endParaRPr lang="en-US" dirty="0"/>
+          </a:p>
+          <a:p>
+            <a:r>
+              <a:rPr lang="en-US" dirty="0"/>
+              <a:t>What are the managers managing?</a:t>
+            </a:r>
+          </a:p>
+          <a:p>
+            <a:r>
+              <a:rPr lang="en-US" dirty="0"/>
+              <a:t>What technology do you have?</a:t>
+            </a:r>
+          </a:p>
+          <a:p>
+            <a:r>
+              <a:rPr lang="en-US" dirty="0"/>
+              <a:t>What have your outsourced, or </a:t>
+            </a:r>
+            <a:r>
+              <a:rPr lang="en-US" dirty="0" err="1"/>
+              <a:t>vendored</a:t>
+            </a:r>
+            <a:r>
+              <a:rPr lang="en-US" dirty="0"/>
+              <a:t> out?</a:t>
+            </a:r>
+          </a:p>
+          <a:p>
+            <a:endParaRPr lang="en-US" dirty="0"/>
+          </a:p>
+          <a:p>
+            <a:r>
+              <a:rPr lang="en-US" dirty="0"/>
+              <a:t>Group what looks to be similar</a:t>
+            </a:r>
+          </a:p>
+          <a:p>
+            <a:r>
+              <a:rPr lang="en-US" dirty="0"/>
+              <a:t>Look at the capabilities list in the matrix (modify it)</a:t>
+            </a:r>
+          </a:p>
+          <a:p>
+            <a:endParaRPr lang="en-US" dirty="0"/>
+          </a:p>
+          <a:p>
+            <a:r>
+              <a:rPr lang="en-US" dirty="0"/>
+              <a:t>If the technology does several things or has several functions, note them - this will be common especially for SASE that are security garbage dumps</a:t>
             </a:r>
           </a:p>
         </p:txBody>
@@ -17181,7 +17522,7 @@
           <a:p>
             <a:fld id="{B1CAF607-DF55-DC47-B415-DAD88B121D06}" type="slidenum">
               <a:rPr lang="en-US" smtClean="0"/>
-              <a:t>35</a:t>
+              <a:t>23</a:t>
             </a:fld>
             <a:endParaRPr lang="en-US"/>
           </a:p>
@@ -17190,7 +17531,703 @@
     </p:spTree>
     <p:extLst>
       <p:ext uri="{BB962C8B-B14F-4D97-AF65-F5344CB8AC3E}">
-        <p14:creationId xmlns:p14="http://schemas.microsoft.com/office/powerpoint/2010/main" val="1585317885"/>
+        <p14:creationId xmlns:p14="http://schemas.microsoft.com/office/powerpoint/2010/main" val="229338711"/>
+      </p:ext>
+    </p:extLst>
+  </p:cSld>
+  <p:clrMapOvr>
+    <a:masterClrMapping/>
+  </p:clrMapOvr>
+</p:notes>
+</file>
+
+<file path=ppt/notesSlides/notesSlide24.xml><?xml version="1.0" encoding="utf-8"?>
+<p:notes xmlns:a="http://schemas.openxmlformats.org/drawingml/2006/main" xmlns:r="http://schemas.openxmlformats.org/officeDocument/2006/relationships" xmlns:p="http://schemas.openxmlformats.org/presentationml/2006/main">
+  <p:cSld>
+    <p:spTree>
+      <p:nvGrpSpPr>
+        <p:cNvPr id="1" name=""/>
+        <p:cNvGrpSpPr/>
+        <p:nvPr/>
+      </p:nvGrpSpPr>
+      <p:grpSpPr>
+        <a:xfrm>
+          <a:off x="0" y="0"/>
+          <a:ext cx="0" cy="0"/>
+          <a:chOff x="0" y="0"/>
+          <a:chExt cx="0" cy="0"/>
+        </a:xfrm>
+      </p:grpSpPr>
+      <p:sp>
+        <p:nvSpPr>
+          <p:cNvPr id="2" name="Slide Image Placeholder 1"/>
+          <p:cNvSpPr>
+            <a:spLocks noGrp="1" noRot="1" noChangeAspect="1"/>
+          </p:cNvSpPr>
+          <p:nvPr>
+            <p:ph type="sldImg"/>
+          </p:nvPr>
+        </p:nvSpPr>
+        <p:spPr/>
+      </p:sp>
+      <p:sp>
+        <p:nvSpPr>
+          <p:cNvPr id="3" name="Notes Placeholder 2"/>
+          <p:cNvSpPr>
+            <a:spLocks noGrp="1"/>
+          </p:cNvSpPr>
+          <p:nvPr>
+            <p:ph type="body" idx="1"/>
+          </p:nvPr>
+        </p:nvSpPr>
+        <p:spPr/>
+        <p:txBody>
+          <a:bodyPr/>
+          <a:lstStyle/>
+          <a:p>
+            <a:endParaRPr lang="en-US" dirty="0"/>
+          </a:p>
+          <a:p>
+            <a:r>
+              <a:rPr lang="en-US" dirty="0"/>
+              <a:t>Enter the items into the Matrix</a:t>
+            </a:r>
+          </a:p>
+          <a:p>
+            <a:r>
+              <a:rPr lang="en-US" dirty="0"/>
+              <a:t>You may also need other columns</a:t>
+            </a:r>
+          </a:p>
+          <a:p>
+            <a:r>
+              <a:rPr lang="en-US" dirty="0"/>
+              <a:t>Maybe division, country, identifier, yearly cost</a:t>
+            </a:r>
+          </a:p>
+          <a:p>
+            <a:endParaRPr lang="en-US" dirty="0"/>
+          </a:p>
+          <a:p>
+            <a:r>
+              <a:rPr lang="en-US" dirty="0"/>
+              <a:t>If a technology has separate modules for different functionality enter those separately - multiple line items</a:t>
+            </a:r>
+          </a:p>
+          <a:p>
+            <a:endParaRPr lang="en-US" dirty="0"/>
+          </a:p>
+          <a:p>
+            <a:endParaRPr lang="en-US" dirty="0"/>
+          </a:p>
+        </p:txBody>
+      </p:sp>
+      <p:sp>
+        <p:nvSpPr>
+          <p:cNvPr id="4" name="Slide Number Placeholder 3"/>
+          <p:cNvSpPr>
+            <a:spLocks noGrp="1"/>
+          </p:cNvSpPr>
+          <p:nvPr>
+            <p:ph type="sldNum" sz="quarter" idx="5"/>
+          </p:nvPr>
+        </p:nvSpPr>
+        <p:spPr/>
+        <p:txBody>
+          <a:bodyPr/>
+          <a:lstStyle/>
+          <a:p>
+            <a:fld id="{B1CAF607-DF55-DC47-B415-DAD88B121D06}" type="slidenum">
+              <a:rPr lang="en-US" smtClean="0"/>
+              <a:t>24</a:t>
+            </a:fld>
+            <a:endParaRPr lang="en-US"/>
+          </a:p>
+        </p:txBody>
+      </p:sp>
+    </p:spTree>
+    <p:extLst>
+      <p:ext uri="{BB962C8B-B14F-4D97-AF65-F5344CB8AC3E}">
+        <p14:creationId xmlns:p14="http://schemas.microsoft.com/office/powerpoint/2010/main" val="2937311958"/>
+      </p:ext>
+    </p:extLst>
+  </p:cSld>
+  <p:clrMapOvr>
+    <a:masterClrMapping/>
+  </p:clrMapOvr>
+</p:notes>
+</file>
+
+<file path=ppt/notesSlides/notesSlide25.xml><?xml version="1.0" encoding="utf-8"?>
+<p:notes xmlns:a="http://schemas.openxmlformats.org/drawingml/2006/main" xmlns:r="http://schemas.openxmlformats.org/officeDocument/2006/relationships" xmlns:p="http://schemas.openxmlformats.org/presentationml/2006/main">
+  <p:cSld>
+    <p:spTree>
+      <p:nvGrpSpPr>
+        <p:cNvPr id="1" name=""/>
+        <p:cNvGrpSpPr/>
+        <p:nvPr/>
+      </p:nvGrpSpPr>
+      <p:grpSpPr>
+        <a:xfrm>
+          <a:off x="0" y="0"/>
+          <a:ext cx="0" cy="0"/>
+          <a:chOff x="0" y="0"/>
+          <a:chExt cx="0" cy="0"/>
+        </a:xfrm>
+      </p:grpSpPr>
+      <p:sp>
+        <p:nvSpPr>
+          <p:cNvPr id="2" name="Slide Image Placeholder 1"/>
+          <p:cNvSpPr>
+            <a:spLocks noGrp="1" noRot="1" noChangeAspect="1"/>
+          </p:cNvSpPr>
+          <p:nvPr>
+            <p:ph type="sldImg"/>
+          </p:nvPr>
+        </p:nvSpPr>
+        <p:spPr/>
+      </p:sp>
+      <p:sp>
+        <p:nvSpPr>
+          <p:cNvPr id="3" name="Notes Placeholder 2"/>
+          <p:cNvSpPr>
+            <a:spLocks noGrp="1"/>
+          </p:cNvSpPr>
+          <p:nvPr>
+            <p:ph type="body" idx="1"/>
+          </p:nvPr>
+        </p:nvSpPr>
+        <p:spPr/>
+        <p:txBody>
+          <a:bodyPr/>
+          <a:lstStyle/>
+          <a:p>
+            <a:r>
+              <a:rPr lang="en-US" dirty="0"/>
+              <a:t>We are capturing how we do a capability, what does what ewe need to get done?</a:t>
+            </a:r>
+          </a:p>
+          <a:p>
+            <a:endParaRPr lang="en-US" dirty="0"/>
+          </a:p>
+          <a:p>
+            <a:r>
+              <a:rPr lang="en-US" dirty="0"/>
+              <a:t>IMPLEMENTATION of security</a:t>
+            </a:r>
+          </a:p>
+        </p:txBody>
+      </p:sp>
+      <p:sp>
+        <p:nvSpPr>
+          <p:cNvPr id="4" name="Slide Number Placeholder 3"/>
+          <p:cNvSpPr>
+            <a:spLocks noGrp="1"/>
+          </p:cNvSpPr>
+          <p:nvPr>
+            <p:ph type="sldNum" sz="quarter" idx="5"/>
+          </p:nvPr>
+        </p:nvSpPr>
+        <p:spPr/>
+        <p:txBody>
+          <a:bodyPr/>
+          <a:lstStyle/>
+          <a:p>
+            <a:fld id="{B1CAF607-DF55-DC47-B415-DAD88B121D06}" type="slidenum">
+              <a:rPr lang="en-US" smtClean="0"/>
+              <a:t>25</a:t>
+            </a:fld>
+            <a:endParaRPr lang="en-US"/>
+          </a:p>
+        </p:txBody>
+      </p:sp>
+    </p:spTree>
+    <p:extLst>
+      <p:ext uri="{BB962C8B-B14F-4D97-AF65-F5344CB8AC3E}">
+        <p14:creationId xmlns:p14="http://schemas.microsoft.com/office/powerpoint/2010/main" val="2109305006"/>
+      </p:ext>
+    </p:extLst>
+  </p:cSld>
+  <p:clrMapOvr>
+    <a:masterClrMapping/>
+  </p:clrMapOvr>
+</p:notes>
+</file>
+
+<file path=ppt/notesSlides/notesSlide26.xml><?xml version="1.0" encoding="utf-8"?>
+<p:notes xmlns:a="http://schemas.openxmlformats.org/drawingml/2006/main" xmlns:r="http://schemas.openxmlformats.org/officeDocument/2006/relationships" xmlns:p="http://schemas.openxmlformats.org/presentationml/2006/main">
+  <p:cSld>
+    <p:spTree>
+      <p:nvGrpSpPr>
+        <p:cNvPr id="1" name=""/>
+        <p:cNvGrpSpPr/>
+        <p:nvPr/>
+      </p:nvGrpSpPr>
+      <p:grpSpPr>
+        <a:xfrm>
+          <a:off x="0" y="0"/>
+          <a:ext cx="0" cy="0"/>
+          <a:chOff x="0" y="0"/>
+          <a:chExt cx="0" cy="0"/>
+        </a:xfrm>
+      </p:grpSpPr>
+      <p:sp>
+        <p:nvSpPr>
+          <p:cNvPr id="2" name="Slide Image Placeholder 1"/>
+          <p:cNvSpPr>
+            <a:spLocks noGrp="1" noRot="1" noChangeAspect="1"/>
+          </p:cNvSpPr>
+          <p:nvPr>
+            <p:ph type="sldImg"/>
+          </p:nvPr>
+        </p:nvSpPr>
+        <p:spPr/>
+      </p:sp>
+      <p:sp>
+        <p:nvSpPr>
+          <p:cNvPr id="3" name="Notes Placeholder 2"/>
+          <p:cNvSpPr>
+            <a:spLocks noGrp="1"/>
+          </p:cNvSpPr>
+          <p:nvPr>
+            <p:ph type="body" idx="1"/>
+          </p:nvPr>
+        </p:nvSpPr>
+        <p:spPr/>
+        <p:txBody>
+          <a:bodyPr/>
+          <a:lstStyle/>
+          <a:p>
+            <a:r>
+              <a:rPr lang="en-US" dirty="0"/>
+              <a:t>The to the right we have all those Services/Functions listed</a:t>
+            </a:r>
+          </a:p>
+          <a:p>
+            <a:endParaRPr lang="en-US" dirty="0"/>
+          </a:p>
+          <a:p>
+            <a:r>
+              <a:rPr lang="en-US" dirty="0"/>
+              <a:t>For each line item you want to indicate the FUNCTION that is performed by that IMPLEMETATION</a:t>
+            </a:r>
+          </a:p>
+          <a:p>
+            <a:endParaRPr lang="en-US" dirty="0"/>
+          </a:p>
+          <a:p>
+            <a:r>
+              <a:rPr lang="en-US" dirty="0"/>
+              <a:t>Azure AD does a lot</a:t>
+            </a:r>
+          </a:p>
+          <a:p>
+            <a:r>
+              <a:rPr lang="en-US" dirty="0"/>
+              <a:t>Look across marking Meets or Partial</a:t>
+            </a:r>
+          </a:p>
+          <a:p>
+            <a:endParaRPr lang="en-US" dirty="0"/>
+          </a:p>
+          <a:p>
+            <a:r>
+              <a:rPr lang="en-US" dirty="0"/>
+              <a:t>It is ok to guess because this is an estimation, big picture thing</a:t>
+            </a:r>
+          </a:p>
+          <a:p>
+            <a:endParaRPr lang="en-US" dirty="0"/>
+          </a:p>
+          <a:p>
+            <a:r>
+              <a:rPr lang="en-US" dirty="0"/>
+              <a:t>Notice the number of FUNCTIONS per IMPLEMTATION</a:t>
+            </a:r>
+          </a:p>
+          <a:p>
+            <a:endParaRPr lang="en-US" dirty="0"/>
+          </a:p>
+        </p:txBody>
+      </p:sp>
+      <p:sp>
+        <p:nvSpPr>
+          <p:cNvPr id="4" name="Slide Number Placeholder 3"/>
+          <p:cNvSpPr>
+            <a:spLocks noGrp="1"/>
+          </p:cNvSpPr>
+          <p:nvPr>
+            <p:ph type="sldNum" sz="quarter" idx="5"/>
+          </p:nvPr>
+        </p:nvSpPr>
+        <p:spPr/>
+        <p:txBody>
+          <a:bodyPr/>
+          <a:lstStyle/>
+          <a:p>
+            <a:fld id="{B1CAF607-DF55-DC47-B415-DAD88B121D06}" type="slidenum">
+              <a:rPr lang="en-US" smtClean="0"/>
+              <a:t>26</a:t>
+            </a:fld>
+            <a:endParaRPr lang="en-US"/>
+          </a:p>
+        </p:txBody>
+      </p:sp>
+    </p:spTree>
+    <p:extLst>
+      <p:ext uri="{BB962C8B-B14F-4D97-AF65-F5344CB8AC3E}">
+        <p14:creationId xmlns:p14="http://schemas.microsoft.com/office/powerpoint/2010/main" val="2746360431"/>
+      </p:ext>
+    </p:extLst>
+  </p:cSld>
+  <p:clrMapOvr>
+    <a:masterClrMapping/>
+  </p:clrMapOvr>
+</p:notes>
+</file>
+
+<file path=ppt/notesSlides/notesSlide27.xml><?xml version="1.0" encoding="utf-8"?>
+<p:notes xmlns:a="http://schemas.openxmlformats.org/drawingml/2006/main" xmlns:r="http://schemas.openxmlformats.org/officeDocument/2006/relationships" xmlns:p="http://schemas.openxmlformats.org/presentationml/2006/main">
+  <p:cSld>
+    <p:spTree>
+      <p:nvGrpSpPr>
+        <p:cNvPr id="1" name=""/>
+        <p:cNvGrpSpPr/>
+        <p:nvPr/>
+      </p:nvGrpSpPr>
+      <p:grpSpPr>
+        <a:xfrm>
+          <a:off x="0" y="0"/>
+          <a:ext cx="0" cy="0"/>
+          <a:chOff x="0" y="0"/>
+          <a:chExt cx="0" cy="0"/>
+        </a:xfrm>
+      </p:grpSpPr>
+      <p:sp>
+        <p:nvSpPr>
+          <p:cNvPr id="2" name="Slide Image Placeholder 1"/>
+          <p:cNvSpPr>
+            <a:spLocks noGrp="1" noRot="1" noChangeAspect="1"/>
+          </p:cNvSpPr>
+          <p:nvPr>
+            <p:ph type="sldImg"/>
+          </p:nvPr>
+        </p:nvSpPr>
+        <p:spPr/>
+      </p:sp>
+      <p:sp>
+        <p:nvSpPr>
+          <p:cNvPr id="3" name="Notes Placeholder 2"/>
+          <p:cNvSpPr>
+            <a:spLocks noGrp="1"/>
+          </p:cNvSpPr>
+          <p:nvPr>
+            <p:ph type="body" idx="1"/>
+          </p:nvPr>
+        </p:nvSpPr>
+        <p:spPr/>
+        <p:txBody>
+          <a:bodyPr/>
+          <a:lstStyle/>
+          <a:p>
+            <a:r>
+              <a:rPr lang="en-US" dirty="0"/>
+              <a:t>Notice AD,  </a:t>
+            </a:r>
+            <a:r>
+              <a:rPr lang="en-US" dirty="0" err="1"/>
+              <a:t>OpenLDAP</a:t>
+            </a:r>
+            <a:r>
+              <a:rPr lang="en-US" dirty="0"/>
+              <a:t>, and Azure AD can be a DIRECTORY</a:t>
+            </a:r>
+          </a:p>
+          <a:p>
+            <a:endParaRPr lang="en-US" dirty="0"/>
+          </a:p>
+          <a:p>
+            <a:r>
+              <a:rPr lang="en-US" dirty="0"/>
+              <a:t>That is why there are 3 MEETS for the DIRECTORY function</a:t>
+            </a:r>
+          </a:p>
+          <a:p>
+            <a:endParaRPr lang="en-US" dirty="0"/>
+          </a:p>
+          <a:p>
+            <a:r>
+              <a:rPr lang="en-US" dirty="0"/>
+              <a:t>This should raise a question - why? location, </a:t>
+            </a:r>
+            <a:r>
+              <a:rPr lang="en-US" dirty="0" err="1"/>
+              <a:t>platofmr</a:t>
+            </a:r>
+            <a:r>
+              <a:rPr lang="en-US" dirty="0"/>
+              <a:t>? COTS?</a:t>
+            </a:r>
+          </a:p>
+          <a:p>
+            <a:endParaRPr lang="en-US" dirty="0"/>
+          </a:p>
+        </p:txBody>
+      </p:sp>
+      <p:sp>
+        <p:nvSpPr>
+          <p:cNvPr id="4" name="Slide Number Placeholder 3"/>
+          <p:cNvSpPr>
+            <a:spLocks noGrp="1"/>
+          </p:cNvSpPr>
+          <p:nvPr>
+            <p:ph type="sldNum" sz="quarter" idx="5"/>
+          </p:nvPr>
+        </p:nvSpPr>
+        <p:spPr/>
+        <p:txBody>
+          <a:bodyPr/>
+          <a:lstStyle/>
+          <a:p>
+            <a:fld id="{B1CAF607-DF55-DC47-B415-DAD88B121D06}" type="slidenum">
+              <a:rPr lang="en-US" smtClean="0"/>
+              <a:t>27</a:t>
+            </a:fld>
+            <a:endParaRPr lang="en-US"/>
+          </a:p>
+        </p:txBody>
+      </p:sp>
+    </p:spTree>
+    <p:extLst>
+      <p:ext uri="{BB962C8B-B14F-4D97-AF65-F5344CB8AC3E}">
+        <p14:creationId xmlns:p14="http://schemas.microsoft.com/office/powerpoint/2010/main" val="216705038"/>
+      </p:ext>
+    </p:extLst>
+  </p:cSld>
+  <p:clrMapOvr>
+    <a:masterClrMapping/>
+  </p:clrMapOvr>
+</p:notes>
+</file>
+
+<file path=ppt/notesSlides/notesSlide28.xml><?xml version="1.0" encoding="utf-8"?>
+<p:notes xmlns:a="http://schemas.openxmlformats.org/drawingml/2006/main" xmlns:r="http://schemas.openxmlformats.org/officeDocument/2006/relationships" xmlns:p="http://schemas.openxmlformats.org/presentationml/2006/main">
+  <p:cSld>
+    <p:spTree>
+      <p:nvGrpSpPr>
+        <p:cNvPr id="1" name=""/>
+        <p:cNvGrpSpPr/>
+        <p:nvPr/>
+      </p:nvGrpSpPr>
+      <p:grpSpPr>
+        <a:xfrm>
+          <a:off x="0" y="0"/>
+          <a:ext cx="0" cy="0"/>
+          <a:chOff x="0" y="0"/>
+          <a:chExt cx="0" cy="0"/>
+        </a:xfrm>
+      </p:grpSpPr>
+      <p:sp>
+        <p:nvSpPr>
+          <p:cNvPr id="2" name="Slide Image Placeholder 1"/>
+          <p:cNvSpPr>
+            <a:spLocks noGrp="1" noRot="1" noChangeAspect="1"/>
+          </p:cNvSpPr>
+          <p:nvPr>
+            <p:ph type="sldImg"/>
+          </p:nvPr>
+        </p:nvSpPr>
+        <p:spPr/>
+      </p:sp>
+      <p:sp>
+        <p:nvSpPr>
+          <p:cNvPr id="3" name="Notes Placeholder 2"/>
+          <p:cNvSpPr>
+            <a:spLocks noGrp="1"/>
+          </p:cNvSpPr>
+          <p:nvPr>
+            <p:ph type="body" idx="1"/>
+          </p:nvPr>
+        </p:nvSpPr>
+        <p:spPr/>
+        <p:txBody>
+          <a:bodyPr/>
+          <a:lstStyle/>
+          <a:p>
+            <a:r>
+              <a:rPr lang="en-US" dirty="0"/>
+              <a:t>ASSESS</a:t>
+            </a:r>
+          </a:p>
+          <a:p>
+            <a:endParaRPr lang="en-US" dirty="0"/>
+          </a:p>
+          <a:p>
+            <a:r>
+              <a:rPr lang="en-US" dirty="0"/>
+              <a:t>What about some maturity</a:t>
+            </a:r>
+          </a:p>
+        </p:txBody>
+      </p:sp>
+      <p:sp>
+        <p:nvSpPr>
+          <p:cNvPr id="4" name="Slide Number Placeholder 3"/>
+          <p:cNvSpPr>
+            <a:spLocks noGrp="1"/>
+          </p:cNvSpPr>
+          <p:nvPr>
+            <p:ph type="sldNum" sz="quarter" idx="5"/>
+          </p:nvPr>
+        </p:nvSpPr>
+        <p:spPr/>
+        <p:txBody>
+          <a:bodyPr/>
+          <a:lstStyle/>
+          <a:p>
+            <a:fld id="{B1CAF607-DF55-DC47-B415-DAD88B121D06}" type="slidenum">
+              <a:rPr lang="en-US" smtClean="0"/>
+              <a:t>28</a:t>
+            </a:fld>
+            <a:endParaRPr lang="en-US"/>
+          </a:p>
+        </p:txBody>
+      </p:sp>
+    </p:spTree>
+    <p:extLst>
+      <p:ext uri="{BB962C8B-B14F-4D97-AF65-F5344CB8AC3E}">
+        <p14:creationId xmlns:p14="http://schemas.microsoft.com/office/powerpoint/2010/main" val="3622576212"/>
+      </p:ext>
+    </p:extLst>
+  </p:cSld>
+  <p:clrMapOvr>
+    <a:masterClrMapping/>
+  </p:clrMapOvr>
+</p:notes>
+</file>
+
+<file path=ppt/notesSlides/notesSlide29.xml><?xml version="1.0" encoding="utf-8"?>
+<p:notes xmlns:a="http://schemas.openxmlformats.org/drawingml/2006/main" xmlns:r="http://schemas.openxmlformats.org/officeDocument/2006/relationships" xmlns:p="http://schemas.openxmlformats.org/presentationml/2006/main">
+  <p:cSld>
+    <p:spTree>
+      <p:nvGrpSpPr>
+        <p:cNvPr id="1" name=""/>
+        <p:cNvGrpSpPr/>
+        <p:nvPr/>
+      </p:nvGrpSpPr>
+      <p:grpSpPr>
+        <a:xfrm>
+          <a:off x="0" y="0"/>
+          <a:ext cx="0" cy="0"/>
+          <a:chOff x="0" y="0"/>
+          <a:chExt cx="0" cy="0"/>
+        </a:xfrm>
+      </p:grpSpPr>
+      <p:sp>
+        <p:nvSpPr>
+          <p:cNvPr id="2" name="Slide Image Placeholder 1"/>
+          <p:cNvSpPr>
+            <a:spLocks noGrp="1" noRot="1" noChangeAspect="1"/>
+          </p:cNvSpPr>
+          <p:nvPr>
+            <p:ph type="sldImg"/>
+          </p:nvPr>
+        </p:nvSpPr>
+        <p:spPr/>
+      </p:sp>
+      <p:sp>
+        <p:nvSpPr>
+          <p:cNvPr id="3" name="Notes Placeholder 2"/>
+          <p:cNvSpPr>
+            <a:spLocks noGrp="1"/>
+          </p:cNvSpPr>
+          <p:nvPr>
+            <p:ph type="body" idx="1"/>
+          </p:nvPr>
+        </p:nvSpPr>
+        <p:spPr/>
+        <p:txBody>
+          <a:bodyPr/>
+          <a:lstStyle/>
+          <a:p>
+            <a:r>
+              <a:rPr lang="en-US" dirty="0"/>
+              <a:t>You </a:t>
+            </a:r>
+            <a:r>
+              <a:rPr lang="en-US" dirty="0" err="1"/>
+              <a:t>dont</a:t>
+            </a:r>
+            <a:r>
+              <a:rPr lang="en-US" dirty="0"/>
+              <a:t> just have to use a spreadsheet</a:t>
+            </a:r>
+          </a:p>
+          <a:p>
+            <a:endParaRPr lang="en-US" dirty="0"/>
+          </a:p>
+          <a:p>
+            <a:r>
+              <a:rPr lang="en-US" dirty="0"/>
+              <a:t>Visually you can mark the capabilities you care about</a:t>
+            </a:r>
+          </a:p>
+          <a:p>
+            <a:endParaRPr lang="en-US" dirty="0"/>
+          </a:p>
+          <a:p>
+            <a:r>
+              <a:rPr lang="en-US" dirty="0"/>
+              <a:t>You can mark the functionality that you have, don’t have and need</a:t>
+            </a:r>
+          </a:p>
+          <a:p>
+            <a:endParaRPr lang="en-US" dirty="0"/>
+          </a:p>
+          <a:p>
+            <a:r>
+              <a:rPr lang="en-US" dirty="0"/>
+              <a:t>It would make for a good wall sized poster</a:t>
+            </a:r>
+          </a:p>
+          <a:p>
+            <a:endParaRPr lang="en-US" dirty="0"/>
+          </a:p>
+          <a:p>
+            <a:r>
+              <a:rPr lang="en-US" dirty="0"/>
+              <a:t>But nothing stays the same</a:t>
+            </a:r>
+          </a:p>
+        </p:txBody>
+      </p:sp>
+      <p:sp>
+        <p:nvSpPr>
+          <p:cNvPr id="4" name="Slide Number Placeholder 3"/>
+          <p:cNvSpPr>
+            <a:spLocks noGrp="1"/>
+          </p:cNvSpPr>
+          <p:nvPr>
+            <p:ph type="sldNum" sz="quarter" idx="5"/>
+          </p:nvPr>
+        </p:nvSpPr>
+        <p:spPr/>
+        <p:txBody>
+          <a:bodyPr/>
+          <a:lstStyle/>
+          <a:p>
+            <a:fld id="{B1CAF607-DF55-DC47-B415-DAD88B121D06}" type="slidenum">
+              <a:rPr lang="en-US" smtClean="0"/>
+              <a:t>30</a:t>
+            </a:fld>
+            <a:endParaRPr lang="en-US"/>
+          </a:p>
+        </p:txBody>
+      </p:sp>
+    </p:spTree>
+    <p:extLst>
+      <p:ext uri="{BB962C8B-B14F-4D97-AF65-F5344CB8AC3E}">
+        <p14:creationId xmlns:p14="http://schemas.microsoft.com/office/powerpoint/2010/main" val="2951091680"/>
       </p:ext>
     </p:extLst>
   </p:cSld>
@@ -17244,7 +18281,27 @@
           <a:bodyPr/>
           <a:lstStyle/>
           <a:p>
+            <a:r>
+              <a:rPr lang="en-US" dirty="0"/>
+              <a:t>I just love reading that. I actually hear this kind of stuff.</a:t>
+            </a:r>
+          </a:p>
+          <a:p>
             <a:endParaRPr lang="en-US" dirty="0"/>
+          </a:p>
+          <a:p>
+            <a:r>
+              <a:rPr lang="en-US" dirty="0"/>
+              <a:t>It always cheaper. </a:t>
+            </a:r>
+            <a:r>
+              <a:rPr lang="en-US" dirty="0" err="1"/>
+              <a:t>Nevermind</a:t>
+            </a:r>
+            <a:r>
+              <a:rPr lang="en-US" dirty="0"/>
+              <a:t> the army you have to hire.</a:t>
+            </a:r>
           </a:p>
         </p:txBody>
       </p:sp>
@@ -17265,7 +18322,7 @@
           <a:p>
             <a:fld id="{B1CAF607-DF55-DC47-B415-DAD88B121D06}" type="slidenum">
               <a:rPr lang="en-US" smtClean="0"/>
-              <a:t>4</a:t>
+              <a:t>3</a:t>
             </a:fld>
             <a:endParaRPr lang="en-US"/>
           </a:p>
@@ -17274,7 +18331,762 @@
     </p:spTree>
     <p:extLst>
       <p:ext uri="{BB962C8B-B14F-4D97-AF65-F5344CB8AC3E}">
-        <p14:creationId xmlns:p14="http://schemas.microsoft.com/office/powerpoint/2010/main" val="412683077"/>
+        <p14:creationId xmlns:p14="http://schemas.microsoft.com/office/powerpoint/2010/main" val="2047334690"/>
+      </p:ext>
+    </p:extLst>
+  </p:cSld>
+  <p:clrMapOvr>
+    <a:masterClrMapping/>
+  </p:clrMapOvr>
+</p:notes>
+</file>
+
+<file path=ppt/notesSlides/notesSlide30.xml><?xml version="1.0" encoding="utf-8"?>
+<p:notes xmlns:a="http://schemas.openxmlformats.org/drawingml/2006/main" xmlns:r="http://schemas.openxmlformats.org/officeDocument/2006/relationships" xmlns:p="http://schemas.openxmlformats.org/presentationml/2006/main">
+  <p:cSld>
+    <p:spTree>
+      <p:nvGrpSpPr>
+        <p:cNvPr id="1" name=""/>
+        <p:cNvGrpSpPr/>
+        <p:nvPr/>
+      </p:nvGrpSpPr>
+      <p:grpSpPr>
+        <a:xfrm>
+          <a:off x="0" y="0"/>
+          <a:ext cx="0" cy="0"/>
+          <a:chOff x="0" y="0"/>
+          <a:chExt cx="0" cy="0"/>
+        </a:xfrm>
+      </p:grpSpPr>
+      <p:sp>
+        <p:nvSpPr>
+          <p:cNvPr id="2" name="Slide Image Placeholder 1"/>
+          <p:cNvSpPr>
+            <a:spLocks noGrp="1" noRot="1" noChangeAspect="1"/>
+          </p:cNvSpPr>
+          <p:nvPr>
+            <p:ph type="sldImg"/>
+          </p:nvPr>
+        </p:nvSpPr>
+        <p:spPr/>
+      </p:sp>
+      <p:sp>
+        <p:nvSpPr>
+          <p:cNvPr id="3" name="Notes Placeholder 2"/>
+          <p:cNvSpPr>
+            <a:spLocks noGrp="1"/>
+          </p:cNvSpPr>
+          <p:nvPr>
+            <p:ph type="body" idx="1"/>
+          </p:nvPr>
+        </p:nvSpPr>
+        <p:spPr/>
+        <p:txBody>
+          <a:bodyPr/>
+          <a:lstStyle/>
+          <a:p>
+            <a:r>
+              <a:rPr lang="en-US" dirty="0"/>
+              <a:t>You want to Increase maturity</a:t>
+            </a:r>
+          </a:p>
+          <a:p>
+            <a:r>
+              <a:rPr lang="en-US" dirty="0"/>
+              <a:t>You have a new New threat and you are adding </a:t>
+            </a:r>
+            <a:r>
+              <a:rPr lang="en-US" dirty="0" err="1"/>
+              <a:t>Zscaler</a:t>
+            </a:r>
+            <a:endParaRPr lang="en-US" dirty="0"/>
+          </a:p>
+          <a:p>
+            <a:r>
+              <a:rPr lang="en-US" dirty="0"/>
+              <a:t>Change in your business whole new mobile platform to protect</a:t>
+            </a:r>
+          </a:p>
+          <a:p>
+            <a:r>
+              <a:rPr lang="en-US" dirty="0"/>
+              <a:t>Change in services, your outsourced provider just went belly up</a:t>
+            </a:r>
+          </a:p>
+          <a:p>
+            <a:endParaRPr lang="en-US" dirty="0"/>
+          </a:p>
+          <a:p>
+            <a:r>
+              <a:rPr lang="en-US" dirty="0"/>
+              <a:t>No longer need fax machine protection</a:t>
+            </a:r>
+          </a:p>
+          <a:p>
+            <a:endParaRPr lang="en-US" dirty="0"/>
+          </a:p>
+          <a:p>
+            <a:r>
+              <a:rPr lang="en-US" dirty="0"/>
+              <a:t>Comes down to a couple of choices</a:t>
+            </a:r>
+          </a:p>
+          <a:p>
+            <a:endParaRPr lang="en-US" dirty="0"/>
+          </a:p>
+          <a:p>
+            <a:r>
+              <a:rPr lang="en-US" dirty="0"/>
+              <a:t>Once we have made our changes and updated all our artifacts we can...</a:t>
+            </a:r>
+          </a:p>
+          <a:p>
+            <a:endParaRPr lang="en-US" dirty="0"/>
+          </a:p>
+          <a:p>
+            <a:endParaRPr lang="en-US" dirty="0"/>
+          </a:p>
+          <a:p>
+            <a:endParaRPr lang="en-US" dirty="0"/>
+          </a:p>
+        </p:txBody>
+      </p:sp>
+      <p:sp>
+        <p:nvSpPr>
+          <p:cNvPr id="4" name="Slide Number Placeholder 3"/>
+          <p:cNvSpPr>
+            <a:spLocks noGrp="1"/>
+          </p:cNvSpPr>
+          <p:nvPr>
+            <p:ph type="sldNum" sz="quarter" idx="5"/>
+          </p:nvPr>
+        </p:nvSpPr>
+        <p:spPr/>
+        <p:txBody>
+          <a:bodyPr/>
+          <a:lstStyle/>
+          <a:p>
+            <a:fld id="{B1CAF607-DF55-DC47-B415-DAD88B121D06}" type="slidenum">
+              <a:rPr lang="en-US" smtClean="0"/>
+              <a:t>31</a:t>
+            </a:fld>
+            <a:endParaRPr lang="en-US"/>
+          </a:p>
+        </p:txBody>
+      </p:sp>
+    </p:spTree>
+    <p:extLst>
+      <p:ext uri="{BB962C8B-B14F-4D97-AF65-F5344CB8AC3E}">
+        <p14:creationId xmlns:p14="http://schemas.microsoft.com/office/powerpoint/2010/main" val="1748277257"/>
+      </p:ext>
+    </p:extLst>
+  </p:cSld>
+  <p:clrMapOvr>
+    <a:masterClrMapping/>
+  </p:clrMapOvr>
+</p:notes>
+</file>
+
+<file path=ppt/notesSlides/notesSlide31.xml><?xml version="1.0" encoding="utf-8"?>
+<p:notes xmlns:a="http://schemas.openxmlformats.org/drawingml/2006/main" xmlns:r="http://schemas.openxmlformats.org/officeDocument/2006/relationships" xmlns:p="http://schemas.openxmlformats.org/presentationml/2006/main">
+  <p:cSld>
+    <p:spTree>
+      <p:nvGrpSpPr>
+        <p:cNvPr id="1" name=""/>
+        <p:cNvGrpSpPr/>
+        <p:nvPr/>
+      </p:nvGrpSpPr>
+      <p:grpSpPr>
+        <a:xfrm>
+          <a:off x="0" y="0"/>
+          <a:ext cx="0" cy="0"/>
+          <a:chOff x="0" y="0"/>
+          <a:chExt cx="0" cy="0"/>
+        </a:xfrm>
+      </p:grpSpPr>
+      <p:sp>
+        <p:nvSpPr>
+          <p:cNvPr id="2" name="Slide Image Placeholder 1"/>
+          <p:cNvSpPr>
+            <a:spLocks noGrp="1" noRot="1" noChangeAspect="1"/>
+          </p:cNvSpPr>
+          <p:nvPr>
+            <p:ph type="sldImg"/>
+          </p:nvPr>
+        </p:nvSpPr>
+        <p:spPr/>
+      </p:sp>
+      <p:sp>
+        <p:nvSpPr>
+          <p:cNvPr id="3" name="Notes Placeholder 2"/>
+          <p:cNvSpPr>
+            <a:spLocks noGrp="1"/>
+          </p:cNvSpPr>
+          <p:nvPr>
+            <p:ph type="body" idx="1"/>
+          </p:nvPr>
+        </p:nvSpPr>
+        <p:spPr/>
+        <p:txBody>
+          <a:bodyPr/>
+          <a:lstStyle/>
+          <a:p>
+            <a:r>
+              <a:rPr lang="en-US" dirty="0"/>
+              <a:t>Yep </a:t>
+            </a:r>
+          </a:p>
+          <a:p>
+            <a:r>
+              <a:rPr lang="en-US" dirty="0"/>
+              <a:t>let it sit or work on it some more</a:t>
+            </a:r>
+          </a:p>
+          <a:p>
+            <a:endParaRPr lang="en-US" dirty="0"/>
+          </a:p>
+          <a:p>
+            <a:r>
+              <a:rPr lang="en-US" dirty="0"/>
+              <a:t>Get more detailed</a:t>
+            </a:r>
+          </a:p>
+          <a:p>
+            <a:endParaRPr lang="en-US" dirty="0"/>
+          </a:p>
+          <a:p>
+            <a:r>
+              <a:rPr lang="en-US" dirty="0"/>
+              <a:t>Add more FUNCTIONS</a:t>
+            </a:r>
+          </a:p>
+        </p:txBody>
+      </p:sp>
+      <p:sp>
+        <p:nvSpPr>
+          <p:cNvPr id="4" name="Slide Number Placeholder 3"/>
+          <p:cNvSpPr>
+            <a:spLocks noGrp="1"/>
+          </p:cNvSpPr>
+          <p:nvPr>
+            <p:ph type="sldNum" sz="quarter" idx="5"/>
+          </p:nvPr>
+        </p:nvSpPr>
+        <p:spPr/>
+        <p:txBody>
+          <a:bodyPr/>
+          <a:lstStyle/>
+          <a:p>
+            <a:fld id="{B1CAF607-DF55-DC47-B415-DAD88B121D06}" type="slidenum">
+              <a:rPr lang="en-US" smtClean="0"/>
+              <a:t>32</a:t>
+            </a:fld>
+            <a:endParaRPr lang="en-US"/>
+          </a:p>
+        </p:txBody>
+      </p:sp>
+    </p:spTree>
+    <p:extLst>
+      <p:ext uri="{BB962C8B-B14F-4D97-AF65-F5344CB8AC3E}">
+        <p14:creationId xmlns:p14="http://schemas.microsoft.com/office/powerpoint/2010/main" val="416404408"/>
+      </p:ext>
+    </p:extLst>
+  </p:cSld>
+  <p:clrMapOvr>
+    <a:masterClrMapping/>
+  </p:clrMapOvr>
+</p:notes>
+</file>
+
+<file path=ppt/notesSlides/notesSlide32.xml><?xml version="1.0" encoding="utf-8"?>
+<p:notes xmlns:a="http://schemas.openxmlformats.org/drawingml/2006/main" xmlns:r="http://schemas.openxmlformats.org/officeDocument/2006/relationships" xmlns:p="http://schemas.openxmlformats.org/presentationml/2006/main">
+  <p:cSld>
+    <p:spTree>
+      <p:nvGrpSpPr>
+        <p:cNvPr id="1" name=""/>
+        <p:cNvGrpSpPr/>
+        <p:nvPr/>
+      </p:nvGrpSpPr>
+      <p:grpSpPr>
+        <a:xfrm>
+          <a:off x="0" y="0"/>
+          <a:ext cx="0" cy="0"/>
+          <a:chOff x="0" y="0"/>
+          <a:chExt cx="0" cy="0"/>
+        </a:xfrm>
+      </p:grpSpPr>
+      <p:sp>
+        <p:nvSpPr>
+          <p:cNvPr id="2" name="Slide Image Placeholder 1"/>
+          <p:cNvSpPr>
+            <a:spLocks noGrp="1" noRot="1" noChangeAspect="1"/>
+          </p:cNvSpPr>
+          <p:nvPr>
+            <p:ph type="sldImg"/>
+          </p:nvPr>
+        </p:nvSpPr>
+        <p:spPr/>
+      </p:sp>
+      <p:sp>
+        <p:nvSpPr>
+          <p:cNvPr id="3" name="Notes Placeholder 2"/>
+          <p:cNvSpPr>
+            <a:spLocks noGrp="1"/>
+          </p:cNvSpPr>
+          <p:nvPr>
+            <p:ph type="body" idx="1"/>
+          </p:nvPr>
+        </p:nvSpPr>
+        <p:spPr/>
+        <p:txBody>
+          <a:bodyPr/>
+          <a:lstStyle/>
+          <a:p>
+            <a:r>
+              <a:rPr lang="en-US" dirty="0"/>
+              <a:t>A little more on visual mapping</a:t>
+            </a:r>
+          </a:p>
+        </p:txBody>
+      </p:sp>
+      <p:sp>
+        <p:nvSpPr>
+          <p:cNvPr id="4" name="Slide Number Placeholder 3"/>
+          <p:cNvSpPr>
+            <a:spLocks noGrp="1"/>
+          </p:cNvSpPr>
+          <p:nvPr>
+            <p:ph type="sldNum" sz="quarter" idx="5"/>
+          </p:nvPr>
+        </p:nvSpPr>
+        <p:spPr/>
+        <p:txBody>
+          <a:bodyPr/>
+          <a:lstStyle/>
+          <a:p>
+            <a:fld id="{B1CAF607-DF55-DC47-B415-DAD88B121D06}" type="slidenum">
+              <a:rPr lang="en-US" smtClean="0"/>
+              <a:t>33</a:t>
+            </a:fld>
+            <a:endParaRPr lang="en-US"/>
+          </a:p>
+        </p:txBody>
+      </p:sp>
+    </p:spTree>
+    <p:extLst>
+      <p:ext uri="{BB962C8B-B14F-4D97-AF65-F5344CB8AC3E}">
+        <p14:creationId xmlns:p14="http://schemas.microsoft.com/office/powerpoint/2010/main" val="1664962197"/>
+      </p:ext>
+    </p:extLst>
+  </p:cSld>
+  <p:clrMapOvr>
+    <a:masterClrMapping/>
+  </p:clrMapOvr>
+</p:notes>
+</file>
+
+<file path=ppt/notesSlides/notesSlide33.xml><?xml version="1.0" encoding="utf-8"?>
+<p:notes xmlns:a="http://schemas.openxmlformats.org/drawingml/2006/main" xmlns:r="http://schemas.openxmlformats.org/officeDocument/2006/relationships" xmlns:p="http://schemas.openxmlformats.org/presentationml/2006/main">
+  <p:cSld>
+    <p:spTree>
+      <p:nvGrpSpPr>
+        <p:cNvPr id="1" name=""/>
+        <p:cNvGrpSpPr/>
+        <p:nvPr/>
+      </p:nvGrpSpPr>
+      <p:grpSpPr>
+        <a:xfrm>
+          <a:off x="0" y="0"/>
+          <a:ext cx="0" cy="0"/>
+          <a:chOff x="0" y="0"/>
+          <a:chExt cx="0" cy="0"/>
+        </a:xfrm>
+      </p:grpSpPr>
+      <p:sp>
+        <p:nvSpPr>
+          <p:cNvPr id="2" name="Slide Image Placeholder 1"/>
+          <p:cNvSpPr>
+            <a:spLocks noGrp="1" noRot="1" noChangeAspect="1"/>
+          </p:cNvSpPr>
+          <p:nvPr>
+            <p:ph type="sldImg"/>
+          </p:nvPr>
+        </p:nvSpPr>
+        <p:spPr/>
+      </p:sp>
+      <p:sp>
+        <p:nvSpPr>
+          <p:cNvPr id="3" name="Notes Placeholder 2"/>
+          <p:cNvSpPr>
+            <a:spLocks noGrp="1"/>
+          </p:cNvSpPr>
+          <p:nvPr>
+            <p:ph type="body" idx="1"/>
+          </p:nvPr>
+        </p:nvSpPr>
+        <p:spPr/>
+        <p:txBody>
+          <a:bodyPr/>
+          <a:lstStyle/>
+          <a:p>
+            <a:r>
+              <a:rPr lang="en-US" dirty="0"/>
+              <a:t>You can map the FUNCTIONS to the CSF</a:t>
+            </a:r>
+          </a:p>
+        </p:txBody>
+      </p:sp>
+      <p:sp>
+        <p:nvSpPr>
+          <p:cNvPr id="4" name="Slide Number Placeholder 3"/>
+          <p:cNvSpPr>
+            <a:spLocks noGrp="1"/>
+          </p:cNvSpPr>
+          <p:nvPr>
+            <p:ph type="sldNum" sz="quarter" idx="5"/>
+          </p:nvPr>
+        </p:nvSpPr>
+        <p:spPr/>
+        <p:txBody>
+          <a:bodyPr/>
+          <a:lstStyle/>
+          <a:p>
+            <a:fld id="{B1CAF607-DF55-DC47-B415-DAD88B121D06}" type="slidenum">
+              <a:rPr lang="en-US" smtClean="0"/>
+              <a:t>34</a:t>
+            </a:fld>
+            <a:endParaRPr lang="en-US"/>
+          </a:p>
+        </p:txBody>
+      </p:sp>
+    </p:spTree>
+    <p:extLst>
+      <p:ext uri="{BB962C8B-B14F-4D97-AF65-F5344CB8AC3E}">
+        <p14:creationId xmlns:p14="http://schemas.microsoft.com/office/powerpoint/2010/main" val="1006017226"/>
+      </p:ext>
+    </p:extLst>
+  </p:cSld>
+  <p:clrMapOvr>
+    <a:masterClrMapping/>
+  </p:clrMapOvr>
+</p:notes>
+</file>
+
+<file path=ppt/notesSlides/notesSlide34.xml><?xml version="1.0" encoding="utf-8"?>
+<p:notes xmlns:a="http://schemas.openxmlformats.org/drawingml/2006/main" xmlns:r="http://schemas.openxmlformats.org/officeDocument/2006/relationships" xmlns:p="http://schemas.openxmlformats.org/presentationml/2006/main">
+  <p:cSld>
+    <p:spTree>
+      <p:nvGrpSpPr>
+        <p:cNvPr id="1" name=""/>
+        <p:cNvGrpSpPr/>
+        <p:nvPr/>
+      </p:nvGrpSpPr>
+      <p:grpSpPr>
+        <a:xfrm>
+          <a:off x="0" y="0"/>
+          <a:ext cx="0" cy="0"/>
+          <a:chOff x="0" y="0"/>
+          <a:chExt cx="0" cy="0"/>
+        </a:xfrm>
+      </p:grpSpPr>
+      <p:sp>
+        <p:nvSpPr>
+          <p:cNvPr id="2" name="Slide Image Placeholder 1"/>
+          <p:cNvSpPr>
+            <a:spLocks noGrp="1" noRot="1" noChangeAspect="1"/>
+          </p:cNvSpPr>
+          <p:nvPr>
+            <p:ph type="sldImg"/>
+          </p:nvPr>
+        </p:nvSpPr>
+        <p:spPr/>
+      </p:sp>
+      <p:sp>
+        <p:nvSpPr>
+          <p:cNvPr id="3" name="Notes Placeholder 2"/>
+          <p:cNvSpPr>
+            <a:spLocks noGrp="1"/>
+          </p:cNvSpPr>
+          <p:nvPr>
+            <p:ph type="body" idx="1"/>
+          </p:nvPr>
+        </p:nvSpPr>
+        <p:spPr/>
+        <p:txBody>
+          <a:bodyPr/>
+          <a:lstStyle/>
+          <a:p>
+            <a:r>
+              <a:rPr lang="en-US" dirty="0"/>
+              <a:t>Once you do that you can even add the technologies to the labels and have a complete map of</a:t>
+            </a:r>
+          </a:p>
+          <a:p>
+            <a:endParaRPr lang="en-US" dirty="0"/>
+          </a:p>
+          <a:p>
+            <a:r>
+              <a:rPr lang="en-US" dirty="0"/>
+              <a:t>CAPABILITIES - FUNCTIONS - TECHNOLOGIES - CSF</a:t>
+            </a:r>
+          </a:p>
+        </p:txBody>
+      </p:sp>
+      <p:sp>
+        <p:nvSpPr>
+          <p:cNvPr id="4" name="Slide Number Placeholder 3"/>
+          <p:cNvSpPr>
+            <a:spLocks noGrp="1"/>
+          </p:cNvSpPr>
+          <p:nvPr>
+            <p:ph type="sldNum" sz="quarter" idx="5"/>
+          </p:nvPr>
+        </p:nvSpPr>
+        <p:spPr/>
+        <p:txBody>
+          <a:bodyPr/>
+          <a:lstStyle/>
+          <a:p>
+            <a:fld id="{B1CAF607-DF55-DC47-B415-DAD88B121D06}" type="slidenum">
+              <a:rPr lang="en-US" smtClean="0"/>
+              <a:t>35</a:t>
+            </a:fld>
+            <a:endParaRPr lang="en-US"/>
+          </a:p>
+        </p:txBody>
+      </p:sp>
+    </p:spTree>
+    <p:extLst>
+      <p:ext uri="{BB962C8B-B14F-4D97-AF65-F5344CB8AC3E}">
+        <p14:creationId xmlns:p14="http://schemas.microsoft.com/office/powerpoint/2010/main" val="4128579812"/>
+      </p:ext>
+    </p:extLst>
+  </p:cSld>
+  <p:clrMapOvr>
+    <a:masterClrMapping/>
+  </p:clrMapOvr>
+</p:notes>
+</file>
+
+<file path=ppt/notesSlides/notesSlide35.xml><?xml version="1.0" encoding="utf-8"?>
+<p:notes xmlns:a="http://schemas.openxmlformats.org/drawingml/2006/main" xmlns:r="http://schemas.openxmlformats.org/officeDocument/2006/relationships" xmlns:p="http://schemas.openxmlformats.org/presentationml/2006/main">
+  <p:cSld>
+    <p:spTree>
+      <p:nvGrpSpPr>
+        <p:cNvPr id="1" name=""/>
+        <p:cNvGrpSpPr/>
+        <p:nvPr/>
+      </p:nvGrpSpPr>
+      <p:grpSpPr>
+        <a:xfrm>
+          <a:off x="0" y="0"/>
+          <a:ext cx="0" cy="0"/>
+          <a:chOff x="0" y="0"/>
+          <a:chExt cx="0" cy="0"/>
+        </a:xfrm>
+      </p:grpSpPr>
+      <p:sp>
+        <p:nvSpPr>
+          <p:cNvPr id="2" name="Slide Image Placeholder 1"/>
+          <p:cNvSpPr>
+            <a:spLocks noGrp="1" noRot="1" noChangeAspect="1"/>
+          </p:cNvSpPr>
+          <p:nvPr>
+            <p:ph type="sldImg"/>
+          </p:nvPr>
+        </p:nvSpPr>
+        <p:spPr/>
+      </p:sp>
+      <p:sp>
+        <p:nvSpPr>
+          <p:cNvPr id="3" name="Notes Placeholder 2"/>
+          <p:cNvSpPr>
+            <a:spLocks noGrp="1"/>
+          </p:cNvSpPr>
+          <p:nvPr>
+            <p:ph type="body" idx="1"/>
+          </p:nvPr>
+        </p:nvSpPr>
+        <p:spPr/>
+        <p:txBody>
+          <a:bodyPr/>
+          <a:lstStyle/>
+          <a:p>
+            <a:r>
+              <a:rPr lang="en-US" dirty="0"/>
+              <a:t>This is not an end all be all</a:t>
+            </a:r>
+          </a:p>
+          <a:p>
+            <a:r>
+              <a:rPr lang="en-US" dirty="0"/>
+              <a:t>This is just a foundation for you to use</a:t>
+            </a:r>
+          </a:p>
+          <a:p>
+            <a:r>
+              <a:rPr lang="en-US" dirty="0"/>
+              <a:t>Add more data points</a:t>
+            </a:r>
+          </a:p>
+          <a:p>
+            <a:r>
+              <a:rPr lang="en-US" dirty="0"/>
+              <a:t>Draw more diagrams</a:t>
+            </a:r>
+          </a:p>
+          <a:p>
+            <a:r>
+              <a:rPr lang="en-US" dirty="0"/>
+              <a:t>Change your diagrams to models </a:t>
+            </a:r>
+          </a:p>
+          <a:p>
+            <a:endParaRPr lang="en-US" dirty="0"/>
+          </a:p>
+          <a:p>
+            <a:endParaRPr lang="en-US" dirty="0"/>
+          </a:p>
+        </p:txBody>
+      </p:sp>
+      <p:sp>
+        <p:nvSpPr>
+          <p:cNvPr id="4" name="Slide Number Placeholder 3"/>
+          <p:cNvSpPr>
+            <a:spLocks noGrp="1"/>
+          </p:cNvSpPr>
+          <p:nvPr>
+            <p:ph type="sldNum" sz="quarter" idx="5"/>
+          </p:nvPr>
+        </p:nvSpPr>
+        <p:spPr/>
+        <p:txBody>
+          <a:bodyPr/>
+          <a:lstStyle/>
+          <a:p>
+            <a:fld id="{B1CAF607-DF55-DC47-B415-DAD88B121D06}" type="slidenum">
+              <a:rPr lang="en-US" smtClean="0"/>
+              <a:t>38</a:t>
+            </a:fld>
+            <a:endParaRPr lang="en-US"/>
+          </a:p>
+        </p:txBody>
+      </p:sp>
+    </p:spTree>
+    <p:extLst>
+      <p:ext uri="{BB962C8B-B14F-4D97-AF65-F5344CB8AC3E}">
+        <p14:creationId xmlns:p14="http://schemas.microsoft.com/office/powerpoint/2010/main" val="2248443384"/>
+      </p:ext>
+    </p:extLst>
+  </p:cSld>
+  <p:clrMapOvr>
+    <a:masterClrMapping/>
+  </p:clrMapOvr>
+</p:notes>
+</file>
+
+<file path=ppt/notesSlides/notesSlide36.xml><?xml version="1.0" encoding="utf-8"?>
+<p:notes xmlns:a="http://schemas.openxmlformats.org/drawingml/2006/main" xmlns:r="http://schemas.openxmlformats.org/officeDocument/2006/relationships" xmlns:p="http://schemas.openxmlformats.org/presentationml/2006/main">
+  <p:cSld>
+    <p:spTree>
+      <p:nvGrpSpPr>
+        <p:cNvPr id="1" name=""/>
+        <p:cNvGrpSpPr/>
+        <p:nvPr/>
+      </p:nvGrpSpPr>
+      <p:grpSpPr>
+        <a:xfrm>
+          <a:off x="0" y="0"/>
+          <a:ext cx="0" cy="0"/>
+          <a:chOff x="0" y="0"/>
+          <a:chExt cx="0" cy="0"/>
+        </a:xfrm>
+      </p:grpSpPr>
+      <p:sp>
+        <p:nvSpPr>
+          <p:cNvPr id="2" name="Slide Image Placeholder 1"/>
+          <p:cNvSpPr>
+            <a:spLocks noGrp="1" noRot="1" noChangeAspect="1"/>
+          </p:cNvSpPr>
+          <p:nvPr>
+            <p:ph type="sldImg"/>
+          </p:nvPr>
+        </p:nvSpPr>
+        <p:spPr/>
+      </p:sp>
+      <p:sp>
+        <p:nvSpPr>
+          <p:cNvPr id="3" name="Notes Placeholder 2"/>
+          <p:cNvSpPr>
+            <a:spLocks noGrp="1"/>
+          </p:cNvSpPr>
+          <p:nvPr>
+            <p:ph type="body" idx="1"/>
+          </p:nvPr>
+        </p:nvSpPr>
+        <p:spPr/>
+        <p:txBody>
+          <a:bodyPr/>
+          <a:lstStyle/>
+          <a:p>
+            <a:r>
+              <a:rPr lang="en-US" dirty="0"/>
+              <a:t>Changing the model or the approach is your prerogative. </a:t>
+            </a:r>
+          </a:p>
+          <a:p>
+            <a:endParaRPr lang="en-US" dirty="0"/>
+          </a:p>
+          <a:p>
+            <a:r>
+              <a:rPr lang="en-US" dirty="0"/>
+              <a:t>This is a Roughly Right beginning.</a:t>
+            </a:r>
+          </a:p>
+          <a:p>
+            <a:endParaRPr lang="en-US" dirty="0"/>
+          </a:p>
+          <a:p>
+            <a:r>
+              <a:rPr lang="en-US" dirty="0"/>
+              <a:t>QUESTIONS?</a:t>
+            </a:r>
+          </a:p>
+          <a:p>
+            <a:endParaRPr lang="en-US" dirty="0"/>
+          </a:p>
+          <a:p>
+            <a:endParaRPr lang="en-US" dirty="0"/>
+          </a:p>
+        </p:txBody>
+      </p:sp>
+      <p:sp>
+        <p:nvSpPr>
+          <p:cNvPr id="4" name="Slide Number Placeholder 3"/>
+          <p:cNvSpPr>
+            <a:spLocks noGrp="1"/>
+          </p:cNvSpPr>
+          <p:nvPr>
+            <p:ph type="sldNum" sz="quarter" idx="5"/>
+          </p:nvPr>
+        </p:nvSpPr>
+        <p:spPr/>
+        <p:txBody>
+          <a:bodyPr/>
+          <a:lstStyle/>
+          <a:p>
+            <a:fld id="{B1CAF607-DF55-DC47-B415-DAD88B121D06}" type="slidenum">
+              <a:rPr lang="en-US" smtClean="0"/>
+              <a:t>39</a:t>
+            </a:fld>
+            <a:endParaRPr lang="en-US"/>
+          </a:p>
+        </p:txBody>
+      </p:sp>
+    </p:spTree>
+    <p:extLst>
+      <p:ext uri="{BB962C8B-B14F-4D97-AF65-F5344CB8AC3E}">
+        <p14:creationId xmlns:p14="http://schemas.microsoft.com/office/powerpoint/2010/main" val="1585317885"/>
       </p:ext>
     </p:extLst>
   </p:cSld>
@@ -17328,7 +19140,31 @@
           <a:bodyPr/>
           <a:lstStyle/>
           <a:p>
+            <a:r>
+              <a:rPr lang="en-US" dirty="0"/>
+              <a:t>Then come the questions.</a:t>
+            </a:r>
+          </a:p>
+          <a:p>
             <a:endParaRPr lang="en-US" dirty="0"/>
+          </a:p>
+          <a:p>
+            <a:r>
+              <a:rPr lang="en-US" dirty="0"/>
+              <a:t>And who do you ask?</a:t>
+            </a:r>
+          </a:p>
+          <a:p>
+            <a:r>
+              <a:rPr lang="en-US" dirty="0"/>
+              <a:t>How did you answer last time?</a:t>
+            </a:r>
+          </a:p>
+          <a:p>
+            <a:r>
+              <a:rPr lang="en-US" dirty="0"/>
+              <a:t>Who is asking? </a:t>
+            </a:r>
           </a:p>
         </p:txBody>
       </p:sp>
@@ -17349,7 +19185,7 @@
           <a:p>
             <a:fld id="{B1CAF607-DF55-DC47-B415-DAD88B121D06}" type="slidenum">
               <a:rPr lang="en-US" smtClean="0"/>
-              <a:t>6</a:t>
+              <a:t>4</a:t>
             </a:fld>
             <a:endParaRPr lang="en-US"/>
           </a:p>
@@ -17358,7 +19194,7 @@
     </p:spTree>
     <p:extLst>
       <p:ext uri="{BB962C8B-B14F-4D97-AF65-F5344CB8AC3E}">
-        <p14:creationId xmlns:p14="http://schemas.microsoft.com/office/powerpoint/2010/main" val="937227856"/>
+        <p14:creationId xmlns:p14="http://schemas.microsoft.com/office/powerpoint/2010/main" val="412683077"/>
       </p:ext>
     </p:extLst>
   </p:cSld>
@@ -17412,7 +19248,28 @@
           <a:bodyPr/>
           <a:lstStyle/>
           <a:p>
+            <a:r>
+              <a:rPr lang="en-US" dirty="0"/>
+              <a:t>Because no one WANTS to make bad decisions?</a:t>
+            </a:r>
+          </a:p>
+          <a:p>
             <a:endParaRPr lang="en-US" dirty="0"/>
+          </a:p>
+          <a:p>
+            <a:r>
+              <a:rPr lang="en-US" dirty="0"/>
+              <a:t>It would be nice if the answers led to better security.</a:t>
+            </a:r>
+          </a:p>
+          <a:p>
+            <a:endParaRPr lang="en-US" dirty="0"/>
+          </a:p>
+          <a:p>
+            <a:r>
+              <a:rPr lang="en-US" dirty="0"/>
+              <a:t>The more you back up what you say the more people will listen to you.</a:t>
+            </a:r>
           </a:p>
         </p:txBody>
       </p:sp>
@@ -17433,7 +19290,7 @@
           <a:p>
             <a:fld id="{B1CAF607-DF55-DC47-B415-DAD88B121D06}" type="slidenum">
               <a:rPr lang="en-US" smtClean="0"/>
-              <a:t>7</a:t>
+              <a:t>5</a:t>
             </a:fld>
             <a:endParaRPr lang="en-US"/>
           </a:p>
@@ -17442,7 +19299,7 @@
     </p:spTree>
     <p:extLst>
       <p:ext uri="{BB962C8B-B14F-4D97-AF65-F5344CB8AC3E}">
-        <p14:creationId xmlns:p14="http://schemas.microsoft.com/office/powerpoint/2010/main" val="2975461820"/>
+        <p14:creationId xmlns:p14="http://schemas.microsoft.com/office/powerpoint/2010/main" val="783369286"/>
       </p:ext>
     </p:extLst>
   </p:cSld>
@@ -17496,18 +19353,6 @@
           <a:bodyPr/>
           <a:lstStyle/>
           <a:p>
-            <a:r>
-              <a:rPr lang="en-US" dirty="0"/>
-              <a:t>Most of the time is is organized by people</a:t>
-            </a:r>
-          </a:p>
-          <a:p>
-            <a:r>
-              <a:rPr lang="en-US" dirty="0"/>
-              <a:t>Groups of people doing similar things</a:t>
-            </a:r>
-          </a:p>
-          <a:p>
             <a:endParaRPr lang="en-US" dirty="0"/>
           </a:p>
         </p:txBody>
@@ -17529,7 +19374,7 @@
           <a:p>
             <a:fld id="{B1CAF607-DF55-DC47-B415-DAD88B121D06}" type="slidenum">
               <a:rPr lang="en-US" smtClean="0"/>
-              <a:t>8</a:t>
+              <a:t>6</a:t>
             </a:fld>
             <a:endParaRPr lang="en-US"/>
           </a:p>
@@ -17538,7 +19383,7 @@
     </p:spTree>
     <p:extLst>
       <p:ext uri="{BB962C8B-B14F-4D97-AF65-F5344CB8AC3E}">
-        <p14:creationId xmlns:p14="http://schemas.microsoft.com/office/powerpoint/2010/main" val="2132733671"/>
+        <p14:creationId xmlns:p14="http://schemas.microsoft.com/office/powerpoint/2010/main" val="937227856"/>
       </p:ext>
     </p:extLst>
   </p:cSld>
@@ -17594,19 +19439,16 @@
           <a:p>
             <a:r>
               <a:rPr lang="en-US" dirty="0"/>
-              <a:t>If you look inside one of those areas</a:t>
-            </a:r>
+              <a:t>Or good decisions sometimes are these things.</a:t>
+            </a:r>
+          </a:p>
+          <a:p>
+            <a:endParaRPr lang="en-US" dirty="0"/>
           </a:p>
           <a:p>
             <a:r>
               <a:rPr lang="en-US" dirty="0"/>
-              <a:t>Each area does a lot</a:t>
-            </a:r>
-          </a:p>
-          <a:p>
-            <a:r>
-              <a:rPr lang="en-US" dirty="0"/>
-              <a:t>Lots of activities</a:t>
+              <a:t>Or this really helps make a decision good.</a:t>
             </a:r>
           </a:p>
         </p:txBody>
@@ -17628,7 +19470,7 @@
           <a:p>
             <a:fld id="{B1CAF607-DF55-DC47-B415-DAD88B121D06}" type="slidenum">
               <a:rPr lang="en-US" smtClean="0"/>
-              <a:t>9</a:t>
+              <a:t>7</a:t>
             </a:fld>
             <a:endParaRPr lang="en-US"/>
           </a:p>
@@ -17637,7 +19479,7 @@
     </p:spTree>
     <p:extLst>
       <p:ext uri="{BB962C8B-B14F-4D97-AF65-F5344CB8AC3E}">
-        <p14:creationId xmlns:p14="http://schemas.microsoft.com/office/powerpoint/2010/main" val="4186747412"/>
+        <p14:creationId xmlns:p14="http://schemas.microsoft.com/office/powerpoint/2010/main" val="2975461820"/>
       </p:ext>
     </p:extLst>
   </p:cSld>
@@ -17691,6 +19533,45 @@
           <a:bodyPr/>
           <a:lstStyle/>
           <a:p>
+            <a:r>
+              <a:rPr lang="en-US" dirty="0"/>
+              <a:t>Let's look at SECURITY</a:t>
+            </a:r>
+          </a:p>
+          <a:p>
+            <a:endParaRPr lang="en-US" dirty="0"/>
+          </a:p>
+          <a:p>
+            <a:r>
+              <a:rPr lang="en-US" dirty="0"/>
+              <a:t>Most of the time when we discuss security it is</a:t>
+            </a:r>
+          </a:p>
+          <a:p>
+            <a:r>
+              <a:rPr lang="en-US" dirty="0"/>
+              <a:t>is organized by people, HR-like, Mangers and such</a:t>
+            </a:r>
+          </a:p>
+          <a:p>
+            <a:endParaRPr lang="en-US" dirty="0"/>
+          </a:p>
+          <a:p>
+            <a:r>
+              <a:rPr lang="en-US" dirty="0"/>
+              <a:t>Groups of people doing similar things</a:t>
+            </a:r>
+          </a:p>
+          <a:p>
+            <a:endParaRPr lang="en-US" dirty="0"/>
+          </a:p>
+          <a:p>
+            <a:r>
+              <a:rPr lang="en-US" dirty="0"/>
+              <a:t>Look at a couple boxes</a:t>
+            </a:r>
+          </a:p>
+          <a:p>
             <a:endParaRPr lang="en-US" dirty="0"/>
           </a:p>
         </p:txBody>
@@ -17712,7 +19593,7 @@
           <a:p>
             <a:fld id="{B1CAF607-DF55-DC47-B415-DAD88B121D06}" type="slidenum">
               <a:rPr lang="en-US" smtClean="0"/>
-              <a:t>11</a:t>
+              <a:t>8</a:t>
             </a:fld>
             <a:endParaRPr lang="en-US"/>
           </a:p>
@@ -17721,7 +19602,7 @@
     </p:spTree>
     <p:extLst>
       <p:ext uri="{BB962C8B-B14F-4D97-AF65-F5344CB8AC3E}">
-        <p14:creationId xmlns:p14="http://schemas.microsoft.com/office/powerpoint/2010/main" val="3662069875"/>
+        <p14:creationId xmlns:p14="http://schemas.microsoft.com/office/powerpoint/2010/main" val="2132733671"/>
       </p:ext>
     </p:extLst>
   </p:cSld>
@@ -17777,20 +19658,26 @@
           <a:p>
             <a:r>
               <a:rPr lang="en-US" dirty="0"/>
-              <a:t>This is just one approach, there are many model, pick one and follow it</a:t>
-            </a:r>
+              <a:t>If you look inside one of those areas like T&amp;V</a:t>
+            </a:r>
+          </a:p>
+          <a:p>
+            <a:endParaRPr lang="en-US" dirty="0"/>
           </a:p>
           <a:p>
             <a:r>
               <a:rPr lang="en-US" dirty="0"/>
-              <a:t>Capabilities may vary between understandings</a:t>
+              <a:t>There is a lot under T&amp;V, more than listed here</a:t>
             </a:r>
           </a:p>
           <a:p>
             <a:endParaRPr lang="en-US" dirty="0"/>
           </a:p>
           <a:p>
-            <a:endParaRPr lang="en-US" dirty="0"/>
+            <a:r>
+              <a:rPr lang="en-US" dirty="0"/>
+              <a:t>Lots of activities</a:t>
+            </a:r>
           </a:p>
         </p:txBody>
       </p:sp>
@@ -17811,7 +19698,7 @@
           <a:p>
             <a:fld id="{B1CAF607-DF55-DC47-B415-DAD88B121D06}" type="slidenum">
               <a:rPr lang="en-US" smtClean="0"/>
-              <a:t>12</a:t>
+              <a:t>9</a:t>
             </a:fld>
             <a:endParaRPr lang="en-US"/>
           </a:p>
@@ -17820,7 +19707,7 @@
     </p:spTree>
     <p:extLst>
       <p:ext uri="{BB962C8B-B14F-4D97-AF65-F5344CB8AC3E}">
-        <p14:creationId xmlns:p14="http://schemas.microsoft.com/office/powerpoint/2010/main" val="573128066"/>
+        <p14:creationId xmlns:p14="http://schemas.microsoft.com/office/powerpoint/2010/main" val="4186747412"/>
       </p:ext>
     </p:extLst>
   </p:cSld>
@@ -21902,7 +23789,7 @@
           <p:nvPr/>
         </p:nvPicPr>
         <p:blipFill>
-          <a:blip r:embed="rId2">
+          <a:blip r:embed="rId3">
             <a:extLst>
               <a:ext uri="{28A0092B-C50C-407E-A947-70E740481C1C}">
                 <a14:useLocalDpi xmlns:a14="http://schemas.microsoft.com/office/drawing/2010/main" val="0"/>
@@ -22048,7 +23935,7 @@
         </p:xfrm>
         <a:graphic>
           <a:graphicData uri="http://schemas.openxmlformats.org/drawingml/2006/diagram">
-            <dgm:relIds xmlns:dgm="http://schemas.openxmlformats.org/drawingml/2006/diagram" xmlns:r="http://schemas.openxmlformats.org/officeDocument/2006/relationships" r:dm="rId2" r:lo="rId3" r:qs="rId4" r:cs="rId5"/>
+            <dgm:relIds xmlns:dgm="http://schemas.openxmlformats.org/drawingml/2006/diagram" xmlns:r="http://schemas.openxmlformats.org/officeDocument/2006/relationships" r:dm="rId3" r:lo="rId4" r:qs="rId5" r:cs="rId6"/>
           </a:graphicData>
         </a:graphic>
       </p:graphicFrame>
@@ -23045,6 +24932,121 @@
 </file>
 
 <file path=ppt/slides/slide13.xml><?xml version="1.0" encoding="utf-8"?>
+<p:sld xmlns:a="http://schemas.openxmlformats.org/drawingml/2006/main" xmlns:r="http://schemas.openxmlformats.org/officeDocument/2006/relationships" xmlns:p="http://schemas.openxmlformats.org/presentationml/2006/main">
+  <p:cSld>
+    <p:bg>
+      <p:bgPr>
+        <a:solidFill>
+          <a:schemeClr val="bg1"/>
+        </a:solidFill>
+        <a:effectLst/>
+      </p:bgPr>
+    </p:bg>
+    <p:spTree>
+      <p:nvGrpSpPr>
+        <p:cNvPr id="1" name=""/>
+        <p:cNvGrpSpPr/>
+        <p:nvPr/>
+      </p:nvGrpSpPr>
+      <p:grpSpPr>
+        <a:xfrm>
+          <a:off x="0" y="0"/>
+          <a:ext cx="0" cy="0"/>
+          <a:chOff x="0" y="0"/>
+          <a:chExt cx="0" cy="0"/>
+        </a:xfrm>
+      </p:grpSpPr>
+      <p:sp>
+        <p:nvSpPr>
+          <p:cNvPr id="2" name="Slide Number Placeholder 1">
+            <a:extLst>
+              <a:ext uri="{FF2B5EF4-FFF2-40B4-BE49-F238E27FC236}">
+                <a16:creationId xmlns:a16="http://schemas.microsoft.com/office/drawing/2014/main" id="{FC76A913-75B8-6A49-8B52-07B1042EAEA8}"/>
+              </a:ext>
+            </a:extLst>
+          </p:cNvPr>
+          <p:cNvSpPr>
+            <a:spLocks noGrp="1"/>
+          </p:cNvSpPr>
+          <p:nvPr>
+            <p:ph type="sldNum" sz="quarter" idx="11"/>
+          </p:nvPr>
+        </p:nvSpPr>
+        <p:spPr/>
+        <p:txBody>
+          <a:bodyPr/>
+          <a:lstStyle/>
+          <a:p>
+            <a:fld id="{98087C8C-FB93-F749-A32B-FDEADC74AE65}" type="slidenum">
+              <a:rPr lang="en-US" smtClean="0"/>
+              <a:pPr/>
+              <a:t>13</a:t>
+            </a:fld>
+            <a:endParaRPr lang="en-US" dirty="0"/>
+          </a:p>
+        </p:txBody>
+      </p:sp>
+      <p:pic>
+        <p:nvPicPr>
+          <p:cNvPr id="1026" name="Picture 2" descr="image">
+            <a:extLst>
+              <a:ext uri="{FF2B5EF4-FFF2-40B4-BE49-F238E27FC236}">
+                <a16:creationId xmlns:a16="http://schemas.microsoft.com/office/drawing/2014/main" id="{32192B44-76CB-2240-84D3-8651BFD71F8E}"/>
+              </a:ext>
+            </a:extLst>
+          </p:cNvPr>
+          <p:cNvPicPr>
+            <a:picLocks noChangeAspect="1" noChangeArrowheads="1"/>
+          </p:cNvPicPr>
+          <p:nvPr/>
+        </p:nvPicPr>
+        <p:blipFill>
+          <a:blip r:embed="rId3">
+            <a:extLst>
+              <a:ext uri="{28A0092B-C50C-407E-A947-70E740481C1C}">
+                <a14:useLocalDpi xmlns:a14="http://schemas.microsoft.com/office/drawing/2010/main" val="0"/>
+              </a:ext>
+            </a:extLst>
+          </a:blip>
+          <a:srcRect/>
+          <a:stretch>
+            <a:fillRect/>
+          </a:stretch>
+        </p:blipFill>
+        <p:spPr bwMode="auto">
+          <a:xfrm>
+            <a:off x="1382233" y="20348"/>
+            <a:ext cx="9455673" cy="6837652"/>
+          </a:xfrm>
+          <a:prstGeom prst="rect">
+            <a:avLst/>
+          </a:prstGeom>
+          <a:noFill/>
+          <a:extLst>
+            <a:ext uri="{909E8E84-426E-40DD-AFC4-6F175D3DCCD1}">
+              <a14:hiddenFill xmlns:a14="http://schemas.microsoft.com/office/drawing/2010/main">
+                <a:solidFill>
+                  <a:srgbClr val="FFFFFF"/>
+                </a:solidFill>
+              </a14:hiddenFill>
+            </a:ext>
+          </a:extLst>
+        </p:spPr>
+      </p:pic>
+    </p:spTree>
+    <p:extLst>
+      <p:ext uri="{BB962C8B-B14F-4D97-AF65-F5344CB8AC3E}">
+        <p14:creationId xmlns:p14="http://schemas.microsoft.com/office/powerpoint/2010/main" val="246361645"/>
+      </p:ext>
+    </p:extLst>
+  </p:cSld>
+  <p:clrMapOvr>
+    <a:masterClrMapping/>
+  </p:clrMapOvr>
+</p:sld>
+</file>
+
+<file path=ppt/slides/slide14.xml><?xml version="1.0" encoding="utf-8"?>
 <p:sld xmlns:a="http://schemas.openxmlformats.org/drawingml/2006/main" xmlns:r="http://schemas.openxmlformats.org/officeDocument/2006/relationships" xmlns:p="http://schemas.openxmlformats.org/presentationml/2006/main">
   <p:cSld>
     <p:spTree>
@@ -23822,7 +25824,7 @@
             <a:fld id="{98087C8C-FB93-F749-A32B-FDEADC74AE65}" type="slidenum">
               <a:rPr lang="en-US" smtClean="0"/>
               <a:pPr/>
-              <a:t>13</a:t>
+              <a:t>14</a:t>
             </a:fld>
             <a:endParaRPr lang="en-US" dirty="0"/>
           </a:p>
@@ -24375,7 +26377,7 @@
                 <a:latin typeface="Palatino" pitchFamily="2" charset="77"/>
                 <a:ea typeface="Palatino" pitchFamily="2" charset="77"/>
               </a:rPr>
-              <a:t>T&amp;V is an area that has to be managed</a:t>
+              <a:t>T&amp;V is an area that must be managed</a:t>
             </a:r>
           </a:p>
         </p:txBody>
@@ -24469,7 +26471,2956 @@
 </p:sld>
 </file>
 
-<file path=ppt/slides/slide14.xml><?xml version="1.0" encoding="utf-8"?>
+<file path=ppt/slides/slide15.xml><?xml version="1.0" encoding="utf-8"?>
+<p:sld xmlns:a="http://schemas.openxmlformats.org/drawingml/2006/main" xmlns:r="http://schemas.openxmlformats.org/officeDocument/2006/relationships" xmlns:p="http://schemas.openxmlformats.org/presentationml/2006/main">
+  <p:cSld>
+    <p:spTree>
+      <p:nvGrpSpPr>
+        <p:cNvPr id="1" name=""/>
+        <p:cNvGrpSpPr/>
+        <p:nvPr/>
+      </p:nvGrpSpPr>
+      <p:grpSpPr>
+        <a:xfrm>
+          <a:off x="0" y="0"/>
+          <a:ext cx="0" cy="0"/>
+          <a:chOff x="0" y="0"/>
+          <a:chExt cx="0" cy="0"/>
+        </a:xfrm>
+      </p:grpSpPr>
+      <p:cxnSp>
+        <p:nvCxnSpPr>
+          <p:cNvPr id="31" name="Straight Connector 30">
+            <a:extLst>
+              <a:ext uri="{FF2B5EF4-FFF2-40B4-BE49-F238E27FC236}">
+                <a16:creationId xmlns:a16="http://schemas.microsoft.com/office/drawing/2014/main" id="{EC57176A-12EA-B340-89D8-6A8016FB6F34}"/>
+              </a:ext>
+            </a:extLst>
+          </p:cNvPr>
+          <p:cNvCxnSpPr>
+            <a:cxnSpLocks/>
+          </p:cNvCxnSpPr>
+          <p:nvPr/>
+        </p:nvCxnSpPr>
+        <p:spPr>
+          <a:xfrm>
+            <a:off x="7334457" y="2522686"/>
+            <a:ext cx="0" cy="571500"/>
+          </a:xfrm>
+          <a:prstGeom prst="line">
+            <a:avLst/>
+          </a:prstGeom>
+          <a:ln w="38100">
+            <a:solidFill>
+              <a:schemeClr val="accent6">
+                <a:lumMod val="60000"/>
+                <a:lumOff val="40000"/>
+              </a:schemeClr>
+            </a:solidFill>
+          </a:ln>
+        </p:spPr>
+        <p:style>
+          <a:lnRef idx="1">
+            <a:schemeClr val="accent1"/>
+          </a:lnRef>
+          <a:fillRef idx="0">
+            <a:schemeClr val="accent1"/>
+          </a:fillRef>
+          <a:effectRef idx="0">
+            <a:schemeClr val="accent1"/>
+          </a:effectRef>
+          <a:fontRef idx="minor">
+            <a:schemeClr val="tx1"/>
+          </a:fontRef>
+        </p:style>
+      </p:cxnSp>
+      <p:sp>
+        <p:nvSpPr>
+          <p:cNvPr id="18" name="Freeform 17">
+            <a:extLst>
+              <a:ext uri="{FF2B5EF4-FFF2-40B4-BE49-F238E27FC236}">
+                <a16:creationId xmlns:a16="http://schemas.microsoft.com/office/drawing/2014/main" id="{6F8D3A16-4583-544A-B345-95EEC5E58E56}"/>
+              </a:ext>
+            </a:extLst>
+          </p:cNvPr>
+          <p:cNvSpPr/>
+          <p:nvPr/>
+        </p:nvSpPr>
+        <p:spPr>
+          <a:xfrm>
+            <a:off x="10315442" y="5704694"/>
+            <a:ext cx="1919422" cy="1181882"/>
+          </a:xfrm>
+          <a:custGeom>
+            <a:avLst/>
+            <a:gdLst>
+              <a:gd name="connsiteX0" fmla="*/ 1805122 w 1919422"/>
+              <a:gd name="connsiteY0" fmla="*/ 0 h 1181882"/>
+              <a:gd name="connsiteX1" fmla="*/ 1919422 w 1919422"/>
+              <a:gd name="connsiteY1" fmla="*/ 5772 h 1181882"/>
+              <a:gd name="connsiteX2" fmla="*/ 1919422 w 1919422"/>
+              <a:gd name="connsiteY2" fmla="*/ 1181882 h 1181882"/>
+              <a:gd name="connsiteX3" fmla="*/ 0 w 1919422"/>
+              <a:gd name="connsiteY3" fmla="*/ 1181882 h 1181882"/>
+              <a:gd name="connsiteX4" fmla="*/ 72613 w 1919422"/>
+              <a:gd name="connsiteY4" fmla="*/ 1031146 h 1181882"/>
+              <a:gd name="connsiteX5" fmla="*/ 1805122 w 1919422"/>
+              <a:gd name="connsiteY5" fmla="*/ 0 h 1181882"/>
+            </a:gdLst>
+            <a:ahLst/>
+            <a:cxnLst>
+              <a:cxn ang="0">
+                <a:pos x="connsiteX0" y="connsiteY0"/>
+              </a:cxn>
+              <a:cxn ang="0">
+                <a:pos x="connsiteX1" y="connsiteY1"/>
+              </a:cxn>
+              <a:cxn ang="0">
+                <a:pos x="connsiteX2" y="connsiteY2"/>
+              </a:cxn>
+              <a:cxn ang="0">
+                <a:pos x="connsiteX3" y="connsiteY3"/>
+              </a:cxn>
+              <a:cxn ang="0">
+                <a:pos x="connsiteX4" y="connsiteY4"/>
+              </a:cxn>
+              <a:cxn ang="0">
+                <a:pos x="connsiteX5" y="connsiteY5"/>
+              </a:cxn>
+            </a:cxnLst>
+            <a:rect l="l" t="t" r="r" b="b"/>
+            <a:pathLst>
+              <a:path w="1919422" h="1181882">
+                <a:moveTo>
+                  <a:pt x="1805122" y="0"/>
+                </a:moveTo>
+                <a:lnTo>
+                  <a:pt x="1919422" y="5772"/>
+                </a:lnTo>
+                <a:lnTo>
+                  <a:pt x="1919422" y="1181882"/>
+                </a:lnTo>
+                <a:lnTo>
+                  <a:pt x="0" y="1181882"/>
+                </a:lnTo>
+                <a:lnTo>
+                  <a:pt x="72613" y="1031146"/>
+                </a:lnTo>
+                <a:cubicBezTo>
+                  <a:pt x="406265" y="416949"/>
+                  <a:pt x="1057002" y="0"/>
+                  <a:pt x="1805122" y="0"/>
+                </a:cubicBezTo>
+                <a:close/>
+              </a:path>
+            </a:pathLst>
+          </a:custGeom>
+          <a:noFill/>
+          <a:ln w="28575">
+            <a:solidFill>
+              <a:schemeClr val="accent6">
+                <a:lumMod val="60000"/>
+                <a:lumOff val="40000"/>
+              </a:schemeClr>
+            </a:solidFill>
+          </a:ln>
+        </p:spPr>
+        <p:style>
+          <a:lnRef idx="2">
+            <a:schemeClr val="accent1">
+              <a:shade val="50000"/>
+            </a:schemeClr>
+          </a:lnRef>
+          <a:fillRef idx="1">
+            <a:schemeClr val="accent1"/>
+          </a:fillRef>
+          <a:effectRef idx="0">
+            <a:schemeClr val="accent1"/>
+          </a:effectRef>
+          <a:fontRef idx="minor">
+            <a:schemeClr val="lt1"/>
+          </a:fontRef>
+        </p:style>
+        <p:txBody>
+          <a:bodyPr wrap="square" rtlCol="0" anchor="ctr">
+            <a:noAutofit/>
+          </a:bodyPr>
+          <a:lstStyle/>
+          <a:p>
+            <a:pPr algn="ctr"/>
+            <a:endParaRPr lang="en-US"/>
+          </a:p>
+        </p:txBody>
+      </p:sp>
+      <p:sp>
+        <p:nvSpPr>
+          <p:cNvPr id="12" name="TextBox 11">
+            <a:extLst>
+              <a:ext uri="{FF2B5EF4-FFF2-40B4-BE49-F238E27FC236}">
+                <a16:creationId xmlns:a16="http://schemas.microsoft.com/office/drawing/2014/main" id="{DBD90225-3AC0-8741-AD94-ECB05F9DF9C2}"/>
+              </a:ext>
+            </a:extLst>
+          </p:cNvPr>
+          <p:cNvSpPr txBox="1"/>
+          <p:nvPr/>
+        </p:nvSpPr>
+        <p:spPr>
+          <a:xfrm>
+            <a:off x="325516" y="190189"/>
+            <a:ext cx="8360228" cy="584775"/>
+          </a:xfrm>
+          <a:prstGeom prst="rect">
+            <a:avLst/>
+          </a:prstGeom>
+          <a:noFill/>
+        </p:spPr>
+        <p:txBody>
+          <a:bodyPr wrap="square" rtlCol="0">
+            <a:spAutoFit/>
+          </a:bodyPr>
+          <a:lstStyle/>
+          <a:p>
+            <a:r>
+              <a:rPr lang="en-US" sz="3200" b="1" dirty="0">
+                <a:solidFill>
+                  <a:schemeClr val="tx2">
+                    <a:lumMod val="75000"/>
+                  </a:schemeClr>
+                </a:solidFill>
+                <a:latin typeface="Corbel" panose="020B0503020204020204" pitchFamily="34" charset="0"/>
+                <a:ea typeface="Palatino" pitchFamily="2" charset="77"/>
+              </a:rPr>
+              <a:t>Another example</a:t>
+            </a:r>
+          </a:p>
+        </p:txBody>
+      </p:sp>
+      <p:sp>
+        <p:nvSpPr>
+          <p:cNvPr id="16" name="Oval 15">
+            <a:extLst>
+              <a:ext uri="{FF2B5EF4-FFF2-40B4-BE49-F238E27FC236}">
+                <a16:creationId xmlns:a16="http://schemas.microsoft.com/office/drawing/2014/main" id="{5A932687-6513-E74C-8C63-06FC46067054}"/>
+              </a:ext>
+            </a:extLst>
+          </p:cNvPr>
+          <p:cNvSpPr/>
+          <p:nvPr/>
+        </p:nvSpPr>
+        <p:spPr>
+          <a:xfrm>
+            <a:off x="10368999" y="6531405"/>
+            <a:ext cx="182880" cy="182880"/>
+          </a:xfrm>
+          <a:prstGeom prst="ellipse">
+            <a:avLst/>
+          </a:prstGeom>
+          <a:solidFill>
+            <a:schemeClr val="accent6">
+              <a:lumMod val="60000"/>
+              <a:lumOff val="40000"/>
+            </a:schemeClr>
+          </a:solidFill>
+          <a:ln>
+            <a:solidFill>
+              <a:schemeClr val="accent6">
+                <a:lumMod val="60000"/>
+                <a:lumOff val="40000"/>
+              </a:schemeClr>
+            </a:solidFill>
+          </a:ln>
+        </p:spPr>
+        <p:style>
+          <a:lnRef idx="2">
+            <a:schemeClr val="accent1">
+              <a:shade val="50000"/>
+            </a:schemeClr>
+          </a:lnRef>
+          <a:fillRef idx="1">
+            <a:schemeClr val="accent1"/>
+          </a:fillRef>
+          <a:effectRef idx="0">
+            <a:schemeClr val="accent1"/>
+          </a:effectRef>
+          <a:fontRef idx="minor">
+            <a:schemeClr val="lt1"/>
+          </a:fontRef>
+        </p:style>
+        <p:txBody>
+          <a:bodyPr rtlCol="0" anchor="ctr"/>
+          <a:lstStyle/>
+          <a:p>
+            <a:pPr algn="ctr"/>
+            <a:endParaRPr lang="en-US"/>
+          </a:p>
+        </p:txBody>
+      </p:sp>
+      <p:sp>
+        <p:nvSpPr>
+          <p:cNvPr id="15" name="Rectangle 14">
+            <a:extLst>
+              <a:ext uri="{FF2B5EF4-FFF2-40B4-BE49-F238E27FC236}">
+                <a16:creationId xmlns:a16="http://schemas.microsoft.com/office/drawing/2014/main" id="{BEA2AAD9-902E-FE4B-8841-DDC2A94B0A9D}"/>
+              </a:ext>
+            </a:extLst>
+          </p:cNvPr>
+          <p:cNvSpPr/>
+          <p:nvPr/>
+        </p:nvSpPr>
+        <p:spPr>
+          <a:xfrm>
+            <a:off x="3993697" y="1406041"/>
+            <a:ext cx="2138548" cy="1143000"/>
+          </a:xfrm>
+          <a:prstGeom prst="rect">
+            <a:avLst/>
+          </a:prstGeom>
+          <a:solidFill>
+            <a:schemeClr val="accent6">
+              <a:lumMod val="50000"/>
+            </a:schemeClr>
+          </a:solidFill>
+          <a:ln>
+            <a:solidFill>
+              <a:schemeClr val="accent6">
+                <a:lumMod val="50000"/>
+              </a:schemeClr>
+            </a:solidFill>
+          </a:ln>
+        </p:spPr>
+        <p:style>
+          <a:lnRef idx="2">
+            <a:schemeClr val="accent1">
+              <a:shade val="50000"/>
+            </a:schemeClr>
+          </a:lnRef>
+          <a:fillRef idx="1">
+            <a:schemeClr val="accent1"/>
+          </a:fillRef>
+          <a:effectRef idx="0">
+            <a:schemeClr val="accent1"/>
+          </a:effectRef>
+          <a:fontRef idx="minor">
+            <a:schemeClr val="lt1"/>
+          </a:fontRef>
+        </p:style>
+        <p:txBody>
+          <a:bodyPr rtlCol="0" anchor="ctr"/>
+          <a:lstStyle/>
+          <a:p>
+            <a:pPr algn="ctr"/>
+            <a:r>
+              <a:rPr lang="en-US" sz="2400" dirty="0">
+                <a:solidFill>
+                  <a:schemeClr val="bg1"/>
+                </a:solidFill>
+                <a:latin typeface="Palatino" pitchFamily="2" charset="77"/>
+                <a:ea typeface="Palatino" pitchFamily="2" charset="77"/>
+              </a:rPr>
+              <a:t>Capability</a:t>
+            </a:r>
+          </a:p>
+        </p:txBody>
+      </p:sp>
+      <p:cxnSp>
+        <p:nvCxnSpPr>
+          <p:cNvPr id="3" name="Straight Connector 2">
+            <a:extLst>
+              <a:ext uri="{FF2B5EF4-FFF2-40B4-BE49-F238E27FC236}">
+                <a16:creationId xmlns:a16="http://schemas.microsoft.com/office/drawing/2014/main" id="{98DEDD2E-7E01-904B-8042-6CD90D6FF7B2}"/>
+              </a:ext>
+            </a:extLst>
+          </p:cNvPr>
+          <p:cNvCxnSpPr>
+            <a:cxnSpLocks/>
+          </p:cNvCxnSpPr>
+          <p:nvPr/>
+        </p:nvCxnSpPr>
+        <p:spPr>
+          <a:xfrm>
+            <a:off x="325516" y="774964"/>
+            <a:ext cx="6708634" cy="0"/>
+          </a:xfrm>
+          <a:prstGeom prst="line">
+            <a:avLst/>
+          </a:prstGeom>
+          <a:ln w="19050">
+            <a:solidFill>
+              <a:schemeClr val="accent6">
+                <a:lumMod val="60000"/>
+                <a:lumOff val="40000"/>
+              </a:schemeClr>
+            </a:solidFill>
+          </a:ln>
+        </p:spPr>
+        <p:style>
+          <a:lnRef idx="1">
+            <a:schemeClr val="accent1"/>
+          </a:lnRef>
+          <a:fillRef idx="0">
+            <a:schemeClr val="accent1"/>
+          </a:fillRef>
+          <a:effectRef idx="0">
+            <a:schemeClr val="accent1"/>
+          </a:effectRef>
+          <a:fontRef idx="minor">
+            <a:schemeClr val="tx1"/>
+          </a:fontRef>
+        </p:style>
+      </p:cxnSp>
+      <p:sp>
+        <p:nvSpPr>
+          <p:cNvPr id="22" name="Oval 21">
+            <a:extLst>
+              <a:ext uri="{FF2B5EF4-FFF2-40B4-BE49-F238E27FC236}">
+                <a16:creationId xmlns:a16="http://schemas.microsoft.com/office/drawing/2014/main" id="{83466C91-C5C1-1E45-88C8-F1C818151E4B}"/>
+              </a:ext>
+            </a:extLst>
+          </p:cNvPr>
+          <p:cNvSpPr/>
+          <p:nvPr/>
+        </p:nvSpPr>
+        <p:spPr>
+          <a:xfrm>
+            <a:off x="6431491" y="683524"/>
+            <a:ext cx="182880" cy="182880"/>
+          </a:xfrm>
+          <a:prstGeom prst="ellipse">
+            <a:avLst/>
+          </a:prstGeom>
+          <a:solidFill>
+            <a:schemeClr val="accent6">
+              <a:lumMod val="60000"/>
+              <a:lumOff val="40000"/>
+            </a:schemeClr>
+          </a:solidFill>
+          <a:ln>
+            <a:solidFill>
+              <a:schemeClr val="accent6">
+                <a:lumMod val="60000"/>
+                <a:lumOff val="40000"/>
+              </a:schemeClr>
+            </a:solidFill>
+          </a:ln>
+        </p:spPr>
+        <p:style>
+          <a:lnRef idx="2">
+            <a:schemeClr val="accent1">
+              <a:shade val="50000"/>
+            </a:schemeClr>
+          </a:lnRef>
+          <a:fillRef idx="1">
+            <a:schemeClr val="accent1"/>
+          </a:fillRef>
+          <a:effectRef idx="0">
+            <a:schemeClr val="accent1"/>
+          </a:effectRef>
+          <a:fontRef idx="minor">
+            <a:schemeClr val="lt1"/>
+          </a:fontRef>
+        </p:style>
+        <p:txBody>
+          <a:bodyPr rtlCol="0" anchor="ctr"/>
+          <a:lstStyle/>
+          <a:p>
+            <a:pPr algn="ctr"/>
+            <a:endParaRPr lang="en-US"/>
+          </a:p>
+        </p:txBody>
+      </p:sp>
+      <p:sp>
+        <p:nvSpPr>
+          <p:cNvPr id="24" name="Oval 23">
+            <a:extLst>
+              <a:ext uri="{FF2B5EF4-FFF2-40B4-BE49-F238E27FC236}">
+                <a16:creationId xmlns:a16="http://schemas.microsoft.com/office/drawing/2014/main" id="{03E314B4-28FB-4147-9107-5FDD7D909775}"/>
+              </a:ext>
+            </a:extLst>
+          </p:cNvPr>
+          <p:cNvSpPr/>
+          <p:nvPr/>
+        </p:nvSpPr>
+        <p:spPr>
+          <a:xfrm>
+            <a:off x="6810547" y="729826"/>
+            <a:ext cx="91440" cy="91440"/>
+          </a:xfrm>
+          <a:prstGeom prst="ellipse">
+            <a:avLst/>
+          </a:prstGeom>
+          <a:solidFill>
+            <a:schemeClr val="accent6">
+              <a:lumMod val="60000"/>
+              <a:lumOff val="40000"/>
+            </a:schemeClr>
+          </a:solidFill>
+          <a:ln>
+            <a:solidFill>
+              <a:schemeClr val="accent6">
+                <a:lumMod val="60000"/>
+                <a:lumOff val="40000"/>
+              </a:schemeClr>
+            </a:solidFill>
+          </a:ln>
+        </p:spPr>
+        <p:style>
+          <a:lnRef idx="2">
+            <a:schemeClr val="accent1">
+              <a:shade val="50000"/>
+            </a:schemeClr>
+          </a:lnRef>
+          <a:fillRef idx="1">
+            <a:schemeClr val="accent1"/>
+          </a:fillRef>
+          <a:effectRef idx="0">
+            <a:schemeClr val="accent1"/>
+          </a:effectRef>
+          <a:fontRef idx="minor">
+            <a:schemeClr val="lt1"/>
+          </a:fontRef>
+        </p:style>
+        <p:txBody>
+          <a:bodyPr rtlCol="0" anchor="ctr"/>
+          <a:lstStyle/>
+          <a:p>
+            <a:pPr algn="ctr"/>
+            <a:endParaRPr lang="en-US"/>
+          </a:p>
+        </p:txBody>
+      </p:sp>
+      <p:sp>
+        <p:nvSpPr>
+          <p:cNvPr id="11" name="Rectangle 10">
+            <a:extLst>
+              <a:ext uri="{FF2B5EF4-FFF2-40B4-BE49-F238E27FC236}">
+                <a16:creationId xmlns:a16="http://schemas.microsoft.com/office/drawing/2014/main" id="{BBCAC168-E1C8-EA4C-8671-794968699D49}"/>
+              </a:ext>
+            </a:extLst>
+          </p:cNvPr>
+          <p:cNvSpPr/>
+          <p:nvPr/>
+        </p:nvSpPr>
+        <p:spPr>
+          <a:xfrm>
+            <a:off x="3993697" y="3120541"/>
+            <a:ext cx="2138548" cy="1143000"/>
+          </a:xfrm>
+          <a:prstGeom prst="rect">
+            <a:avLst/>
+          </a:prstGeom>
+          <a:solidFill>
+            <a:schemeClr val="accent6">
+              <a:lumMod val="60000"/>
+              <a:lumOff val="40000"/>
+            </a:schemeClr>
+          </a:solidFill>
+          <a:ln>
+            <a:solidFill>
+              <a:schemeClr val="accent6">
+                <a:lumMod val="60000"/>
+                <a:lumOff val="40000"/>
+              </a:schemeClr>
+            </a:solidFill>
+          </a:ln>
+        </p:spPr>
+        <p:style>
+          <a:lnRef idx="2">
+            <a:schemeClr val="accent1">
+              <a:shade val="50000"/>
+            </a:schemeClr>
+          </a:lnRef>
+          <a:fillRef idx="1">
+            <a:schemeClr val="accent1"/>
+          </a:fillRef>
+          <a:effectRef idx="0">
+            <a:schemeClr val="accent1"/>
+          </a:effectRef>
+          <a:fontRef idx="minor">
+            <a:schemeClr val="lt1"/>
+          </a:fontRef>
+        </p:style>
+        <p:txBody>
+          <a:bodyPr rtlCol="0" anchor="ctr"/>
+          <a:lstStyle/>
+          <a:p>
+            <a:pPr algn="ctr"/>
+            <a:r>
+              <a:rPr lang="en-US" sz="2400" dirty="0">
+                <a:solidFill>
+                  <a:schemeClr val="accent6">
+                    <a:lumMod val="50000"/>
+                  </a:schemeClr>
+                </a:solidFill>
+                <a:latin typeface="Palatino" pitchFamily="2" charset="77"/>
+                <a:ea typeface="Palatino" pitchFamily="2" charset="77"/>
+              </a:rPr>
+              <a:t>Service or Function</a:t>
+            </a:r>
+          </a:p>
+        </p:txBody>
+      </p:sp>
+      <p:sp>
+        <p:nvSpPr>
+          <p:cNvPr id="13" name="Rectangle 12">
+            <a:extLst>
+              <a:ext uri="{FF2B5EF4-FFF2-40B4-BE49-F238E27FC236}">
+                <a16:creationId xmlns:a16="http://schemas.microsoft.com/office/drawing/2014/main" id="{9A59C31F-820C-5340-A0F7-C6D096B97DFF}"/>
+              </a:ext>
+            </a:extLst>
+          </p:cNvPr>
+          <p:cNvSpPr/>
+          <p:nvPr/>
+        </p:nvSpPr>
+        <p:spPr>
+          <a:xfrm>
+            <a:off x="3993697" y="4835041"/>
+            <a:ext cx="2138548" cy="1143000"/>
+          </a:xfrm>
+          <a:prstGeom prst="rect">
+            <a:avLst/>
+          </a:prstGeom>
+          <a:solidFill>
+            <a:schemeClr val="accent6">
+              <a:lumMod val="20000"/>
+              <a:lumOff val="80000"/>
+            </a:schemeClr>
+          </a:solidFill>
+          <a:ln>
+            <a:solidFill>
+              <a:schemeClr val="accent6">
+                <a:lumMod val="20000"/>
+                <a:lumOff val="80000"/>
+              </a:schemeClr>
+            </a:solidFill>
+          </a:ln>
+        </p:spPr>
+        <p:style>
+          <a:lnRef idx="2">
+            <a:schemeClr val="accent1">
+              <a:shade val="50000"/>
+            </a:schemeClr>
+          </a:lnRef>
+          <a:fillRef idx="1">
+            <a:schemeClr val="accent1"/>
+          </a:fillRef>
+          <a:effectRef idx="0">
+            <a:schemeClr val="accent1"/>
+          </a:effectRef>
+          <a:fontRef idx="minor">
+            <a:schemeClr val="lt1"/>
+          </a:fontRef>
+        </p:style>
+        <p:txBody>
+          <a:bodyPr rtlCol="0" anchor="ctr"/>
+          <a:lstStyle/>
+          <a:p>
+            <a:pPr algn="ctr"/>
+            <a:r>
+              <a:rPr lang="en-US" sz="2400" dirty="0">
+                <a:solidFill>
+                  <a:schemeClr val="accent6">
+                    <a:lumMod val="50000"/>
+                  </a:schemeClr>
+                </a:solidFill>
+                <a:latin typeface="Palatino" pitchFamily="2" charset="77"/>
+                <a:ea typeface="Palatino" pitchFamily="2" charset="77"/>
+              </a:rPr>
+              <a:t>People, Process, Technology</a:t>
+            </a:r>
+          </a:p>
+        </p:txBody>
+      </p:sp>
+      <p:cxnSp>
+        <p:nvCxnSpPr>
+          <p:cNvPr id="14" name="Straight Connector 13">
+            <a:extLst>
+              <a:ext uri="{FF2B5EF4-FFF2-40B4-BE49-F238E27FC236}">
+                <a16:creationId xmlns:a16="http://schemas.microsoft.com/office/drawing/2014/main" id="{6FAC67BC-AF30-004B-8CD8-431A71857450}"/>
+              </a:ext>
+            </a:extLst>
+          </p:cNvPr>
+          <p:cNvCxnSpPr>
+            <a:cxnSpLocks/>
+            <a:endCxn id="11" idx="0"/>
+          </p:cNvCxnSpPr>
+          <p:nvPr/>
+        </p:nvCxnSpPr>
+        <p:spPr>
+          <a:xfrm>
+            <a:off x="5062971" y="2549041"/>
+            <a:ext cx="0" cy="571500"/>
+          </a:xfrm>
+          <a:prstGeom prst="line">
+            <a:avLst/>
+          </a:prstGeom>
+          <a:ln w="38100">
+            <a:solidFill>
+              <a:schemeClr val="accent6">
+                <a:lumMod val="60000"/>
+                <a:lumOff val="40000"/>
+              </a:schemeClr>
+            </a:solidFill>
+          </a:ln>
+        </p:spPr>
+        <p:style>
+          <a:lnRef idx="1">
+            <a:schemeClr val="accent1"/>
+          </a:lnRef>
+          <a:fillRef idx="0">
+            <a:schemeClr val="accent1"/>
+          </a:fillRef>
+          <a:effectRef idx="0">
+            <a:schemeClr val="accent1"/>
+          </a:effectRef>
+          <a:fontRef idx="minor">
+            <a:schemeClr val="tx1"/>
+          </a:fontRef>
+        </p:style>
+      </p:cxnSp>
+      <p:cxnSp>
+        <p:nvCxnSpPr>
+          <p:cNvPr id="20" name="Straight Connector 19">
+            <a:extLst>
+              <a:ext uri="{FF2B5EF4-FFF2-40B4-BE49-F238E27FC236}">
+                <a16:creationId xmlns:a16="http://schemas.microsoft.com/office/drawing/2014/main" id="{1EF1601A-B311-B144-9F82-931EDE564D57}"/>
+              </a:ext>
+            </a:extLst>
+          </p:cNvPr>
+          <p:cNvCxnSpPr>
+            <a:cxnSpLocks/>
+            <a:stCxn id="11" idx="2"/>
+            <a:endCxn id="13" idx="0"/>
+          </p:cNvCxnSpPr>
+          <p:nvPr/>
+        </p:nvCxnSpPr>
+        <p:spPr>
+          <a:xfrm>
+            <a:off x="5062971" y="4263541"/>
+            <a:ext cx="0" cy="571500"/>
+          </a:xfrm>
+          <a:prstGeom prst="line">
+            <a:avLst/>
+          </a:prstGeom>
+          <a:ln w="38100">
+            <a:solidFill>
+              <a:schemeClr val="accent6">
+                <a:lumMod val="60000"/>
+                <a:lumOff val="40000"/>
+              </a:schemeClr>
+            </a:solidFill>
+          </a:ln>
+        </p:spPr>
+        <p:style>
+          <a:lnRef idx="1">
+            <a:schemeClr val="accent1"/>
+          </a:lnRef>
+          <a:fillRef idx="0">
+            <a:schemeClr val="accent1"/>
+          </a:fillRef>
+          <a:effectRef idx="0">
+            <a:schemeClr val="accent1"/>
+          </a:effectRef>
+          <a:fontRef idx="minor">
+            <a:schemeClr val="tx1"/>
+          </a:fontRef>
+        </p:style>
+      </p:cxnSp>
+      <p:sp>
+        <p:nvSpPr>
+          <p:cNvPr id="4" name="Slide Number Placeholder 3">
+            <a:extLst>
+              <a:ext uri="{FF2B5EF4-FFF2-40B4-BE49-F238E27FC236}">
+                <a16:creationId xmlns:a16="http://schemas.microsoft.com/office/drawing/2014/main" id="{17C75B1F-A8A5-DD44-9ACB-A9E93F1A282B}"/>
+              </a:ext>
+            </a:extLst>
+          </p:cNvPr>
+          <p:cNvSpPr>
+            <a:spLocks noGrp="1"/>
+          </p:cNvSpPr>
+          <p:nvPr>
+            <p:ph type="sldNum" sz="quarter" idx="11"/>
+          </p:nvPr>
+        </p:nvSpPr>
+        <p:spPr/>
+        <p:txBody>
+          <a:bodyPr/>
+          <a:lstStyle/>
+          <a:p>
+            <a:fld id="{98087C8C-FB93-F749-A32B-FDEADC74AE65}" type="slidenum">
+              <a:rPr lang="en-US" smtClean="0"/>
+              <a:pPr/>
+              <a:t>15</a:t>
+            </a:fld>
+            <a:endParaRPr lang="en-US" dirty="0"/>
+          </a:p>
+        </p:txBody>
+      </p:sp>
+      <p:sp>
+        <p:nvSpPr>
+          <p:cNvPr id="2" name="TextBox 1">
+            <a:extLst>
+              <a:ext uri="{FF2B5EF4-FFF2-40B4-BE49-F238E27FC236}">
+                <a16:creationId xmlns:a16="http://schemas.microsoft.com/office/drawing/2014/main" id="{ECA0FC03-2E17-DB4F-84AB-F56F2A97DC98}"/>
+              </a:ext>
+            </a:extLst>
+          </p:cNvPr>
+          <p:cNvSpPr txBox="1"/>
+          <p:nvPr/>
+        </p:nvSpPr>
+        <p:spPr>
+          <a:xfrm>
+            <a:off x="558526" y="1357098"/>
+            <a:ext cx="3149437" cy="1200329"/>
+          </a:xfrm>
+          <a:prstGeom prst="rect">
+            <a:avLst/>
+          </a:prstGeom>
+          <a:noFill/>
+        </p:spPr>
+        <p:txBody>
+          <a:bodyPr wrap="square" rtlCol="0">
+            <a:spAutoFit/>
+          </a:bodyPr>
+          <a:lstStyle/>
+          <a:p>
+            <a:pPr algn="r"/>
+            <a:r>
+              <a:rPr lang="en-US" sz="2400" dirty="0">
+                <a:latin typeface="Palatino" pitchFamily="2" charset="77"/>
+                <a:ea typeface="Palatino" pitchFamily="2" charset="77"/>
+              </a:rPr>
+              <a:t>A Capability is the management of an ability</a:t>
+            </a:r>
+          </a:p>
+        </p:txBody>
+      </p:sp>
+      <p:sp>
+        <p:nvSpPr>
+          <p:cNvPr id="21" name="TextBox 20">
+            <a:extLst>
+              <a:ext uri="{FF2B5EF4-FFF2-40B4-BE49-F238E27FC236}">
+                <a16:creationId xmlns:a16="http://schemas.microsoft.com/office/drawing/2014/main" id="{9B3B7A33-B916-D049-BEE0-940047581C0C}"/>
+              </a:ext>
+            </a:extLst>
+          </p:cNvPr>
+          <p:cNvSpPr txBox="1"/>
+          <p:nvPr/>
+        </p:nvSpPr>
+        <p:spPr>
+          <a:xfrm>
+            <a:off x="464234" y="3065522"/>
+            <a:ext cx="3243730" cy="1200329"/>
+          </a:xfrm>
+          <a:prstGeom prst="rect">
+            <a:avLst/>
+          </a:prstGeom>
+          <a:noFill/>
+        </p:spPr>
+        <p:txBody>
+          <a:bodyPr wrap="square" rtlCol="0">
+            <a:spAutoFit/>
+          </a:bodyPr>
+          <a:lstStyle/>
+          <a:p>
+            <a:pPr algn="r"/>
+            <a:r>
+              <a:rPr lang="en-US" sz="2400" dirty="0">
+                <a:latin typeface="Palatino" pitchFamily="2" charset="77"/>
+                <a:ea typeface="Palatino" pitchFamily="2" charset="77"/>
+              </a:rPr>
+              <a:t>A Capability can be broken down into its parts</a:t>
+            </a:r>
+          </a:p>
+        </p:txBody>
+      </p:sp>
+      <p:sp>
+        <p:nvSpPr>
+          <p:cNvPr id="23" name="TextBox 22">
+            <a:extLst>
+              <a:ext uri="{FF2B5EF4-FFF2-40B4-BE49-F238E27FC236}">
+                <a16:creationId xmlns:a16="http://schemas.microsoft.com/office/drawing/2014/main" id="{377D4638-9343-B54B-A0D7-0E3822C5BA0D}"/>
+              </a:ext>
+            </a:extLst>
+          </p:cNvPr>
+          <p:cNvSpPr txBox="1"/>
+          <p:nvPr/>
+        </p:nvSpPr>
+        <p:spPr>
+          <a:xfrm>
+            <a:off x="563518" y="4991042"/>
+            <a:ext cx="3243730" cy="830997"/>
+          </a:xfrm>
+          <a:prstGeom prst="rect">
+            <a:avLst/>
+          </a:prstGeom>
+          <a:noFill/>
+        </p:spPr>
+        <p:txBody>
+          <a:bodyPr wrap="square" rtlCol="0">
+            <a:spAutoFit/>
+          </a:bodyPr>
+          <a:lstStyle/>
+          <a:p>
+            <a:pPr algn="r"/>
+            <a:r>
+              <a:rPr lang="en-US" sz="2400" dirty="0">
+                <a:latin typeface="Palatino" pitchFamily="2" charset="77"/>
+                <a:ea typeface="Palatino" pitchFamily="2" charset="77"/>
+              </a:rPr>
+              <a:t>Those parts are implemented</a:t>
+            </a:r>
+          </a:p>
+        </p:txBody>
+      </p:sp>
+      <p:sp>
+        <p:nvSpPr>
+          <p:cNvPr id="25" name="Rectangle 24">
+            <a:extLst>
+              <a:ext uri="{FF2B5EF4-FFF2-40B4-BE49-F238E27FC236}">
+                <a16:creationId xmlns:a16="http://schemas.microsoft.com/office/drawing/2014/main" id="{E539F93C-0CD9-B14C-9983-2357217D9F90}"/>
+              </a:ext>
+            </a:extLst>
+          </p:cNvPr>
+          <p:cNvSpPr/>
+          <p:nvPr/>
+        </p:nvSpPr>
+        <p:spPr>
+          <a:xfrm>
+            <a:off x="6345491" y="1414427"/>
+            <a:ext cx="2138548" cy="1143000"/>
+          </a:xfrm>
+          <a:prstGeom prst="rect">
+            <a:avLst/>
+          </a:prstGeom>
+          <a:solidFill>
+            <a:schemeClr val="tx2">
+              <a:lumMod val="75000"/>
+            </a:schemeClr>
+          </a:solidFill>
+          <a:ln>
+            <a:solidFill>
+              <a:schemeClr val="tx2">
+                <a:lumMod val="75000"/>
+              </a:schemeClr>
+            </a:solidFill>
+          </a:ln>
+        </p:spPr>
+        <p:style>
+          <a:lnRef idx="2">
+            <a:schemeClr val="accent1">
+              <a:shade val="50000"/>
+            </a:schemeClr>
+          </a:lnRef>
+          <a:fillRef idx="1">
+            <a:schemeClr val="accent1"/>
+          </a:fillRef>
+          <a:effectRef idx="0">
+            <a:schemeClr val="accent1"/>
+          </a:effectRef>
+          <a:fontRef idx="minor">
+            <a:schemeClr val="lt1"/>
+          </a:fontRef>
+        </p:style>
+        <p:txBody>
+          <a:bodyPr rtlCol="0" anchor="ctr"/>
+          <a:lstStyle/>
+          <a:p>
+            <a:pPr algn="ctr"/>
+            <a:r>
+              <a:rPr lang="en-US" sz="2400" dirty="0">
+                <a:solidFill>
+                  <a:schemeClr val="bg1"/>
+                </a:solidFill>
+                <a:latin typeface="Palatino" pitchFamily="2" charset="77"/>
+                <a:ea typeface="Palatino" pitchFamily="2" charset="77"/>
+              </a:rPr>
+              <a:t>Identity&amp; Access Management</a:t>
+            </a:r>
+          </a:p>
+        </p:txBody>
+      </p:sp>
+      <p:sp>
+        <p:nvSpPr>
+          <p:cNvPr id="26" name="Rectangle 25">
+            <a:extLst>
+              <a:ext uri="{FF2B5EF4-FFF2-40B4-BE49-F238E27FC236}">
+                <a16:creationId xmlns:a16="http://schemas.microsoft.com/office/drawing/2014/main" id="{C1059AA6-36C1-6E4E-B11F-AD36448FDBF7}"/>
+              </a:ext>
+            </a:extLst>
+          </p:cNvPr>
+          <p:cNvSpPr/>
+          <p:nvPr/>
+        </p:nvSpPr>
+        <p:spPr>
+          <a:xfrm>
+            <a:off x="6340241" y="3094186"/>
+            <a:ext cx="2138548" cy="1143000"/>
+          </a:xfrm>
+          <a:prstGeom prst="rect">
+            <a:avLst/>
+          </a:prstGeom>
+          <a:solidFill>
+            <a:schemeClr val="tx2">
+              <a:lumMod val="40000"/>
+              <a:lumOff val="60000"/>
+            </a:schemeClr>
+          </a:solidFill>
+          <a:ln>
+            <a:solidFill>
+              <a:schemeClr val="tx2">
+                <a:lumMod val="40000"/>
+                <a:lumOff val="60000"/>
+              </a:schemeClr>
+            </a:solidFill>
+          </a:ln>
+        </p:spPr>
+        <p:style>
+          <a:lnRef idx="2">
+            <a:schemeClr val="accent1">
+              <a:shade val="50000"/>
+            </a:schemeClr>
+          </a:lnRef>
+          <a:fillRef idx="1">
+            <a:schemeClr val="accent1"/>
+          </a:fillRef>
+          <a:effectRef idx="0">
+            <a:schemeClr val="accent1"/>
+          </a:effectRef>
+          <a:fontRef idx="minor">
+            <a:schemeClr val="lt1"/>
+          </a:fontRef>
+        </p:style>
+        <p:txBody>
+          <a:bodyPr rtlCol="0" anchor="ctr"/>
+          <a:lstStyle/>
+          <a:p>
+            <a:pPr algn="ctr"/>
+            <a:r>
+              <a:rPr lang="en-US" sz="2000" dirty="0">
+                <a:solidFill>
+                  <a:schemeClr val="tx2">
+                    <a:lumMod val="75000"/>
+                  </a:schemeClr>
+                </a:solidFill>
+                <a:latin typeface="Palatino" pitchFamily="2" charset="77"/>
+                <a:ea typeface="Palatino" pitchFamily="2" charset="77"/>
+              </a:rPr>
+              <a:t>Authentication</a:t>
+            </a:r>
+          </a:p>
+        </p:txBody>
+      </p:sp>
+      <p:sp>
+        <p:nvSpPr>
+          <p:cNvPr id="27" name="Rectangle 26">
+            <a:extLst>
+              <a:ext uri="{FF2B5EF4-FFF2-40B4-BE49-F238E27FC236}">
+                <a16:creationId xmlns:a16="http://schemas.microsoft.com/office/drawing/2014/main" id="{E7811B5C-3F77-554B-AD3E-CF58EA981A46}"/>
+              </a:ext>
+            </a:extLst>
+          </p:cNvPr>
+          <p:cNvSpPr/>
+          <p:nvPr/>
+        </p:nvSpPr>
+        <p:spPr>
+          <a:xfrm>
+            <a:off x="6317552" y="4835041"/>
+            <a:ext cx="2138548" cy="1143000"/>
+          </a:xfrm>
+          <a:prstGeom prst="rect">
+            <a:avLst/>
+          </a:prstGeom>
+          <a:solidFill>
+            <a:schemeClr val="tx2">
+              <a:lumMod val="20000"/>
+              <a:lumOff val="80000"/>
+            </a:schemeClr>
+          </a:solidFill>
+          <a:ln>
+            <a:solidFill>
+              <a:schemeClr val="tx2">
+                <a:lumMod val="20000"/>
+                <a:lumOff val="80000"/>
+              </a:schemeClr>
+            </a:solidFill>
+          </a:ln>
+        </p:spPr>
+        <p:style>
+          <a:lnRef idx="2">
+            <a:schemeClr val="accent1">
+              <a:shade val="50000"/>
+            </a:schemeClr>
+          </a:lnRef>
+          <a:fillRef idx="1">
+            <a:schemeClr val="accent1"/>
+          </a:fillRef>
+          <a:effectRef idx="0">
+            <a:schemeClr val="accent1"/>
+          </a:effectRef>
+          <a:fontRef idx="minor">
+            <a:schemeClr val="lt1"/>
+          </a:fontRef>
+        </p:style>
+        <p:txBody>
+          <a:bodyPr rtlCol="0" anchor="ctr"/>
+          <a:lstStyle/>
+          <a:p>
+            <a:pPr algn="ctr"/>
+            <a:r>
+              <a:rPr lang="en-US" sz="2400" dirty="0">
+                <a:solidFill>
+                  <a:schemeClr val="tx2">
+                    <a:lumMod val="75000"/>
+                  </a:schemeClr>
+                </a:solidFill>
+                <a:latin typeface="Palatino" pitchFamily="2" charset="77"/>
+                <a:ea typeface="Palatino" pitchFamily="2" charset="77"/>
+              </a:rPr>
+              <a:t>Azure AD</a:t>
+            </a:r>
+          </a:p>
+        </p:txBody>
+      </p:sp>
+      <p:cxnSp>
+        <p:nvCxnSpPr>
+          <p:cNvPr id="28" name="Straight Connector 27">
+            <a:extLst>
+              <a:ext uri="{FF2B5EF4-FFF2-40B4-BE49-F238E27FC236}">
+                <a16:creationId xmlns:a16="http://schemas.microsoft.com/office/drawing/2014/main" id="{7DDEDF24-2733-2A44-81F8-84F1D08F530A}"/>
+              </a:ext>
+            </a:extLst>
+          </p:cNvPr>
+          <p:cNvCxnSpPr>
+            <a:cxnSpLocks/>
+            <a:stCxn id="15" idx="3"/>
+            <a:endCxn id="25" idx="1"/>
+          </p:cNvCxnSpPr>
+          <p:nvPr/>
+        </p:nvCxnSpPr>
+        <p:spPr>
+          <a:xfrm>
+            <a:off x="6132245" y="1977541"/>
+            <a:ext cx="213246" cy="8386"/>
+          </a:xfrm>
+          <a:prstGeom prst="line">
+            <a:avLst/>
+          </a:prstGeom>
+          <a:ln w="38100">
+            <a:solidFill>
+              <a:schemeClr val="accent6">
+                <a:lumMod val="60000"/>
+                <a:lumOff val="40000"/>
+              </a:schemeClr>
+            </a:solidFill>
+          </a:ln>
+        </p:spPr>
+        <p:style>
+          <a:lnRef idx="1">
+            <a:schemeClr val="accent1"/>
+          </a:lnRef>
+          <a:fillRef idx="0">
+            <a:schemeClr val="accent1"/>
+          </a:fillRef>
+          <a:effectRef idx="0">
+            <a:schemeClr val="accent1"/>
+          </a:effectRef>
+          <a:fontRef idx="minor">
+            <a:schemeClr val="tx1"/>
+          </a:fontRef>
+        </p:style>
+      </p:cxnSp>
+      <p:cxnSp>
+        <p:nvCxnSpPr>
+          <p:cNvPr id="29" name="Straight Connector 28">
+            <a:extLst>
+              <a:ext uri="{FF2B5EF4-FFF2-40B4-BE49-F238E27FC236}">
+                <a16:creationId xmlns:a16="http://schemas.microsoft.com/office/drawing/2014/main" id="{B799F5E8-F28E-6A4A-A1BF-0D07F9ECEE19}"/>
+              </a:ext>
+            </a:extLst>
+          </p:cNvPr>
+          <p:cNvCxnSpPr>
+            <a:cxnSpLocks/>
+          </p:cNvCxnSpPr>
+          <p:nvPr/>
+        </p:nvCxnSpPr>
+        <p:spPr>
+          <a:xfrm>
+            <a:off x="6110068" y="3655519"/>
+            <a:ext cx="213246" cy="8386"/>
+          </a:xfrm>
+          <a:prstGeom prst="line">
+            <a:avLst/>
+          </a:prstGeom>
+          <a:ln w="38100">
+            <a:solidFill>
+              <a:schemeClr val="accent6">
+                <a:lumMod val="60000"/>
+                <a:lumOff val="40000"/>
+              </a:schemeClr>
+            </a:solidFill>
+          </a:ln>
+        </p:spPr>
+        <p:style>
+          <a:lnRef idx="1">
+            <a:schemeClr val="accent1"/>
+          </a:lnRef>
+          <a:fillRef idx="0">
+            <a:schemeClr val="accent1"/>
+          </a:fillRef>
+          <a:effectRef idx="0">
+            <a:schemeClr val="accent1"/>
+          </a:effectRef>
+          <a:fontRef idx="minor">
+            <a:schemeClr val="tx1"/>
+          </a:fontRef>
+        </p:style>
+      </p:cxnSp>
+      <p:cxnSp>
+        <p:nvCxnSpPr>
+          <p:cNvPr id="30" name="Straight Connector 29">
+            <a:extLst>
+              <a:ext uri="{FF2B5EF4-FFF2-40B4-BE49-F238E27FC236}">
+                <a16:creationId xmlns:a16="http://schemas.microsoft.com/office/drawing/2014/main" id="{F39A108C-D38A-5641-B2AD-F033185EA96E}"/>
+              </a:ext>
+            </a:extLst>
+          </p:cNvPr>
+          <p:cNvCxnSpPr>
+            <a:cxnSpLocks/>
+            <a:stCxn id="13" idx="3"/>
+            <a:endCxn id="27" idx="1"/>
+          </p:cNvCxnSpPr>
+          <p:nvPr/>
+        </p:nvCxnSpPr>
+        <p:spPr>
+          <a:xfrm>
+            <a:off x="6132245" y="5406541"/>
+            <a:ext cx="185307" cy="0"/>
+          </a:xfrm>
+          <a:prstGeom prst="line">
+            <a:avLst/>
+          </a:prstGeom>
+          <a:ln w="38100">
+            <a:solidFill>
+              <a:schemeClr val="accent6">
+                <a:lumMod val="60000"/>
+                <a:lumOff val="40000"/>
+              </a:schemeClr>
+            </a:solidFill>
+          </a:ln>
+        </p:spPr>
+        <p:style>
+          <a:lnRef idx="1">
+            <a:schemeClr val="accent1"/>
+          </a:lnRef>
+          <a:fillRef idx="0">
+            <a:schemeClr val="accent1"/>
+          </a:fillRef>
+          <a:effectRef idx="0">
+            <a:schemeClr val="accent1"/>
+          </a:effectRef>
+          <a:fontRef idx="minor">
+            <a:schemeClr val="tx1"/>
+          </a:fontRef>
+        </p:style>
+      </p:cxnSp>
+      <p:cxnSp>
+        <p:nvCxnSpPr>
+          <p:cNvPr id="32" name="Straight Connector 31">
+            <a:extLst>
+              <a:ext uri="{FF2B5EF4-FFF2-40B4-BE49-F238E27FC236}">
+                <a16:creationId xmlns:a16="http://schemas.microsoft.com/office/drawing/2014/main" id="{9E91D1F9-41CC-304F-80B3-76564F40DA96}"/>
+              </a:ext>
+            </a:extLst>
+          </p:cNvPr>
+          <p:cNvCxnSpPr>
+            <a:cxnSpLocks/>
+          </p:cNvCxnSpPr>
+          <p:nvPr/>
+        </p:nvCxnSpPr>
+        <p:spPr>
+          <a:xfrm>
+            <a:off x="7334457" y="4237186"/>
+            <a:ext cx="0" cy="571500"/>
+          </a:xfrm>
+          <a:prstGeom prst="line">
+            <a:avLst/>
+          </a:prstGeom>
+          <a:ln w="38100">
+            <a:solidFill>
+              <a:schemeClr val="accent6">
+                <a:lumMod val="60000"/>
+                <a:lumOff val="40000"/>
+              </a:schemeClr>
+            </a:solidFill>
+          </a:ln>
+        </p:spPr>
+        <p:style>
+          <a:lnRef idx="1">
+            <a:schemeClr val="accent1"/>
+          </a:lnRef>
+          <a:fillRef idx="0">
+            <a:schemeClr val="accent1"/>
+          </a:fillRef>
+          <a:effectRef idx="0">
+            <a:schemeClr val="accent1"/>
+          </a:effectRef>
+          <a:fontRef idx="minor">
+            <a:schemeClr val="tx1"/>
+          </a:fontRef>
+        </p:style>
+      </p:cxnSp>
+      <p:sp>
+        <p:nvSpPr>
+          <p:cNvPr id="34" name="TextBox 33">
+            <a:extLst>
+              <a:ext uri="{FF2B5EF4-FFF2-40B4-BE49-F238E27FC236}">
+                <a16:creationId xmlns:a16="http://schemas.microsoft.com/office/drawing/2014/main" id="{708CCA0A-B4C3-ED4C-8FCB-196EE2D3C720}"/>
+              </a:ext>
+            </a:extLst>
+          </p:cNvPr>
+          <p:cNvSpPr txBox="1"/>
+          <p:nvPr/>
+        </p:nvSpPr>
+        <p:spPr>
+          <a:xfrm>
+            <a:off x="8740723" y="1541763"/>
+            <a:ext cx="3149437" cy="830997"/>
+          </a:xfrm>
+          <a:prstGeom prst="rect">
+            <a:avLst/>
+          </a:prstGeom>
+          <a:noFill/>
+        </p:spPr>
+        <p:txBody>
+          <a:bodyPr wrap="square" rtlCol="0">
+            <a:spAutoFit/>
+          </a:bodyPr>
+          <a:lstStyle/>
+          <a:p>
+            <a:r>
+              <a:rPr lang="en-US" sz="2400" dirty="0">
+                <a:latin typeface="Palatino" pitchFamily="2" charset="77"/>
+                <a:ea typeface="Palatino" pitchFamily="2" charset="77"/>
+              </a:rPr>
+              <a:t>IAM is an area that must be managed</a:t>
+            </a:r>
+          </a:p>
+        </p:txBody>
+      </p:sp>
+      <p:sp>
+        <p:nvSpPr>
+          <p:cNvPr id="35" name="TextBox 34">
+            <a:extLst>
+              <a:ext uri="{FF2B5EF4-FFF2-40B4-BE49-F238E27FC236}">
+                <a16:creationId xmlns:a16="http://schemas.microsoft.com/office/drawing/2014/main" id="{CF9C0EE8-E8F7-7C47-8D3A-C7B7AA5DB9A6}"/>
+              </a:ext>
+            </a:extLst>
+          </p:cNvPr>
+          <p:cNvSpPr txBox="1"/>
+          <p:nvPr/>
+        </p:nvSpPr>
+        <p:spPr>
+          <a:xfrm>
+            <a:off x="8740723" y="3055354"/>
+            <a:ext cx="3149437" cy="1200329"/>
+          </a:xfrm>
+          <a:prstGeom prst="rect">
+            <a:avLst/>
+          </a:prstGeom>
+          <a:noFill/>
+        </p:spPr>
+        <p:txBody>
+          <a:bodyPr wrap="square" rtlCol="0">
+            <a:spAutoFit/>
+          </a:bodyPr>
+          <a:lstStyle/>
+          <a:p>
+            <a:r>
+              <a:rPr lang="en-US" sz="2400" dirty="0">
+                <a:latin typeface="Palatino" pitchFamily="2" charset="77"/>
+                <a:ea typeface="Palatino" pitchFamily="2" charset="77"/>
+              </a:rPr>
+              <a:t>Authentication is a service, and has many functions</a:t>
+            </a:r>
+          </a:p>
+        </p:txBody>
+      </p:sp>
+      <p:sp>
+        <p:nvSpPr>
+          <p:cNvPr id="36" name="TextBox 35">
+            <a:extLst>
+              <a:ext uri="{FF2B5EF4-FFF2-40B4-BE49-F238E27FC236}">
+                <a16:creationId xmlns:a16="http://schemas.microsoft.com/office/drawing/2014/main" id="{7CFFBB6C-B5CF-A944-B00B-B72743F39134}"/>
+              </a:ext>
+            </a:extLst>
+          </p:cNvPr>
+          <p:cNvSpPr txBox="1"/>
+          <p:nvPr/>
+        </p:nvSpPr>
+        <p:spPr>
+          <a:xfrm>
+            <a:off x="8740723" y="4809253"/>
+            <a:ext cx="3149437" cy="1200329"/>
+          </a:xfrm>
+          <a:prstGeom prst="rect">
+            <a:avLst/>
+          </a:prstGeom>
+          <a:noFill/>
+        </p:spPr>
+        <p:txBody>
+          <a:bodyPr wrap="square" rtlCol="0">
+            <a:spAutoFit/>
+          </a:bodyPr>
+          <a:lstStyle/>
+          <a:p>
+            <a:r>
+              <a:rPr lang="en-US" sz="2400" dirty="0">
+                <a:latin typeface="Palatino" pitchFamily="2" charset="77"/>
+                <a:ea typeface="Palatino" pitchFamily="2" charset="77"/>
+              </a:rPr>
+              <a:t>A technology that implements Authentication</a:t>
+            </a:r>
+          </a:p>
+        </p:txBody>
+      </p:sp>
+    </p:spTree>
+    <p:extLst>
+      <p:ext uri="{BB962C8B-B14F-4D97-AF65-F5344CB8AC3E}">
+        <p14:creationId xmlns:p14="http://schemas.microsoft.com/office/powerpoint/2010/main" val="1095117867"/>
+      </p:ext>
+    </p:extLst>
+  </p:cSld>
+  <p:clrMapOvr>
+    <a:masterClrMapping/>
+  </p:clrMapOvr>
+</p:sld>
+</file>
+
+<file path=ppt/slides/slide16.xml><?xml version="1.0" encoding="utf-8"?>
+<p:sld xmlns:a="http://schemas.openxmlformats.org/drawingml/2006/main" xmlns:r="http://schemas.openxmlformats.org/officeDocument/2006/relationships" xmlns:p="http://schemas.openxmlformats.org/presentationml/2006/main">
+  <p:cSld>
+    <p:spTree>
+      <p:nvGrpSpPr>
+        <p:cNvPr id="1" name=""/>
+        <p:cNvGrpSpPr/>
+        <p:nvPr/>
+      </p:nvGrpSpPr>
+      <p:grpSpPr>
+        <a:xfrm>
+          <a:off x="0" y="0"/>
+          <a:ext cx="0" cy="0"/>
+          <a:chOff x="0" y="0"/>
+          <a:chExt cx="0" cy="0"/>
+        </a:xfrm>
+      </p:grpSpPr>
+      <p:cxnSp>
+        <p:nvCxnSpPr>
+          <p:cNvPr id="31" name="Straight Connector 30">
+            <a:extLst>
+              <a:ext uri="{FF2B5EF4-FFF2-40B4-BE49-F238E27FC236}">
+                <a16:creationId xmlns:a16="http://schemas.microsoft.com/office/drawing/2014/main" id="{EC57176A-12EA-B340-89D8-6A8016FB6F34}"/>
+              </a:ext>
+            </a:extLst>
+          </p:cNvPr>
+          <p:cNvCxnSpPr>
+            <a:cxnSpLocks/>
+          </p:cNvCxnSpPr>
+          <p:nvPr/>
+        </p:nvCxnSpPr>
+        <p:spPr>
+          <a:xfrm>
+            <a:off x="7334457" y="2522686"/>
+            <a:ext cx="0" cy="571500"/>
+          </a:xfrm>
+          <a:prstGeom prst="line">
+            <a:avLst/>
+          </a:prstGeom>
+          <a:ln w="38100">
+            <a:solidFill>
+              <a:schemeClr val="accent6">
+                <a:lumMod val="60000"/>
+                <a:lumOff val="40000"/>
+              </a:schemeClr>
+            </a:solidFill>
+          </a:ln>
+        </p:spPr>
+        <p:style>
+          <a:lnRef idx="1">
+            <a:schemeClr val="accent1"/>
+          </a:lnRef>
+          <a:fillRef idx="0">
+            <a:schemeClr val="accent1"/>
+          </a:fillRef>
+          <a:effectRef idx="0">
+            <a:schemeClr val="accent1"/>
+          </a:effectRef>
+          <a:fontRef idx="minor">
+            <a:schemeClr val="tx1"/>
+          </a:fontRef>
+        </p:style>
+      </p:cxnSp>
+      <p:sp>
+        <p:nvSpPr>
+          <p:cNvPr id="18" name="Freeform 17">
+            <a:extLst>
+              <a:ext uri="{FF2B5EF4-FFF2-40B4-BE49-F238E27FC236}">
+                <a16:creationId xmlns:a16="http://schemas.microsoft.com/office/drawing/2014/main" id="{6F8D3A16-4583-544A-B345-95EEC5E58E56}"/>
+              </a:ext>
+            </a:extLst>
+          </p:cNvPr>
+          <p:cNvSpPr/>
+          <p:nvPr/>
+        </p:nvSpPr>
+        <p:spPr>
+          <a:xfrm>
+            <a:off x="10315442" y="5704694"/>
+            <a:ext cx="1919422" cy="1181882"/>
+          </a:xfrm>
+          <a:custGeom>
+            <a:avLst/>
+            <a:gdLst>
+              <a:gd name="connsiteX0" fmla="*/ 1805122 w 1919422"/>
+              <a:gd name="connsiteY0" fmla="*/ 0 h 1181882"/>
+              <a:gd name="connsiteX1" fmla="*/ 1919422 w 1919422"/>
+              <a:gd name="connsiteY1" fmla="*/ 5772 h 1181882"/>
+              <a:gd name="connsiteX2" fmla="*/ 1919422 w 1919422"/>
+              <a:gd name="connsiteY2" fmla="*/ 1181882 h 1181882"/>
+              <a:gd name="connsiteX3" fmla="*/ 0 w 1919422"/>
+              <a:gd name="connsiteY3" fmla="*/ 1181882 h 1181882"/>
+              <a:gd name="connsiteX4" fmla="*/ 72613 w 1919422"/>
+              <a:gd name="connsiteY4" fmla="*/ 1031146 h 1181882"/>
+              <a:gd name="connsiteX5" fmla="*/ 1805122 w 1919422"/>
+              <a:gd name="connsiteY5" fmla="*/ 0 h 1181882"/>
+            </a:gdLst>
+            <a:ahLst/>
+            <a:cxnLst>
+              <a:cxn ang="0">
+                <a:pos x="connsiteX0" y="connsiteY0"/>
+              </a:cxn>
+              <a:cxn ang="0">
+                <a:pos x="connsiteX1" y="connsiteY1"/>
+              </a:cxn>
+              <a:cxn ang="0">
+                <a:pos x="connsiteX2" y="connsiteY2"/>
+              </a:cxn>
+              <a:cxn ang="0">
+                <a:pos x="connsiteX3" y="connsiteY3"/>
+              </a:cxn>
+              <a:cxn ang="0">
+                <a:pos x="connsiteX4" y="connsiteY4"/>
+              </a:cxn>
+              <a:cxn ang="0">
+                <a:pos x="connsiteX5" y="connsiteY5"/>
+              </a:cxn>
+            </a:cxnLst>
+            <a:rect l="l" t="t" r="r" b="b"/>
+            <a:pathLst>
+              <a:path w="1919422" h="1181882">
+                <a:moveTo>
+                  <a:pt x="1805122" y="0"/>
+                </a:moveTo>
+                <a:lnTo>
+                  <a:pt x="1919422" y="5772"/>
+                </a:lnTo>
+                <a:lnTo>
+                  <a:pt x="1919422" y="1181882"/>
+                </a:lnTo>
+                <a:lnTo>
+                  <a:pt x="0" y="1181882"/>
+                </a:lnTo>
+                <a:lnTo>
+                  <a:pt x="72613" y="1031146"/>
+                </a:lnTo>
+                <a:cubicBezTo>
+                  <a:pt x="406265" y="416949"/>
+                  <a:pt x="1057002" y="0"/>
+                  <a:pt x="1805122" y="0"/>
+                </a:cubicBezTo>
+                <a:close/>
+              </a:path>
+            </a:pathLst>
+          </a:custGeom>
+          <a:noFill/>
+          <a:ln w="28575">
+            <a:solidFill>
+              <a:schemeClr val="accent6">
+                <a:lumMod val="60000"/>
+                <a:lumOff val="40000"/>
+              </a:schemeClr>
+            </a:solidFill>
+          </a:ln>
+        </p:spPr>
+        <p:style>
+          <a:lnRef idx="2">
+            <a:schemeClr val="accent1">
+              <a:shade val="50000"/>
+            </a:schemeClr>
+          </a:lnRef>
+          <a:fillRef idx="1">
+            <a:schemeClr val="accent1"/>
+          </a:fillRef>
+          <a:effectRef idx="0">
+            <a:schemeClr val="accent1"/>
+          </a:effectRef>
+          <a:fontRef idx="minor">
+            <a:schemeClr val="lt1"/>
+          </a:fontRef>
+        </p:style>
+        <p:txBody>
+          <a:bodyPr wrap="square" rtlCol="0" anchor="ctr">
+            <a:noAutofit/>
+          </a:bodyPr>
+          <a:lstStyle/>
+          <a:p>
+            <a:pPr algn="ctr"/>
+            <a:endParaRPr lang="en-US"/>
+          </a:p>
+        </p:txBody>
+      </p:sp>
+      <p:sp>
+        <p:nvSpPr>
+          <p:cNvPr id="12" name="TextBox 11">
+            <a:extLst>
+              <a:ext uri="{FF2B5EF4-FFF2-40B4-BE49-F238E27FC236}">
+                <a16:creationId xmlns:a16="http://schemas.microsoft.com/office/drawing/2014/main" id="{DBD90225-3AC0-8741-AD94-ECB05F9DF9C2}"/>
+              </a:ext>
+            </a:extLst>
+          </p:cNvPr>
+          <p:cNvSpPr txBox="1"/>
+          <p:nvPr/>
+        </p:nvSpPr>
+        <p:spPr>
+          <a:xfrm>
+            <a:off x="325516" y="190189"/>
+            <a:ext cx="8360228" cy="584775"/>
+          </a:xfrm>
+          <a:prstGeom prst="rect">
+            <a:avLst/>
+          </a:prstGeom>
+          <a:noFill/>
+        </p:spPr>
+        <p:txBody>
+          <a:bodyPr wrap="square" rtlCol="0">
+            <a:spAutoFit/>
+          </a:bodyPr>
+          <a:lstStyle/>
+          <a:p>
+            <a:r>
+              <a:rPr lang="en-US" sz="3200" b="1" dirty="0">
+                <a:solidFill>
+                  <a:schemeClr val="tx2">
+                    <a:lumMod val="75000"/>
+                  </a:schemeClr>
+                </a:solidFill>
+                <a:latin typeface="Corbel" panose="020B0503020204020204" pitchFamily="34" charset="0"/>
+                <a:ea typeface="Palatino" pitchFamily="2" charset="77"/>
+              </a:rPr>
+              <a:t>More detail</a:t>
+            </a:r>
+          </a:p>
+        </p:txBody>
+      </p:sp>
+      <p:sp>
+        <p:nvSpPr>
+          <p:cNvPr id="16" name="Oval 15">
+            <a:extLst>
+              <a:ext uri="{FF2B5EF4-FFF2-40B4-BE49-F238E27FC236}">
+                <a16:creationId xmlns:a16="http://schemas.microsoft.com/office/drawing/2014/main" id="{5A932687-6513-E74C-8C63-06FC46067054}"/>
+              </a:ext>
+            </a:extLst>
+          </p:cNvPr>
+          <p:cNvSpPr/>
+          <p:nvPr/>
+        </p:nvSpPr>
+        <p:spPr>
+          <a:xfrm>
+            <a:off x="10368999" y="6531405"/>
+            <a:ext cx="182880" cy="182880"/>
+          </a:xfrm>
+          <a:prstGeom prst="ellipse">
+            <a:avLst/>
+          </a:prstGeom>
+          <a:solidFill>
+            <a:schemeClr val="accent6">
+              <a:lumMod val="60000"/>
+              <a:lumOff val="40000"/>
+            </a:schemeClr>
+          </a:solidFill>
+          <a:ln>
+            <a:solidFill>
+              <a:schemeClr val="accent6">
+                <a:lumMod val="60000"/>
+                <a:lumOff val="40000"/>
+              </a:schemeClr>
+            </a:solidFill>
+          </a:ln>
+        </p:spPr>
+        <p:style>
+          <a:lnRef idx="2">
+            <a:schemeClr val="accent1">
+              <a:shade val="50000"/>
+            </a:schemeClr>
+          </a:lnRef>
+          <a:fillRef idx="1">
+            <a:schemeClr val="accent1"/>
+          </a:fillRef>
+          <a:effectRef idx="0">
+            <a:schemeClr val="accent1"/>
+          </a:effectRef>
+          <a:fontRef idx="minor">
+            <a:schemeClr val="lt1"/>
+          </a:fontRef>
+        </p:style>
+        <p:txBody>
+          <a:bodyPr rtlCol="0" anchor="ctr"/>
+          <a:lstStyle/>
+          <a:p>
+            <a:pPr algn="ctr"/>
+            <a:endParaRPr lang="en-US"/>
+          </a:p>
+        </p:txBody>
+      </p:sp>
+      <p:sp>
+        <p:nvSpPr>
+          <p:cNvPr id="15" name="Rectangle 14">
+            <a:extLst>
+              <a:ext uri="{FF2B5EF4-FFF2-40B4-BE49-F238E27FC236}">
+                <a16:creationId xmlns:a16="http://schemas.microsoft.com/office/drawing/2014/main" id="{BEA2AAD9-902E-FE4B-8841-DDC2A94B0A9D}"/>
+              </a:ext>
+            </a:extLst>
+          </p:cNvPr>
+          <p:cNvSpPr/>
+          <p:nvPr/>
+        </p:nvSpPr>
+        <p:spPr>
+          <a:xfrm>
+            <a:off x="3993697" y="1406041"/>
+            <a:ext cx="2138548" cy="1143000"/>
+          </a:xfrm>
+          <a:prstGeom prst="rect">
+            <a:avLst/>
+          </a:prstGeom>
+          <a:solidFill>
+            <a:schemeClr val="accent6">
+              <a:lumMod val="50000"/>
+            </a:schemeClr>
+          </a:solidFill>
+          <a:ln>
+            <a:solidFill>
+              <a:schemeClr val="accent6">
+                <a:lumMod val="50000"/>
+              </a:schemeClr>
+            </a:solidFill>
+          </a:ln>
+        </p:spPr>
+        <p:style>
+          <a:lnRef idx="2">
+            <a:schemeClr val="accent1">
+              <a:shade val="50000"/>
+            </a:schemeClr>
+          </a:lnRef>
+          <a:fillRef idx="1">
+            <a:schemeClr val="accent1"/>
+          </a:fillRef>
+          <a:effectRef idx="0">
+            <a:schemeClr val="accent1"/>
+          </a:effectRef>
+          <a:fontRef idx="minor">
+            <a:schemeClr val="lt1"/>
+          </a:fontRef>
+        </p:style>
+        <p:txBody>
+          <a:bodyPr rtlCol="0" anchor="ctr"/>
+          <a:lstStyle/>
+          <a:p>
+            <a:pPr algn="ctr"/>
+            <a:r>
+              <a:rPr lang="en-US" sz="2400" dirty="0">
+                <a:solidFill>
+                  <a:schemeClr val="bg1"/>
+                </a:solidFill>
+                <a:latin typeface="Palatino" pitchFamily="2" charset="77"/>
+                <a:ea typeface="Palatino" pitchFamily="2" charset="77"/>
+              </a:rPr>
+              <a:t>Capability</a:t>
+            </a:r>
+          </a:p>
+        </p:txBody>
+      </p:sp>
+      <p:cxnSp>
+        <p:nvCxnSpPr>
+          <p:cNvPr id="3" name="Straight Connector 2">
+            <a:extLst>
+              <a:ext uri="{FF2B5EF4-FFF2-40B4-BE49-F238E27FC236}">
+                <a16:creationId xmlns:a16="http://schemas.microsoft.com/office/drawing/2014/main" id="{98DEDD2E-7E01-904B-8042-6CD90D6FF7B2}"/>
+              </a:ext>
+            </a:extLst>
+          </p:cNvPr>
+          <p:cNvCxnSpPr>
+            <a:cxnSpLocks/>
+          </p:cNvCxnSpPr>
+          <p:nvPr/>
+        </p:nvCxnSpPr>
+        <p:spPr>
+          <a:xfrm>
+            <a:off x="325516" y="774964"/>
+            <a:ext cx="6708634" cy="0"/>
+          </a:xfrm>
+          <a:prstGeom prst="line">
+            <a:avLst/>
+          </a:prstGeom>
+          <a:ln w="19050">
+            <a:solidFill>
+              <a:schemeClr val="accent6">
+                <a:lumMod val="60000"/>
+                <a:lumOff val="40000"/>
+              </a:schemeClr>
+            </a:solidFill>
+          </a:ln>
+        </p:spPr>
+        <p:style>
+          <a:lnRef idx="1">
+            <a:schemeClr val="accent1"/>
+          </a:lnRef>
+          <a:fillRef idx="0">
+            <a:schemeClr val="accent1"/>
+          </a:fillRef>
+          <a:effectRef idx="0">
+            <a:schemeClr val="accent1"/>
+          </a:effectRef>
+          <a:fontRef idx="minor">
+            <a:schemeClr val="tx1"/>
+          </a:fontRef>
+        </p:style>
+      </p:cxnSp>
+      <p:sp>
+        <p:nvSpPr>
+          <p:cNvPr id="22" name="Oval 21">
+            <a:extLst>
+              <a:ext uri="{FF2B5EF4-FFF2-40B4-BE49-F238E27FC236}">
+                <a16:creationId xmlns:a16="http://schemas.microsoft.com/office/drawing/2014/main" id="{83466C91-C5C1-1E45-88C8-F1C818151E4B}"/>
+              </a:ext>
+            </a:extLst>
+          </p:cNvPr>
+          <p:cNvSpPr/>
+          <p:nvPr/>
+        </p:nvSpPr>
+        <p:spPr>
+          <a:xfrm>
+            <a:off x="6431491" y="683524"/>
+            <a:ext cx="182880" cy="182880"/>
+          </a:xfrm>
+          <a:prstGeom prst="ellipse">
+            <a:avLst/>
+          </a:prstGeom>
+          <a:solidFill>
+            <a:schemeClr val="accent6">
+              <a:lumMod val="60000"/>
+              <a:lumOff val="40000"/>
+            </a:schemeClr>
+          </a:solidFill>
+          <a:ln>
+            <a:solidFill>
+              <a:schemeClr val="accent6">
+                <a:lumMod val="60000"/>
+                <a:lumOff val="40000"/>
+              </a:schemeClr>
+            </a:solidFill>
+          </a:ln>
+        </p:spPr>
+        <p:style>
+          <a:lnRef idx="2">
+            <a:schemeClr val="accent1">
+              <a:shade val="50000"/>
+            </a:schemeClr>
+          </a:lnRef>
+          <a:fillRef idx="1">
+            <a:schemeClr val="accent1"/>
+          </a:fillRef>
+          <a:effectRef idx="0">
+            <a:schemeClr val="accent1"/>
+          </a:effectRef>
+          <a:fontRef idx="minor">
+            <a:schemeClr val="lt1"/>
+          </a:fontRef>
+        </p:style>
+        <p:txBody>
+          <a:bodyPr rtlCol="0" anchor="ctr"/>
+          <a:lstStyle/>
+          <a:p>
+            <a:pPr algn="ctr"/>
+            <a:endParaRPr lang="en-US"/>
+          </a:p>
+        </p:txBody>
+      </p:sp>
+      <p:sp>
+        <p:nvSpPr>
+          <p:cNvPr id="24" name="Oval 23">
+            <a:extLst>
+              <a:ext uri="{FF2B5EF4-FFF2-40B4-BE49-F238E27FC236}">
+                <a16:creationId xmlns:a16="http://schemas.microsoft.com/office/drawing/2014/main" id="{03E314B4-28FB-4147-9107-5FDD7D909775}"/>
+              </a:ext>
+            </a:extLst>
+          </p:cNvPr>
+          <p:cNvSpPr/>
+          <p:nvPr/>
+        </p:nvSpPr>
+        <p:spPr>
+          <a:xfrm>
+            <a:off x="6810547" y="729826"/>
+            <a:ext cx="91440" cy="91440"/>
+          </a:xfrm>
+          <a:prstGeom prst="ellipse">
+            <a:avLst/>
+          </a:prstGeom>
+          <a:solidFill>
+            <a:schemeClr val="accent6">
+              <a:lumMod val="60000"/>
+              <a:lumOff val="40000"/>
+            </a:schemeClr>
+          </a:solidFill>
+          <a:ln>
+            <a:solidFill>
+              <a:schemeClr val="accent6">
+                <a:lumMod val="60000"/>
+                <a:lumOff val="40000"/>
+              </a:schemeClr>
+            </a:solidFill>
+          </a:ln>
+        </p:spPr>
+        <p:style>
+          <a:lnRef idx="2">
+            <a:schemeClr val="accent1">
+              <a:shade val="50000"/>
+            </a:schemeClr>
+          </a:lnRef>
+          <a:fillRef idx="1">
+            <a:schemeClr val="accent1"/>
+          </a:fillRef>
+          <a:effectRef idx="0">
+            <a:schemeClr val="accent1"/>
+          </a:effectRef>
+          <a:fontRef idx="minor">
+            <a:schemeClr val="lt1"/>
+          </a:fontRef>
+        </p:style>
+        <p:txBody>
+          <a:bodyPr rtlCol="0" anchor="ctr"/>
+          <a:lstStyle/>
+          <a:p>
+            <a:pPr algn="ctr"/>
+            <a:endParaRPr lang="en-US"/>
+          </a:p>
+        </p:txBody>
+      </p:sp>
+      <p:sp>
+        <p:nvSpPr>
+          <p:cNvPr id="11" name="Rectangle 10">
+            <a:extLst>
+              <a:ext uri="{FF2B5EF4-FFF2-40B4-BE49-F238E27FC236}">
+                <a16:creationId xmlns:a16="http://schemas.microsoft.com/office/drawing/2014/main" id="{BBCAC168-E1C8-EA4C-8671-794968699D49}"/>
+              </a:ext>
+            </a:extLst>
+          </p:cNvPr>
+          <p:cNvSpPr/>
+          <p:nvPr/>
+        </p:nvSpPr>
+        <p:spPr>
+          <a:xfrm>
+            <a:off x="3993697" y="3120541"/>
+            <a:ext cx="2138548" cy="1143000"/>
+          </a:xfrm>
+          <a:prstGeom prst="rect">
+            <a:avLst/>
+          </a:prstGeom>
+          <a:solidFill>
+            <a:schemeClr val="accent6">
+              <a:lumMod val="60000"/>
+              <a:lumOff val="40000"/>
+            </a:schemeClr>
+          </a:solidFill>
+          <a:ln>
+            <a:solidFill>
+              <a:schemeClr val="accent6">
+                <a:lumMod val="60000"/>
+                <a:lumOff val="40000"/>
+              </a:schemeClr>
+            </a:solidFill>
+          </a:ln>
+        </p:spPr>
+        <p:style>
+          <a:lnRef idx="2">
+            <a:schemeClr val="accent1">
+              <a:shade val="50000"/>
+            </a:schemeClr>
+          </a:lnRef>
+          <a:fillRef idx="1">
+            <a:schemeClr val="accent1"/>
+          </a:fillRef>
+          <a:effectRef idx="0">
+            <a:schemeClr val="accent1"/>
+          </a:effectRef>
+          <a:fontRef idx="minor">
+            <a:schemeClr val="lt1"/>
+          </a:fontRef>
+        </p:style>
+        <p:txBody>
+          <a:bodyPr rtlCol="0" anchor="ctr"/>
+          <a:lstStyle/>
+          <a:p>
+            <a:pPr algn="ctr"/>
+            <a:r>
+              <a:rPr lang="en-US" sz="2400" dirty="0">
+                <a:solidFill>
+                  <a:schemeClr val="accent6">
+                    <a:lumMod val="50000"/>
+                  </a:schemeClr>
+                </a:solidFill>
+                <a:latin typeface="Palatino" pitchFamily="2" charset="77"/>
+                <a:ea typeface="Palatino" pitchFamily="2" charset="77"/>
+              </a:rPr>
+              <a:t>Service or Function</a:t>
+            </a:r>
+          </a:p>
+        </p:txBody>
+      </p:sp>
+      <p:sp>
+        <p:nvSpPr>
+          <p:cNvPr id="13" name="Rectangle 12">
+            <a:extLst>
+              <a:ext uri="{FF2B5EF4-FFF2-40B4-BE49-F238E27FC236}">
+                <a16:creationId xmlns:a16="http://schemas.microsoft.com/office/drawing/2014/main" id="{9A59C31F-820C-5340-A0F7-C6D096B97DFF}"/>
+              </a:ext>
+            </a:extLst>
+          </p:cNvPr>
+          <p:cNvSpPr/>
+          <p:nvPr/>
+        </p:nvSpPr>
+        <p:spPr>
+          <a:xfrm>
+            <a:off x="3993697" y="4835041"/>
+            <a:ext cx="2138548" cy="1143000"/>
+          </a:xfrm>
+          <a:prstGeom prst="rect">
+            <a:avLst/>
+          </a:prstGeom>
+          <a:solidFill>
+            <a:schemeClr val="accent6">
+              <a:lumMod val="20000"/>
+              <a:lumOff val="80000"/>
+            </a:schemeClr>
+          </a:solidFill>
+          <a:ln>
+            <a:solidFill>
+              <a:schemeClr val="accent6">
+                <a:lumMod val="20000"/>
+                <a:lumOff val="80000"/>
+              </a:schemeClr>
+            </a:solidFill>
+          </a:ln>
+        </p:spPr>
+        <p:style>
+          <a:lnRef idx="2">
+            <a:schemeClr val="accent1">
+              <a:shade val="50000"/>
+            </a:schemeClr>
+          </a:lnRef>
+          <a:fillRef idx="1">
+            <a:schemeClr val="accent1"/>
+          </a:fillRef>
+          <a:effectRef idx="0">
+            <a:schemeClr val="accent1"/>
+          </a:effectRef>
+          <a:fontRef idx="minor">
+            <a:schemeClr val="lt1"/>
+          </a:fontRef>
+        </p:style>
+        <p:txBody>
+          <a:bodyPr rtlCol="0" anchor="ctr"/>
+          <a:lstStyle/>
+          <a:p>
+            <a:pPr algn="ctr"/>
+            <a:r>
+              <a:rPr lang="en-US" sz="2400" dirty="0">
+                <a:solidFill>
+                  <a:schemeClr val="accent6">
+                    <a:lumMod val="50000"/>
+                  </a:schemeClr>
+                </a:solidFill>
+                <a:latin typeface="Palatino" pitchFamily="2" charset="77"/>
+                <a:ea typeface="Palatino" pitchFamily="2" charset="77"/>
+              </a:rPr>
+              <a:t>People, Process, Technology</a:t>
+            </a:r>
+          </a:p>
+        </p:txBody>
+      </p:sp>
+      <p:cxnSp>
+        <p:nvCxnSpPr>
+          <p:cNvPr id="14" name="Straight Connector 13">
+            <a:extLst>
+              <a:ext uri="{FF2B5EF4-FFF2-40B4-BE49-F238E27FC236}">
+                <a16:creationId xmlns:a16="http://schemas.microsoft.com/office/drawing/2014/main" id="{6FAC67BC-AF30-004B-8CD8-431A71857450}"/>
+              </a:ext>
+            </a:extLst>
+          </p:cNvPr>
+          <p:cNvCxnSpPr>
+            <a:cxnSpLocks/>
+            <a:endCxn id="11" idx="0"/>
+          </p:cNvCxnSpPr>
+          <p:nvPr/>
+        </p:nvCxnSpPr>
+        <p:spPr>
+          <a:xfrm>
+            <a:off x="5062971" y="2549041"/>
+            <a:ext cx="0" cy="571500"/>
+          </a:xfrm>
+          <a:prstGeom prst="line">
+            <a:avLst/>
+          </a:prstGeom>
+          <a:ln w="38100">
+            <a:solidFill>
+              <a:schemeClr val="accent6">
+                <a:lumMod val="60000"/>
+                <a:lumOff val="40000"/>
+              </a:schemeClr>
+            </a:solidFill>
+          </a:ln>
+        </p:spPr>
+        <p:style>
+          <a:lnRef idx="1">
+            <a:schemeClr val="accent1"/>
+          </a:lnRef>
+          <a:fillRef idx="0">
+            <a:schemeClr val="accent1"/>
+          </a:fillRef>
+          <a:effectRef idx="0">
+            <a:schemeClr val="accent1"/>
+          </a:effectRef>
+          <a:fontRef idx="minor">
+            <a:schemeClr val="tx1"/>
+          </a:fontRef>
+        </p:style>
+      </p:cxnSp>
+      <p:cxnSp>
+        <p:nvCxnSpPr>
+          <p:cNvPr id="20" name="Straight Connector 19">
+            <a:extLst>
+              <a:ext uri="{FF2B5EF4-FFF2-40B4-BE49-F238E27FC236}">
+                <a16:creationId xmlns:a16="http://schemas.microsoft.com/office/drawing/2014/main" id="{1EF1601A-B311-B144-9F82-931EDE564D57}"/>
+              </a:ext>
+            </a:extLst>
+          </p:cNvPr>
+          <p:cNvCxnSpPr>
+            <a:cxnSpLocks/>
+            <a:stCxn id="11" idx="2"/>
+            <a:endCxn id="13" idx="0"/>
+          </p:cNvCxnSpPr>
+          <p:nvPr/>
+        </p:nvCxnSpPr>
+        <p:spPr>
+          <a:xfrm>
+            <a:off x="5062971" y="4263541"/>
+            <a:ext cx="0" cy="571500"/>
+          </a:xfrm>
+          <a:prstGeom prst="line">
+            <a:avLst/>
+          </a:prstGeom>
+          <a:ln w="38100">
+            <a:solidFill>
+              <a:schemeClr val="accent6">
+                <a:lumMod val="60000"/>
+                <a:lumOff val="40000"/>
+              </a:schemeClr>
+            </a:solidFill>
+          </a:ln>
+        </p:spPr>
+        <p:style>
+          <a:lnRef idx="1">
+            <a:schemeClr val="accent1"/>
+          </a:lnRef>
+          <a:fillRef idx="0">
+            <a:schemeClr val="accent1"/>
+          </a:fillRef>
+          <a:effectRef idx="0">
+            <a:schemeClr val="accent1"/>
+          </a:effectRef>
+          <a:fontRef idx="minor">
+            <a:schemeClr val="tx1"/>
+          </a:fontRef>
+        </p:style>
+      </p:cxnSp>
+      <p:sp>
+        <p:nvSpPr>
+          <p:cNvPr id="4" name="Slide Number Placeholder 3">
+            <a:extLst>
+              <a:ext uri="{FF2B5EF4-FFF2-40B4-BE49-F238E27FC236}">
+                <a16:creationId xmlns:a16="http://schemas.microsoft.com/office/drawing/2014/main" id="{17C75B1F-A8A5-DD44-9ACB-A9E93F1A282B}"/>
+              </a:ext>
+            </a:extLst>
+          </p:cNvPr>
+          <p:cNvSpPr>
+            <a:spLocks noGrp="1"/>
+          </p:cNvSpPr>
+          <p:nvPr>
+            <p:ph type="sldNum" sz="quarter" idx="11"/>
+          </p:nvPr>
+        </p:nvSpPr>
+        <p:spPr/>
+        <p:txBody>
+          <a:bodyPr/>
+          <a:lstStyle/>
+          <a:p>
+            <a:fld id="{98087C8C-FB93-F749-A32B-FDEADC74AE65}" type="slidenum">
+              <a:rPr lang="en-US" smtClean="0"/>
+              <a:pPr/>
+              <a:t>16</a:t>
+            </a:fld>
+            <a:endParaRPr lang="en-US" dirty="0"/>
+          </a:p>
+        </p:txBody>
+      </p:sp>
+      <p:sp>
+        <p:nvSpPr>
+          <p:cNvPr id="2" name="TextBox 1">
+            <a:extLst>
+              <a:ext uri="{FF2B5EF4-FFF2-40B4-BE49-F238E27FC236}">
+                <a16:creationId xmlns:a16="http://schemas.microsoft.com/office/drawing/2014/main" id="{ECA0FC03-2E17-DB4F-84AB-F56F2A97DC98}"/>
+              </a:ext>
+            </a:extLst>
+          </p:cNvPr>
+          <p:cNvSpPr txBox="1"/>
+          <p:nvPr/>
+        </p:nvSpPr>
+        <p:spPr>
+          <a:xfrm>
+            <a:off x="558526" y="1357098"/>
+            <a:ext cx="3149437" cy="1200329"/>
+          </a:xfrm>
+          <a:prstGeom prst="rect">
+            <a:avLst/>
+          </a:prstGeom>
+          <a:noFill/>
+        </p:spPr>
+        <p:txBody>
+          <a:bodyPr wrap="square" rtlCol="0">
+            <a:spAutoFit/>
+          </a:bodyPr>
+          <a:lstStyle/>
+          <a:p>
+            <a:pPr algn="r"/>
+            <a:r>
+              <a:rPr lang="en-US" sz="2400" dirty="0">
+                <a:latin typeface="Palatino" pitchFamily="2" charset="77"/>
+                <a:ea typeface="Palatino" pitchFamily="2" charset="77"/>
+              </a:rPr>
+              <a:t>A Capability is the management of an ability</a:t>
+            </a:r>
+          </a:p>
+        </p:txBody>
+      </p:sp>
+      <p:sp>
+        <p:nvSpPr>
+          <p:cNvPr id="21" name="TextBox 20">
+            <a:extLst>
+              <a:ext uri="{FF2B5EF4-FFF2-40B4-BE49-F238E27FC236}">
+                <a16:creationId xmlns:a16="http://schemas.microsoft.com/office/drawing/2014/main" id="{9B3B7A33-B916-D049-BEE0-940047581C0C}"/>
+              </a:ext>
+            </a:extLst>
+          </p:cNvPr>
+          <p:cNvSpPr txBox="1"/>
+          <p:nvPr/>
+        </p:nvSpPr>
+        <p:spPr>
+          <a:xfrm>
+            <a:off x="464234" y="3065522"/>
+            <a:ext cx="3243730" cy="1200329"/>
+          </a:xfrm>
+          <a:prstGeom prst="rect">
+            <a:avLst/>
+          </a:prstGeom>
+          <a:noFill/>
+        </p:spPr>
+        <p:txBody>
+          <a:bodyPr wrap="square" rtlCol="0">
+            <a:spAutoFit/>
+          </a:bodyPr>
+          <a:lstStyle/>
+          <a:p>
+            <a:pPr algn="r"/>
+            <a:r>
+              <a:rPr lang="en-US" sz="2400" dirty="0">
+                <a:latin typeface="Palatino" pitchFamily="2" charset="77"/>
+                <a:ea typeface="Palatino" pitchFamily="2" charset="77"/>
+              </a:rPr>
+              <a:t>A Capability can be broken down into its parts</a:t>
+            </a:r>
+          </a:p>
+        </p:txBody>
+      </p:sp>
+      <p:sp>
+        <p:nvSpPr>
+          <p:cNvPr id="23" name="TextBox 22">
+            <a:extLst>
+              <a:ext uri="{FF2B5EF4-FFF2-40B4-BE49-F238E27FC236}">
+                <a16:creationId xmlns:a16="http://schemas.microsoft.com/office/drawing/2014/main" id="{377D4638-9343-B54B-A0D7-0E3822C5BA0D}"/>
+              </a:ext>
+            </a:extLst>
+          </p:cNvPr>
+          <p:cNvSpPr txBox="1"/>
+          <p:nvPr/>
+        </p:nvSpPr>
+        <p:spPr>
+          <a:xfrm>
+            <a:off x="563518" y="4991042"/>
+            <a:ext cx="3243730" cy="830997"/>
+          </a:xfrm>
+          <a:prstGeom prst="rect">
+            <a:avLst/>
+          </a:prstGeom>
+          <a:noFill/>
+        </p:spPr>
+        <p:txBody>
+          <a:bodyPr wrap="square" rtlCol="0">
+            <a:spAutoFit/>
+          </a:bodyPr>
+          <a:lstStyle/>
+          <a:p>
+            <a:pPr algn="r"/>
+            <a:r>
+              <a:rPr lang="en-US" sz="2400" dirty="0">
+                <a:latin typeface="Palatino" pitchFamily="2" charset="77"/>
+                <a:ea typeface="Palatino" pitchFamily="2" charset="77"/>
+              </a:rPr>
+              <a:t>Those parts are implemented</a:t>
+            </a:r>
+          </a:p>
+        </p:txBody>
+      </p:sp>
+      <p:sp>
+        <p:nvSpPr>
+          <p:cNvPr id="25" name="Rectangle 24">
+            <a:extLst>
+              <a:ext uri="{FF2B5EF4-FFF2-40B4-BE49-F238E27FC236}">
+                <a16:creationId xmlns:a16="http://schemas.microsoft.com/office/drawing/2014/main" id="{E539F93C-0CD9-B14C-9983-2357217D9F90}"/>
+              </a:ext>
+            </a:extLst>
+          </p:cNvPr>
+          <p:cNvSpPr/>
+          <p:nvPr/>
+        </p:nvSpPr>
+        <p:spPr>
+          <a:xfrm>
+            <a:off x="6345491" y="1414427"/>
+            <a:ext cx="2138548" cy="1143000"/>
+          </a:xfrm>
+          <a:prstGeom prst="rect">
+            <a:avLst/>
+          </a:prstGeom>
+          <a:solidFill>
+            <a:schemeClr val="tx2">
+              <a:lumMod val="75000"/>
+            </a:schemeClr>
+          </a:solidFill>
+          <a:ln>
+            <a:solidFill>
+              <a:schemeClr val="tx2">
+                <a:lumMod val="75000"/>
+              </a:schemeClr>
+            </a:solidFill>
+          </a:ln>
+        </p:spPr>
+        <p:style>
+          <a:lnRef idx="2">
+            <a:schemeClr val="accent1">
+              <a:shade val="50000"/>
+            </a:schemeClr>
+          </a:lnRef>
+          <a:fillRef idx="1">
+            <a:schemeClr val="accent1"/>
+          </a:fillRef>
+          <a:effectRef idx="0">
+            <a:schemeClr val="accent1"/>
+          </a:effectRef>
+          <a:fontRef idx="minor">
+            <a:schemeClr val="lt1"/>
+          </a:fontRef>
+        </p:style>
+        <p:txBody>
+          <a:bodyPr rtlCol="0" anchor="ctr"/>
+          <a:lstStyle/>
+          <a:p>
+            <a:pPr algn="ctr"/>
+            <a:r>
+              <a:rPr lang="en-US" sz="2400" dirty="0">
+                <a:solidFill>
+                  <a:schemeClr val="bg1"/>
+                </a:solidFill>
+                <a:latin typeface="Palatino" pitchFamily="2" charset="77"/>
+                <a:ea typeface="Palatino" pitchFamily="2" charset="77"/>
+              </a:rPr>
+              <a:t>Identity&amp; Access Management</a:t>
+            </a:r>
+          </a:p>
+        </p:txBody>
+      </p:sp>
+      <p:sp>
+        <p:nvSpPr>
+          <p:cNvPr id="26" name="Rectangle 25">
+            <a:extLst>
+              <a:ext uri="{FF2B5EF4-FFF2-40B4-BE49-F238E27FC236}">
+                <a16:creationId xmlns:a16="http://schemas.microsoft.com/office/drawing/2014/main" id="{C1059AA6-36C1-6E4E-B11F-AD36448FDBF7}"/>
+              </a:ext>
+            </a:extLst>
+          </p:cNvPr>
+          <p:cNvSpPr/>
+          <p:nvPr/>
+        </p:nvSpPr>
+        <p:spPr>
+          <a:xfrm>
+            <a:off x="6340241" y="3094186"/>
+            <a:ext cx="2138548" cy="1143000"/>
+          </a:xfrm>
+          <a:prstGeom prst="rect">
+            <a:avLst/>
+          </a:prstGeom>
+          <a:solidFill>
+            <a:schemeClr val="tx2">
+              <a:lumMod val="40000"/>
+              <a:lumOff val="60000"/>
+            </a:schemeClr>
+          </a:solidFill>
+          <a:ln>
+            <a:solidFill>
+              <a:schemeClr val="tx2">
+                <a:lumMod val="40000"/>
+                <a:lumOff val="60000"/>
+              </a:schemeClr>
+            </a:solidFill>
+          </a:ln>
+        </p:spPr>
+        <p:style>
+          <a:lnRef idx="2">
+            <a:schemeClr val="accent1">
+              <a:shade val="50000"/>
+            </a:schemeClr>
+          </a:lnRef>
+          <a:fillRef idx="1">
+            <a:schemeClr val="accent1"/>
+          </a:fillRef>
+          <a:effectRef idx="0">
+            <a:schemeClr val="accent1"/>
+          </a:effectRef>
+          <a:fontRef idx="minor">
+            <a:schemeClr val="lt1"/>
+          </a:fontRef>
+        </p:style>
+        <p:txBody>
+          <a:bodyPr rtlCol="0" anchor="ctr"/>
+          <a:lstStyle/>
+          <a:p>
+            <a:pPr algn="ctr"/>
+            <a:r>
+              <a:rPr lang="en-US" sz="2000" dirty="0">
+                <a:solidFill>
+                  <a:schemeClr val="tx2">
+                    <a:lumMod val="75000"/>
+                  </a:schemeClr>
+                </a:solidFill>
+                <a:latin typeface="Palatino" pitchFamily="2" charset="77"/>
+                <a:ea typeface="Palatino" pitchFamily="2" charset="77"/>
+              </a:rPr>
+              <a:t>Authentication</a:t>
+            </a:r>
+          </a:p>
+        </p:txBody>
+      </p:sp>
+      <p:sp>
+        <p:nvSpPr>
+          <p:cNvPr id="27" name="Rectangle 26">
+            <a:extLst>
+              <a:ext uri="{FF2B5EF4-FFF2-40B4-BE49-F238E27FC236}">
+                <a16:creationId xmlns:a16="http://schemas.microsoft.com/office/drawing/2014/main" id="{E7811B5C-3F77-554B-AD3E-CF58EA981A46}"/>
+              </a:ext>
+            </a:extLst>
+          </p:cNvPr>
+          <p:cNvSpPr/>
+          <p:nvPr/>
+        </p:nvSpPr>
+        <p:spPr>
+          <a:xfrm>
+            <a:off x="6317552" y="4835041"/>
+            <a:ext cx="2138548" cy="1143000"/>
+          </a:xfrm>
+          <a:prstGeom prst="rect">
+            <a:avLst/>
+          </a:prstGeom>
+          <a:solidFill>
+            <a:schemeClr val="tx2">
+              <a:lumMod val="20000"/>
+              <a:lumOff val="80000"/>
+            </a:schemeClr>
+          </a:solidFill>
+          <a:ln>
+            <a:solidFill>
+              <a:schemeClr val="tx2">
+                <a:lumMod val="20000"/>
+                <a:lumOff val="80000"/>
+              </a:schemeClr>
+            </a:solidFill>
+          </a:ln>
+        </p:spPr>
+        <p:style>
+          <a:lnRef idx="2">
+            <a:schemeClr val="accent1">
+              <a:shade val="50000"/>
+            </a:schemeClr>
+          </a:lnRef>
+          <a:fillRef idx="1">
+            <a:schemeClr val="accent1"/>
+          </a:fillRef>
+          <a:effectRef idx="0">
+            <a:schemeClr val="accent1"/>
+          </a:effectRef>
+          <a:fontRef idx="minor">
+            <a:schemeClr val="lt1"/>
+          </a:fontRef>
+        </p:style>
+        <p:txBody>
+          <a:bodyPr rtlCol="0" anchor="ctr"/>
+          <a:lstStyle/>
+          <a:p>
+            <a:pPr algn="ctr"/>
+            <a:r>
+              <a:rPr lang="en-US" sz="2400" dirty="0">
+                <a:solidFill>
+                  <a:schemeClr val="tx2">
+                    <a:lumMod val="75000"/>
+                  </a:schemeClr>
+                </a:solidFill>
+                <a:latin typeface="Palatino" pitchFamily="2" charset="77"/>
+                <a:ea typeface="Palatino" pitchFamily="2" charset="77"/>
+              </a:rPr>
+              <a:t>Azure AD</a:t>
+            </a:r>
+          </a:p>
+        </p:txBody>
+      </p:sp>
+      <p:cxnSp>
+        <p:nvCxnSpPr>
+          <p:cNvPr id="28" name="Straight Connector 27">
+            <a:extLst>
+              <a:ext uri="{FF2B5EF4-FFF2-40B4-BE49-F238E27FC236}">
+                <a16:creationId xmlns:a16="http://schemas.microsoft.com/office/drawing/2014/main" id="{7DDEDF24-2733-2A44-81F8-84F1D08F530A}"/>
+              </a:ext>
+            </a:extLst>
+          </p:cNvPr>
+          <p:cNvCxnSpPr>
+            <a:cxnSpLocks/>
+            <a:stCxn id="15" idx="3"/>
+            <a:endCxn id="25" idx="1"/>
+          </p:cNvCxnSpPr>
+          <p:nvPr/>
+        </p:nvCxnSpPr>
+        <p:spPr>
+          <a:xfrm>
+            <a:off x="6132245" y="1977541"/>
+            <a:ext cx="213246" cy="8386"/>
+          </a:xfrm>
+          <a:prstGeom prst="line">
+            <a:avLst/>
+          </a:prstGeom>
+          <a:ln w="38100">
+            <a:solidFill>
+              <a:schemeClr val="accent6">
+                <a:lumMod val="60000"/>
+                <a:lumOff val="40000"/>
+              </a:schemeClr>
+            </a:solidFill>
+          </a:ln>
+        </p:spPr>
+        <p:style>
+          <a:lnRef idx="1">
+            <a:schemeClr val="accent1"/>
+          </a:lnRef>
+          <a:fillRef idx="0">
+            <a:schemeClr val="accent1"/>
+          </a:fillRef>
+          <a:effectRef idx="0">
+            <a:schemeClr val="accent1"/>
+          </a:effectRef>
+          <a:fontRef idx="minor">
+            <a:schemeClr val="tx1"/>
+          </a:fontRef>
+        </p:style>
+      </p:cxnSp>
+      <p:cxnSp>
+        <p:nvCxnSpPr>
+          <p:cNvPr id="29" name="Straight Connector 28">
+            <a:extLst>
+              <a:ext uri="{FF2B5EF4-FFF2-40B4-BE49-F238E27FC236}">
+                <a16:creationId xmlns:a16="http://schemas.microsoft.com/office/drawing/2014/main" id="{B799F5E8-F28E-6A4A-A1BF-0D07F9ECEE19}"/>
+              </a:ext>
+            </a:extLst>
+          </p:cNvPr>
+          <p:cNvCxnSpPr>
+            <a:cxnSpLocks/>
+          </p:cNvCxnSpPr>
+          <p:nvPr/>
+        </p:nvCxnSpPr>
+        <p:spPr>
+          <a:xfrm>
+            <a:off x="6110068" y="3655519"/>
+            <a:ext cx="213246" cy="8386"/>
+          </a:xfrm>
+          <a:prstGeom prst="line">
+            <a:avLst/>
+          </a:prstGeom>
+          <a:ln w="38100">
+            <a:solidFill>
+              <a:schemeClr val="accent6">
+                <a:lumMod val="60000"/>
+                <a:lumOff val="40000"/>
+              </a:schemeClr>
+            </a:solidFill>
+          </a:ln>
+        </p:spPr>
+        <p:style>
+          <a:lnRef idx="1">
+            <a:schemeClr val="accent1"/>
+          </a:lnRef>
+          <a:fillRef idx="0">
+            <a:schemeClr val="accent1"/>
+          </a:fillRef>
+          <a:effectRef idx="0">
+            <a:schemeClr val="accent1"/>
+          </a:effectRef>
+          <a:fontRef idx="minor">
+            <a:schemeClr val="tx1"/>
+          </a:fontRef>
+        </p:style>
+      </p:cxnSp>
+      <p:cxnSp>
+        <p:nvCxnSpPr>
+          <p:cNvPr id="30" name="Straight Connector 29">
+            <a:extLst>
+              <a:ext uri="{FF2B5EF4-FFF2-40B4-BE49-F238E27FC236}">
+                <a16:creationId xmlns:a16="http://schemas.microsoft.com/office/drawing/2014/main" id="{F39A108C-D38A-5641-B2AD-F033185EA96E}"/>
+              </a:ext>
+            </a:extLst>
+          </p:cNvPr>
+          <p:cNvCxnSpPr>
+            <a:cxnSpLocks/>
+            <a:stCxn id="13" idx="3"/>
+            <a:endCxn id="27" idx="1"/>
+          </p:cNvCxnSpPr>
+          <p:nvPr/>
+        </p:nvCxnSpPr>
+        <p:spPr>
+          <a:xfrm>
+            <a:off x="6132245" y="5406541"/>
+            <a:ext cx="185307" cy="0"/>
+          </a:xfrm>
+          <a:prstGeom prst="line">
+            <a:avLst/>
+          </a:prstGeom>
+          <a:ln w="38100">
+            <a:solidFill>
+              <a:schemeClr val="accent6">
+                <a:lumMod val="60000"/>
+                <a:lumOff val="40000"/>
+              </a:schemeClr>
+            </a:solidFill>
+          </a:ln>
+        </p:spPr>
+        <p:style>
+          <a:lnRef idx="1">
+            <a:schemeClr val="accent1"/>
+          </a:lnRef>
+          <a:fillRef idx="0">
+            <a:schemeClr val="accent1"/>
+          </a:fillRef>
+          <a:effectRef idx="0">
+            <a:schemeClr val="accent1"/>
+          </a:effectRef>
+          <a:fontRef idx="minor">
+            <a:schemeClr val="tx1"/>
+          </a:fontRef>
+        </p:style>
+      </p:cxnSp>
+      <p:cxnSp>
+        <p:nvCxnSpPr>
+          <p:cNvPr id="32" name="Straight Connector 31">
+            <a:extLst>
+              <a:ext uri="{FF2B5EF4-FFF2-40B4-BE49-F238E27FC236}">
+                <a16:creationId xmlns:a16="http://schemas.microsoft.com/office/drawing/2014/main" id="{9E91D1F9-41CC-304F-80B3-76564F40DA96}"/>
+              </a:ext>
+            </a:extLst>
+          </p:cNvPr>
+          <p:cNvCxnSpPr>
+            <a:cxnSpLocks/>
+          </p:cNvCxnSpPr>
+          <p:nvPr/>
+        </p:nvCxnSpPr>
+        <p:spPr>
+          <a:xfrm>
+            <a:off x="7334457" y="4237186"/>
+            <a:ext cx="0" cy="571500"/>
+          </a:xfrm>
+          <a:prstGeom prst="line">
+            <a:avLst/>
+          </a:prstGeom>
+          <a:ln w="38100">
+            <a:solidFill>
+              <a:schemeClr val="accent6">
+                <a:lumMod val="60000"/>
+                <a:lumOff val="40000"/>
+              </a:schemeClr>
+            </a:solidFill>
+          </a:ln>
+        </p:spPr>
+        <p:style>
+          <a:lnRef idx="1">
+            <a:schemeClr val="accent1"/>
+          </a:lnRef>
+          <a:fillRef idx="0">
+            <a:schemeClr val="accent1"/>
+          </a:fillRef>
+          <a:effectRef idx="0">
+            <a:schemeClr val="accent1"/>
+          </a:effectRef>
+          <a:fontRef idx="minor">
+            <a:schemeClr val="tx1"/>
+          </a:fontRef>
+        </p:style>
+      </p:cxnSp>
+      <p:sp>
+        <p:nvSpPr>
+          <p:cNvPr id="33" name="Rectangle 32">
+            <a:extLst>
+              <a:ext uri="{FF2B5EF4-FFF2-40B4-BE49-F238E27FC236}">
+                <a16:creationId xmlns:a16="http://schemas.microsoft.com/office/drawing/2014/main" id="{77AEFBCF-D82C-A643-A7DC-4109508E419F}"/>
+              </a:ext>
+            </a:extLst>
+          </p:cNvPr>
+          <p:cNvSpPr/>
+          <p:nvPr/>
+        </p:nvSpPr>
+        <p:spPr>
+          <a:xfrm>
+            <a:off x="8495399" y="2730604"/>
+            <a:ext cx="2138548" cy="584775"/>
+          </a:xfrm>
+          <a:prstGeom prst="rect">
+            <a:avLst/>
+          </a:prstGeom>
+          <a:solidFill>
+            <a:schemeClr val="tx2">
+              <a:lumMod val="40000"/>
+              <a:lumOff val="60000"/>
+            </a:schemeClr>
+          </a:solidFill>
+          <a:ln>
+            <a:solidFill>
+              <a:schemeClr val="tx2">
+                <a:lumMod val="40000"/>
+                <a:lumOff val="60000"/>
+              </a:schemeClr>
+            </a:solidFill>
+          </a:ln>
+        </p:spPr>
+        <p:style>
+          <a:lnRef idx="2">
+            <a:schemeClr val="accent1">
+              <a:shade val="50000"/>
+            </a:schemeClr>
+          </a:lnRef>
+          <a:fillRef idx="1">
+            <a:schemeClr val="accent1"/>
+          </a:fillRef>
+          <a:effectRef idx="0">
+            <a:schemeClr val="accent1"/>
+          </a:effectRef>
+          <a:fontRef idx="minor">
+            <a:schemeClr val="lt1"/>
+          </a:fontRef>
+        </p:style>
+        <p:txBody>
+          <a:bodyPr rtlCol="0" anchor="ctr"/>
+          <a:lstStyle/>
+          <a:p>
+            <a:pPr algn="ctr"/>
+            <a:r>
+              <a:rPr lang="en-US" sz="2000" dirty="0">
+                <a:solidFill>
+                  <a:schemeClr val="tx2">
+                    <a:lumMod val="75000"/>
+                  </a:schemeClr>
+                </a:solidFill>
+                <a:latin typeface="Palatino" pitchFamily="2" charset="77"/>
+                <a:ea typeface="Palatino" pitchFamily="2" charset="77"/>
+              </a:rPr>
+              <a:t>MFA</a:t>
+            </a:r>
+          </a:p>
+        </p:txBody>
+      </p:sp>
+      <p:sp>
+        <p:nvSpPr>
+          <p:cNvPr id="37" name="Rectangle 36">
+            <a:extLst>
+              <a:ext uri="{FF2B5EF4-FFF2-40B4-BE49-F238E27FC236}">
+                <a16:creationId xmlns:a16="http://schemas.microsoft.com/office/drawing/2014/main" id="{DFC391B3-46AB-E145-91F5-8A418B0AF357}"/>
+              </a:ext>
+            </a:extLst>
+          </p:cNvPr>
+          <p:cNvSpPr/>
+          <p:nvPr/>
+        </p:nvSpPr>
+        <p:spPr>
+          <a:xfrm>
+            <a:off x="8495399" y="3346493"/>
+            <a:ext cx="2138548" cy="584775"/>
+          </a:xfrm>
+          <a:prstGeom prst="rect">
+            <a:avLst/>
+          </a:prstGeom>
+          <a:solidFill>
+            <a:schemeClr val="tx2">
+              <a:lumMod val="40000"/>
+              <a:lumOff val="60000"/>
+            </a:schemeClr>
+          </a:solidFill>
+          <a:ln>
+            <a:solidFill>
+              <a:schemeClr val="tx2">
+                <a:lumMod val="40000"/>
+                <a:lumOff val="60000"/>
+              </a:schemeClr>
+            </a:solidFill>
+          </a:ln>
+        </p:spPr>
+        <p:style>
+          <a:lnRef idx="2">
+            <a:schemeClr val="accent1">
+              <a:shade val="50000"/>
+            </a:schemeClr>
+          </a:lnRef>
+          <a:fillRef idx="1">
+            <a:schemeClr val="accent1"/>
+          </a:fillRef>
+          <a:effectRef idx="0">
+            <a:schemeClr val="accent1"/>
+          </a:effectRef>
+          <a:fontRef idx="minor">
+            <a:schemeClr val="lt1"/>
+          </a:fontRef>
+        </p:style>
+        <p:txBody>
+          <a:bodyPr rtlCol="0" anchor="ctr"/>
+          <a:lstStyle/>
+          <a:p>
+            <a:pPr algn="ctr"/>
+            <a:r>
+              <a:rPr lang="en-US" sz="2000" dirty="0">
+                <a:solidFill>
+                  <a:schemeClr val="tx2">
+                    <a:lumMod val="75000"/>
+                  </a:schemeClr>
+                </a:solidFill>
+                <a:latin typeface="Palatino" pitchFamily="2" charset="77"/>
+                <a:ea typeface="Palatino" pitchFamily="2" charset="77"/>
+              </a:rPr>
+              <a:t>Conditional</a:t>
+            </a:r>
+          </a:p>
+        </p:txBody>
+      </p:sp>
+      <p:sp>
+        <p:nvSpPr>
+          <p:cNvPr id="38" name="Rectangle 37">
+            <a:extLst>
+              <a:ext uri="{FF2B5EF4-FFF2-40B4-BE49-F238E27FC236}">
+                <a16:creationId xmlns:a16="http://schemas.microsoft.com/office/drawing/2014/main" id="{BDC972EF-D63F-0F4D-BBBB-73158CB70A90}"/>
+              </a:ext>
+            </a:extLst>
+          </p:cNvPr>
+          <p:cNvSpPr/>
+          <p:nvPr/>
+        </p:nvSpPr>
+        <p:spPr>
+          <a:xfrm>
+            <a:off x="8495399" y="3964830"/>
+            <a:ext cx="2138548" cy="584775"/>
+          </a:xfrm>
+          <a:prstGeom prst="rect">
+            <a:avLst/>
+          </a:prstGeom>
+          <a:solidFill>
+            <a:schemeClr val="tx2">
+              <a:lumMod val="40000"/>
+              <a:lumOff val="60000"/>
+            </a:schemeClr>
+          </a:solidFill>
+          <a:ln>
+            <a:solidFill>
+              <a:schemeClr val="tx2">
+                <a:lumMod val="40000"/>
+                <a:lumOff val="60000"/>
+              </a:schemeClr>
+            </a:solidFill>
+          </a:ln>
+        </p:spPr>
+        <p:style>
+          <a:lnRef idx="2">
+            <a:schemeClr val="accent1">
+              <a:shade val="50000"/>
+            </a:schemeClr>
+          </a:lnRef>
+          <a:fillRef idx="1">
+            <a:schemeClr val="accent1"/>
+          </a:fillRef>
+          <a:effectRef idx="0">
+            <a:schemeClr val="accent1"/>
+          </a:effectRef>
+          <a:fontRef idx="minor">
+            <a:schemeClr val="lt1"/>
+          </a:fontRef>
+        </p:style>
+        <p:txBody>
+          <a:bodyPr rtlCol="0" anchor="ctr"/>
+          <a:lstStyle/>
+          <a:p>
+            <a:pPr algn="ctr"/>
+            <a:r>
+              <a:rPr lang="en-US" sz="2000" dirty="0">
+                <a:solidFill>
+                  <a:schemeClr val="tx2">
+                    <a:lumMod val="75000"/>
+                  </a:schemeClr>
+                </a:solidFill>
+                <a:latin typeface="Palatino" pitchFamily="2" charset="77"/>
+                <a:ea typeface="Palatino" pitchFamily="2" charset="77"/>
+              </a:rPr>
+              <a:t>Device Reg</a:t>
+            </a:r>
+          </a:p>
+        </p:txBody>
+      </p:sp>
+    </p:spTree>
+    <p:extLst>
+      <p:ext uri="{BB962C8B-B14F-4D97-AF65-F5344CB8AC3E}">
+        <p14:creationId xmlns:p14="http://schemas.microsoft.com/office/powerpoint/2010/main" val="673659983"/>
+      </p:ext>
+    </p:extLst>
+  </p:cSld>
+  <p:clrMapOvr>
+    <a:masterClrMapping/>
+  </p:clrMapOvr>
+</p:sld>
+</file>
+
+<file path=ppt/slides/slide17.xml><?xml version="1.0" encoding="utf-8"?>
 <p:sld xmlns:a="http://schemas.openxmlformats.org/drawingml/2006/main" xmlns:r="http://schemas.openxmlformats.org/officeDocument/2006/relationships" xmlns:p="http://schemas.openxmlformats.org/presentationml/2006/main">
   <p:cSld>
     <p:spTree>
@@ -24540,7 +29491,7 @@
             <a:fld id="{98087C8C-FB93-F749-A32B-FDEADC74AE65}" type="slidenum">
               <a:rPr lang="en-US" smtClean="0"/>
               <a:pPr/>
-              <a:t>14</a:t>
+              <a:t>17</a:t>
             </a:fld>
             <a:endParaRPr lang="en-US" dirty="0"/>
           </a:p>
@@ -24560,7 +29511,7 @@
         </p:nvSpPr>
         <p:spPr>
           <a:xfrm>
-            <a:off x="325515" y="1717036"/>
+            <a:off x="325515" y="1164146"/>
             <a:ext cx="4752108" cy="830997"/>
           </a:xfrm>
           <a:prstGeom prst="rect">
@@ -24603,8 +29554,8 @@
         </p:nvSpPr>
         <p:spPr>
           <a:xfrm>
-            <a:off x="325515" y="3007303"/>
-            <a:ext cx="4752109" cy="1200329"/>
+            <a:off x="358129" y="3247761"/>
+            <a:ext cx="4752109" cy="2308324"/>
           </a:xfrm>
           <a:prstGeom prst="rect">
             <a:avLst/>
@@ -24627,7 +29578,7 @@
                 <a:latin typeface="Palatino" pitchFamily="2" charset="77"/>
                 <a:ea typeface="Palatino" pitchFamily="2" charset="77"/>
               </a:rPr>
-              <a:t>There is also an implementation of that LOGICAL SERVICE that the industry also may call a SERVICE</a:t>
+              <a:t>There is also an implementation of that LOGICAL SERVICE that the industry also may call a SERVICE. We purchase services that are a service, and you can have cloud service providers.</a:t>
             </a:r>
           </a:p>
         </p:txBody>
@@ -24647,7 +29598,7 @@
           <p:nvPr/>
         </p:nvPicPr>
         <p:blipFill>
-          <a:blip r:embed="rId2">
+          <a:blip r:embed="rId3">
             <a:extLst>
               <a:ext uri="{28A0092B-C50C-407E-A947-70E740481C1C}">
                 <a14:useLocalDpi xmlns:a14="http://schemas.microsoft.com/office/drawing/2010/main" val="0"/>
@@ -24742,7 +29693,7 @@
 </p:sld>
 </file>
 
-<file path=ppt/slides/slide15.xml><?xml version="1.0" encoding="utf-8"?>
+<file path=ppt/slides/slide18.xml><?xml version="1.0" encoding="utf-8"?>
 <p:sld xmlns:a="http://schemas.openxmlformats.org/drawingml/2006/main" xmlns:r="http://schemas.openxmlformats.org/officeDocument/2006/relationships" xmlns:p="http://schemas.openxmlformats.org/presentationml/2006/main">
   <p:cSld>
     <p:spTree>
@@ -24813,7 +29764,7 @@
             <a:fld id="{98087C8C-FB93-F749-A32B-FDEADC74AE65}" type="slidenum">
               <a:rPr lang="en-US" smtClean="0"/>
               <a:pPr/>
-              <a:t>15</a:t>
+              <a:t>18</a:t>
             </a:fld>
             <a:endParaRPr lang="en-US" dirty="0"/>
           </a:p>
@@ -24860,7 +29811,7 @@
 </p:sld>
 </file>
 
-<file path=ppt/slides/slide16.xml><?xml version="1.0" encoding="utf-8"?>
+<file path=ppt/slides/slide19.xml><?xml version="1.0" encoding="utf-8"?>
 <p:sld xmlns:a="http://schemas.openxmlformats.org/drawingml/2006/main" xmlns:r="http://schemas.openxmlformats.org/officeDocument/2006/relationships" xmlns:p="http://schemas.openxmlformats.org/presentationml/2006/main">
   <p:cSld>
     <p:spTree>
@@ -24901,7 +29852,7 @@
             <a:fld id="{98087C8C-FB93-F749-A32B-FDEADC74AE65}" type="slidenum">
               <a:rPr lang="en-US" smtClean="0"/>
               <a:pPr/>
-              <a:t>16</a:t>
+              <a:t>19</a:t>
             </a:fld>
             <a:endParaRPr lang="en-US" dirty="0"/>
           </a:p>
@@ -25161,7 +30112,495 @@
 </p:sld>
 </file>
 
-<file path=ppt/slides/slide17.xml><?xml version="1.0" encoding="utf-8"?>
+<file path=ppt/slides/slide2.xml><?xml version="1.0" encoding="utf-8"?>
+<p:sld xmlns:a="http://schemas.openxmlformats.org/drawingml/2006/main" xmlns:r="http://schemas.openxmlformats.org/officeDocument/2006/relationships" xmlns:p="http://schemas.openxmlformats.org/presentationml/2006/main">
+  <p:cSld>
+    <p:bg>
+      <p:bgPr>
+        <a:solidFill>
+          <a:schemeClr val="accent5">
+            <a:lumMod val="60000"/>
+            <a:lumOff val="40000"/>
+          </a:schemeClr>
+        </a:solidFill>
+        <a:effectLst/>
+      </p:bgPr>
+    </p:bg>
+    <p:spTree>
+      <p:nvGrpSpPr>
+        <p:cNvPr id="1" name=""/>
+        <p:cNvGrpSpPr/>
+        <p:nvPr/>
+      </p:nvGrpSpPr>
+      <p:grpSpPr>
+        <a:xfrm>
+          <a:off x="0" y="0"/>
+          <a:ext cx="0" cy="0"/>
+          <a:chOff x="0" y="0"/>
+          <a:chExt cx="0" cy="0"/>
+        </a:xfrm>
+      </p:grpSpPr>
+      <p:sp>
+        <p:nvSpPr>
+          <p:cNvPr id="2" name="Title 1">
+            <a:extLst>
+              <a:ext uri="{FF2B5EF4-FFF2-40B4-BE49-F238E27FC236}">
+                <a16:creationId xmlns:a16="http://schemas.microsoft.com/office/drawing/2014/main" id="{8F4B4B56-1AD5-A94D-9EBE-DEB146308257}"/>
+              </a:ext>
+            </a:extLst>
+          </p:cNvPr>
+          <p:cNvSpPr>
+            <a:spLocks noGrp="1"/>
+          </p:cNvSpPr>
+          <p:nvPr>
+            <p:ph type="ctrTitle"/>
+          </p:nvPr>
+        </p:nvSpPr>
+        <p:spPr>
+          <a:xfrm>
+            <a:off x="555793" y="675533"/>
+            <a:ext cx="9025322" cy="1855984"/>
+          </a:xfrm>
+        </p:spPr>
+        <p:txBody>
+          <a:bodyPr>
+            <a:normAutofit/>
+          </a:bodyPr>
+          <a:lstStyle/>
+          <a:p>
+            <a:pPr algn="l"/>
+            <a:r>
+              <a:rPr lang="en-US" b="1" dirty="0">
+                <a:solidFill>
+                  <a:schemeClr val="bg1"/>
+                </a:solidFill>
+                <a:latin typeface="Corbel" panose="020B0503020204020204" pitchFamily="34" charset="0"/>
+              </a:rPr>
+              <a:t>Making Security Decisions Like a Boss</a:t>
+            </a:r>
+          </a:p>
+        </p:txBody>
+      </p:sp>
+      <p:sp>
+        <p:nvSpPr>
+          <p:cNvPr id="3" name="Subtitle 2">
+            <a:extLst>
+              <a:ext uri="{FF2B5EF4-FFF2-40B4-BE49-F238E27FC236}">
+                <a16:creationId xmlns:a16="http://schemas.microsoft.com/office/drawing/2014/main" id="{AD7A5D04-DC4F-0444-BD97-1EBFA47F8A0B}"/>
+              </a:ext>
+            </a:extLst>
+          </p:cNvPr>
+          <p:cNvSpPr>
+            <a:spLocks noGrp="1"/>
+          </p:cNvSpPr>
+          <p:nvPr>
+            <p:ph type="subTitle" idx="4294967295"/>
+          </p:nvPr>
+        </p:nvSpPr>
+        <p:spPr>
+          <a:xfrm>
+            <a:off x="555793" y="4841605"/>
+            <a:ext cx="9144000" cy="1655762"/>
+          </a:xfrm>
+        </p:spPr>
+        <p:txBody>
+          <a:bodyPr vert="horz" lIns="91440" tIns="45720" rIns="91440" bIns="45720" rtlCol="0" anchor="t">
+            <a:noAutofit/>
+          </a:bodyPr>
+          <a:lstStyle/>
+          <a:p>
+            <a:pPr marL="0" indent="0" algn="l">
+              <a:buNone/>
+            </a:pPr>
+            <a:r>
+              <a:rPr lang="en-US" sz="3200" dirty="0">
+                <a:solidFill>
+                  <a:schemeClr val="bg1"/>
+                </a:solidFill>
+              </a:rPr>
+              <a:t>Ron Parker</a:t>
+            </a:r>
+            <a:endParaRPr lang="en-US"/>
+          </a:p>
+          <a:p>
+            <a:pPr marL="0" indent="0" algn="l">
+              <a:buNone/>
+            </a:pPr>
+            <a:r>
+              <a:rPr lang="en-US" sz="3200" dirty="0">
+                <a:solidFill>
+                  <a:schemeClr val="bg1"/>
+                </a:solidFill>
+              </a:rPr>
+              <a:t>http://www.secretchipmunk.com</a:t>
+            </a:r>
+          </a:p>
+          <a:p>
+            <a:pPr marL="0" indent="0" algn="l">
+              <a:buNone/>
+            </a:pPr>
+            <a:r>
+              <a:rPr lang="en-US" sz="3200" dirty="0">
+                <a:solidFill>
+                  <a:schemeClr val="bg1"/>
+                </a:solidFill>
+                <a:latin typeface="Palatino"/>
+              </a:rPr>
+              <a:t>@scmunk</a:t>
+            </a:r>
+          </a:p>
+        </p:txBody>
+      </p:sp>
+      <p:sp>
+        <p:nvSpPr>
+          <p:cNvPr id="4" name="Oval 3">
+            <a:extLst>
+              <a:ext uri="{FF2B5EF4-FFF2-40B4-BE49-F238E27FC236}">
+                <a16:creationId xmlns:a16="http://schemas.microsoft.com/office/drawing/2014/main" id="{45EFF108-1E6B-204B-B6FE-85096488F34D}"/>
+              </a:ext>
+            </a:extLst>
+          </p:cNvPr>
+          <p:cNvSpPr/>
+          <p:nvPr/>
+        </p:nvSpPr>
+        <p:spPr>
+          <a:xfrm>
+            <a:off x="7964871" y="2470920"/>
+            <a:ext cx="4561113" cy="4561113"/>
+          </a:xfrm>
+          <a:prstGeom prst="ellipse">
+            <a:avLst/>
+          </a:prstGeom>
+          <a:noFill/>
+          <a:ln>
+            <a:solidFill>
+              <a:schemeClr val="bg1">
+                <a:lumMod val="95000"/>
+              </a:schemeClr>
+            </a:solidFill>
+          </a:ln>
+        </p:spPr>
+        <p:style>
+          <a:lnRef idx="2">
+            <a:schemeClr val="accent1">
+              <a:shade val="50000"/>
+            </a:schemeClr>
+          </a:lnRef>
+          <a:fillRef idx="1">
+            <a:schemeClr val="accent1"/>
+          </a:fillRef>
+          <a:effectRef idx="0">
+            <a:schemeClr val="accent1"/>
+          </a:effectRef>
+          <a:fontRef idx="minor">
+            <a:schemeClr val="lt1"/>
+          </a:fontRef>
+        </p:style>
+        <p:txBody>
+          <a:bodyPr rtlCol="0" anchor="ctr"/>
+          <a:lstStyle/>
+          <a:p>
+            <a:pPr algn="ctr"/>
+            <a:endParaRPr lang="en-US" dirty="0"/>
+          </a:p>
+        </p:txBody>
+      </p:sp>
+      <p:sp>
+        <p:nvSpPr>
+          <p:cNvPr id="5" name="Oval 4">
+            <a:extLst>
+              <a:ext uri="{FF2B5EF4-FFF2-40B4-BE49-F238E27FC236}">
+                <a16:creationId xmlns:a16="http://schemas.microsoft.com/office/drawing/2014/main" id="{61E11B8A-9A6C-D446-9E56-9EF149158907}"/>
+              </a:ext>
+            </a:extLst>
+          </p:cNvPr>
+          <p:cNvSpPr/>
+          <p:nvPr/>
+        </p:nvSpPr>
+        <p:spPr>
+          <a:xfrm>
+            <a:off x="8422072" y="3090610"/>
+            <a:ext cx="4044044" cy="4044044"/>
+          </a:xfrm>
+          <a:prstGeom prst="ellipse">
+            <a:avLst/>
+          </a:prstGeom>
+          <a:noFill/>
+          <a:ln w="76200">
+            <a:solidFill>
+              <a:schemeClr val="bg1">
+                <a:lumMod val="95000"/>
+              </a:schemeClr>
+            </a:solidFill>
+          </a:ln>
+        </p:spPr>
+        <p:style>
+          <a:lnRef idx="2">
+            <a:schemeClr val="accent1">
+              <a:shade val="50000"/>
+            </a:schemeClr>
+          </a:lnRef>
+          <a:fillRef idx="1">
+            <a:schemeClr val="accent1"/>
+          </a:fillRef>
+          <a:effectRef idx="0">
+            <a:schemeClr val="accent1"/>
+          </a:effectRef>
+          <a:fontRef idx="minor">
+            <a:schemeClr val="lt1"/>
+          </a:fontRef>
+        </p:style>
+        <p:txBody>
+          <a:bodyPr rtlCol="0" anchor="ctr"/>
+          <a:lstStyle/>
+          <a:p>
+            <a:pPr algn="ctr"/>
+            <a:endParaRPr lang="en-US" dirty="0"/>
+          </a:p>
+        </p:txBody>
+      </p:sp>
+      <p:sp>
+        <p:nvSpPr>
+          <p:cNvPr id="6" name="Oval 5">
+            <a:extLst>
+              <a:ext uri="{FF2B5EF4-FFF2-40B4-BE49-F238E27FC236}">
+                <a16:creationId xmlns:a16="http://schemas.microsoft.com/office/drawing/2014/main" id="{C75D9573-7AEA-5E4C-8967-0DA48A52E11F}"/>
+              </a:ext>
+            </a:extLst>
+          </p:cNvPr>
+          <p:cNvSpPr/>
+          <p:nvPr/>
+        </p:nvSpPr>
+        <p:spPr>
+          <a:xfrm>
+            <a:off x="8860219" y="2984476"/>
+            <a:ext cx="3940629" cy="3940629"/>
+          </a:xfrm>
+          <a:prstGeom prst="ellipse">
+            <a:avLst/>
+          </a:prstGeom>
+          <a:noFill/>
+          <a:ln w="57150">
+            <a:solidFill>
+              <a:schemeClr val="bg1">
+                <a:lumMod val="95000"/>
+              </a:schemeClr>
+            </a:solidFill>
+          </a:ln>
+        </p:spPr>
+        <p:style>
+          <a:lnRef idx="2">
+            <a:schemeClr val="accent1">
+              <a:shade val="50000"/>
+            </a:schemeClr>
+          </a:lnRef>
+          <a:fillRef idx="1">
+            <a:schemeClr val="accent1"/>
+          </a:fillRef>
+          <a:effectRef idx="0">
+            <a:schemeClr val="accent1"/>
+          </a:effectRef>
+          <a:fontRef idx="minor">
+            <a:schemeClr val="lt1"/>
+          </a:fontRef>
+        </p:style>
+        <p:txBody>
+          <a:bodyPr rtlCol="0" anchor="ctr"/>
+          <a:lstStyle/>
+          <a:p>
+            <a:pPr algn="ctr"/>
+            <a:endParaRPr lang="en-US" dirty="0"/>
+          </a:p>
+        </p:txBody>
+      </p:sp>
+      <p:sp>
+        <p:nvSpPr>
+          <p:cNvPr id="7" name="Oval 6">
+            <a:extLst>
+              <a:ext uri="{FF2B5EF4-FFF2-40B4-BE49-F238E27FC236}">
+                <a16:creationId xmlns:a16="http://schemas.microsoft.com/office/drawing/2014/main" id="{87745CB9-D935-3246-A6A2-CFF47020BF70}"/>
+              </a:ext>
+            </a:extLst>
+          </p:cNvPr>
+          <p:cNvSpPr/>
+          <p:nvPr/>
+        </p:nvSpPr>
+        <p:spPr>
+          <a:xfrm>
+            <a:off x="9455407" y="6343278"/>
+            <a:ext cx="274320" cy="274320"/>
+          </a:xfrm>
+          <a:prstGeom prst="ellipse">
+            <a:avLst/>
+          </a:prstGeom>
+          <a:solidFill>
+            <a:schemeClr val="bg2">
+              <a:lumMod val="75000"/>
+            </a:schemeClr>
+          </a:solidFill>
+          <a:ln>
+            <a:solidFill>
+              <a:schemeClr val="bg1">
+                <a:lumMod val="95000"/>
+              </a:schemeClr>
+            </a:solidFill>
+          </a:ln>
+        </p:spPr>
+        <p:style>
+          <a:lnRef idx="2">
+            <a:schemeClr val="accent1">
+              <a:shade val="50000"/>
+            </a:schemeClr>
+          </a:lnRef>
+          <a:fillRef idx="1">
+            <a:schemeClr val="accent1"/>
+          </a:fillRef>
+          <a:effectRef idx="0">
+            <a:schemeClr val="accent1"/>
+          </a:effectRef>
+          <a:fontRef idx="minor">
+            <a:schemeClr val="lt1"/>
+          </a:fontRef>
+        </p:style>
+        <p:txBody>
+          <a:bodyPr rtlCol="0" anchor="ctr"/>
+          <a:lstStyle/>
+          <a:p>
+            <a:pPr algn="ctr"/>
+            <a:endParaRPr lang="en-US"/>
+          </a:p>
+        </p:txBody>
+      </p:sp>
+      <p:sp>
+        <p:nvSpPr>
+          <p:cNvPr id="9" name="Oval 8">
+            <a:extLst>
+              <a:ext uri="{FF2B5EF4-FFF2-40B4-BE49-F238E27FC236}">
+                <a16:creationId xmlns:a16="http://schemas.microsoft.com/office/drawing/2014/main" id="{EF1E6F2F-364C-4441-9B9B-6C771D1F36D8}"/>
+              </a:ext>
+            </a:extLst>
+          </p:cNvPr>
+          <p:cNvSpPr/>
+          <p:nvPr/>
+        </p:nvSpPr>
+        <p:spPr>
+          <a:xfrm>
+            <a:off x="11590719" y="3429000"/>
+            <a:ext cx="182880" cy="182880"/>
+          </a:xfrm>
+          <a:prstGeom prst="ellipse">
+            <a:avLst/>
+          </a:prstGeom>
+          <a:solidFill>
+            <a:schemeClr val="bg2">
+              <a:lumMod val="75000"/>
+            </a:schemeClr>
+          </a:solidFill>
+          <a:ln>
+            <a:solidFill>
+              <a:schemeClr val="bg1">
+                <a:lumMod val="95000"/>
+              </a:schemeClr>
+            </a:solidFill>
+          </a:ln>
+        </p:spPr>
+        <p:style>
+          <a:lnRef idx="2">
+            <a:schemeClr val="accent1">
+              <a:shade val="50000"/>
+            </a:schemeClr>
+          </a:lnRef>
+          <a:fillRef idx="1">
+            <a:schemeClr val="accent1"/>
+          </a:fillRef>
+          <a:effectRef idx="0">
+            <a:schemeClr val="accent1"/>
+          </a:effectRef>
+          <a:fontRef idx="minor">
+            <a:schemeClr val="lt1"/>
+          </a:fontRef>
+        </p:style>
+        <p:txBody>
+          <a:bodyPr rtlCol="0" anchor="ctr"/>
+          <a:lstStyle/>
+          <a:p>
+            <a:pPr algn="ctr"/>
+            <a:endParaRPr lang="en-US"/>
+          </a:p>
+        </p:txBody>
+      </p:sp>
+      <p:sp>
+        <p:nvSpPr>
+          <p:cNvPr id="20" name="Oval 19">
+            <a:extLst>
+              <a:ext uri="{FF2B5EF4-FFF2-40B4-BE49-F238E27FC236}">
+                <a16:creationId xmlns:a16="http://schemas.microsoft.com/office/drawing/2014/main" id="{99913E2A-E326-8941-BE05-5EF6102B55B9}"/>
+              </a:ext>
+            </a:extLst>
+          </p:cNvPr>
+          <p:cNvSpPr/>
+          <p:nvPr/>
+        </p:nvSpPr>
+        <p:spPr>
+          <a:xfrm>
+            <a:off x="7922007" y="4450781"/>
+            <a:ext cx="127322" cy="127322"/>
+          </a:xfrm>
+          <a:prstGeom prst="ellipse">
+            <a:avLst/>
+          </a:prstGeom>
+          <a:solidFill>
+            <a:schemeClr val="bg2">
+              <a:lumMod val="75000"/>
+            </a:schemeClr>
+          </a:solidFill>
+          <a:ln>
+            <a:solidFill>
+              <a:schemeClr val="bg1">
+                <a:lumMod val="95000"/>
+              </a:schemeClr>
+            </a:solidFill>
+          </a:ln>
+        </p:spPr>
+        <p:style>
+          <a:lnRef idx="2">
+            <a:schemeClr val="accent1">
+              <a:shade val="50000"/>
+            </a:schemeClr>
+          </a:lnRef>
+          <a:fillRef idx="1">
+            <a:schemeClr val="accent1"/>
+          </a:fillRef>
+          <a:effectRef idx="0">
+            <a:schemeClr val="accent1"/>
+          </a:effectRef>
+          <a:fontRef idx="minor">
+            <a:schemeClr val="lt1"/>
+          </a:fontRef>
+        </p:style>
+        <p:txBody>
+          <a:bodyPr rtlCol="0" anchor="ctr"/>
+          <a:lstStyle/>
+          <a:p>
+            <a:pPr algn="ctr"/>
+            <a:endParaRPr lang="en-US"/>
+          </a:p>
+        </p:txBody>
+      </p:sp>
+    </p:spTree>
+    <p:extLst>
+      <p:ext uri="{BB962C8B-B14F-4D97-AF65-F5344CB8AC3E}">
+        <p14:creationId xmlns:p14="http://schemas.microsoft.com/office/powerpoint/2010/main" val="1741102203"/>
+      </p:ext>
+    </p:extLst>
+  </p:cSld>
+  <p:clrMapOvr>
+    <a:masterClrMapping/>
+  </p:clrMapOvr>
+</p:sld>
+</file>
+
+<file path=ppt/slides/slide20.xml><?xml version="1.0" encoding="utf-8"?>
 <p:sld xmlns:a="http://schemas.openxmlformats.org/drawingml/2006/main" xmlns:r="http://schemas.openxmlformats.org/officeDocument/2006/relationships" xmlns:p="http://schemas.openxmlformats.org/presentationml/2006/main">
   <p:cSld>
     <p:spTree>
@@ -25232,7 +30671,7 @@
             <a:fld id="{98087C8C-FB93-F749-A32B-FDEADC74AE65}" type="slidenum">
               <a:rPr lang="en-US" smtClean="0"/>
               <a:pPr/>
-              <a:t>17</a:t>
+              <a:t>20</a:t>
             </a:fld>
             <a:endParaRPr lang="en-US" dirty="0"/>
           </a:p>
@@ -25325,7 +30764,7 @@
 </p:sld>
 </file>
 
-<file path=ppt/slides/slide18.xml><?xml version="1.0" encoding="utf-8"?>
+<file path=ppt/slides/slide21.xml><?xml version="1.0" encoding="utf-8"?>
 <p:sld xmlns:a="http://schemas.openxmlformats.org/drawingml/2006/main" xmlns:r="http://schemas.openxmlformats.org/officeDocument/2006/relationships" xmlns:p="http://schemas.openxmlformats.org/presentationml/2006/main">
   <p:cSld>
     <p:bg>
@@ -25417,7 +30856,7 @@
           <a:p>
             <a:fld id="{98087C8C-FB93-F749-A32B-FDEADC74AE65}" type="slidenum">
               <a:rPr lang="en-US" smtClean="0"/>
-              <a:t>18</a:t>
+              <a:t>21</a:t>
             </a:fld>
             <a:endParaRPr lang="en-US"/>
           </a:p>
@@ -25472,7 +30911,7 @@
 </p:sld>
 </file>
 
-<file path=ppt/slides/slide19.xml><?xml version="1.0" encoding="utf-8"?>
+<file path=ppt/slides/slide22.xml><?xml version="1.0" encoding="utf-8"?>
 <p:sld xmlns:a="http://schemas.openxmlformats.org/drawingml/2006/main" xmlns:r="http://schemas.openxmlformats.org/officeDocument/2006/relationships" xmlns:p="http://schemas.openxmlformats.org/presentationml/2006/main">
   <p:cSld>
     <p:spTree>
@@ -25543,7 +30982,7 @@
             <a:fld id="{98087C8C-FB93-F749-A32B-FDEADC74AE65}" type="slidenum">
               <a:rPr lang="en-US" smtClean="0"/>
               <a:pPr/>
-              <a:t>19</a:t>
+              <a:t>22</a:t>
             </a:fld>
             <a:endParaRPr lang="en-US" dirty="0"/>
           </a:p>
@@ -25573,7 +31012,7 @@
         </p:xfrm>
         <a:graphic>
           <a:graphicData uri="http://schemas.openxmlformats.org/drawingml/2006/diagram">
-            <dgm:relIds xmlns:dgm="http://schemas.openxmlformats.org/drawingml/2006/diagram" xmlns:r="http://schemas.openxmlformats.org/officeDocument/2006/relationships" r:dm="rId2" r:lo="rId3" r:qs="rId4" r:cs="rId5"/>
+            <dgm:relIds xmlns:dgm="http://schemas.openxmlformats.org/drawingml/2006/diagram" xmlns:r="http://schemas.openxmlformats.org/officeDocument/2006/relationships" r:dm="rId3" r:lo="rId4" r:qs="rId5" r:cs="rId6"/>
           </a:graphicData>
         </a:graphic>
       </p:graphicFrame>
@@ -25590,495 +31029,7 @@
 </p:sld>
 </file>
 
-<file path=ppt/slides/slide2.xml><?xml version="1.0" encoding="utf-8"?>
-<p:sld xmlns:a="http://schemas.openxmlformats.org/drawingml/2006/main" xmlns:r="http://schemas.openxmlformats.org/officeDocument/2006/relationships" xmlns:p="http://schemas.openxmlformats.org/presentationml/2006/main">
-  <p:cSld>
-    <p:bg>
-      <p:bgPr>
-        <a:solidFill>
-          <a:schemeClr val="accent5">
-            <a:lumMod val="60000"/>
-            <a:lumOff val="40000"/>
-          </a:schemeClr>
-        </a:solidFill>
-        <a:effectLst/>
-      </p:bgPr>
-    </p:bg>
-    <p:spTree>
-      <p:nvGrpSpPr>
-        <p:cNvPr id="1" name=""/>
-        <p:cNvGrpSpPr/>
-        <p:nvPr/>
-      </p:nvGrpSpPr>
-      <p:grpSpPr>
-        <a:xfrm>
-          <a:off x="0" y="0"/>
-          <a:ext cx="0" cy="0"/>
-          <a:chOff x="0" y="0"/>
-          <a:chExt cx="0" cy="0"/>
-        </a:xfrm>
-      </p:grpSpPr>
-      <p:sp>
-        <p:nvSpPr>
-          <p:cNvPr id="2" name="Title 1">
-            <a:extLst>
-              <a:ext uri="{FF2B5EF4-FFF2-40B4-BE49-F238E27FC236}">
-                <a16:creationId xmlns:a16="http://schemas.microsoft.com/office/drawing/2014/main" id="{8F4B4B56-1AD5-A94D-9EBE-DEB146308257}"/>
-              </a:ext>
-            </a:extLst>
-          </p:cNvPr>
-          <p:cNvSpPr>
-            <a:spLocks noGrp="1"/>
-          </p:cNvSpPr>
-          <p:nvPr>
-            <p:ph type="ctrTitle"/>
-          </p:nvPr>
-        </p:nvSpPr>
-        <p:spPr>
-          <a:xfrm>
-            <a:off x="555793" y="675533"/>
-            <a:ext cx="9025322" cy="1855984"/>
-          </a:xfrm>
-        </p:spPr>
-        <p:txBody>
-          <a:bodyPr>
-            <a:normAutofit/>
-          </a:bodyPr>
-          <a:lstStyle/>
-          <a:p>
-            <a:pPr algn="l"/>
-            <a:r>
-              <a:rPr lang="en-US" b="1" dirty="0">
-                <a:solidFill>
-                  <a:schemeClr val="bg1"/>
-                </a:solidFill>
-                <a:latin typeface="Corbel" panose="020B0503020204020204" pitchFamily="34" charset="0"/>
-              </a:rPr>
-              <a:t>Making Security Decisions Like a Boss</a:t>
-            </a:r>
-          </a:p>
-        </p:txBody>
-      </p:sp>
-      <p:sp>
-        <p:nvSpPr>
-          <p:cNvPr id="3" name="Subtitle 2">
-            <a:extLst>
-              <a:ext uri="{FF2B5EF4-FFF2-40B4-BE49-F238E27FC236}">
-                <a16:creationId xmlns:a16="http://schemas.microsoft.com/office/drawing/2014/main" id="{AD7A5D04-DC4F-0444-BD97-1EBFA47F8A0B}"/>
-              </a:ext>
-            </a:extLst>
-          </p:cNvPr>
-          <p:cNvSpPr>
-            <a:spLocks noGrp="1"/>
-          </p:cNvSpPr>
-          <p:nvPr>
-            <p:ph type="subTitle" idx="4294967295"/>
-          </p:nvPr>
-        </p:nvSpPr>
-        <p:spPr>
-          <a:xfrm>
-            <a:off x="555793" y="4841605"/>
-            <a:ext cx="9144000" cy="1655762"/>
-          </a:xfrm>
-        </p:spPr>
-        <p:txBody>
-          <a:bodyPr vert="horz" lIns="91440" tIns="45720" rIns="91440" bIns="45720" rtlCol="0" anchor="t">
-            <a:noAutofit/>
-          </a:bodyPr>
-          <a:lstStyle/>
-          <a:p>
-            <a:pPr marL="0" indent="0" algn="l">
-              <a:buNone/>
-            </a:pPr>
-            <a:r>
-              <a:rPr lang="en-US" sz="3200" dirty="0">
-                <a:solidFill>
-                  <a:schemeClr val="bg1"/>
-                </a:solidFill>
-              </a:rPr>
-              <a:t>Ron Parker</a:t>
-            </a:r>
-            <a:endParaRPr lang="en-US"/>
-          </a:p>
-          <a:p>
-            <a:pPr marL="0" indent="0" algn="l">
-              <a:buNone/>
-            </a:pPr>
-            <a:r>
-              <a:rPr lang="en-US" sz="3200" dirty="0">
-                <a:solidFill>
-                  <a:schemeClr val="bg1"/>
-                </a:solidFill>
-              </a:rPr>
-              <a:t>http://www.secretchipmunk.com</a:t>
-            </a:r>
-          </a:p>
-          <a:p>
-            <a:pPr marL="0" indent="0" algn="l">
-              <a:buNone/>
-            </a:pPr>
-            <a:r>
-              <a:rPr lang="en-US" sz="3200" dirty="0">
-                <a:solidFill>
-                  <a:schemeClr val="bg1"/>
-                </a:solidFill>
-                <a:latin typeface="Palatino"/>
-              </a:rPr>
-              <a:t>@scmunk</a:t>
-            </a:r>
-          </a:p>
-        </p:txBody>
-      </p:sp>
-      <p:sp>
-        <p:nvSpPr>
-          <p:cNvPr id="4" name="Oval 3">
-            <a:extLst>
-              <a:ext uri="{FF2B5EF4-FFF2-40B4-BE49-F238E27FC236}">
-                <a16:creationId xmlns:a16="http://schemas.microsoft.com/office/drawing/2014/main" id="{45EFF108-1E6B-204B-B6FE-85096488F34D}"/>
-              </a:ext>
-            </a:extLst>
-          </p:cNvPr>
-          <p:cNvSpPr/>
-          <p:nvPr/>
-        </p:nvSpPr>
-        <p:spPr>
-          <a:xfrm>
-            <a:off x="7964871" y="2470920"/>
-            <a:ext cx="4561113" cy="4561113"/>
-          </a:xfrm>
-          <a:prstGeom prst="ellipse">
-            <a:avLst/>
-          </a:prstGeom>
-          <a:noFill/>
-          <a:ln>
-            <a:solidFill>
-              <a:schemeClr val="bg1">
-                <a:lumMod val="95000"/>
-              </a:schemeClr>
-            </a:solidFill>
-          </a:ln>
-        </p:spPr>
-        <p:style>
-          <a:lnRef idx="2">
-            <a:schemeClr val="accent1">
-              <a:shade val="50000"/>
-            </a:schemeClr>
-          </a:lnRef>
-          <a:fillRef idx="1">
-            <a:schemeClr val="accent1"/>
-          </a:fillRef>
-          <a:effectRef idx="0">
-            <a:schemeClr val="accent1"/>
-          </a:effectRef>
-          <a:fontRef idx="minor">
-            <a:schemeClr val="lt1"/>
-          </a:fontRef>
-        </p:style>
-        <p:txBody>
-          <a:bodyPr rtlCol="0" anchor="ctr"/>
-          <a:lstStyle/>
-          <a:p>
-            <a:pPr algn="ctr"/>
-            <a:endParaRPr lang="en-US" dirty="0"/>
-          </a:p>
-        </p:txBody>
-      </p:sp>
-      <p:sp>
-        <p:nvSpPr>
-          <p:cNvPr id="5" name="Oval 4">
-            <a:extLst>
-              <a:ext uri="{FF2B5EF4-FFF2-40B4-BE49-F238E27FC236}">
-                <a16:creationId xmlns:a16="http://schemas.microsoft.com/office/drawing/2014/main" id="{61E11B8A-9A6C-D446-9E56-9EF149158907}"/>
-              </a:ext>
-            </a:extLst>
-          </p:cNvPr>
-          <p:cNvSpPr/>
-          <p:nvPr/>
-        </p:nvSpPr>
-        <p:spPr>
-          <a:xfrm>
-            <a:off x="8422072" y="3090610"/>
-            <a:ext cx="4044044" cy="4044044"/>
-          </a:xfrm>
-          <a:prstGeom prst="ellipse">
-            <a:avLst/>
-          </a:prstGeom>
-          <a:noFill/>
-          <a:ln w="76200">
-            <a:solidFill>
-              <a:schemeClr val="bg1">
-                <a:lumMod val="95000"/>
-              </a:schemeClr>
-            </a:solidFill>
-          </a:ln>
-        </p:spPr>
-        <p:style>
-          <a:lnRef idx="2">
-            <a:schemeClr val="accent1">
-              <a:shade val="50000"/>
-            </a:schemeClr>
-          </a:lnRef>
-          <a:fillRef idx="1">
-            <a:schemeClr val="accent1"/>
-          </a:fillRef>
-          <a:effectRef idx="0">
-            <a:schemeClr val="accent1"/>
-          </a:effectRef>
-          <a:fontRef idx="minor">
-            <a:schemeClr val="lt1"/>
-          </a:fontRef>
-        </p:style>
-        <p:txBody>
-          <a:bodyPr rtlCol="0" anchor="ctr"/>
-          <a:lstStyle/>
-          <a:p>
-            <a:pPr algn="ctr"/>
-            <a:endParaRPr lang="en-US" dirty="0"/>
-          </a:p>
-        </p:txBody>
-      </p:sp>
-      <p:sp>
-        <p:nvSpPr>
-          <p:cNvPr id="6" name="Oval 5">
-            <a:extLst>
-              <a:ext uri="{FF2B5EF4-FFF2-40B4-BE49-F238E27FC236}">
-                <a16:creationId xmlns:a16="http://schemas.microsoft.com/office/drawing/2014/main" id="{C75D9573-7AEA-5E4C-8967-0DA48A52E11F}"/>
-              </a:ext>
-            </a:extLst>
-          </p:cNvPr>
-          <p:cNvSpPr/>
-          <p:nvPr/>
-        </p:nvSpPr>
-        <p:spPr>
-          <a:xfrm>
-            <a:off x="8860219" y="2984476"/>
-            <a:ext cx="3940629" cy="3940629"/>
-          </a:xfrm>
-          <a:prstGeom prst="ellipse">
-            <a:avLst/>
-          </a:prstGeom>
-          <a:noFill/>
-          <a:ln w="57150">
-            <a:solidFill>
-              <a:schemeClr val="bg1">
-                <a:lumMod val="95000"/>
-              </a:schemeClr>
-            </a:solidFill>
-          </a:ln>
-        </p:spPr>
-        <p:style>
-          <a:lnRef idx="2">
-            <a:schemeClr val="accent1">
-              <a:shade val="50000"/>
-            </a:schemeClr>
-          </a:lnRef>
-          <a:fillRef idx="1">
-            <a:schemeClr val="accent1"/>
-          </a:fillRef>
-          <a:effectRef idx="0">
-            <a:schemeClr val="accent1"/>
-          </a:effectRef>
-          <a:fontRef idx="minor">
-            <a:schemeClr val="lt1"/>
-          </a:fontRef>
-        </p:style>
-        <p:txBody>
-          <a:bodyPr rtlCol="0" anchor="ctr"/>
-          <a:lstStyle/>
-          <a:p>
-            <a:pPr algn="ctr"/>
-            <a:endParaRPr lang="en-US" dirty="0"/>
-          </a:p>
-        </p:txBody>
-      </p:sp>
-      <p:sp>
-        <p:nvSpPr>
-          <p:cNvPr id="7" name="Oval 6">
-            <a:extLst>
-              <a:ext uri="{FF2B5EF4-FFF2-40B4-BE49-F238E27FC236}">
-                <a16:creationId xmlns:a16="http://schemas.microsoft.com/office/drawing/2014/main" id="{87745CB9-D935-3246-A6A2-CFF47020BF70}"/>
-              </a:ext>
-            </a:extLst>
-          </p:cNvPr>
-          <p:cNvSpPr/>
-          <p:nvPr/>
-        </p:nvSpPr>
-        <p:spPr>
-          <a:xfrm>
-            <a:off x="9455407" y="6343278"/>
-            <a:ext cx="274320" cy="274320"/>
-          </a:xfrm>
-          <a:prstGeom prst="ellipse">
-            <a:avLst/>
-          </a:prstGeom>
-          <a:solidFill>
-            <a:schemeClr val="bg2">
-              <a:lumMod val="75000"/>
-            </a:schemeClr>
-          </a:solidFill>
-          <a:ln>
-            <a:solidFill>
-              <a:schemeClr val="bg1">
-                <a:lumMod val="95000"/>
-              </a:schemeClr>
-            </a:solidFill>
-          </a:ln>
-        </p:spPr>
-        <p:style>
-          <a:lnRef idx="2">
-            <a:schemeClr val="accent1">
-              <a:shade val="50000"/>
-            </a:schemeClr>
-          </a:lnRef>
-          <a:fillRef idx="1">
-            <a:schemeClr val="accent1"/>
-          </a:fillRef>
-          <a:effectRef idx="0">
-            <a:schemeClr val="accent1"/>
-          </a:effectRef>
-          <a:fontRef idx="minor">
-            <a:schemeClr val="lt1"/>
-          </a:fontRef>
-        </p:style>
-        <p:txBody>
-          <a:bodyPr rtlCol="0" anchor="ctr"/>
-          <a:lstStyle/>
-          <a:p>
-            <a:pPr algn="ctr"/>
-            <a:endParaRPr lang="en-US"/>
-          </a:p>
-        </p:txBody>
-      </p:sp>
-      <p:sp>
-        <p:nvSpPr>
-          <p:cNvPr id="9" name="Oval 8">
-            <a:extLst>
-              <a:ext uri="{FF2B5EF4-FFF2-40B4-BE49-F238E27FC236}">
-                <a16:creationId xmlns:a16="http://schemas.microsoft.com/office/drawing/2014/main" id="{EF1E6F2F-364C-4441-9B9B-6C771D1F36D8}"/>
-              </a:ext>
-            </a:extLst>
-          </p:cNvPr>
-          <p:cNvSpPr/>
-          <p:nvPr/>
-        </p:nvSpPr>
-        <p:spPr>
-          <a:xfrm>
-            <a:off x="11590719" y="3429000"/>
-            <a:ext cx="182880" cy="182880"/>
-          </a:xfrm>
-          <a:prstGeom prst="ellipse">
-            <a:avLst/>
-          </a:prstGeom>
-          <a:solidFill>
-            <a:schemeClr val="bg2">
-              <a:lumMod val="75000"/>
-            </a:schemeClr>
-          </a:solidFill>
-          <a:ln>
-            <a:solidFill>
-              <a:schemeClr val="bg1">
-                <a:lumMod val="95000"/>
-              </a:schemeClr>
-            </a:solidFill>
-          </a:ln>
-        </p:spPr>
-        <p:style>
-          <a:lnRef idx="2">
-            <a:schemeClr val="accent1">
-              <a:shade val="50000"/>
-            </a:schemeClr>
-          </a:lnRef>
-          <a:fillRef idx="1">
-            <a:schemeClr val="accent1"/>
-          </a:fillRef>
-          <a:effectRef idx="0">
-            <a:schemeClr val="accent1"/>
-          </a:effectRef>
-          <a:fontRef idx="minor">
-            <a:schemeClr val="lt1"/>
-          </a:fontRef>
-        </p:style>
-        <p:txBody>
-          <a:bodyPr rtlCol="0" anchor="ctr"/>
-          <a:lstStyle/>
-          <a:p>
-            <a:pPr algn="ctr"/>
-            <a:endParaRPr lang="en-US"/>
-          </a:p>
-        </p:txBody>
-      </p:sp>
-      <p:sp>
-        <p:nvSpPr>
-          <p:cNvPr id="20" name="Oval 19">
-            <a:extLst>
-              <a:ext uri="{FF2B5EF4-FFF2-40B4-BE49-F238E27FC236}">
-                <a16:creationId xmlns:a16="http://schemas.microsoft.com/office/drawing/2014/main" id="{99913E2A-E326-8941-BE05-5EF6102B55B9}"/>
-              </a:ext>
-            </a:extLst>
-          </p:cNvPr>
-          <p:cNvSpPr/>
-          <p:nvPr/>
-        </p:nvSpPr>
-        <p:spPr>
-          <a:xfrm>
-            <a:off x="7922007" y="4450781"/>
-            <a:ext cx="127322" cy="127322"/>
-          </a:xfrm>
-          <a:prstGeom prst="ellipse">
-            <a:avLst/>
-          </a:prstGeom>
-          <a:solidFill>
-            <a:schemeClr val="bg2">
-              <a:lumMod val="75000"/>
-            </a:schemeClr>
-          </a:solidFill>
-          <a:ln>
-            <a:solidFill>
-              <a:schemeClr val="bg1">
-                <a:lumMod val="95000"/>
-              </a:schemeClr>
-            </a:solidFill>
-          </a:ln>
-        </p:spPr>
-        <p:style>
-          <a:lnRef idx="2">
-            <a:schemeClr val="accent1">
-              <a:shade val="50000"/>
-            </a:schemeClr>
-          </a:lnRef>
-          <a:fillRef idx="1">
-            <a:schemeClr val="accent1"/>
-          </a:fillRef>
-          <a:effectRef idx="0">
-            <a:schemeClr val="accent1"/>
-          </a:effectRef>
-          <a:fontRef idx="minor">
-            <a:schemeClr val="lt1"/>
-          </a:fontRef>
-        </p:style>
-        <p:txBody>
-          <a:bodyPr rtlCol="0" anchor="ctr"/>
-          <a:lstStyle/>
-          <a:p>
-            <a:pPr algn="ctr"/>
-            <a:endParaRPr lang="en-US"/>
-          </a:p>
-        </p:txBody>
-      </p:sp>
-    </p:spTree>
-    <p:extLst>
-      <p:ext uri="{BB962C8B-B14F-4D97-AF65-F5344CB8AC3E}">
-        <p14:creationId xmlns:p14="http://schemas.microsoft.com/office/powerpoint/2010/main" val="1741102203"/>
-      </p:ext>
-    </p:extLst>
-  </p:cSld>
-  <p:clrMapOvr>
-    <a:masterClrMapping/>
-  </p:clrMapOvr>
-</p:sld>
-</file>
-
-<file path=ppt/slides/slide20.xml><?xml version="1.0" encoding="utf-8"?>
+<file path=ppt/slides/slide23.xml><?xml version="1.0" encoding="utf-8"?>
 <p:sld xmlns:a="http://schemas.openxmlformats.org/drawingml/2006/main" xmlns:r="http://schemas.openxmlformats.org/officeDocument/2006/relationships" xmlns:p="http://schemas.openxmlformats.org/presentationml/2006/main">
   <p:cSld>
     <p:spTree>
@@ -26149,7 +31100,7 @@
             <a:fld id="{98087C8C-FB93-F749-A32B-FDEADC74AE65}" type="slidenum">
               <a:rPr lang="en-US" smtClean="0"/>
               <a:pPr/>
-              <a:t>20</a:t>
+              <a:t>23</a:t>
             </a:fld>
             <a:endParaRPr lang="en-US" dirty="0"/>
           </a:p>
@@ -26401,7 +31352,7 @@
 </p:sld>
 </file>
 
-<file path=ppt/slides/slide21.xml><?xml version="1.0" encoding="utf-8"?>
+<file path=ppt/slides/slide24.xml><?xml version="1.0" encoding="utf-8"?>
 <p:sld xmlns:a="http://schemas.openxmlformats.org/drawingml/2006/main" xmlns:r="http://schemas.openxmlformats.org/officeDocument/2006/relationships" xmlns:p="http://schemas.openxmlformats.org/presentationml/2006/main">
   <p:cSld>
     <p:spTree>
@@ -26472,7 +31423,7 @@
             <a:fld id="{98087C8C-FB93-F749-A32B-FDEADC74AE65}" type="slidenum">
               <a:rPr lang="en-US" smtClean="0"/>
               <a:pPr/>
-              <a:t>21</a:t>
+              <a:t>24</a:t>
             </a:fld>
             <a:endParaRPr lang="en-US" dirty="0"/>
           </a:p>
@@ -26773,7 +31724,7 @@
 </p:sld>
 </file>
 
-<file path=ppt/slides/slide22.xml><?xml version="1.0" encoding="utf-8"?>
+<file path=ppt/slides/slide25.xml><?xml version="1.0" encoding="utf-8"?>
 <p:sld xmlns:a="http://schemas.openxmlformats.org/drawingml/2006/main" xmlns:r="http://schemas.openxmlformats.org/officeDocument/2006/relationships" xmlns:p="http://schemas.openxmlformats.org/presentationml/2006/main">
   <p:cSld>
     <p:bg>
@@ -26813,7 +31764,7 @@
           <p:nvPr/>
         </p:nvPicPr>
         <p:blipFill>
-          <a:blip r:embed="rId2"/>
+          <a:blip r:embed="rId3"/>
           <a:stretch>
             <a:fillRect/>
           </a:stretch>
@@ -26929,7 +31880,7 @@
 </p:sld>
 </file>
 
-<file path=ppt/slides/slide23.xml><?xml version="1.0" encoding="utf-8"?>
+<file path=ppt/slides/slide26.xml><?xml version="1.0" encoding="utf-8"?>
 <p:sld xmlns:a="http://schemas.openxmlformats.org/drawingml/2006/main" xmlns:r="http://schemas.openxmlformats.org/officeDocument/2006/relationships" xmlns:p="http://schemas.openxmlformats.org/presentationml/2006/main">
   <p:cSld>
     <p:bg>
@@ -26969,7 +31920,7 @@
           <p:nvPr/>
         </p:nvPicPr>
         <p:blipFill>
-          <a:blip r:embed="rId2"/>
+          <a:blip r:embed="rId3"/>
           <a:stretch>
             <a:fillRect/>
           </a:stretch>
@@ -27172,7 +32123,97 @@
 </p:sld>
 </file>
 
-<file path=ppt/slides/slide24.xml><?xml version="1.0" encoding="utf-8"?>
+<file path=ppt/slides/slide27.xml><?xml version="1.0" encoding="utf-8"?>
+<p:sld xmlns:a="http://schemas.openxmlformats.org/drawingml/2006/main" xmlns:r="http://schemas.openxmlformats.org/officeDocument/2006/relationships" xmlns:p="http://schemas.openxmlformats.org/presentationml/2006/main">
+  <p:cSld>
+    <p:spTree>
+      <p:nvGrpSpPr>
+        <p:cNvPr id="1" name=""/>
+        <p:cNvGrpSpPr/>
+        <p:nvPr/>
+      </p:nvGrpSpPr>
+      <p:grpSpPr>
+        <a:xfrm>
+          <a:off x="0" y="0"/>
+          <a:ext cx="0" cy="0"/>
+          <a:chOff x="0" y="0"/>
+          <a:chExt cx="0" cy="0"/>
+        </a:xfrm>
+      </p:grpSpPr>
+      <p:sp>
+        <p:nvSpPr>
+          <p:cNvPr id="2" name="Slide Number Placeholder 1">
+            <a:extLst>
+              <a:ext uri="{FF2B5EF4-FFF2-40B4-BE49-F238E27FC236}">
+                <a16:creationId xmlns:a16="http://schemas.microsoft.com/office/drawing/2014/main" id="{D930FECB-7802-474F-B7FB-B5990173E729}"/>
+              </a:ext>
+            </a:extLst>
+          </p:cNvPr>
+          <p:cNvSpPr>
+            <a:spLocks noGrp="1"/>
+          </p:cNvSpPr>
+          <p:nvPr>
+            <p:ph type="sldNum" sz="quarter" idx="11"/>
+          </p:nvPr>
+        </p:nvSpPr>
+        <p:spPr/>
+        <p:txBody>
+          <a:bodyPr/>
+          <a:lstStyle/>
+          <a:p>
+            <a:fld id="{98087C8C-FB93-F749-A32B-FDEADC74AE65}" type="slidenum">
+              <a:rPr lang="en-US" smtClean="0"/>
+              <a:pPr/>
+              <a:t>27</a:t>
+            </a:fld>
+            <a:endParaRPr lang="en-US" dirty="0"/>
+          </a:p>
+        </p:txBody>
+      </p:sp>
+      <p:pic>
+        <p:nvPicPr>
+          <p:cNvPr id="3" name="Picture 2">
+            <a:extLst>
+              <a:ext uri="{FF2B5EF4-FFF2-40B4-BE49-F238E27FC236}">
+                <a16:creationId xmlns:a16="http://schemas.microsoft.com/office/drawing/2014/main" id="{318172E5-646A-C147-B8CF-B59D24FE16F1}"/>
+              </a:ext>
+            </a:extLst>
+          </p:cNvPr>
+          <p:cNvPicPr>
+            <a:picLocks noChangeAspect="1"/>
+          </p:cNvPicPr>
+          <p:nvPr/>
+        </p:nvPicPr>
+        <p:blipFill>
+          <a:blip r:embed="rId3"/>
+          <a:stretch>
+            <a:fillRect/>
+          </a:stretch>
+        </p:blipFill>
+        <p:spPr>
+          <a:xfrm>
+            <a:off x="-1" y="-1"/>
+            <a:ext cx="9853719" cy="6490119"/>
+          </a:xfrm>
+          <a:prstGeom prst="rect">
+            <a:avLst/>
+          </a:prstGeom>
+        </p:spPr>
+      </p:pic>
+    </p:spTree>
+    <p:extLst>
+      <p:ext uri="{BB962C8B-B14F-4D97-AF65-F5344CB8AC3E}">
+        <p14:creationId xmlns:p14="http://schemas.microsoft.com/office/powerpoint/2010/main" val="2366531763"/>
+      </p:ext>
+    </p:extLst>
+  </p:cSld>
+  <p:clrMapOvr>
+    <a:masterClrMapping/>
+  </p:clrMapOvr>
+</p:sld>
+</file>
+
+<file path=ppt/slides/slide28.xml><?xml version="1.0" encoding="utf-8"?>
 <p:sld xmlns:a="http://schemas.openxmlformats.org/drawingml/2006/main" xmlns:r="http://schemas.openxmlformats.org/officeDocument/2006/relationships" xmlns:p="http://schemas.openxmlformats.org/presentationml/2006/main">
   <p:cSld>
     <p:spTree>
@@ -27243,42 +32284,12 @@
             <a:fld id="{98087C8C-FB93-F749-A32B-FDEADC74AE65}" type="slidenum">
               <a:rPr lang="en-US" smtClean="0"/>
               <a:pPr/>
-              <a:t>24</a:t>
+              <a:t>28</a:t>
             </a:fld>
             <a:endParaRPr lang="en-US" dirty="0"/>
           </a:p>
         </p:txBody>
       </p:sp>
-      <p:pic>
-        <p:nvPicPr>
-          <p:cNvPr id="5" name="Picture 4">
-            <a:extLst>
-              <a:ext uri="{FF2B5EF4-FFF2-40B4-BE49-F238E27FC236}">
-                <a16:creationId xmlns:a16="http://schemas.microsoft.com/office/drawing/2014/main" id="{45943059-60E3-D54D-90A4-3220C195952F}"/>
-              </a:ext>
-            </a:extLst>
-          </p:cNvPr>
-          <p:cNvPicPr>
-            <a:picLocks noChangeAspect="1"/>
-          </p:cNvPicPr>
-          <p:nvPr/>
-        </p:nvPicPr>
-        <p:blipFill>
-          <a:blip r:embed="rId3"/>
-          <a:stretch>
-            <a:fillRect/>
-          </a:stretch>
-        </p:blipFill>
-        <p:spPr>
-          <a:xfrm>
-            <a:off x="325516" y="890815"/>
-            <a:ext cx="5030255" cy="5786594"/>
-          </a:xfrm>
-          <a:prstGeom prst="rect">
-            <a:avLst/>
-          </a:prstGeom>
-        </p:spPr>
-      </p:pic>
       <p:sp>
         <p:nvSpPr>
           <p:cNvPr id="6" name="TextBox 5">
@@ -27293,7 +32304,7 @@
         </p:nvSpPr>
         <p:spPr>
           <a:xfrm>
-            <a:off x="6096000" y="1706620"/>
+            <a:off x="6566485" y="1815476"/>
             <a:ext cx="4551709" cy="4154984"/>
           </a:xfrm>
           <a:prstGeom prst="rect">
@@ -27468,6 +32479,35 @@
           </p:txBody>
         </p:sp>
       </p:grpSp>
+      <p:pic>
+        <p:nvPicPr>
+          <p:cNvPr id="4" name="Picture 3">
+            <a:extLst>
+              <a:ext uri="{FF2B5EF4-FFF2-40B4-BE49-F238E27FC236}">
+                <a16:creationId xmlns:a16="http://schemas.microsoft.com/office/drawing/2014/main" id="{FCD5F8F0-591A-2E46-95C5-82526C888A36}"/>
+              </a:ext>
+            </a:extLst>
+          </p:cNvPr>
+          <p:cNvPicPr>
+            <a:picLocks noChangeAspect="1"/>
+          </p:cNvPicPr>
+          <p:nvPr/>
+        </p:nvPicPr>
+        <p:blipFill rotWithShape="1">
+          <a:blip r:embed="rId3"/>
+          <a:srcRect r="22585"/>
+          <a:stretch/>
+        </p:blipFill>
+        <p:spPr>
+          <a:xfrm>
+            <a:off x="34187" y="1111668"/>
+            <a:ext cx="6400800" cy="5562600"/>
+          </a:xfrm>
+          <a:prstGeom prst="rect">
+            <a:avLst/>
+          </a:prstGeom>
+        </p:spPr>
+      </p:pic>
     </p:spTree>
     <p:extLst>
       <p:ext uri="{BB962C8B-B14F-4D97-AF65-F5344CB8AC3E}">
@@ -27481,7 +32521,7 @@
 </p:sld>
 </file>
 
-<file path=ppt/slides/slide25.xml><?xml version="1.0" encoding="utf-8"?>
+<file path=ppt/slides/slide29.xml><?xml version="1.0" encoding="utf-8"?>
 <p:sld xmlns:a="http://schemas.openxmlformats.org/drawingml/2006/main" xmlns:r="http://schemas.openxmlformats.org/officeDocument/2006/relationships" xmlns:p="http://schemas.openxmlformats.org/presentationml/2006/main">
   <p:cSld>
     <p:spTree>
@@ -27522,7 +32562,7 @@
             <a:fld id="{98087C8C-FB93-F749-A32B-FDEADC74AE65}" type="slidenum">
               <a:rPr lang="en-US" smtClean="0"/>
               <a:pPr/>
-              <a:t>25</a:t>
+              <a:t>29</a:t>
             </a:fld>
             <a:endParaRPr lang="en-US" dirty="0"/>
           </a:p>
@@ -27703,7 +32743,905 @@
 </p:sld>
 </file>
 
-<file path=ppt/slides/slide26.xml><?xml version="1.0" encoding="utf-8"?>
+<file path=ppt/slides/slide3.xml><?xml version="1.0" encoding="utf-8"?>
+<p:sld xmlns:a="http://schemas.openxmlformats.org/drawingml/2006/main" xmlns:r="http://schemas.openxmlformats.org/officeDocument/2006/relationships" xmlns:p="http://schemas.openxmlformats.org/presentationml/2006/main">
+  <p:cSld>
+    <p:spTree>
+      <p:nvGrpSpPr>
+        <p:cNvPr id="1" name=""/>
+        <p:cNvGrpSpPr/>
+        <p:nvPr/>
+      </p:nvGrpSpPr>
+      <p:grpSpPr>
+        <a:xfrm>
+          <a:off x="0" y="0"/>
+          <a:ext cx="0" cy="0"/>
+          <a:chOff x="0" y="0"/>
+          <a:chExt cx="0" cy="0"/>
+        </a:xfrm>
+      </p:grpSpPr>
+      <p:sp>
+        <p:nvSpPr>
+          <p:cNvPr id="4" name="Slide Number Placeholder 3">
+            <a:extLst>
+              <a:ext uri="{FF2B5EF4-FFF2-40B4-BE49-F238E27FC236}">
+                <a16:creationId xmlns:a16="http://schemas.microsoft.com/office/drawing/2014/main" id="{DD9BB6AA-F027-204A-8182-5503B0402893}"/>
+              </a:ext>
+            </a:extLst>
+          </p:cNvPr>
+          <p:cNvSpPr>
+            <a:spLocks noGrp="1"/>
+          </p:cNvSpPr>
+          <p:nvPr>
+            <p:ph type="sldNum" sz="quarter" idx="11"/>
+          </p:nvPr>
+        </p:nvSpPr>
+        <p:spPr/>
+        <p:txBody>
+          <a:bodyPr/>
+          <a:lstStyle/>
+          <a:p>
+            <a:fld id="{98087C8C-FB93-F749-A32B-FDEADC74AE65}" type="slidenum">
+              <a:rPr lang="en-US" smtClean="0"/>
+              <a:pPr/>
+              <a:t>3</a:t>
+            </a:fld>
+            <a:endParaRPr lang="en-US" dirty="0"/>
+          </a:p>
+        </p:txBody>
+      </p:sp>
+      <p:sp>
+        <p:nvSpPr>
+          <p:cNvPr id="5" name="Title 1">
+            <a:extLst>
+              <a:ext uri="{FF2B5EF4-FFF2-40B4-BE49-F238E27FC236}">
+                <a16:creationId xmlns:a16="http://schemas.microsoft.com/office/drawing/2014/main" id="{5041E9BF-B02E-CB48-9C16-8CE1BA12CE05}"/>
+              </a:ext>
+            </a:extLst>
+          </p:cNvPr>
+          <p:cNvSpPr txBox="1">
+            <a:spLocks/>
+          </p:cNvSpPr>
+          <p:nvPr/>
+        </p:nvSpPr>
+        <p:spPr>
+          <a:xfrm>
+            <a:off x="340166" y="0"/>
+            <a:ext cx="7069216" cy="794750"/>
+          </a:xfrm>
+          <a:prstGeom prst="rect">
+            <a:avLst/>
+          </a:prstGeom>
+        </p:spPr>
+        <p:txBody>
+          <a:bodyPr vert="horz" lIns="91440" tIns="45720" rIns="91440" bIns="45720" rtlCol="0" anchor="ctr">
+            <a:normAutofit fontScale="97500"/>
+          </a:bodyPr>
+          <a:lstStyle>
+            <a:lvl1pPr algn="l" defTabSz="914400" rtl="0" eaLnBrk="1" latinLnBrk="0" hangingPunct="1">
+              <a:lnSpc>
+                <a:spcPct val="90000"/>
+              </a:lnSpc>
+              <a:spcBef>
+                <a:spcPct val="0"/>
+              </a:spcBef>
+              <a:buNone/>
+              <a:defRPr sz="3200" b="1" kern="1200">
+                <a:solidFill>
+                  <a:schemeClr val="tx2">
+                    <a:lumMod val="75000"/>
+                  </a:schemeClr>
+                </a:solidFill>
+                <a:latin typeface="Corbel" panose="020B0503020204020204" pitchFamily="34" charset="0"/>
+                <a:ea typeface="+mj-ea"/>
+                <a:cs typeface="+mj-cs"/>
+              </a:defRPr>
+            </a:lvl1pPr>
+          </a:lstStyle>
+          <a:p>
+            <a:r>
+              <a:rPr lang="en-US" dirty="0"/>
+              <a:t>A typical day in security</a:t>
+            </a:r>
+          </a:p>
+        </p:txBody>
+      </p:sp>
+      <p:sp>
+        <p:nvSpPr>
+          <p:cNvPr id="7" name="Slide Number Placeholder 3">
+            <a:extLst>
+              <a:ext uri="{FF2B5EF4-FFF2-40B4-BE49-F238E27FC236}">
+                <a16:creationId xmlns:a16="http://schemas.microsoft.com/office/drawing/2014/main" id="{60723577-9919-3142-AC0B-2B4907A93344}"/>
+              </a:ext>
+            </a:extLst>
+          </p:cNvPr>
+          <p:cNvSpPr txBox="1">
+            <a:spLocks/>
+          </p:cNvSpPr>
+          <p:nvPr/>
+        </p:nvSpPr>
+        <p:spPr>
+          <a:xfrm>
+            <a:off x="11588680" y="6490119"/>
+            <a:ext cx="452437" cy="368299"/>
+          </a:xfrm>
+          <a:prstGeom prst="rect">
+            <a:avLst/>
+          </a:prstGeom>
+        </p:spPr>
+        <p:txBody>
+          <a:bodyPr vert="horz" lIns="91440" tIns="45720" rIns="91440" bIns="45720" rtlCol="0" anchor="ctr"/>
+          <a:lstStyle>
+            <a:defPPr>
+              <a:defRPr lang="en-US"/>
+            </a:defPPr>
+            <a:lvl1pPr marL="0" algn="l" defTabSz="457200" rtl="0" eaLnBrk="1" latinLnBrk="0" hangingPunct="1">
+              <a:defRPr sz="1200" kern="1200">
+                <a:solidFill>
+                  <a:schemeClr val="tx2">
+                    <a:lumMod val="75000"/>
+                  </a:schemeClr>
+                </a:solidFill>
+                <a:latin typeface="Palatino" pitchFamily="2" charset="77"/>
+                <a:ea typeface="Palatino" pitchFamily="2" charset="77"/>
+                <a:cs typeface="+mn-cs"/>
+              </a:defRPr>
+            </a:lvl1pPr>
+            <a:lvl2pPr marL="457200" algn="l" defTabSz="457200" rtl="0" eaLnBrk="1" latinLnBrk="0" hangingPunct="1">
+              <a:defRPr sz="1800" kern="1200">
+                <a:solidFill>
+                  <a:schemeClr val="tx1"/>
+                </a:solidFill>
+                <a:latin typeface="+mn-lt"/>
+                <a:ea typeface="+mn-ea"/>
+                <a:cs typeface="+mn-cs"/>
+              </a:defRPr>
+            </a:lvl2pPr>
+            <a:lvl3pPr marL="914400" algn="l" defTabSz="457200" rtl="0" eaLnBrk="1" latinLnBrk="0" hangingPunct="1">
+              <a:defRPr sz="1800" kern="1200">
+                <a:solidFill>
+                  <a:schemeClr val="tx1"/>
+                </a:solidFill>
+                <a:latin typeface="+mn-lt"/>
+                <a:ea typeface="+mn-ea"/>
+                <a:cs typeface="+mn-cs"/>
+              </a:defRPr>
+            </a:lvl3pPr>
+            <a:lvl4pPr marL="1371600" algn="l" defTabSz="457200" rtl="0" eaLnBrk="1" latinLnBrk="0" hangingPunct="1">
+              <a:defRPr sz="1800" kern="1200">
+                <a:solidFill>
+                  <a:schemeClr val="tx1"/>
+                </a:solidFill>
+                <a:latin typeface="+mn-lt"/>
+                <a:ea typeface="+mn-ea"/>
+                <a:cs typeface="+mn-cs"/>
+              </a:defRPr>
+            </a:lvl4pPr>
+            <a:lvl5pPr marL="1828800" algn="l" defTabSz="457200" rtl="0" eaLnBrk="1" latinLnBrk="0" hangingPunct="1">
+              <a:defRPr sz="1800" kern="1200">
+                <a:solidFill>
+                  <a:schemeClr val="tx1"/>
+                </a:solidFill>
+                <a:latin typeface="+mn-lt"/>
+                <a:ea typeface="+mn-ea"/>
+                <a:cs typeface="+mn-cs"/>
+              </a:defRPr>
+            </a:lvl5pPr>
+            <a:lvl6pPr marL="2286000" algn="l" defTabSz="457200" rtl="0" eaLnBrk="1" latinLnBrk="0" hangingPunct="1">
+              <a:defRPr sz="1800" kern="1200">
+                <a:solidFill>
+                  <a:schemeClr val="tx1"/>
+                </a:solidFill>
+                <a:latin typeface="+mn-lt"/>
+                <a:ea typeface="+mn-ea"/>
+                <a:cs typeface="+mn-cs"/>
+              </a:defRPr>
+            </a:lvl6pPr>
+            <a:lvl7pPr marL="2743200" algn="l" defTabSz="457200" rtl="0" eaLnBrk="1" latinLnBrk="0" hangingPunct="1">
+              <a:defRPr sz="1800" kern="1200">
+                <a:solidFill>
+                  <a:schemeClr val="tx1"/>
+                </a:solidFill>
+                <a:latin typeface="+mn-lt"/>
+                <a:ea typeface="+mn-ea"/>
+                <a:cs typeface="+mn-cs"/>
+              </a:defRPr>
+            </a:lvl7pPr>
+            <a:lvl8pPr marL="3200400" algn="l" defTabSz="457200" rtl="0" eaLnBrk="1" latinLnBrk="0" hangingPunct="1">
+              <a:defRPr sz="1800" kern="1200">
+                <a:solidFill>
+                  <a:schemeClr val="tx1"/>
+                </a:solidFill>
+                <a:latin typeface="+mn-lt"/>
+                <a:ea typeface="+mn-ea"/>
+                <a:cs typeface="+mn-cs"/>
+              </a:defRPr>
+            </a:lvl8pPr>
+            <a:lvl9pPr marL="3657600" algn="l" defTabSz="457200" rtl="0" eaLnBrk="1" latinLnBrk="0" hangingPunct="1">
+              <a:defRPr sz="1800" kern="1200">
+                <a:solidFill>
+                  <a:schemeClr val="tx1"/>
+                </a:solidFill>
+                <a:latin typeface="+mn-lt"/>
+                <a:ea typeface="+mn-ea"/>
+                <a:cs typeface="+mn-cs"/>
+              </a:defRPr>
+            </a:lvl9pPr>
+          </a:lstStyle>
+          <a:p>
+            <a:fld id="{98087C8C-FB93-F749-A32B-FDEADC74AE65}" type="slidenum">
+              <a:rPr lang="en-US" smtClean="0"/>
+              <a:pPr/>
+              <a:t>3</a:t>
+            </a:fld>
+            <a:endParaRPr lang="en-US" dirty="0"/>
+          </a:p>
+        </p:txBody>
+      </p:sp>
+      <p:pic>
+        <p:nvPicPr>
+          <p:cNvPr id="8" name="Graphic 7" descr="Person eating with solid fill">
+            <a:extLst>
+              <a:ext uri="{FF2B5EF4-FFF2-40B4-BE49-F238E27FC236}">
+                <a16:creationId xmlns:a16="http://schemas.microsoft.com/office/drawing/2014/main" id="{30D8F29E-0D0E-474E-889B-5344E9970D30}"/>
+              </a:ext>
+            </a:extLst>
+          </p:cNvPr>
+          <p:cNvPicPr>
+            <a:picLocks noChangeAspect="1"/>
+          </p:cNvPicPr>
+          <p:nvPr/>
+        </p:nvPicPr>
+        <p:blipFill>
+          <a:blip r:embed="rId3">
+            <a:extLst>
+              <a:ext uri="{96DAC541-7B7A-43D3-8B79-37D633B846F1}">
+                <asvg:svgBlip xmlns:asvg="http://schemas.microsoft.com/office/drawing/2016/SVG/main" r:embed="rId4"/>
+              </a:ext>
+            </a:extLst>
+          </a:blip>
+          <a:stretch>
+            <a:fillRect/>
+          </a:stretch>
+        </p:blipFill>
+        <p:spPr>
+          <a:xfrm>
+            <a:off x="-1" y="2944889"/>
+            <a:ext cx="1630680" cy="1630680"/>
+          </a:xfrm>
+          <a:prstGeom prst="rect">
+            <a:avLst/>
+          </a:prstGeom>
+        </p:spPr>
+      </p:pic>
+      <p:pic>
+        <p:nvPicPr>
+          <p:cNvPr id="9" name="Graphic 8" descr="Thought bubble outline">
+            <a:extLst>
+              <a:ext uri="{FF2B5EF4-FFF2-40B4-BE49-F238E27FC236}">
+                <a16:creationId xmlns:a16="http://schemas.microsoft.com/office/drawing/2014/main" id="{8077E064-E485-3E49-B4DD-E923A1050378}"/>
+              </a:ext>
+            </a:extLst>
+          </p:cNvPr>
+          <p:cNvPicPr>
+            <a:picLocks noChangeAspect="1"/>
+          </p:cNvPicPr>
+          <p:nvPr/>
+        </p:nvPicPr>
+        <p:blipFill>
+          <a:blip r:embed="rId5">
+            <a:extLst>
+              <a:ext uri="{96DAC541-7B7A-43D3-8B79-37D633B846F1}">
+                <asvg:svgBlip xmlns:asvg="http://schemas.microsoft.com/office/drawing/2016/SVG/main" r:embed="rId6"/>
+              </a:ext>
+            </a:extLst>
+          </a:blip>
+          <a:stretch>
+            <a:fillRect/>
+          </a:stretch>
+        </p:blipFill>
+        <p:spPr>
+          <a:xfrm>
+            <a:off x="3682483" y="-1146332"/>
+            <a:ext cx="10403001" cy="7218195"/>
+          </a:xfrm>
+          <a:prstGeom prst="rect">
+            <a:avLst/>
+          </a:prstGeom>
+        </p:spPr>
+      </p:pic>
+      <p:pic>
+        <p:nvPicPr>
+          <p:cNvPr id="10" name="Graphic 9" descr="Users with solid fill">
+            <a:extLst>
+              <a:ext uri="{FF2B5EF4-FFF2-40B4-BE49-F238E27FC236}">
+                <a16:creationId xmlns:a16="http://schemas.microsoft.com/office/drawing/2014/main" id="{5D59A206-4A6B-844F-8485-5F1107941A89}"/>
+              </a:ext>
+            </a:extLst>
+          </p:cNvPr>
+          <p:cNvPicPr>
+            <a:picLocks noChangeAspect="1"/>
+          </p:cNvPicPr>
+          <p:nvPr/>
+        </p:nvPicPr>
+        <p:blipFill>
+          <a:blip r:embed="rId7">
+            <a:extLst>
+              <a:ext uri="{96DAC541-7B7A-43D3-8B79-37D633B846F1}">
+                <asvg:svgBlip xmlns:asvg="http://schemas.microsoft.com/office/drawing/2016/SVG/main" r:embed="rId8"/>
+              </a:ext>
+            </a:extLst>
+          </a:blip>
+          <a:stretch>
+            <a:fillRect/>
+          </a:stretch>
+        </p:blipFill>
+        <p:spPr>
+          <a:xfrm>
+            <a:off x="3860124" y="5020979"/>
+            <a:ext cx="1478280" cy="1478280"/>
+          </a:xfrm>
+          <a:prstGeom prst="rect">
+            <a:avLst/>
+          </a:prstGeom>
+        </p:spPr>
+      </p:pic>
+      <p:sp>
+        <p:nvSpPr>
+          <p:cNvPr id="11" name="TextBox 10">
+            <a:extLst>
+              <a:ext uri="{FF2B5EF4-FFF2-40B4-BE49-F238E27FC236}">
+                <a16:creationId xmlns:a16="http://schemas.microsoft.com/office/drawing/2014/main" id="{1888FDD6-C6DF-AE4F-B1FC-D3F17430B3A1}"/>
+              </a:ext>
+            </a:extLst>
+          </p:cNvPr>
+          <p:cNvSpPr txBox="1"/>
+          <p:nvPr/>
+        </p:nvSpPr>
+        <p:spPr>
+          <a:xfrm>
+            <a:off x="5477256" y="1142213"/>
+            <a:ext cx="6480146" cy="1631216"/>
+          </a:xfrm>
+          <a:prstGeom prst="rect">
+            <a:avLst/>
+          </a:prstGeom>
+          <a:noFill/>
+        </p:spPr>
+        <p:txBody>
+          <a:bodyPr wrap="square" rtlCol="0">
+            <a:spAutoFit/>
+          </a:bodyPr>
+          <a:lstStyle/>
+          <a:p>
+            <a:pPr algn="ctr"/>
+            <a:r>
+              <a:rPr lang="en-US" sz="2000" dirty="0">
+                <a:solidFill>
+                  <a:schemeClr val="accent6">
+                    <a:lumMod val="50000"/>
+                  </a:schemeClr>
+                </a:solidFill>
+                <a:latin typeface="Palatino" pitchFamily="2" charset="77"/>
+                <a:ea typeface="Palatino" pitchFamily="2" charset="77"/>
+              </a:rPr>
+              <a:t>We had lunch with a thought-leading vendor, and they said we could replace everything with an AI-centric quantum blockchain-verified precognitive edge service. </a:t>
+            </a:r>
+            <a:br>
+              <a:rPr lang="en-US" sz="2000" dirty="0">
+                <a:solidFill>
+                  <a:schemeClr val="accent6">
+                    <a:lumMod val="50000"/>
+                  </a:schemeClr>
+                </a:solidFill>
+                <a:latin typeface="Palatino" pitchFamily="2" charset="77"/>
+                <a:ea typeface="Palatino" pitchFamily="2" charset="77"/>
+              </a:rPr>
+            </a:br>
+            <a:br>
+              <a:rPr lang="en-US" sz="2000" dirty="0">
+                <a:solidFill>
+                  <a:schemeClr val="accent6">
+                    <a:lumMod val="50000"/>
+                  </a:schemeClr>
+                </a:solidFill>
+                <a:latin typeface="Palatino" pitchFamily="2" charset="77"/>
+                <a:ea typeface="Palatino" pitchFamily="2" charset="77"/>
+              </a:rPr>
+            </a:br>
+            <a:r>
+              <a:rPr lang="en-US" sz="2000" dirty="0">
+                <a:solidFill>
+                  <a:schemeClr val="accent6">
+                    <a:lumMod val="50000"/>
+                  </a:schemeClr>
+                </a:solidFill>
+                <a:latin typeface="Palatino" pitchFamily="2" charset="77"/>
+                <a:ea typeface="Palatino" pitchFamily="2" charset="77"/>
+              </a:rPr>
+              <a:t>For </a:t>
+            </a:r>
+            <a:r>
+              <a:rPr lang="en-US" sz="2000" b="1" i="1" dirty="0">
+                <a:solidFill>
+                  <a:schemeClr val="accent6">
+                    <a:lumMod val="50000"/>
+                  </a:schemeClr>
+                </a:solidFill>
+                <a:latin typeface="Palatino" pitchFamily="2" charset="77"/>
+                <a:ea typeface="Palatino" pitchFamily="2" charset="77"/>
+              </a:rPr>
+              <a:t>less money </a:t>
+            </a:r>
+            <a:r>
+              <a:rPr lang="en-US" sz="2000" dirty="0">
+                <a:solidFill>
+                  <a:schemeClr val="accent6">
+                    <a:lumMod val="50000"/>
+                  </a:schemeClr>
+                </a:solidFill>
+                <a:latin typeface="Palatino" pitchFamily="2" charset="77"/>
+                <a:ea typeface="Palatino" pitchFamily="2" charset="77"/>
+              </a:rPr>
+              <a:t>than you are spending now! </a:t>
+            </a:r>
+          </a:p>
+        </p:txBody>
+      </p:sp>
+      <p:sp>
+        <p:nvSpPr>
+          <p:cNvPr id="12" name="TextBox 11">
+            <a:extLst>
+              <a:ext uri="{FF2B5EF4-FFF2-40B4-BE49-F238E27FC236}">
+                <a16:creationId xmlns:a16="http://schemas.microsoft.com/office/drawing/2014/main" id="{C1D6418B-AA12-EB43-84B6-375761DC722E}"/>
+              </a:ext>
+            </a:extLst>
+          </p:cNvPr>
+          <p:cNvSpPr txBox="1"/>
+          <p:nvPr/>
+        </p:nvSpPr>
+        <p:spPr>
+          <a:xfrm rot="18718998">
+            <a:off x="1067790" y="1746043"/>
+            <a:ext cx="1341120" cy="369332"/>
+          </a:xfrm>
+          <a:prstGeom prst="rect">
+            <a:avLst/>
+          </a:prstGeom>
+          <a:noFill/>
+        </p:spPr>
+        <p:txBody>
+          <a:bodyPr wrap="square" rtlCol="0">
+            <a:spAutoFit/>
+          </a:bodyPr>
+          <a:lstStyle/>
+          <a:p>
+            <a:r>
+              <a:rPr lang="en-US" dirty="0">
+                <a:solidFill>
+                  <a:schemeClr val="bg1">
+                    <a:lumMod val="75000"/>
+                  </a:schemeClr>
+                </a:solidFill>
+                <a:latin typeface="Palatino" pitchFamily="2" charset="77"/>
+                <a:ea typeface="Palatino" pitchFamily="2" charset="77"/>
+              </a:rPr>
+              <a:t>S.A.S.E…</a:t>
+            </a:r>
+          </a:p>
+        </p:txBody>
+      </p:sp>
+      <p:sp>
+        <p:nvSpPr>
+          <p:cNvPr id="13" name="TextBox 12">
+            <a:extLst>
+              <a:ext uri="{FF2B5EF4-FFF2-40B4-BE49-F238E27FC236}">
+                <a16:creationId xmlns:a16="http://schemas.microsoft.com/office/drawing/2014/main" id="{A3D96BB6-4DD0-6B4D-824A-F275D3824D42}"/>
+              </a:ext>
+            </a:extLst>
+          </p:cNvPr>
+          <p:cNvSpPr txBox="1"/>
+          <p:nvPr/>
+        </p:nvSpPr>
+        <p:spPr>
+          <a:xfrm rot="19850309">
+            <a:off x="1647386" y="2318105"/>
+            <a:ext cx="1341120" cy="369332"/>
+          </a:xfrm>
+          <a:prstGeom prst="rect">
+            <a:avLst/>
+          </a:prstGeom>
+          <a:noFill/>
+        </p:spPr>
+        <p:txBody>
+          <a:bodyPr wrap="square" rtlCol="0">
+            <a:spAutoFit/>
+          </a:bodyPr>
+          <a:lstStyle/>
+          <a:p>
+            <a:r>
+              <a:rPr lang="en-US" dirty="0">
+                <a:solidFill>
+                  <a:schemeClr val="bg1">
+                    <a:lumMod val="75000"/>
+                  </a:schemeClr>
+                </a:solidFill>
+                <a:latin typeface="Palatino" pitchFamily="2" charset="77"/>
+                <a:ea typeface="Palatino" pitchFamily="2" charset="77"/>
+              </a:rPr>
+              <a:t>ZT</a:t>
+            </a:r>
+          </a:p>
+        </p:txBody>
+      </p:sp>
+      <p:sp>
+        <p:nvSpPr>
+          <p:cNvPr id="14" name="TextBox 13">
+            <a:extLst>
+              <a:ext uri="{FF2B5EF4-FFF2-40B4-BE49-F238E27FC236}">
+                <a16:creationId xmlns:a16="http://schemas.microsoft.com/office/drawing/2014/main" id="{6DF130AB-8328-E84C-8742-503AEE7EC90B}"/>
+              </a:ext>
+            </a:extLst>
+          </p:cNvPr>
+          <p:cNvSpPr txBox="1"/>
+          <p:nvPr/>
+        </p:nvSpPr>
+        <p:spPr>
+          <a:xfrm rot="17639874">
+            <a:off x="111029" y="2219189"/>
+            <a:ext cx="1341120" cy="369332"/>
+          </a:xfrm>
+          <a:prstGeom prst="rect">
+            <a:avLst/>
+          </a:prstGeom>
+          <a:noFill/>
+        </p:spPr>
+        <p:txBody>
+          <a:bodyPr wrap="square" rtlCol="0">
+            <a:spAutoFit/>
+          </a:bodyPr>
+          <a:lstStyle/>
+          <a:p>
+            <a:r>
+              <a:rPr lang="en-US" dirty="0">
+                <a:solidFill>
+                  <a:schemeClr val="bg1">
+                    <a:lumMod val="75000"/>
+                  </a:schemeClr>
+                </a:solidFill>
+                <a:latin typeface="Palatino" pitchFamily="2" charset="77"/>
+                <a:ea typeface="Palatino" pitchFamily="2" charset="77"/>
+              </a:rPr>
+              <a:t>SOAR</a:t>
+            </a:r>
+          </a:p>
+        </p:txBody>
+      </p:sp>
+      <p:sp>
+        <p:nvSpPr>
+          <p:cNvPr id="15" name="TextBox 14">
+            <a:extLst>
+              <a:ext uri="{FF2B5EF4-FFF2-40B4-BE49-F238E27FC236}">
+                <a16:creationId xmlns:a16="http://schemas.microsoft.com/office/drawing/2014/main" id="{CCFBD330-BC5F-FD40-BE6F-0CC102D51325}"/>
+              </a:ext>
+            </a:extLst>
+          </p:cNvPr>
+          <p:cNvSpPr txBox="1"/>
+          <p:nvPr/>
+        </p:nvSpPr>
+        <p:spPr>
+          <a:xfrm rot="19388794">
+            <a:off x="896451" y="2391475"/>
+            <a:ext cx="1341120" cy="369332"/>
+          </a:xfrm>
+          <a:prstGeom prst="rect">
+            <a:avLst/>
+          </a:prstGeom>
+          <a:noFill/>
+        </p:spPr>
+        <p:txBody>
+          <a:bodyPr wrap="square" rtlCol="0">
+            <a:spAutoFit/>
+          </a:bodyPr>
+          <a:lstStyle/>
+          <a:p>
+            <a:r>
+              <a:rPr lang="en-US" dirty="0" err="1">
+                <a:solidFill>
+                  <a:schemeClr val="bg1">
+                    <a:lumMod val="75000"/>
+                  </a:schemeClr>
+                </a:solidFill>
+                <a:latin typeface="Palatino" pitchFamily="2" charset="77"/>
+                <a:ea typeface="Palatino" pitchFamily="2" charset="77"/>
+              </a:rPr>
+              <a:t>iSOC</a:t>
+            </a:r>
+            <a:endParaRPr lang="en-US" dirty="0">
+              <a:solidFill>
+                <a:schemeClr val="bg1">
+                  <a:lumMod val="75000"/>
+                </a:schemeClr>
+              </a:solidFill>
+              <a:latin typeface="Palatino" pitchFamily="2" charset="77"/>
+              <a:ea typeface="Palatino" pitchFamily="2" charset="77"/>
+            </a:endParaRPr>
+          </a:p>
+        </p:txBody>
+      </p:sp>
+      <p:sp>
+        <p:nvSpPr>
+          <p:cNvPr id="16" name="TextBox 15">
+            <a:extLst>
+              <a:ext uri="{FF2B5EF4-FFF2-40B4-BE49-F238E27FC236}">
+                <a16:creationId xmlns:a16="http://schemas.microsoft.com/office/drawing/2014/main" id="{79B83674-6D36-4841-AA03-8D6A5FF5F24E}"/>
+              </a:ext>
+            </a:extLst>
+          </p:cNvPr>
+          <p:cNvSpPr txBox="1"/>
+          <p:nvPr/>
+        </p:nvSpPr>
+        <p:spPr>
+          <a:xfrm>
+            <a:off x="695652" y="3018935"/>
+            <a:ext cx="2954020" cy="369332"/>
+          </a:xfrm>
+          <a:prstGeom prst="rect">
+            <a:avLst/>
+          </a:prstGeom>
+          <a:noFill/>
+        </p:spPr>
+        <p:txBody>
+          <a:bodyPr wrap="square" rtlCol="0">
+            <a:spAutoFit/>
+          </a:bodyPr>
+          <a:lstStyle/>
+          <a:p>
+            <a:r>
+              <a:rPr lang="en-US" dirty="0">
+                <a:solidFill>
+                  <a:schemeClr val="bg1">
+                    <a:lumMod val="75000"/>
+                  </a:schemeClr>
+                </a:solidFill>
+                <a:latin typeface="Palatino" pitchFamily="2" charset="77"/>
+                <a:ea typeface="Palatino" pitchFamily="2" charset="77"/>
+              </a:rPr>
+              <a:t>Ransomware Prevention</a:t>
+            </a:r>
+          </a:p>
+        </p:txBody>
+      </p:sp>
+      <p:sp>
+        <p:nvSpPr>
+          <p:cNvPr id="17" name="TextBox 16">
+            <a:extLst>
+              <a:ext uri="{FF2B5EF4-FFF2-40B4-BE49-F238E27FC236}">
+                <a16:creationId xmlns:a16="http://schemas.microsoft.com/office/drawing/2014/main" id="{C369B6D6-EE38-3047-AA1F-E170C0D9303E}"/>
+              </a:ext>
+            </a:extLst>
+          </p:cNvPr>
+          <p:cNvSpPr txBox="1"/>
+          <p:nvPr/>
+        </p:nvSpPr>
+        <p:spPr>
+          <a:xfrm rot="1262389">
+            <a:off x="1353046" y="3528950"/>
+            <a:ext cx="1341120" cy="369332"/>
+          </a:xfrm>
+          <a:prstGeom prst="rect">
+            <a:avLst/>
+          </a:prstGeom>
+          <a:noFill/>
+        </p:spPr>
+        <p:txBody>
+          <a:bodyPr wrap="square" rtlCol="0">
+            <a:spAutoFit/>
+          </a:bodyPr>
+          <a:lstStyle/>
+          <a:p>
+            <a:r>
+              <a:rPr lang="en-US" dirty="0">
+                <a:solidFill>
+                  <a:schemeClr val="bg1">
+                    <a:lumMod val="75000"/>
+                  </a:schemeClr>
+                </a:solidFill>
+                <a:latin typeface="Palatino" pitchFamily="2" charset="77"/>
+                <a:ea typeface="Palatino" pitchFamily="2" charset="77"/>
+              </a:rPr>
+              <a:t>UEBA…</a:t>
+            </a:r>
+          </a:p>
+        </p:txBody>
+      </p:sp>
+      <p:sp>
+        <p:nvSpPr>
+          <p:cNvPr id="18" name="TextBox 17">
+            <a:extLst>
+              <a:ext uri="{FF2B5EF4-FFF2-40B4-BE49-F238E27FC236}">
+                <a16:creationId xmlns:a16="http://schemas.microsoft.com/office/drawing/2014/main" id="{F3901C95-EC4C-664A-A9C3-825DA418EDD6}"/>
+              </a:ext>
+            </a:extLst>
+          </p:cNvPr>
+          <p:cNvSpPr txBox="1"/>
+          <p:nvPr/>
+        </p:nvSpPr>
+        <p:spPr>
+          <a:xfrm rot="2131674">
+            <a:off x="1284915" y="4282411"/>
+            <a:ext cx="1341120" cy="369332"/>
+          </a:xfrm>
+          <a:prstGeom prst="rect">
+            <a:avLst/>
+          </a:prstGeom>
+          <a:noFill/>
+        </p:spPr>
+        <p:txBody>
+          <a:bodyPr wrap="square" rtlCol="0">
+            <a:spAutoFit/>
+          </a:bodyPr>
+          <a:lstStyle/>
+          <a:p>
+            <a:r>
+              <a:rPr lang="en-US" dirty="0">
+                <a:solidFill>
+                  <a:schemeClr val="bg1">
+                    <a:lumMod val="75000"/>
+                  </a:schemeClr>
+                </a:solidFill>
+                <a:latin typeface="Palatino" pitchFamily="2" charset="77"/>
+                <a:ea typeface="Palatino" pitchFamily="2" charset="77"/>
+              </a:rPr>
+              <a:t>NFT…</a:t>
+            </a:r>
+          </a:p>
+        </p:txBody>
+      </p:sp>
+      <p:sp>
+        <p:nvSpPr>
+          <p:cNvPr id="19" name="TextBox 18">
+            <a:extLst>
+              <a:ext uri="{FF2B5EF4-FFF2-40B4-BE49-F238E27FC236}">
+                <a16:creationId xmlns:a16="http://schemas.microsoft.com/office/drawing/2014/main" id="{7FF6740F-D2EB-A545-8C47-BA42F8B1A45E}"/>
+              </a:ext>
+            </a:extLst>
+          </p:cNvPr>
+          <p:cNvSpPr txBox="1"/>
+          <p:nvPr/>
+        </p:nvSpPr>
+        <p:spPr>
+          <a:xfrm rot="17459735">
+            <a:off x="442214" y="1461198"/>
+            <a:ext cx="1594225" cy="369332"/>
+          </a:xfrm>
+          <a:prstGeom prst="rect">
+            <a:avLst/>
+          </a:prstGeom>
+          <a:noFill/>
+        </p:spPr>
+        <p:txBody>
+          <a:bodyPr wrap="square" rtlCol="0">
+            <a:spAutoFit/>
+          </a:bodyPr>
+          <a:lstStyle/>
+          <a:p>
+            <a:r>
+              <a:rPr lang="en-US" dirty="0">
+                <a:solidFill>
+                  <a:schemeClr val="bg1">
+                    <a:lumMod val="75000"/>
+                  </a:schemeClr>
+                </a:solidFill>
+                <a:latin typeface="Palatino" pitchFamily="2" charset="77"/>
+                <a:ea typeface="Palatino" pitchFamily="2" charset="77"/>
+              </a:rPr>
+              <a:t>Ethereum…</a:t>
+            </a:r>
+          </a:p>
+        </p:txBody>
+      </p:sp>
+      <p:sp>
+        <p:nvSpPr>
+          <p:cNvPr id="20" name="TextBox 19">
+            <a:extLst>
+              <a:ext uri="{FF2B5EF4-FFF2-40B4-BE49-F238E27FC236}">
+                <a16:creationId xmlns:a16="http://schemas.microsoft.com/office/drawing/2014/main" id="{87E7D0AE-1727-C94F-8E08-B289D956E97C}"/>
+              </a:ext>
+            </a:extLst>
+          </p:cNvPr>
+          <p:cNvSpPr txBox="1"/>
+          <p:nvPr/>
+        </p:nvSpPr>
+        <p:spPr>
+          <a:xfrm rot="1526677">
+            <a:off x="1952602" y="4046189"/>
+            <a:ext cx="1341120" cy="369332"/>
+          </a:xfrm>
+          <a:prstGeom prst="rect">
+            <a:avLst/>
+          </a:prstGeom>
+          <a:noFill/>
+        </p:spPr>
+        <p:txBody>
+          <a:bodyPr wrap="square" rtlCol="0">
+            <a:spAutoFit/>
+          </a:bodyPr>
+          <a:lstStyle/>
+          <a:p>
+            <a:r>
+              <a:rPr lang="en-US" dirty="0">
+                <a:solidFill>
+                  <a:schemeClr val="bg1">
+                    <a:lumMod val="75000"/>
+                  </a:schemeClr>
+                </a:solidFill>
+                <a:latin typeface="Palatino" pitchFamily="2" charset="77"/>
+                <a:ea typeface="Palatino" pitchFamily="2" charset="77"/>
+              </a:rPr>
+              <a:t>XDR++</a:t>
+            </a:r>
+          </a:p>
+        </p:txBody>
+      </p:sp>
+      <p:sp>
+        <p:nvSpPr>
+          <p:cNvPr id="37" name="TextBox 36">
+            <a:extLst>
+              <a:ext uri="{FF2B5EF4-FFF2-40B4-BE49-F238E27FC236}">
+                <a16:creationId xmlns:a16="http://schemas.microsoft.com/office/drawing/2014/main" id="{B20A5FA5-8A8C-3143-8E34-D0DD18FA29A4}"/>
+              </a:ext>
+            </a:extLst>
+          </p:cNvPr>
+          <p:cNvSpPr txBox="1"/>
+          <p:nvPr/>
+        </p:nvSpPr>
+        <p:spPr>
+          <a:xfrm>
+            <a:off x="3910951" y="6142283"/>
+            <a:ext cx="1341120" cy="646331"/>
+          </a:xfrm>
+          <a:prstGeom prst="rect">
+            <a:avLst/>
+          </a:prstGeom>
+          <a:noFill/>
+        </p:spPr>
+        <p:txBody>
+          <a:bodyPr wrap="square" rtlCol="0">
+            <a:spAutoFit/>
+          </a:bodyPr>
+          <a:lstStyle/>
+          <a:p>
+            <a:pPr algn="ctr"/>
+            <a:r>
+              <a:rPr lang="en-US" dirty="0">
+                <a:solidFill>
+                  <a:schemeClr val="accent6">
+                    <a:lumMod val="50000"/>
+                  </a:schemeClr>
+                </a:solidFill>
+                <a:latin typeface="Palatino" pitchFamily="2" charset="77"/>
+                <a:ea typeface="Palatino" pitchFamily="2" charset="77"/>
+              </a:rPr>
+              <a:t>Security Leadership</a:t>
+            </a:r>
+          </a:p>
+        </p:txBody>
+      </p:sp>
+    </p:spTree>
+    <p:extLst>
+      <p:ext uri="{BB962C8B-B14F-4D97-AF65-F5344CB8AC3E}">
+        <p14:creationId xmlns:p14="http://schemas.microsoft.com/office/powerpoint/2010/main" val="4136814462"/>
+      </p:ext>
+    </p:extLst>
+  </p:cSld>
+  <p:clrMapOvr>
+    <a:masterClrMapping/>
+  </p:clrMapOvr>
+</p:sld>
+</file>
+
+<file path=ppt/slides/slide30.xml><?xml version="1.0" encoding="utf-8"?>
 <p:sld xmlns:a="http://schemas.openxmlformats.org/drawingml/2006/main" xmlns:r="http://schemas.openxmlformats.org/officeDocument/2006/relationships" xmlns:p="http://schemas.openxmlformats.org/presentationml/2006/main">
   <p:cSld>
     <p:spTree>
@@ -27774,7 +33712,7 @@
             <a:fld id="{98087C8C-FB93-F749-A32B-FDEADC74AE65}" type="slidenum">
               <a:rPr lang="en-US" smtClean="0"/>
               <a:pPr/>
-              <a:t>26</a:t>
+              <a:t>30</a:t>
             </a:fld>
             <a:endParaRPr lang="en-US" dirty="0"/>
           </a:p>
@@ -27985,7 +33923,7 @@
 </p:sld>
 </file>
 
-<file path=ppt/slides/slide27.xml><?xml version="1.0" encoding="utf-8"?>
+<file path=ppt/slides/slide31.xml><?xml version="1.0" encoding="utf-8"?>
 <p:sld xmlns:a="http://schemas.openxmlformats.org/drawingml/2006/main" xmlns:r="http://schemas.openxmlformats.org/officeDocument/2006/relationships" xmlns:p="http://schemas.openxmlformats.org/presentationml/2006/main">
   <p:cSld>
     <p:spTree>
@@ -28027,7 +33965,7 @@
           <a:p>
             <a:r>
               <a:rPr lang="en-US" dirty="0"/>
-              <a:t>What are changes</a:t>
+              <a:t>What about changes</a:t>
             </a:r>
           </a:p>
         </p:txBody>
@@ -28056,7 +33994,7 @@
             <a:fld id="{98087C8C-FB93-F749-A32B-FDEADC74AE65}" type="slidenum">
               <a:rPr lang="en-US" smtClean="0"/>
               <a:pPr/>
-              <a:t>27</a:t>
+              <a:t>31</a:t>
             </a:fld>
             <a:endParaRPr lang="en-US" dirty="0"/>
           </a:p>
@@ -28952,7 +34890,7 @@
 </p:sld>
 </file>
 
-<file path=ppt/slides/slide28.xml><?xml version="1.0" encoding="utf-8"?>
+<file path=ppt/slides/slide32.xml><?xml version="1.0" encoding="utf-8"?>
 <p:sld xmlns:a="http://schemas.openxmlformats.org/drawingml/2006/main" xmlns:r="http://schemas.openxmlformats.org/officeDocument/2006/relationships" xmlns:p="http://schemas.openxmlformats.org/presentationml/2006/main">
   <p:cSld>
     <p:spTree>
@@ -29023,7 +34961,7 @@
             <a:fld id="{98087C8C-FB93-F749-A32B-FDEADC74AE65}" type="slidenum">
               <a:rPr lang="en-US" smtClean="0"/>
               <a:pPr/>
-              <a:t>28</a:t>
+              <a:t>32</a:t>
             </a:fld>
             <a:endParaRPr lang="en-US" dirty="0"/>
           </a:p>
@@ -29053,7 +34991,7 @@
         </p:xfrm>
         <a:graphic>
           <a:graphicData uri="http://schemas.openxmlformats.org/drawingml/2006/diagram">
-            <dgm:relIds xmlns:dgm="http://schemas.openxmlformats.org/drawingml/2006/diagram" xmlns:r="http://schemas.openxmlformats.org/officeDocument/2006/relationships" r:dm="rId2" r:lo="rId3" r:qs="rId4" r:cs="rId5"/>
+            <dgm:relIds xmlns:dgm="http://schemas.openxmlformats.org/drawingml/2006/diagram" xmlns:r="http://schemas.openxmlformats.org/officeDocument/2006/relationships" r:dm="rId3" r:lo="rId4" r:qs="rId5" r:cs="rId6"/>
           </a:graphicData>
         </a:graphic>
       </p:graphicFrame>
@@ -29070,7 +35008,7 @@
 </p:sld>
 </file>
 
-<file path=ppt/slides/slide29.xml><?xml version="1.0" encoding="utf-8"?>
+<file path=ppt/slides/slide33.xml><?xml version="1.0" encoding="utf-8"?>
 <p:sld xmlns:a="http://schemas.openxmlformats.org/drawingml/2006/main" xmlns:r="http://schemas.openxmlformats.org/officeDocument/2006/relationships" xmlns:p="http://schemas.openxmlformats.org/presentationml/2006/main">
   <p:cSld>
     <p:bg>
@@ -29161,7 +35099,7 @@
           <a:p>
             <a:fld id="{98087C8C-FB93-F749-A32B-FDEADC74AE65}" type="slidenum">
               <a:rPr lang="en-US" smtClean="0"/>
-              <a:t>29</a:t>
+              <a:t>33</a:t>
             </a:fld>
             <a:endParaRPr lang="en-US"/>
           </a:p>
@@ -29180,905 +35118,7 @@
 </p:sld>
 </file>
 
-<file path=ppt/slides/slide3.xml><?xml version="1.0" encoding="utf-8"?>
-<p:sld xmlns:a="http://schemas.openxmlformats.org/drawingml/2006/main" xmlns:r="http://schemas.openxmlformats.org/officeDocument/2006/relationships" xmlns:p="http://schemas.openxmlformats.org/presentationml/2006/main">
-  <p:cSld>
-    <p:spTree>
-      <p:nvGrpSpPr>
-        <p:cNvPr id="1" name=""/>
-        <p:cNvGrpSpPr/>
-        <p:nvPr/>
-      </p:nvGrpSpPr>
-      <p:grpSpPr>
-        <a:xfrm>
-          <a:off x="0" y="0"/>
-          <a:ext cx="0" cy="0"/>
-          <a:chOff x="0" y="0"/>
-          <a:chExt cx="0" cy="0"/>
-        </a:xfrm>
-      </p:grpSpPr>
-      <p:sp>
-        <p:nvSpPr>
-          <p:cNvPr id="4" name="Slide Number Placeholder 3">
-            <a:extLst>
-              <a:ext uri="{FF2B5EF4-FFF2-40B4-BE49-F238E27FC236}">
-                <a16:creationId xmlns:a16="http://schemas.microsoft.com/office/drawing/2014/main" id="{DD9BB6AA-F027-204A-8182-5503B0402893}"/>
-              </a:ext>
-            </a:extLst>
-          </p:cNvPr>
-          <p:cNvSpPr>
-            <a:spLocks noGrp="1"/>
-          </p:cNvSpPr>
-          <p:nvPr>
-            <p:ph type="sldNum" sz="quarter" idx="11"/>
-          </p:nvPr>
-        </p:nvSpPr>
-        <p:spPr/>
-        <p:txBody>
-          <a:bodyPr/>
-          <a:lstStyle/>
-          <a:p>
-            <a:fld id="{98087C8C-FB93-F749-A32B-FDEADC74AE65}" type="slidenum">
-              <a:rPr lang="en-US" smtClean="0"/>
-              <a:pPr/>
-              <a:t>3</a:t>
-            </a:fld>
-            <a:endParaRPr lang="en-US" dirty="0"/>
-          </a:p>
-        </p:txBody>
-      </p:sp>
-      <p:sp>
-        <p:nvSpPr>
-          <p:cNvPr id="5" name="Title 1">
-            <a:extLst>
-              <a:ext uri="{FF2B5EF4-FFF2-40B4-BE49-F238E27FC236}">
-                <a16:creationId xmlns:a16="http://schemas.microsoft.com/office/drawing/2014/main" id="{5041E9BF-B02E-CB48-9C16-8CE1BA12CE05}"/>
-              </a:ext>
-            </a:extLst>
-          </p:cNvPr>
-          <p:cNvSpPr txBox="1">
-            <a:spLocks/>
-          </p:cNvSpPr>
-          <p:nvPr/>
-        </p:nvSpPr>
-        <p:spPr>
-          <a:xfrm>
-            <a:off x="340166" y="0"/>
-            <a:ext cx="7069216" cy="794750"/>
-          </a:xfrm>
-          <a:prstGeom prst="rect">
-            <a:avLst/>
-          </a:prstGeom>
-        </p:spPr>
-        <p:txBody>
-          <a:bodyPr vert="horz" lIns="91440" tIns="45720" rIns="91440" bIns="45720" rtlCol="0" anchor="ctr">
-            <a:normAutofit fontScale="97500"/>
-          </a:bodyPr>
-          <a:lstStyle>
-            <a:lvl1pPr algn="l" defTabSz="914400" rtl="0" eaLnBrk="1" latinLnBrk="0" hangingPunct="1">
-              <a:lnSpc>
-                <a:spcPct val="90000"/>
-              </a:lnSpc>
-              <a:spcBef>
-                <a:spcPct val="0"/>
-              </a:spcBef>
-              <a:buNone/>
-              <a:defRPr sz="3200" b="1" kern="1200">
-                <a:solidFill>
-                  <a:schemeClr val="tx2">
-                    <a:lumMod val="75000"/>
-                  </a:schemeClr>
-                </a:solidFill>
-                <a:latin typeface="Corbel" panose="020B0503020204020204" pitchFamily="34" charset="0"/>
-                <a:ea typeface="+mj-ea"/>
-                <a:cs typeface="+mj-cs"/>
-              </a:defRPr>
-            </a:lvl1pPr>
-          </a:lstStyle>
-          <a:p>
-            <a:r>
-              <a:rPr lang="en-US" dirty="0"/>
-              <a:t>A typical day in security</a:t>
-            </a:r>
-          </a:p>
-        </p:txBody>
-      </p:sp>
-      <p:sp>
-        <p:nvSpPr>
-          <p:cNvPr id="7" name="Slide Number Placeholder 3">
-            <a:extLst>
-              <a:ext uri="{FF2B5EF4-FFF2-40B4-BE49-F238E27FC236}">
-                <a16:creationId xmlns:a16="http://schemas.microsoft.com/office/drawing/2014/main" id="{60723577-9919-3142-AC0B-2B4907A93344}"/>
-              </a:ext>
-            </a:extLst>
-          </p:cNvPr>
-          <p:cNvSpPr txBox="1">
-            <a:spLocks/>
-          </p:cNvSpPr>
-          <p:nvPr/>
-        </p:nvSpPr>
-        <p:spPr>
-          <a:xfrm>
-            <a:off x="11588680" y="6490119"/>
-            <a:ext cx="452437" cy="368299"/>
-          </a:xfrm>
-          <a:prstGeom prst="rect">
-            <a:avLst/>
-          </a:prstGeom>
-        </p:spPr>
-        <p:txBody>
-          <a:bodyPr vert="horz" lIns="91440" tIns="45720" rIns="91440" bIns="45720" rtlCol="0" anchor="ctr"/>
-          <a:lstStyle>
-            <a:defPPr>
-              <a:defRPr lang="en-US"/>
-            </a:defPPr>
-            <a:lvl1pPr marL="0" algn="l" defTabSz="457200" rtl="0" eaLnBrk="1" latinLnBrk="0" hangingPunct="1">
-              <a:defRPr sz="1200" kern="1200">
-                <a:solidFill>
-                  <a:schemeClr val="tx2">
-                    <a:lumMod val="75000"/>
-                  </a:schemeClr>
-                </a:solidFill>
-                <a:latin typeface="Palatino" pitchFamily="2" charset="77"/>
-                <a:ea typeface="Palatino" pitchFamily="2" charset="77"/>
-                <a:cs typeface="+mn-cs"/>
-              </a:defRPr>
-            </a:lvl1pPr>
-            <a:lvl2pPr marL="457200" algn="l" defTabSz="457200" rtl="0" eaLnBrk="1" latinLnBrk="0" hangingPunct="1">
-              <a:defRPr sz="1800" kern="1200">
-                <a:solidFill>
-                  <a:schemeClr val="tx1"/>
-                </a:solidFill>
-                <a:latin typeface="+mn-lt"/>
-                <a:ea typeface="+mn-ea"/>
-                <a:cs typeface="+mn-cs"/>
-              </a:defRPr>
-            </a:lvl2pPr>
-            <a:lvl3pPr marL="914400" algn="l" defTabSz="457200" rtl="0" eaLnBrk="1" latinLnBrk="0" hangingPunct="1">
-              <a:defRPr sz="1800" kern="1200">
-                <a:solidFill>
-                  <a:schemeClr val="tx1"/>
-                </a:solidFill>
-                <a:latin typeface="+mn-lt"/>
-                <a:ea typeface="+mn-ea"/>
-                <a:cs typeface="+mn-cs"/>
-              </a:defRPr>
-            </a:lvl3pPr>
-            <a:lvl4pPr marL="1371600" algn="l" defTabSz="457200" rtl="0" eaLnBrk="1" latinLnBrk="0" hangingPunct="1">
-              <a:defRPr sz="1800" kern="1200">
-                <a:solidFill>
-                  <a:schemeClr val="tx1"/>
-                </a:solidFill>
-                <a:latin typeface="+mn-lt"/>
-                <a:ea typeface="+mn-ea"/>
-                <a:cs typeface="+mn-cs"/>
-              </a:defRPr>
-            </a:lvl4pPr>
-            <a:lvl5pPr marL="1828800" algn="l" defTabSz="457200" rtl="0" eaLnBrk="1" latinLnBrk="0" hangingPunct="1">
-              <a:defRPr sz="1800" kern="1200">
-                <a:solidFill>
-                  <a:schemeClr val="tx1"/>
-                </a:solidFill>
-                <a:latin typeface="+mn-lt"/>
-                <a:ea typeface="+mn-ea"/>
-                <a:cs typeface="+mn-cs"/>
-              </a:defRPr>
-            </a:lvl5pPr>
-            <a:lvl6pPr marL="2286000" algn="l" defTabSz="457200" rtl="0" eaLnBrk="1" latinLnBrk="0" hangingPunct="1">
-              <a:defRPr sz="1800" kern="1200">
-                <a:solidFill>
-                  <a:schemeClr val="tx1"/>
-                </a:solidFill>
-                <a:latin typeface="+mn-lt"/>
-                <a:ea typeface="+mn-ea"/>
-                <a:cs typeface="+mn-cs"/>
-              </a:defRPr>
-            </a:lvl6pPr>
-            <a:lvl7pPr marL="2743200" algn="l" defTabSz="457200" rtl="0" eaLnBrk="1" latinLnBrk="0" hangingPunct="1">
-              <a:defRPr sz="1800" kern="1200">
-                <a:solidFill>
-                  <a:schemeClr val="tx1"/>
-                </a:solidFill>
-                <a:latin typeface="+mn-lt"/>
-                <a:ea typeface="+mn-ea"/>
-                <a:cs typeface="+mn-cs"/>
-              </a:defRPr>
-            </a:lvl7pPr>
-            <a:lvl8pPr marL="3200400" algn="l" defTabSz="457200" rtl="0" eaLnBrk="1" latinLnBrk="0" hangingPunct="1">
-              <a:defRPr sz="1800" kern="1200">
-                <a:solidFill>
-                  <a:schemeClr val="tx1"/>
-                </a:solidFill>
-                <a:latin typeface="+mn-lt"/>
-                <a:ea typeface="+mn-ea"/>
-                <a:cs typeface="+mn-cs"/>
-              </a:defRPr>
-            </a:lvl8pPr>
-            <a:lvl9pPr marL="3657600" algn="l" defTabSz="457200" rtl="0" eaLnBrk="1" latinLnBrk="0" hangingPunct="1">
-              <a:defRPr sz="1800" kern="1200">
-                <a:solidFill>
-                  <a:schemeClr val="tx1"/>
-                </a:solidFill>
-                <a:latin typeface="+mn-lt"/>
-                <a:ea typeface="+mn-ea"/>
-                <a:cs typeface="+mn-cs"/>
-              </a:defRPr>
-            </a:lvl9pPr>
-          </a:lstStyle>
-          <a:p>
-            <a:fld id="{98087C8C-FB93-F749-A32B-FDEADC74AE65}" type="slidenum">
-              <a:rPr lang="en-US" smtClean="0"/>
-              <a:pPr/>
-              <a:t>3</a:t>
-            </a:fld>
-            <a:endParaRPr lang="en-US" dirty="0"/>
-          </a:p>
-        </p:txBody>
-      </p:sp>
-      <p:pic>
-        <p:nvPicPr>
-          <p:cNvPr id="8" name="Graphic 7" descr="Person eating with solid fill">
-            <a:extLst>
-              <a:ext uri="{FF2B5EF4-FFF2-40B4-BE49-F238E27FC236}">
-                <a16:creationId xmlns:a16="http://schemas.microsoft.com/office/drawing/2014/main" id="{30D8F29E-0D0E-474E-889B-5344E9970D30}"/>
-              </a:ext>
-            </a:extLst>
-          </p:cNvPr>
-          <p:cNvPicPr>
-            <a:picLocks noChangeAspect="1"/>
-          </p:cNvPicPr>
-          <p:nvPr/>
-        </p:nvPicPr>
-        <p:blipFill>
-          <a:blip r:embed="rId3">
-            <a:extLst>
-              <a:ext uri="{96DAC541-7B7A-43D3-8B79-37D633B846F1}">
-                <asvg:svgBlip xmlns:asvg="http://schemas.microsoft.com/office/drawing/2016/SVG/main" r:embed="rId4"/>
-              </a:ext>
-            </a:extLst>
-          </a:blip>
-          <a:stretch>
-            <a:fillRect/>
-          </a:stretch>
-        </p:blipFill>
-        <p:spPr>
-          <a:xfrm>
-            <a:off x="-1" y="2944889"/>
-            <a:ext cx="1630680" cy="1630680"/>
-          </a:xfrm>
-          <a:prstGeom prst="rect">
-            <a:avLst/>
-          </a:prstGeom>
-        </p:spPr>
-      </p:pic>
-      <p:pic>
-        <p:nvPicPr>
-          <p:cNvPr id="9" name="Graphic 8" descr="Thought bubble outline">
-            <a:extLst>
-              <a:ext uri="{FF2B5EF4-FFF2-40B4-BE49-F238E27FC236}">
-                <a16:creationId xmlns:a16="http://schemas.microsoft.com/office/drawing/2014/main" id="{8077E064-E485-3E49-B4DD-E923A1050378}"/>
-              </a:ext>
-            </a:extLst>
-          </p:cNvPr>
-          <p:cNvPicPr>
-            <a:picLocks noChangeAspect="1"/>
-          </p:cNvPicPr>
-          <p:nvPr/>
-        </p:nvPicPr>
-        <p:blipFill>
-          <a:blip r:embed="rId5">
-            <a:extLst>
-              <a:ext uri="{96DAC541-7B7A-43D3-8B79-37D633B846F1}">
-                <asvg:svgBlip xmlns:asvg="http://schemas.microsoft.com/office/drawing/2016/SVG/main" r:embed="rId6"/>
-              </a:ext>
-            </a:extLst>
-          </a:blip>
-          <a:stretch>
-            <a:fillRect/>
-          </a:stretch>
-        </p:blipFill>
-        <p:spPr>
-          <a:xfrm>
-            <a:off x="3682483" y="-1146332"/>
-            <a:ext cx="10403001" cy="7218195"/>
-          </a:xfrm>
-          <a:prstGeom prst="rect">
-            <a:avLst/>
-          </a:prstGeom>
-        </p:spPr>
-      </p:pic>
-      <p:pic>
-        <p:nvPicPr>
-          <p:cNvPr id="10" name="Graphic 9" descr="Users with solid fill">
-            <a:extLst>
-              <a:ext uri="{FF2B5EF4-FFF2-40B4-BE49-F238E27FC236}">
-                <a16:creationId xmlns:a16="http://schemas.microsoft.com/office/drawing/2014/main" id="{5D59A206-4A6B-844F-8485-5F1107941A89}"/>
-              </a:ext>
-            </a:extLst>
-          </p:cNvPr>
-          <p:cNvPicPr>
-            <a:picLocks noChangeAspect="1"/>
-          </p:cNvPicPr>
-          <p:nvPr/>
-        </p:nvPicPr>
-        <p:blipFill>
-          <a:blip r:embed="rId7">
-            <a:extLst>
-              <a:ext uri="{96DAC541-7B7A-43D3-8B79-37D633B846F1}">
-                <asvg:svgBlip xmlns:asvg="http://schemas.microsoft.com/office/drawing/2016/SVG/main" r:embed="rId8"/>
-              </a:ext>
-            </a:extLst>
-          </a:blip>
-          <a:stretch>
-            <a:fillRect/>
-          </a:stretch>
-        </p:blipFill>
-        <p:spPr>
-          <a:xfrm>
-            <a:off x="3860124" y="5020979"/>
-            <a:ext cx="1478280" cy="1478280"/>
-          </a:xfrm>
-          <a:prstGeom prst="rect">
-            <a:avLst/>
-          </a:prstGeom>
-        </p:spPr>
-      </p:pic>
-      <p:sp>
-        <p:nvSpPr>
-          <p:cNvPr id="11" name="TextBox 10">
-            <a:extLst>
-              <a:ext uri="{FF2B5EF4-FFF2-40B4-BE49-F238E27FC236}">
-                <a16:creationId xmlns:a16="http://schemas.microsoft.com/office/drawing/2014/main" id="{1888FDD6-C6DF-AE4F-B1FC-D3F17430B3A1}"/>
-              </a:ext>
-            </a:extLst>
-          </p:cNvPr>
-          <p:cNvSpPr txBox="1"/>
-          <p:nvPr/>
-        </p:nvSpPr>
-        <p:spPr>
-          <a:xfrm>
-            <a:off x="5477256" y="1142213"/>
-            <a:ext cx="6480146" cy="1631216"/>
-          </a:xfrm>
-          <a:prstGeom prst="rect">
-            <a:avLst/>
-          </a:prstGeom>
-          <a:noFill/>
-        </p:spPr>
-        <p:txBody>
-          <a:bodyPr wrap="square" rtlCol="0">
-            <a:spAutoFit/>
-          </a:bodyPr>
-          <a:lstStyle/>
-          <a:p>
-            <a:pPr algn="ctr"/>
-            <a:r>
-              <a:rPr lang="en-US" sz="2000" dirty="0">
-                <a:solidFill>
-                  <a:schemeClr val="accent6">
-                    <a:lumMod val="50000"/>
-                  </a:schemeClr>
-                </a:solidFill>
-                <a:latin typeface="Palatino" pitchFamily="2" charset="77"/>
-                <a:ea typeface="Palatino" pitchFamily="2" charset="77"/>
-              </a:rPr>
-              <a:t>We had lunch with a thought-leading vendor, and they said we could replace everything with an AI-centric quantum blockchain-verified precognitive edge service. </a:t>
-            </a:r>
-            <a:br>
-              <a:rPr lang="en-US" sz="2000" dirty="0">
-                <a:solidFill>
-                  <a:schemeClr val="accent6">
-                    <a:lumMod val="50000"/>
-                  </a:schemeClr>
-                </a:solidFill>
-                <a:latin typeface="Palatino" pitchFamily="2" charset="77"/>
-                <a:ea typeface="Palatino" pitchFamily="2" charset="77"/>
-              </a:rPr>
-            </a:br>
-            <a:br>
-              <a:rPr lang="en-US" sz="2000" dirty="0">
-                <a:solidFill>
-                  <a:schemeClr val="accent6">
-                    <a:lumMod val="50000"/>
-                  </a:schemeClr>
-                </a:solidFill>
-                <a:latin typeface="Palatino" pitchFamily="2" charset="77"/>
-                <a:ea typeface="Palatino" pitchFamily="2" charset="77"/>
-              </a:rPr>
-            </a:br>
-            <a:r>
-              <a:rPr lang="en-US" sz="2000" dirty="0">
-                <a:solidFill>
-                  <a:schemeClr val="accent6">
-                    <a:lumMod val="50000"/>
-                  </a:schemeClr>
-                </a:solidFill>
-                <a:latin typeface="Palatino" pitchFamily="2" charset="77"/>
-                <a:ea typeface="Palatino" pitchFamily="2" charset="77"/>
-              </a:rPr>
-              <a:t>For </a:t>
-            </a:r>
-            <a:r>
-              <a:rPr lang="en-US" sz="2000" b="1" i="1" dirty="0">
-                <a:solidFill>
-                  <a:schemeClr val="accent6">
-                    <a:lumMod val="50000"/>
-                  </a:schemeClr>
-                </a:solidFill>
-                <a:latin typeface="Palatino" pitchFamily="2" charset="77"/>
-                <a:ea typeface="Palatino" pitchFamily="2" charset="77"/>
-              </a:rPr>
-              <a:t>less money </a:t>
-            </a:r>
-            <a:r>
-              <a:rPr lang="en-US" sz="2000" dirty="0">
-                <a:solidFill>
-                  <a:schemeClr val="accent6">
-                    <a:lumMod val="50000"/>
-                  </a:schemeClr>
-                </a:solidFill>
-                <a:latin typeface="Palatino" pitchFamily="2" charset="77"/>
-                <a:ea typeface="Palatino" pitchFamily="2" charset="77"/>
-              </a:rPr>
-              <a:t>than you are spending now! </a:t>
-            </a:r>
-          </a:p>
-        </p:txBody>
-      </p:sp>
-      <p:sp>
-        <p:nvSpPr>
-          <p:cNvPr id="12" name="TextBox 11">
-            <a:extLst>
-              <a:ext uri="{FF2B5EF4-FFF2-40B4-BE49-F238E27FC236}">
-                <a16:creationId xmlns:a16="http://schemas.microsoft.com/office/drawing/2014/main" id="{C1D6418B-AA12-EB43-84B6-375761DC722E}"/>
-              </a:ext>
-            </a:extLst>
-          </p:cNvPr>
-          <p:cNvSpPr txBox="1"/>
-          <p:nvPr/>
-        </p:nvSpPr>
-        <p:spPr>
-          <a:xfrm rot="18718998">
-            <a:off x="1067790" y="1746043"/>
-            <a:ext cx="1341120" cy="369332"/>
-          </a:xfrm>
-          <a:prstGeom prst="rect">
-            <a:avLst/>
-          </a:prstGeom>
-          <a:noFill/>
-        </p:spPr>
-        <p:txBody>
-          <a:bodyPr wrap="square" rtlCol="0">
-            <a:spAutoFit/>
-          </a:bodyPr>
-          <a:lstStyle/>
-          <a:p>
-            <a:r>
-              <a:rPr lang="en-US" dirty="0">
-                <a:solidFill>
-                  <a:schemeClr val="bg1">
-                    <a:lumMod val="75000"/>
-                  </a:schemeClr>
-                </a:solidFill>
-                <a:latin typeface="Palatino" pitchFamily="2" charset="77"/>
-                <a:ea typeface="Palatino" pitchFamily="2" charset="77"/>
-              </a:rPr>
-              <a:t>S.A.S.E…</a:t>
-            </a:r>
-          </a:p>
-        </p:txBody>
-      </p:sp>
-      <p:sp>
-        <p:nvSpPr>
-          <p:cNvPr id="13" name="TextBox 12">
-            <a:extLst>
-              <a:ext uri="{FF2B5EF4-FFF2-40B4-BE49-F238E27FC236}">
-                <a16:creationId xmlns:a16="http://schemas.microsoft.com/office/drawing/2014/main" id="{A3D96BB6-4DD0-6B4D-824A-F275D3824D42}"/>
-              </a:ext>
-            </a:extLst>
-          </p:cNvPr>
-          <p:cNvSpPr txBox="1"/>
-          <p:nvPr/>
-        </p:nvSpPr>
-        <p:spPr>
-          <a:xfrm rot="19850309">
-            <a:off x="1647386" y="2318105"/>
-            <a:ext cx="1341120" cy="369332"/>
-          </a:xfrm>
-          <a:prstGeom prst="rect">
-            <a:avLst/>
-          </a:prstGeom>
-          <a:noFill/>
-        </p:spPr>
-        <p:txBody>
-          <a:bodyPr wrap="square" rtlCol="0">
-            <a:spAutoFit/>
-          </a:bodyPr>
-          <a:lstStyle/>
-          <a:p>
-            <a:r>
-              <a:rPr lang="en-US" dirty="0">
-                <a:solidFill>
-                  <a:schemeClr val="bg1">
-                    <a:lumMod val="75000"/>
-                  </a:schemeClr>
-                </a:solidFill>
-                <a:latin typeface="Palatino" pitchFamily="2" charset="77"/>
-                <a:ea typeface="Palatino" pitchFamily="2" charset="77"/>
-              </a:rPr>
-              <a:t>ZT</a:t>
-            </a:r>
-          </a:p>
-        </p:txBody>
-      </p:sp>
-      <p:sp>
-        <p:nvSpPr>
-          <p:cNvPr id="14" name="TextBox 13">
-            <a:extLst>
-              <a:ext uri="{FF2B5EF4-FFF2-40B4-BE49-F238E27FC236}">
-                <a16:creationId xmlns:a16="http://schemas.microsoft.com/office/drawing/2014/main" id="{6DF130AB-8328-E84C-8742-503AEE7EC90B}"/>
-              </a:ext>
-            </a:extLst>
-          </p:cNvPr>
-          <p:cNvSpPr txBox="1"/>
-          <p:nvPr/>
-        </p:nvSpPr>
-        <p:spPr>
-          <a:xfrm rot="17639874">
-            <a:off x="111029" y="2219189"/>
-            <a:ext cx="1341120" cy="369332"/>
-          </a:xfrm>
-          <a:prstGeom prst="rect">
-            <a:avLst/>
-          </a:prstGeom>
-          <a:noFill/>
-        </p:spPr>
-        <p:txBody>
-          <a:bodyPr wrap="square" rtlCol="0">
-            <a:spAutoFit/>
-          </a:bodyPr>
-          <a:lstStyle/>
-          <a:p>
-            <a:r>
-              <a:rPr lang="en-US" dirty="0">
-                <a:solidFill>
-                  <a:schemeClr val="bg1">
-                    <a:lumMod val="75000"/>
-                  </a:schemeClr>
-                </a:solidFill>
-                <a:latin typeface="Palatino" pitchFamily="2" charset="77"/>
-                <a:ea typeface="Palatino" pitchFamily="2" charset="77"/>
-              </a:rPr>
-              <a:t>SOAR</a:t>
-            </a:r>
-          </a:p>
-        </p:txBody>
-      </p:sp>
-      <p:sp>
-        <p:nvSpPr>
-          <p:cNvPr id="15" name="TextBox 14">
-            <a:extLst>
-              <a:ext uri="{FF2B5EF4-FFF2-40B4-BE49-F238E27FC236}">
-                <a16:creationId xmlns:a16="http://schemas.microsoft.com/office/drawing/2014/main" id="{CCFBD330-BC5F-FD40-BE6F-0CC102D51325}"/>
-              </a:ext>
-            </a:extLst>
-          </p:cNvPr>
-          <p:cNvSpPr txBox="1"/>
-          <p:nvPr/>
-        </p:nvSpPr>
-        <p:spPr>
-          <a:xfrm rot="19388794">
-            <a:off x="896451" y="2391475"/>
-            <a:ext cx="1341120" cy="369332"/>
-          </a:xfrm>
-          <a:prstGeom prst="rect">
-            <a:avLst/>
-          </a:prstGeom>
-          <a:noFill/>
-        </p:spPr>
-        <p:txBody>
-          <a:bodyPr wrap="square" rtlCol="0">
-            <a:spAutoFit/>
-          </a:bodyPr>
-          <a:lstStyle/>
-          <a:p>
-            <a:r>
-              <a:rPr lang="en-US" dirty="0" err="1">
-                <a:solidFill>
-                  <a:schemeClr val="bg1">
-                    <a:lumMod val="75000"/>
-                  </a:schemeClr>
-                </a:solidFill>
-                <a:latin typeface="Palatino" pitchFamily="2" charset="77"/>
-                <a:ea typeface="Palatino" pitchFamily="2" charset="77"/>
-              </a:rPr>
-              <a:t>iSOC</a:t>
-            </a:r>
-            <a:endParaRPr lang="en-US" dirty="0">
-              <a:solidFill>
-                <a:schemeClr val="bg1">
-                  <a:lumMod val="75000"/>
-                </a:schemeClr>
-              </a:solidFill>
-              <a:latin typeface="Palatino" pitchFamily="2" charset="77"/>
-              <a:ea typeface="Palatino" pitchFamily="2" charset="77"/>
-            </a:endParaRPr>
-          </a:p>
-        </p:txBody>
-      </p:sp>
-      <p:sp>
-        <p:nvSpPr>
-          <p:cNvPr id="16" name="TextBox 15">
-            <a:extLst>
-              <a:ext uri="{FF2B5EF4-FFF2-40B4-BE49-F238E27FC236}">
-                <a16:creationId xmlns:a16="http://schemas.microsoft.com/office/drawing/2014/main" id="{79B83674-6D36-4841-AA03-8D6A5FF5F24E}"/>
-              </a:ext>
-            </a:extLst>
-          </p:cNvPr>
-          <p:cNvSpPr txBox="1"/>
-          <p:nvPr/>
-        </p:nvSpPr>
-        <p:spPr>
-          <a:xfrm>
-            <a:off x="695652" y="3018935"/>
-            <a:ext cx="2954020" cy="369332"/>
-          </a:xfrm>
-          <a:prstGeom prst="rect">
-            <a:avLst/>
-          </a:prstGeom>
-          <a:noFill/>
-        </p:spPr>
-        <p:txBody>
-          <a:bodyPr wrap="square" rtlCol="0">
-            <a:spAutoFit/>
-          </a:bodyPr>
-          <a:lstStyle/>
-          <a:p>
-            <a:r>
-              <a:rPr lang="en-US" dirty="0">
-                <a:solidFill>
-                  <a:schemeClr val="bg1">
-                    <a:lumMod val="75000"/>
-                  </a:schemeClr>
-                </a:solidFill>
-                <a:latin typeface="Palatino" pitchFamily="2" charset="77"/>
-                <a:ea typeface="Palatino" pitchFamily="2" charset="77"/>
-              </a:rPr>
-              <a:t>Ransomware Prevention</a:t>
-            </a:r>
-          </a:p>
-        </p:txBody>
-      </p:sp>
-      <p:sp>
-        <p:nvSpPr>
-          <p:cNvPr id="17" name="TextBox 16">
-            <a:extLst>
-              <a:ext uri="{FF2B5EF4-FFF2-40B4-BE49-F238E27FC236}">
-                <a16:creationId xmlns:a16="http://schemas.microsoft.com/office/drawing/2014/main" id="{C369B6D6-EE38-3047-AA1F-E170C0D9303E}"/>
-              </a:ext>
-            </a:extLst>
-          </p:cNvPr>
-          <p:cNvSpPr txBox="1"/>
-          <p:nvPr/>
-        </p:nvSpPr>
-        <p:spPr>
-          <a:xfrm rot="1262389">
-            <a:off x="1353046" y="3528950"/>
-            <a:ext cx="1341120" cy="369332"/>
-          </a:xfrm>
-          <a:prstGeom prst="rect">
-            <a:avLst/>
-          </a:prstGeom>
-          <a:noFill/>
-        </p:spPr>
-        <p:txBody>
-          <a:bodyPr wrap="square" rtlCol="0">
-            <a:spAutoFit/>
-          </a:bodyPr>
-          <a:lstStyle/>
-          <a:p>
-            <a:r>
-              <a:rPr lang="en-US" dirty="0">
-                <a:solidFill>
-                  <a:schemeClr val="bg1">
-                    <a:lumMod val="75000"/>
-                  </a:schemeClr>
-                </a:solidFill>
-                <a:latin typeface="Palatino" pitchFamily="2" charset="77"/>
-                <a:ea typeface="Palatino" pitchFamily="2" charset="77"/>
-              </a:rPr>
-              <a:t>UEBA…</a:t>
-            </a:r>
-          </a:p>
-        </p:txBody>
-      </p:sp>
-      <p:sp>
-        <p:nvSpPr>
-          <p:cNvPr id="18" name="TextBox 17">
-            <a:extLst>
-              <a:ext uri="{FF2B5EF4-FFF2-40B4-BE49-F238E27FC236}">
-                <a16:creationId xmlns:a16="http://schemas.microsoft.com/office/drawing/2014/main" id="{F3901C95-EC4C-664A-A9C3-825DA418EDD6}"/>
-              </a:ext>
-            </a:extLst>
-          </p:cNvPr>
-          <p:cNvSpPr txBox="1"/>
-          <p:nvPr/>
-        </p:nvSpPr>
-        <p:spPr>
-          <a:xfrm rot="2131674">
-            <a:off x="1284915" y="4282411"/>
-            <a:ext cx="1341120" cy="369332"/>
-          </a:xfrm>
-          <a:prstGeom prst="rect">
-            <a:avLst/>
-          </a:prstGeom>
-          <a:noFill/>
-        </p:spPr>
-        <p:txBody>
-          <a:bodyPr wrap="square" rtlCol="0">
-            <a:spAutoFit/>
-          </a:bodyPr>
-          <a:lstStyle/>
-          <a:p>
-            <a:r>
-              <a:rPr lang="en-US" dirty="0">
-                <a:solidFill>
-                  <a:schemeClr val="bg1">
-                    <a:lumMod val="75000"/>
-                  </a:schemeClr>
-                </a:solidFill>
-                <a:latin typeface="Palatino" pitchFamily="2" charset="77"/>
-                <a:ea typeface="Palatino" pitchFamily="2" charset="77"/>
-              </a:rPr>
-              <a:t>NFT…</a:t>
-            </a:r>
-          </a:p>
-        </p:txBody>
-      </p:sp>
-      <p:sp>
-        <p:nvSpPr>
-          <p:cNvPr id="19" name="TextBox 18">
-            <a:extLst>
-              <a:ext uri="{FF2B5EF4-FFF2-40B4-BE49-F238E27FC236}">
-                <a16:creationId xmlns:a16="http://schemas.microsoft.com/office/drawing/2014/main" id="{7FF6740F-D2EB-A545-8C47-BA42F8B1A45E}"/>
-              </a:ext>
-            </a:extLst>
-          </p:cNvPr>
-          <p:cNvSpPr txBox="1"/>
-          <p:nvPr/>
-        </p:nvSpPr>
-        <p:spPr>
-          <a:xfrm rot="17459735">
-            <a:off x="442214" y="1461198"/>
-            <a:ext cx="1594225" cy="369332"/>
-          </a:xfrm>
-          <a:prstGeom prst="rect">
-            <a:avLst/>
-          </a:prstGeom>
-          <a:noFill/>
-        </p:spPr>
-        <p:txBody>
-          <a:bodyPr wrap="square" rtlCol="0">
-            <a:spAutoFit/>
-          </a:bodyPr>
-          <a:lstStyle/>
-          <a:p>
-            <a:r>
-              <a:rPr lang="en-US" dirty="0">
-                <a:solidFill>
-                  <a:schemeClr val="bg1">
-                    <a:lumMod val="75000"/>
-                  </a:schemeClr>
-                </a:solidFill>
-                <a:latin typeface="Palatino" pitchFamily="2" charset="77"/>
-                <a:ea typeface="Palatino" pitchFamily="2" charset="77"/>
-              </a:rPr>
-              <a:t>Ethereum…</a:t>
-            </a:r>
-          </a:p>
-        </p:txBody>
-      </p:sp>
-      <p:sp>
-        <p:nvSpPr>
-          <p:cNvPr id="20" name="TextBox 19">
-            <a:extLst>
-              <a:ext uri="{FF2B5EF4-FFF2-40B4-BE49-F238E27FC236}">
-                <a16:creationId xmlns:a16="http://schemas.microsoft.com/office/drawing/2014/main" id="{87E7D0AE-1727-C94F-8E08-B289D956E97C}"/>
-              </a:ext>
-            </a:extLst>
-          </p:cNvPr>
-          <p:cNvSpPr txBox="1"/>
-          <p:nvPr/>
-        </p:nvSpPr>
-        <p:spPr>
-          <a:xfrm rot="1526677">
-            <a:off x="1952602" y="4046189"/>
-            <a:ext cx="1341120" cy="369332"/>
-          </a:xfrm>
-          <a:prstGeom prst="rect">
-            <a:avLst/>
-          </a:prstGeom>
-          <a:noFill/>
-        </p:spPr>
-        <p:txBody>
-          <a:bodyPr wrap="square" rtlCol="0">
-            <a:spAutoFit/>
-          </a:bodyPr>
-          <a:lstStyle/>
-          <a:p>
-            <a:r>
-              <a:rPr lang="en-US" dirty="0">
-                <a:solidFill>
-                  <a:schemeClr val="bg1">
-                    <a:lumMod val="75000"/>
-                  </a:schemeClr>
-                </a:solidFill>
-                <a:latin typeface="Palatino" pitchFamily="2" charset="77"/>
-                <a:ea typeface="Palatino" pitchFamily="2" charset="77"/>
-              </a:rPr>
-              <a:t>XDR++</a:t>
-            </a:r>
-          </a:p>
-        </p:txBody>
-      </p:sp>
-      <p:sp>
-        <p:nvSpPr>
-          <p:cNvPr id="37" name="TextBox 36">
-            <a:extLst>
-              <a:ext uri="{FF2B5EF4-FFF2-40B4-BE49-F238E27FC236}">
-                <a16:creationId xmlns:a16="http://schemas.microsoft.com/office/drawing/2014/main" id="{B20A5FA5-8A8C-3143-8E34-D0DD18FA29A4}"/>
-              </a:ext>
-            </a:extLst>
-          </p:cNvPr>
-          <p:cNvSpPr txBox="1"/>
-          <p:nvPr/>
-        </p:nvSpPr>
-        <p:spPr>
-          <a:xfrm>
-            <a:off x="3910951" y="6142283"/>
-            <a:ext cx="1341120" cy="646331"/>
-          </a:xfrm>
-          <a:prstGeom prst="rect">
-            <a:avLst/>
-          </a:prstGeom>
-          <a:noFill/>
-        </p:spPr>
-        <p:txBody>
-          <a:bodyPr wrap="square" rtlCol="0">
-            <a:spAutoFit/>
-          </a:bodyPr>
-          <a:lstStyle/>
-          <a:p>
-            <a:pPr algn="ctr"/>
-            <a:r>
-              <a:rPr lang="en-US" dirty="0">
-                <a:solidFill>
-                  <a:schemeClr val="accent6">
-                    <a:lumMod val="50000"/>
-                  </a:schemeClr>
-                </a:solidFill>
-                <a:latin typeface="Palatino" pitchFamily="2" charset="77"/>
-                <a:ea typeface="Palatino" pitchFamily="2" charset="77"/>
-              </a:rPr>
-              <a:t>Security Leadership</a:t>
-            </a:r>
-          </a:p>
-        </p:txBody>
-      </p:sp>
-    </p:spTree>
-    <p:extLst>
-      <p:ext uri="{BB962C8B-B14F-4D97-AF65-F5344CB8AC3E}">
-        <p14:creationId xmlns:p14="http://schemas.microsoft.com/office/powerpoint/2010/main" val="4136814462"/>
-      </p:ext>
-    </p:extLst>
-  </p:cSld>
-  <p:clrMapOvr>
-    <a:masterClrMapping/>
-  </p:clrMapOvr>
-</p:sld>
-</file>
-
-<file path=ppt/slides/slide30.xml><?xml version="1.0" encoding="utf-8"?>
+<file path=ppt/slides/slide34.xml><?xml version="1.0" encoding="utf-8"?>
 <p:sld xmlns:a="http://schemas.openxmlformats.org/drawingml/2006/main" xmlns:r="http://schemas.openxmlformats.org/officeDocument/2006/relationships" xmlns:p="http://schemas.openxmlformats.org/presentationml/2006/main">
   <p:cSld>
     <p:spTree>
@@ -30119,7 +35159,7 @@
             <a:fld id="{98087C8C-FB93-F749-A32B-FDEADC74AE65}" type="slidenum">
               <a:rPr lang="en-US" smtClean="0"/>
               <a:pPr/>
-              <a:t>30</a:t>
+              <a:t>34</a:t>
             </a:fld>
             <a:endParaRPr lang="en-US" dirty="0"/>
           </a:p>
@@ -30140,7 +35180,7 @@
           <p:nvPr/>
         </p:nvPicPr>
         <p:blipFill>
-          <a:blip r:embed="rId2"/>
+          <a:blip r:embed="rId3"/>
           <a:stretch>
             <a:fillRect/>
           </a:stretch>
@@ -30168,7 +35208,7 @@
 </p:sld>
 </file>
 
-<file path=ppt/slides/slide31.xml><?xml version="1.0" encoding="utf-8"?>
+<file path=ppt/slides/slide35.xml><?xml version="1.0" encoding="utf-8"?>
 <p:sld xmlns:a="http://schemas.openxmlformats.org/drawingml/2006/main" xmlns:r="http://schemas.openxmlformats.org/officeDocument/2006/relationships" xmlns:p="http://schemas.openxmlformats.org/presentationml/2006/main">
   <p:cSld>
     <p:spTree>
@@ -30209,7 +35249,7 @@
             <a:fld id="{98087C8C-FB93-F749-A32B-FDEADC74AE65}" type="slidenum">
               <a:rPr lang="en-US" smtClean="0"/>
               <a:pPr/>
-              <a:t>31</a:t>
+              <a:t>35</a:t>
             </a:fld>
             <a:endParaRPr lang="en-US" dirty="0"/>
           </a:p>
@@ -30257,7 +35297,7 @@
 </p:sld>
 </file>
 
-<file path=ppt/slides/slide32.xml><?xml version="1.0" encoding="utf-8"?>
+<file path=ppt/slides/slide36.xml><?xml version="1.0" encoding="utf-8"?>
 <p:sld xmlns:a="http://schemas.openxmlformats.org/drawingml/2006/main" xmlns:r="http://schemas.openxmlformats.org/officeDocument/2006/relationships" xmlns:p="http://schemas.openxmlformats.org/presentationml/2006/main">
   <p:cSld>
     <p:spTree>
@@ -30328,7 +35368,7 @@
             <a:fld id="{98087C8C-FB93-F749-A32B-FDEADC74AE65}" type="slidenum">
               <a:rPr lang="en-US" smtClean="0"/>
               <a:pPr/>
-              <a:t>32</a:t>
+              <a:t>36</a:t>
             </a:fld>
             <a:endParaRPr lang="en-US" dirty="0"/>
           </a:p>
@@ -30497,7 +35537,7 @@
 </p:sld>
 </file>
 
-<file path=ppt/slides/slide33.xml><?xml version="1.0" encoding="utf-8"?>
+<file path=ppt/slides/slide37.xml><?xml version="1.0" encoding="utf-8"?>
 <p:sld xmlns:a="http://schemas.openxmlformats.org/drawingml/2006/main" xmlns:r="http://schemas.openxmlformats.org/officeDocument/2006/relationships" xmlns:p="http://schemas.openxmlformats.org/presentationml/2006/main">
   <p:cSld>
     <p:spTree>
@@ -30568,7 +35608,7 @@
             <a:fld id="{98087C8C-FB93-F749-A32B-FDEADC74AE65}" type="slidenum">
               <a:rPr lang="en-US" smtClean="0"/>
               <a:pPr/>
-              <a:t>33</a:t>
+              <a:t>37</a:t>
             </a:fld>
             <a:endParaRPr lang="en-US" dirty="0"/>
           </a:p>
@@ -30685,7 +35725,7 @@
 </p:sld>
 </file>
 
-<file path=ppt/slides/slide34.xml><?xml version="1.0" encoding="utf-8"?>
+<file path=ppt/slides/slide38.xml><?xml version="1.0" encoding="utf-8"?>
 <p:sld xmlns:a="http://schemas.openxmlformats.org/drawingml/2006/main" xmlns:r="http://schemas.openxmlformats.org/officeDocument/2006/relationships" xmlns:p="http://schemas.openxmlformats.org/presentationml/2006/main">
   <p:cSld>
     <p:spTree>
@@ -30784,7 +35824,7 @@
                   </a:schemeClr>
                 </a:solidFill>
               </a:rPr>
-              <a:t>34</a:t>
+              <a:t>38</a:t>
             </a:fld>
             <a:endParaRPr lang="en-US">
               <a:solidFill>
@@ -30990,7 +36030,7 @@
 </p:sld>
 </file>
 
-<file path=ppt/slides/slide35.xml><?xml version="1.0" encoding="utf-8"?>
+<file path=ppt/slides/slide39.xml><?xml version="1.0" encoding="utf-8"?>
 <p:sld xmlns:a="http://schemas.openxmlformats.org/drawingml/2006/main" xmlns:r="http://schemas.openxmlformats.org/officeDocument/2006/relationships" xmlns:p="http://schemas.openxmlformats.org/presentationml/2006/main">
   <p:cSld>
     <p:spTree>
@@ -31545,205 +36585,6 @@
 </p:sld>
 </file>
 
-<file path=ppt/slides/slide36.xml><?xml version="1.0" encoding="utf-8"?>
-<p:sld xmlns:a="http://schemas.openxmlformats.org/drawingml/2006/main" xmlns:r="http://schemas.openxmlformats.org/officeDocument/2006/relationships" xmlns:p="http://schemas.openxmlformats.org/presentationml/2006/main">
-  <p:cSld>
-    <p:spTree>
-      <p:nvGrpSpPr>
-        <p:cNvPr id="1" name=""/>
-        <p:cNvGrpSpPr/>
-        <p:nvPr/>
-      </p:nvGrpSpPr>
-      <p:grpSpPr>
-        <a:xfrm>
-          <a:off x="0" y="0"/>
-          <a:ext cx="0" cy="0"/>
-          <a:chOff x="0" y="0"/>
-          <a:chExt cx="0" cy="0"/>
-        </a:xfrm>
-      </p:grpSpPr>
-      <p:sp>
-        <p:nvSpPr>
-          <p:cNvPr id="2" name="Title 1">
-            <a:extLst>
-              <a:ext uri="{FF2B5EF4-FFF2-40B4-BE49-F238E27FC236}">
-                <a16:creationId xmlns:a16="http://schemas.microsoft.com/office/drawing/2014/main" id="{62F4EC71-F050-C84B-895E-CC5937173D95}"/>
-              </a:ext>
-            </a:extLst>
-          </p:cNvPr>
-          <p:cNvSpPr>
-            <a:spLocks noGrp="1"/>
-          </p:cNvSpPr>
-          <p:nvPr>
-            <p:ph type="title"/>
-          </p:nvPr>
-        </p:nvSpPr>
-        <p:spPr/>
-        <p:txBody>
-          <a:bodyPr>
-            <a:normAutofit fontScale="90000"/>
-          </a:bodyPr>
-          <a:lstStyle/>
-          <a:p>
-            <a:r>
-              <a:rPr lang="en-US" dirty="0"/>
-              <a:t>REFERENCES</a:t>
-            </a:r>
-          </a:p>
-        </p:txBody>
-      </p:sp>
-      <p:sp>
-        <p:nvSpPr>
-          <p:cNvPr id="3" name="Slide Number Placeholder 2">
-            <a:extLst>
-              <a:ext uri="{FF2B5EF4-FFF2-40B4-BE49-F238E27FC236}">
-                <a16:creationId xmlns:a16="http://schemas.microsoft.com/office/drawing/2014/main" id="{5B8C84F0-397C-8E41-ABA3-7F88954AF9D2}"/>
-              </a:ext>
-            </a:extLst>
-          </p:cNvPr>
-          <p:cNvSpPr>
-            <a:spLocks noGrp="1"/>
-          </p:cNvSpPr>
-          <p:nvPr>
-            <p:ph type="sldNum" sz="quarter" idx="11"/>
-          </p:nvPr>
-        </p:nvSpPr>
-        <p:spPr/>
-        <p:txBody>
-          <a:bodyPr/>
-          <a:lstStyle/>
-          <a:p>
-            <a:fld id="{98087C8C-FB93-F749-A32B-FDEADC74AE65}" type="slidenum">
-              <a:rPr lang="en-US" smtClean="0"/>
-              <a:pPr/>
-              <a:t>36</a:t>
-            </a:fld>
-            <a:endParaRPr lang="en-US" dirty="0"/>
-          </a:p>
-        </p:txBody>
-      </p:sp>
-      <p:sp>
-        <p:nvSpPr>
-          <p:cNvPr id="5" name="TextBox 4">
-            <a:extLst>
-              <a:ext uri="{FF2B5EF4-FFF2-40B4-BE49-F238E27FC236}">
-                <a16:creationId xmlns:a16="http://schemas.microsoft.com/office/drawing/2014/main" id="{155FF85B-7817-2E44-9EC2-4562F0BC349F}"/>
-              </a:ext>
-            </a:extLst>
-          </p:cNvPr>
-          <p:cNvSpPr txBox="1"/>
-          <p:nvPr/>
-        </p:nvSpPr>
-        <p:spPr>
-          <a:xfrm>
-            <a:off x="484909" y="1219200"/>
-            <a:ext cx="10557164" cy="3693319"/>
-          </a:xfrm>
-          <a:prstGeom prst="rect">
-            <a:avLst/>
-          </a:prstGeom>
-          <a:noFill/>
-        </p:spPr>
-        <p:txBody>
-          <a:bodyPr wrap="square" rtlCol="0">
-            <a:spAutoFit/>
-          </a:bodyPr>
-          <a:lstStyle/>
-          <a:p>
-            <a:r>
-              <a:rPr lang="en-US" b="1" dirty="0"/>
-              <a:t>Making Decisions Like a Boss Artifacts</a:t>
-            </a:r>
-          </a:p>
-          <a:p>
-            <a:r>
-              <a:rPr lang="en-US" dirty="0">
-                <a:hlinkClick r:id="rId2"/>
-              </a:rPr>
-              <a:t>https://github.com/scmunk/decisions</a:t>
-            </a:r>
-            <a:endParaRPr lang="en-US" dirty="0"/>
-          </a:p>
-          <a:p>
-            <a:endParaRPr lang="en-US" b="1" dirty="0"/>
-          </a:p>
-          <a:p>
-            <a:r>
-              <a:rPr lang="en-US" b="1" dirty="0" err="1"/>
-              <a:t>Archimate</a:t>
-            </a:r>
-            <a:endParaRPr lang="en-US" b="1" dirty="0"/>
-          </a:p>
-          <a:p>
-            <a:r>
-              <a:rPr lang="en-US" dirty="0">
-                <a:hlinkClick r:id="rId3"/>
-              </a:rPr>
-              <a:t>https://pubs.opengroup.org/architecture/archimate3-doc/chap01.html#_Toc10045266</a:t>
-            </a:r>
-            <a:endParaRPr lang="en-US" dirty="0"/>
-          </a:p>
-          <a:p>
-            <a:endParaRPr lang="en-US" dirty="0"/>
-          </a:p>
-          <a:p>
-            <a:r>
-              <a:rPr lang="en-US" b="1" dirty="0"/>
-              <a:t>Archi – a modeling tool</a:t>
-            </a:r>
-          </a:p>
-          <a:p>
-            <a:r>
-              <a:rPr lang="en-US" dirty="0">
-                <a:hlinkClick r:id="rId4"/>
-              </a:rPr>
-              <a:t>https://www.archimatetool.com</a:t>
-            </a:r>
-            <a:endParaRPr lang="en-US" dirty="0"/>
-          </a:p>
-          <a:p>
-            <a:endParaRPr lang="en-US" dirty="0"/>
-          </a:p>
-          <a:p>
-            <a:r>
-              <a:rPr lang="en-US" b="1" dirty="0" err="1"/>
-              <a:t>Draw.io</a:t>
-            </a:r>
-            <a:r>
-              <a:rPr lang="en-US" b="1" dirty="0"/>
-              <a:t> – a diagramming tool, there is an offline version too</a:t>
-            </a:r>
-          </a:p>
-          <a:p>
-            <a:r>
-              <a:rPr lang="en-US" dirty="0">
-                <a:hlinkClick r:id="rId5"/>
-              </a:rPr>
-              <a:t>https://app.diagrams.net</a:t>
-            </a:r>
-            <a:endParaRPr lang="en-US" dirty="0"/>
-          </a:p>
-          <a:p>
-            <a:endParaRPr lang="en-US" dirty="0"/>
-          </a:p>
-          <a:p>
-            <a:endParaRPr lang="en-US" dirty="0"/>
-          </a:p>
-        </p:txBody>
-      </p:sp>
-    </p:spTree>
-    <p:extLst>
-      <p:ext uri="{BB962C8B-B14F-4D97-AF65-F5344CB8AC3E}">
-        <p14:creationId xmlns:p14="http://schemas.microsoft.com/office/powerpoint/2010/main" val="1095495032"/>
-      </p:ext>
-    </p:extLst>
-  </p:cSld>
-  <p:clrMapOvr>
-    <a:masterClrMapping/>
-  </p:clrMapOvr>
-</p:sld>
-</file>
-
 <file path=ppt/slides/slide4.xml><?xml version="1.0" encoding="utf-8"?>
 <p:sld xmlns:a="http://schemas.openxmlformats.org/drawingml/2006/main" xmlns:r="http://schemas.openxmlformats.org/officeDocument/2006/relationships" xmlns:p="http://schemas.openxmlformats.org/presentationml/2006/main">
   <p:cSld>
@@ -32056,6 +36897,205 @@
 </p:sld>
 </file>
 
+<file path=ppt/slides/slide40.xml><?xml version="1.0" encoding="utf-8"?>
+<p:sld xmlns:a="http://schemas.openxmlformats.org/drawingml/2006/main" xmlns:r="http://schemas.openxmlformats.org/officeDocument/2006/relationships" xmlns:p="http://schemas.openxmlformats.org/presentationml/2006/main">
+  <p:cSld>
+    <p:spTree>
+      <p:nvGrpSpPr>
+        <p:cNvPr id="1" name=""/>
+        <p:cNvGrpSpPr/>
+        <p:nvPr/>
+      </p:nvGrpSpPr>
+      <p:grpSpPr>
+        <a:xfrm>
+          <a:off x="0" y="0"/>
+          <a:ext cx="0" cy="0"/>
+          <a:chOff x="0" y="0"/>
+          <a:chExt cx="0" cy="0"/>
+        </a:xfrm>
+      </p:grpSpPr>
+      <p:sp>
+        <p:nvSpPr>
+          <p:cNvPr id="2" name="Title 1">
+            <a:extLst>
+              <a:ext uri="{FF2B5EF4-FFF2-40B4-BE49-F238E27FC236}">
+                <a16:creationId xmlns:a16="http://schemas.microsoft.com/office/drawing/2014/main" id="{62F4EC71-F050-C84B-895E-CC5937173D95}"/>
+              </a:ext>
+            </a:extLst>
+          </p:cNvPr>
+          <p:cNvSpPr>
+            <a:spLocks noGrp="1"/>
+          </p:cNvSpPr>
+          <p:nvPr>
+            <p:ph type="title"/>
+          </p:nvPr>
+        </p:nvSpPr>
+        <p:spPr/>
+        <p:txBody>
+          <a:bodyPr>
+            <a:normAutofit fontScale="90000"/>
+          </a:bodyPr>
+          <a:lstStyle/>
+          <a:p>
+            <a:r>
+              <a:rPr lang="en-US" dirty="0"/>
+              <a:t>REFERENCES</a:t>
+            </a:r>
+          </a:p>
+        </p:txBody>
+      </p:sp>
+      <p:sp>
+        <p:nvSpPr>
+          <p:cNvPr id="3" name="Slide Number Placeholder 2">
+            <a:extLst>
+              <a:ext uri="{FF2B5EF4-FFF2-40B4-BE49-F238E27FC236}">
+                <a16:creationId xmlns:a16="http://schemas.microsoft.com/office/drawing/2014/main" id="{5B8C84F0-397C-8E41-ABA3-7F88954AF9D2}"/>
+              </a:ext>
+            </a:extLst>
+          </p:cNvPr>
+          <p:cNvSpPr>
+            <a:spLocks noGrp="1"/>
+          </p:cNvSpPr>
+          <p:nvPr>
+            <p:ph type="sldNum" sz="quarter" idx="11"/>
+          </p:nvPr>
+        </p:nvSpPr>
+        <p:spPr/>
+        <p:txBody>
+          <a:bodyPr/>
+          <a:lstStyle/>
+          <a:p>
+            <a:fld id="{98087C8C-FB93-F749-A32B-FDEADC74AE65}" type="slidenum">
+              <a:rPr lang="en-US" smtClean="0"/>
+              <a:pPr/>
+              <a:t>40</a:t>
+            </a:fld>
+            <a:endParaRPr lang="en-US" dirty="0"/>
+          </a:p>
+        </p:txBody>
+      </p:sp>
+      <p:sp>
+        <p:nvSpPr>
+          <p:cNvPr id="5" name="TextBox 4">
+            <a:extLst>
+              <a:ext uri="{FF2B5EF4-FFF2-40B4-BE49-F238E27FC236}">
+                <a16:creationId xmlns:a16="http://schemas.microsoft.com/office/drawing/2014/main" id="{155FF85B-7817-2E44-9EC2-4562F0BC349F}"/>
+              </a:ext>
+            </a:extLst>
+          </p:cNvPr>
+          <p:cNvSpPr txBox="1"/>
+          <p:nvPr/>
+        </p:nvSpPr>
+        <p:spPr>
+          <a:xfrm>
+            <a:off x="484909" y="1219200"/>
+            <a:ext cx="10557164" cy="3693319"/>
+          </a:xfrm>
+          <a:prstGeom prst="rect">
+            <a:avLst/>
+          </a:prstGeom>
+          <a:noFill/>
+        </p:spPr>
+        <p:txBody>
+          <a:bodyPr wrap="square" rtlCol="0">
+            <a:spAutoFit/>
+          </a:bodyPr>
+          <a:lstStyle/>
+          <a:p>
+            <a:r>
+              <a:rPr lang="en-US" b="1" dirty="0"/>
+              <a:t>Making Decisions Like a Boss Artifacts</a:t>
+            </a:r>
+          </a:p>
+          <a:p>
+            <a:r>
+              <a:rPr lang="en-US" dirty="0">
+                <a:hlinkClick r:id="rId2"/>
+              </a:rPr>
+              <a:t>https://github.com/scmunk/decisions</a:t>
+            </a:r>
+            <a:endParaRPr lang="en-US" dirty="0"/>
+          </a:p>
+          <a:p>
+            <a:endParaRPr lang="en-US" b="1" dirty="0"/>
+          </a:p>
+          <a:p>
+            <a:r>
+              <a:rPr lang="en-US" b="1" dirty="0" err="1"/>
+              <a:t>Archimate</a:t>
+            </a:r>
+            <a:endParaRPr lang="en-US" b="1" dirty="0"/>
+          </a:p>
+          <a:p>
+            <a:r>
+              <a:rPr lang="en-US" dirty="0">
+                <a:hlinkClick r:id="rId3"/>
+              </a:rPr>
+              <a:t>https://pubs.opengroup.org/architecture/archimate3-doc/chap01.html#_Toc10045266</a:t>
+            </a:r>
+            <a:endParaRPr lang="en-US" dirty="0"/>
+          </a:p>
+          <a:p>
+            <a:endParaRPr lang="en-US" dirty="0"/>
+          </a:p>
+          <a:p>
+            <a:r>
+              <a:rPr lang="en-US" b="1" dirty="0"/>
+              <a:t>Archi – a modeling tool</a:t>
+            </a:r>
+          </a:p>
+          <a:p>
+            <a:r>
+              <a:rPr lang="en-US" dirty="0">
+                <a:hlinkClick r:id="rId4"/>
+              </a:rPr>
+              <a:t>https://www.archimatetool.com</a:t>
+            </a:r>
+            <a:endParaRPr lang="en-US" dirty="0"/>
+          </a:p>
+          <a:p>
+            <a:endParaRPr lang="en-US" dirty="0"/>
+          </a:p>
+          <a:p>
+            <a:r>
+              <a:rPr lang="en-US" b="1" dirty="0" err="1"/>
+              <a:t>Draw.io</a:t>
+            </a:r>
+            <a:r>
+              <a:rPr lang="en-US" b="1" dirty="0"/>
+              <a:t> – a diagramming tool, there is an offline version too</a:t>
+            </a:r>
+          </a:p>
+          <a:p>
+            <a:r>
+              <a:rPr lang="en-US" dirty="0">
+                <a:hlinkClick r:id="rId5"/>
+              </a:rPr>
+              <a:t>https://app.diagrams.net</a:t>
+            </a:r>
+            <a:endParaRPr lang="en-US" dirty="0"/>
+          </a:p>
+          <a:p>
+            <a:endParaRPr lang="en-US" dirty="0"/>
+          </a:p>
+          <a:p>
+            <a:endParaRPr lang="en-US" dirty="0"/>
+          </a:p>
+        </p:txBody>
+      </p:sp>
+    </p:spTree>
+    <p:extLst>
+      <p:ext uri="{BB962C8B-B14F-4D97-AF65-F5344CB8AC3E}">
+        <p14:creationId xmlns:p14="http://schemas.microsoft.com/office/powerpoint/2010/main" val="1095495032"/>
+      </p:ext>
+    </p:extLst>
+  </p:cSld>
+  <p:clrMapOvr>
+    <a:masterClrMapping/>
+  </p:clrMapOvr>
+</p:sld>
+</file>
+
 <file path=ppt/slides/slide5.xml><?xml version="1.0" encoding="utf-8"?>
 <p:sld xmlns:a="http://schemas.openxmlformats.org/drawingml/2006/main" xmlns:r="http://schemas.openxmlformats.org/officeDocument/2006/relationships" xmlns:p="http://schemas.openxmlformats.org/presentationml/2006/main">
   <p:cSld>
@@ -32090,10 +37130,10 @@
           </p:nvPr>
         </p:nvPicPr>
         <p:blipFill>
-          <a:blip r:embed="rId2">
+          <a:blip r:embed="rId3">
             <a:extLst>
               <a:ext uri="{96DAC541-7B7A-43D3-8B79-37D633B846F1}">
-                <asvg:svgBlip xmlns:asvg="http://schemas.microsoft.com/office/drawing/2016/SVG/main" r:embed="rId3"/>
+                <asvg:svgBlip xmlns:asvg="http://schemas.microsoft.com/office/drawing/2016/SVG/main" r:embed="rId4"/>
               </a:ext>
             </a:extLst>
           </a:blip>

--- a/MakingSecurityDecisionsLikeABoss.pptx
+++ b/MakingSecurityDecisionsLikeABoss.pptx
@@ -5,7 +5,7 @@
     <p:sldMasterId id="2147483768" r:id="rId1"/>
   </p:sldMasterIdLst>
   <p:notesMasterIdLst>
-    <p:notesMasterId r:id="rId42"/>
+    <p:notesMasterId r:id="rId44"/>
   </p:notesMasterIdLst>
   <p:sldIdLst>
     <p:sldId id="282" r:id="rId2"/>
@@ -43,11 +43,13 @@
     <p:sldId id="311" r:id="rId34"/>
     <p:sldId id="313" r:id="rId35"/>
     <p:sldId id="314" r:id="rId36"/>
-    <p:sldId id="307" r:id="rId37"/>
-    <p:sldId id="320" r:id="rId38"/>
-    <p:sldId id="321" r:id="rId39"/>
-    <p:sldId id="312" r:id="rId40"/>
-    <p:sldId id="319" r:id="rId41"/>
+    <p:sldId id="326" r:id="rId37"/>
+    <p:sldId id="327" r:id="rId38"/>
+    <p:sldId id="307" r:id="rId39"/>
+    <p:sldId id="320" r:id="rId40"/>
+    <p:sldId id="321" r:id="rId41"/>
+    <p:sldId id="312" r:id="rId42"/>
+    <p:sldId id="319" r:id="rId43"/>
   </p:sldIdLst>
   <p:sldSz cx="12192000" cy="6858000"/>
   <p:notesSz cx="6858000" cy="9144000"/>
@@ -15412,7 +15414,7 @@
           <a:p>
             <a:fld id="{4BFECD01-8637-824E-80CD-FAFF90DCB9F6}" type="datetimeFigureOut">
               <a:rPr lang="en-US" smtClean="0"/>
-              <a:t>3/31/22</a:t>
+              <a:t>4/1/22</a:t>
             </a:fld>
             <a:endParaRPr lang="en-US"/>
           </a:p>
@@ -18912,39 +18914,6 @@
           <a:bodyPr/>
           <a:lstStyle/>
           <a:p>
-            <a:r>
-              <a:rPr lang="en-US" dirty="0"/>
-              <a:t>This is not an end all be all</a:t>
-            </a:r>
-          </a:p>
-          <a:p>
-            <a:r>
-              <a:rPr lang="en-US" dirty="0"/>
-              <a:t>This is just a foundation for you to use</a:t>
-            </a:r>
-          </a:p>
-          <a:p>
-            <a:r>
-              <a:rPr lang="en-US" dirty="0"/>
-              <a:t>Add more data points</a:t>
-            </a:r>
-          </a:p>
-          <a:p>
-            <a:r>
-              <a:rPr lang="en-US" dirty="0"/>
-              <a:t>Draw more diagrams</a:t>
-            </a:r>
-          </a:p>
-          <a:p>
-            <a:r>
-              <a:rPr lang="en-US" dirty="0"/>
-              <a:t>Change your diagrams to models </a:t>
-            </a:r>
-          </a:p>
-          <a:p>
-            <a:endParaRPr lang="en-US" dirty="0"/>
-          </a:p>
-          <a:p>
             <a:endParaRPr lang="en-US" dirty="0"/>
           </a:p>
         </p:txBody>
@@ -18966,7 +18935,7 @@
           <a:p>
             <a:fld id="{B1CAF607-DF55-DC47-B415-DAD88B121D06}" type="slidenum">
               <a:rPr lang="en-US" smtClean="0"/>
-              <a:t>38</a:t>
+              <a:t>37</a:t>
             </a:fld>
             <a:endParaRPr lang="en-US"/>
           </a:p>
@@ -18975,7 +18944,7 @@
     </p:spTree>
     <p:extLst>
       <p:ext uri="{BB962C8B-B14F-4D97-AF65-F5344CB8AC3E}">
-        <p14:creationId xmlns:p14="http://schemas.microsoft.com/office/powerpoint/2010/main" val="2248443384"/>
+        <p14:creationId xmlns:p14="http://schemas.microsoft.com/office/powerpoint/2010/main" val="1135666183"/>
       </p:ext>
     </p:extLst>
   </p:cSld>
@@ -19031,25 +19000,31 @@
           <a:p>
             <a:r>
               <a:rPr lang="en-US" dirty="0"/>
-              <a:t>Changing the model or the approach is your prerogative. </a:t>
-            </a:r>
-          </a:p>
-          <a:p>
-            <a:endParaRPr lang="en-US" dirty="0"/>
+              <a:t>This is not an end all be all</a:t>
+            </a:r>
           </a:p>
           <a:p>
             <a:r>
               <a:rPr lang="en-US" dirty="0"/>
-              <a:t>This is a Roughly Right beginning.</a:t>
-            </a:r>
-          </a:p>
-          <a:p>
-            <a:endParaRPr lang="en-US" dirty="0"/>
+              <a:t>This is just a foundation for you to use</a:t>
+            </a:r>
           </a:p>
           <a:p>
             <a:r>
               <a:rPr lang="en-US" dirty="0"/>
-              <a:t>QUESTIONS?</a:t>
+              <a:t>Add more data points</a:t>
+            </a:r>
+          </a:p>
+          <a:p>
+            <a:r>
+              <a:rPr lang="en-US" dirty="0"/>
+              <a:t>Draw more diagrams</a:t>
+            </a:r>
+          </a:p>
+          <a:p>
+            <a:r>
+              <a:rPr lang="en-US" dirty="0"/>
+              <a:t>Change your diagrams to models </a:t>
             </a:r>
           </a:p>
           <a:p>
@@ -19077,7 +19052,118 @@
           <a:p>
             <a:fld id="{B1CAF607-DF55-DC47-B415-DAD88B121D06}" type="slidenum">
               <a:rPr lang="en-US" smtClean="0"/>
-              <a:t>39</a:t>
+              <a:t>40</a:t>
+            </a:fld>
+            <a:endParaRPr lang="en-US"/>
+          </a:p>
+        </p:txBody>
+      </p:sp>
+    </p:spTree>
+    <p:extLst>
+      <p:ext uri="{BB962C8B-B14F-4D97-AF65-F5344CB8AC3E}">
+        <p14:creationId xmlns:p14="http://schemas.microsoft.com/office/powerpoint/2010/main" val="2248443384"/>
+      </p:ext>
+    </p:extLst>
+  </p:cSld>
+  <p:clrMapOvr>
+    <a:masterClrMapping/>
+  </p:clrMapOvr>
+</p:notes>
+</file>
+
+<file path=ppt/notesSlides/notesSlide37.xml><?xml version="1.0" encoding="utf-8"?>
+<p:notes xmlns:a="http://schemas.openxmlformats.org/drawingml/2006/main" xmlns:r="http://schemas.openxmlformats.org/officeDocument/2006/relationships" xmlns:p="http://schemas.openxmlformats.org/presentationml/2006/main">
+  <p:cSld>
+    <p:spTree>
+      <p:nvGrpSpPr>
+        <p:cNvPr id="1" name=""/>
+        <p:cNvGrpSpPr/>
+        <p:nvPr/>
+      </p:nvGrpSpPr>
+      <p:grpSpPr>
+        <a:xfrm>
+          <a:off x="0" y="0"/>
+          <a:ext cx="0" cy="0"/>
+          <a:chOff x="0" y="0"/>
+          <a:chExt cx="0" cy="0"/>
+        </a:xfrm>
+      </p:grpSpPr>
+      <p:sp>
+        <p:nvSpPr>
+          <p:cNvPr id="2" name="Slide Image Placeholder 1"/>
+          <p:cNvSpPr>
+            <a:spLocks noGrp="1" noRot="1" noChangeAspect="1"/>
+          </p:cNvSpPr>
+          <p:nvPr>
+            <p:ph type="sldImg"/>
+          </p:nvPr>
+        </p:nvSpPr>
+        <p:spPr/>
+      </p:sp>
+      <p:sp>
+        <p:nvSpPr>
+          <p:cNvPr id="3" name="Notes Placeholder 2"/>
+          <p:cNvSpPr>
+            <a:spLocks noGrp="1"/>
+          </p:cNvSpPr>
+          <p:nvPr>
+            <p:ph type="body" idx="1"/>
+          </p:nvPr>
+        </p:nvSpPr>
+        <p:spPr/>
+        <p:txBody>
+          <a:bodyPr/>
+          <a:lstStyle/>
+          <a:p>
+            <a:r>
+              <a:rPr lang="en-US" dirty="0"/>
+              <a:t>Changing the model or the approach is your prerogative. </a:t>
+            </a:r>
+          </a:p>
+          <a:p>
+            <a:endParaRPr lang="en-US" dirty="0"/>
+          </a:p>
+          <a:p>
+            <a:r>
+              <a:rPr lang="en-US" dirty="0"/>
+              <a:t>This is a Roughly Right beginning.</a:t>
+            </a:r>
+          </a:p>
+          <a:p>
+            <a:endParaRPr lang="en-US" dirty="0"/>
+          </a:p>
+          <a:p>
+            <a:r>
+              <a:rPr lang="en-US" dirty="0"/>
+              <a:t>QUESTIONS?</a:t>
+            </a:r>
+          </a:p>
+          <a:p>
+            <a:endParaRPr lang="en-US" dirty="0"/>
+          </a:p>
+          <a:p>
+            <a:endParaRPr lang="en-US" dirty="0"/>
+          </a:p>
+        </p:txBody>
+      </p:sp>
+      <p:sp>
+        <p:nvSpPr>
+          <p:cNvPr id="4" name="Slide Number Placeholder 3"/>
+          <p:cNvSpPr>
+            <a:spLocks noGrp="1"/>
+          </p:cNvSpPr>
+          <p:nvPr>
+            <p:ph type="sldNum" sz="quarter" idx="5"/>
+          </p:nvPr>
+        </p:nvSpPr>
+        <p:spPr/>
+        <p:txBody>
+          <a:bodyPr/>
+          <a:lstStyle/>
+          <a:p>
+            <a:fld id="{B1CAF607-DF55-DC47-B415-DAD88B121D06}" type="slidenum">
+              <a:rPr lang="en-US" smtClean="0"/>
+              <a:t>41</a:t>
             </a:fld>
             <a:endParaRPr lang="en-US"/>
           </a:p>
@@ -35316,40 +35402,10 @@
       </p:grpSpPr>
       <p:sp>
         <p:nvSpPr>
-          <p:cNvPr id="2" name="Title 1">
+          <p:cNvPr id="2" name="Slide Number Placeholder 1">
             <a:extLst>
               <a:ext uri="{FF2B5EF4-FFF2-40B4-BE49-F238E27FC236}">
-                <a16:creationId xmlns:a16="http://schemas.microsoft.com/office/drawing/2014/main" id="{63F90658-C23E-CA41-AA08-642F512DD0BF}"/>
-              </a:ext>
-            </a:extLst>
-          </p:cNvPr>
-          <p:cNvSpPr>
-            <a:spLocks noGrp="1"/>
-          </p:cNvSpPr>
-          <p:nvPr>
-            <p:ph type="title"/>
-          </p:nvPr>
-        </p:nvSpPr>
-        <p:spPr/>
-        <p:txBody>
-          <a:bodyPr>
-            <a:normAutofit fontScale="90000"/>
-          </a:bodyPr>
-          <a:lstStyle/>
-          <a:p>
-            <a:r>
-              <a:rPr lang="en-US" dirty="0"/>
-              <a:t>Can we make decisions like a boss yet?</a:t>
-            </a:r>
-          </a:p>
-        </p:txBody>
-      </p:sp>
-      <p:sp>
-        <p:nvSpPr>
-          <p:cNvPr id="3" name="Slide Number Placeholder 2">
-            <a:extLst>
-              <a:ext uri="{FF2B5EF4-FFF2-40B4-BE49-F238E27FC236}">
-                <a16:creationId xmlns:a16="http://schemas.microsoft.com/office/drawing/2014/main" id="{6A0C8E21-C4C5-8548-8120-1E0D3A15F55F}"/>
+                <a16:creationId xmlns:a16="http://schemas.microsoft.com/office/drawing/2014/main" id="{04A10E4A-677E-0C4A-9021-2DF808FAAF66}"/>
               </a:ext>
             </a:extLst>
           </p:cNvPr>
@@ -35374,12 +35430,59 @@
           </a:p>
         </p:txBody>
       </p:sp>
+      <p:pic>
+        <p:nvPicPr>
+          <p:cNvPr id="1026" name="Picture 2">
+            <a:extLst>
+              <a:ext uri="{FF2B5EF4-FFF2-40B4-BE49-F238E27FC236}">
+                <a16:creationId xmlns:a16="http://schemas.microsoft.com/office/drawing/2014/main" id="{B7B3EBAE-BB76-1648-B539-C290D3ABB42B}"/>
+              </a:ext>
+            </a:extLst>
+          </p:cNvPr>
+          <p:cNvPicPr>
+            <a:picLocks noChangeAspect="1" noChangeArrowheads="1"/>
+          </p:cNvPicPr>
+          <p:nvPr/>
+        </p:nvPicPr>
+        <p:blipFill>
+          <a:blip r:embed="rId2">
+            <a:extLst>
+              <a:ext uri="{28A0092B-C50C-407E-A947-70E740481C1C}">
+                <a14:useLocalDpi xmlns:a14="http://schemas.microsoft.com/office/drawing/2010/main" val="0"/>
+              </a:ext>
+            </a:extLst>
+          </a:blip>
+          <a:srcRect/>
+          <a:stretch>
+            <a:fillRect/>
+          </a:stretch>
+        </p:blipFill>
+        <p:spPr bwMode="auto">
+          <a:xfrm>
+            <a:off x="1270258" y="0"/>
+            <a:ext cx="9651483" cy="6858000"/>
+          </a:xfrm>
+          <a:prstGeom prst="rect">
+            <a:avLst/>
+          </a:prstGeom>
+          <a:noFill/>
+          <a:extLst>
+            <a:ext uri="{909E8E84-426E-40DD-AFC4-6F175D3DCCD1}">
+              <a14:hiddenFill xmlns:a14="http://schemas.microsoft.com/office/drawing/2010/main">
+                <a:solidFill>
+                  <a:srgbClr val="FFFFFF"/>
+                </a:solidFill>
+              </a14:hiddenFill>
+            </a:ext>
+          </a:extLst>
+        </p:spPr>
+      </p:pic>
       <p:sp>
         <p:nvSpPr>
           <p:cNvPr id="4" name="TextBox 3">
             <a:extLst>
               <a:ext uri="{FF2B5EF4-FFF2-40B4-BE49-F238E27FC236}">
-                <a16:creationId xmlns:a16="http://schemas.microsoft.com/office/drawing/2014/main" id="{F1D15C21-0EE7-1549-9A4C-3DEA9F81371F}"/>
+                <a16:creationId xmlns:a16="http://schemas.microsoft.com/office/drawing/2014/main" id="{A2FFC2F6-F13C-574C-A3DF-66BFBBD5A2AA}"/>
               </a:ext>
             </a:extLst>
           </p:cNvPr>
@@ -35388,8 +35491,8 @@
         </p:nvSpPr>
         <p:spPr>
           <a:xfrm>
-            <a:off x="325516" y="953167"/>
-            <a:ext cx="11323320" cy="6001643"/>
+            <a:off x="7002884" y="5843271"/>
+            <a:ext cx="3918857" cy="830997"/>
           </a:xfrm>
           <a:prstGeom prst="rect">
             <a:avLst/>
@@ -35402,132 +35505,25 @@
           </a:bodyPr>
           <a:lstStyle/>
           <a:p>
-            <a:r>
-              <a:rPr lang="en-US" sz="2400" b="1" dirty="0">
-                <a:latin typeface="Palatino" pitchFamily="2" charset="77"/>
-                <a:ea typeface="Palatino" pitchFamily="2" charset="77"/>
-              </a:rPr>
-              <a:t>What technologies and implementations do we have for security?</a:t>
-            </a:r>
-          </a:p>
-          <a:p>
-            <a:pPr lvl="1"/>
-            <a:r>
-              <a:rPr lang="en-US" sz="2400" dirty="0">
-                <a:latin typeface="Palatino" pitchFamily="2" charset="77"/>
-                <a:ea typeface="Palatino" pitchFamily="2" charset="77"/>
-              </a:rPr>
-              <a:t>You can now look at your Matrix for the specific area in question</a:t>
-            </a:r>
-          </a:p>
-          <a:p>
-            <a:pPr marL="742950" lvl="1" indent="-285750">
-              <a:buFont typeface="Arial" panose="020B0604020202020204" pitchFamily="34" charset="0"/>
-              <a:buChar char="•"/>
-            </a:pPr>
-            <a:endParaRPr lang="en-US" sz="2400" dirty="0">
-              <a:latin typeface="Palatino" pitchFamily="2" charset="77"/>
-              <a:ea typeface="Palatino" pitchFamily="2" charset="77"/>
-            </a:endParaRPr>
-          </a:p>
-          <a:p>
-            <a:r>
-              <a:rPr lang="en-US" sz="2400" b="1" dirty="0">
-                <a:latin typeface="Palatino" pitchFamily="2" charset="77"/>
-                <a:ea typeface="Palatino" pitchFamily="2" charset="77"/>
-              </a:rPr>
-              <a:t>Don’t we have something that will do that already?</a:t>
-            </a:r>
-          </a:p>
-          <a:p>
-            <a:pPr lvl="1"/>
-            <a:r>
-              <a:rPr lang="en-US" sz="2400" dirty="0">
-                <a:latin typeface="Palatino" pitchFamily="2" charset="77"/>
-                <a:ea typeface="Palatino" pitchFamily="2" charset="77"/>
-              </a:rPr>
-              <a:t>You can see what you have that overlaps, you may also use addition data (columns) to see what makes them different such as platform or location</a:t>
-            </a:r>
-          </a:p>
-          <a:p>
-            <a:pPr marL="742950" lvl="1" indent="-285750">
-              <a:buFont typeface="Arial" panose="020B0604020202020204" pitchFamily="34" charset="0"/>
-              <a:buChar char="•"/>
-            </a:pPr>
-            <a:endParaRPr lang="en-US" sz="2400" dirty="0">
-              <a:latin typeface="Palatino" pitchFamily="2" charset="77"/>
-              <a:ea typeface="Palatino" pitchFamily="2" charset="77"/>
-            </a:endParaRPr>
-          </a:p>
-          <a:p>
-            <a:r>
-              <a:rPr lang="en-US" sz="2400" b="1" dirty="0">
-                <a:latin typeface="Palatino" pitchFamily="2" charset="77"/>
-                <a:ea typeface="Palatino" pitchFamily="2" charset="77"/>
-              </a:rPr>
-              <a:t>We are covering the important stuff, right?</a:t>
-            </a:r>
-          </a:p>
-          <a:p>
-            <a:pPr lvl="1"/>
-            <a:r>
-              <a:rPr lang="en-US" sz="2400" dirty="0">
-                <a:latin typeface="Palatino" pitchFamily="2" charset="77"/>
-                <a:ea typeface="Palatino" pitchFamily="2" charset="77"/>
-              </a:rPr>
-              <a:t>You can ask them what they think is important. It should be in your model. Maybe you need a discussion on what is important.</a:t>
-            </a:r>
-          </a:p>
-          <a:p>
-            <a:pPr marL="742950" lvl="1" indent="-285750">
-              <a:buFont typeface="Arial" panose="020B0604020202020204" pitchFamily="34" charset="0"/>
-              <a:buChar char="•"/>
-            </a:pPr>
-            <a:endParaRPr lang="en-US" sz="2400" dirty="0">
-              <a:latin typeface="Palatino" pitchFamily="2" charset="77"/>
-              <a:ea typeface="Palatino" pitchFamily="2" charset="77"/>
-            </a:endParaRPr>
-          </a:p>
-          <a:p>
-            <a:r>
-              <a:rPr lang="en-US" sz="2400" b="1" dirty="0">
-                <a:latin typeface="Palatino" pitchFamily="2" charset="77"/>
-                <a:ea typeface="Palatino" pitchFamily="2" charset="77"/>
-              </a:rPr>
-              <a:t>Is there anything we can DROP, stop supporting, cancel the contract?</a:t>
-            </a:r>
-          </a:p>
-          <a:p>
-            <a:r>
-              <a:rPr lang="en-US" sz="2400" b="1" dirty="0">
-                <a:latin typeface="Palatino" pitchFamily="2" charset="77"/>
-                <a:ea typeface="Palatino" pitchFamily="2" charset="77"/>
-              </a:rPr>
-              <a:t>What happens when this services goes out of support?</a:t>
-            </a:r>
-          </a:p>
-          <a:p>
-            <a:pPr lvl="1"/>
-            <a:r>
-              <a:rPr lang="en-US" sz="2400" dirty="0">
-                <a:latin typeface="Palatino" pitchFamily="2" charset="77"/>
-                <a:ea typeface="Palatino" pitchFamily="2" charset="77"/>
-              </a:rPr>
-              <a:t>See what specific areas of security will be affected and if you have multiple implementations for that coverage. </a:t>
-            </a:r>
-          </a:p>
-          <a:p>
-            <a:endParaRPr lang="en-US" sz="2400" dirty="0">
-              <a:latin typeface="Palatino" pitchFamily="2" charset="77"/>
-              <a:ea typeface="Palatino" pitchFamily="2" charset="77"/>
-            </a:endParaRPr>
+            <a:pPr algn="r"/>
+            <a:r>
+              <a:rPr lang="en-US" sz="2400" dirty="0"/>
+              <a:t>Cloud Capability</a:t>
+            </a:r>
+            <a:br>
+              <a:rPr lang="en-US" sz="2400" dirty="0"/>
+            </a:br>
+            <a:r>
+              <a:rPr lang="en-US" sz="2400" dirty="0"/>
+              <a:t>Model</a:t>
+            </a:r>
           </a:p>
         </p:txBody>
       </p:sp>
     </p:spTree>
     <p:extLst>
       <p:ext uri="{BB962C8B-B14F-4D97-AF65-F5344CB8AC3E}">
-        <p14:creationId xmlns:p14="http://schemas.microsoft.com/office/powerpoint/2010/main" val="3525159497"/>
+        <p14:creationId xmlns:p14="http://schemas.microsoft.com/office/powerpoint/2010/main" val="3742127419"/>
       </p:ext>
     </p:extLst>
   </p:cSld>
@@ -35538,6 +35534,156 @@
 </file>
 
 <file path=ppt/slides/slide37.xml><?xml version="1.0" encoding="utf-8"?>
+<p:sld xmlns:a="http://schemas.openxmlformats.org/drawingml/2006/main" xmlns:r="http://schemas.openxmlformats.org/officeDocument/2006/relationships" xmlns:p="http://schemas.openxmlformats.org/presentationml/2006/main">
+  <p:cSld>
+    <p:spTree>
+      <p:nvGrpSpPr>
+        <p:cNvPr id="1" name=""/>
+        <p:cNvGrpSpPr/>
+        <p:nvPr/>
+      </p:nvGrpSpPr>
+      <p:grpSpPr>
+        <a:xfrm>
+          <a:off x="0" y="0"/>
+          <a:ext cx="0" cy="0"/>
+          <a:chOff x="0" y="0"/>
+          <a:chExt cx="0" cy="0"/>
+        </a:xfrm>
+      </p:grpSpPr>
+      <p:sp>
+        <p:nvSpPr>
+          <p:cNvPr id="2" name="Slide Number Placeholder 1">
+            <a:extLst>
+              <a:ext uri="{FF2B5EF4-FFF2-40B4-BE49-F238E27FC236}">
+                <a16:creationId xmlns:a16="http://schemas.microsoft.com/office/drawing/2014/main" id="{3DE95693-24DA-1A4F-AC44-22B6CA6A14F1}"/>
+              </a:ext>
+            </a:extLst>
+          </p:cNvPr>
+          <p:cNvSpPr>
+            <a:spLocks noGrp="1"/>
+          </p:cNvSpPr>
+          <p:nvPr>
+            <p:ph type="sldNum" sz="quarter" idx="11"/>
+          </p:nvPr>
+        </p:nvSpPr>
+        <p:spPr/>
+        <p:txBody>
+          <a:bodyPr/>
+          <a:lstStyle/>
+          <a:p>
+            <a:fld id="{98087C8C-FB93-F749-A32B-FDEADC74AE65}" type="slidenum">
+              <a:rPr lang="en-US" smtClean="0"/>
+              <a:pPr/>
+              <a:t>37</a:t>
+            </a:fld>
+            <a:endParaRPr lang="en-US" dirty="0"/>
+          </a:p>
+        </p:txBody>
+      </p:sp>
+      <p:pic>
+        <p:nvPicPr>
+          <p:cNvPr id="2050" name="Picture 2">
+            <a:extLst>
+              <a:ext uri="{FF2B5EF4-FFF2-40B4-BE49-F238E27FC236}">
+                <a16:creationId xmlns:a16="http://schemas.microsoft.com/office/drawing/2014/main" id="{77D504D5-5E1B-AB4F-BBD4-9349E507E651}"/>
+              </a:ext>
+            </a:extLst>
+          </p:cNvPr>
+          <p:cNvPicPr>
+            <a:picLocks noChangeAspect="1" noChangeArrowheads="1"/>
+          </p:cNvPicPr>
+          <p:nvPr/>
+        </p:nvPicPr>
+        <p:blipFill>
+          <a:blip r:embed="rId3">
+            <a:extLst>
+              <a:ext uri="{28A0092B-C50C-407E-A947-70E740481C1C}">
+                <a14:useLocalDpi xmlns:a14="http://schemas.microsoft.com/office/drawing/2010/main" val="0"/>
+              </a:ext>
+            </a:extLst>
+          </a:blip>
+          <a:srcRect/>
+          <a:stretch>
+            <a:fillRect/>
+          </a:stretch>
+        </p:blipFill>
+        <p:spPr bwMode="auto">
+          <a:xfrm>
+            <a:off x="1270258" y="0"/>
+            <a:ext cx="9651483" cy="6858000"/>
+          </a:xfrm>
+          <a:prstGeom prst="rect">
+            <a:avLst/>
+          </a:prstGeom>
+          <a:noFill/>
+          <a:extLst>
+            <a:ext uri="{909E8E84-426E-40DD-AFC4-6F175D3DCCD1}">
+              <a14:hiddenFill xmlns:a14="http://schemas.microsoft.com/office/drawing/2010/main">
+                <a:solidFill>
+                  <a:srgbClr val="FFFFFF"/>
+                </a:solidFill>
+              </a14:hiddenFill>
+            </a:ext>
+          </a:extLst>
+        </p:spPr>
+      </p:pic>
+      <p:sp>
+        <p:nvSpPr>
+          <p:cNvPr id="4" name="TextBox 3">
+            <a:extLst>
+              <a:ext uri="{FF2B5EF4-FFF2-40B4-BE49-F238E27FC236}">
+                <a16:creationId xmlns:a16="http://schemas.microsoft.com/office/drawing/2014/main" id="{FE8E350D-4F5B-ED41-ADAF-427599657809}"/>
+              </a:ext>
+            </a:extLst>
+          </p:cNvPr>
+          <p:cNvSpPr txBox="1"/>
+          <p:nvPr/>
+        </p:nvSpPr>
+        <p:spPr>
+          <a:xfrm>
+            <a:off x="7002884" y="5843271"/>
+            <a:ext cx="3918857" cy="830997"/>
+          </a:xfrm>
+          <a:prstGeom prst="rect">
+            <a:avLst/>
+          </a:prstGeom>
+          <a:noFill/>
+        </p:spPr>
+        <p:txBody>
+          <a:bodyPr wrap="square" rtlCol="0">
+            <a:spAutoFit/>
+          </a:bodyPr>
+          <a:lstStyle/>
+          <a:p>
+            <a:pPr algn="r"/>
+            <a:r>
+              <a:rPr lang="en-US" sz="2400" dirty="0"/>
+              <a:t>AWS Capability</a:t>
+            </a:r>
+            <a:br>
+              <a:rPr lang="en-US" sz="2400" dirty="0"/>
+            </a:br>
+            <a:r>
+              <a:rPr lang="en-US" sz="2400" dirty="0"/>
+              <a:t>Model</a:t>
+            </a:r>
+          </a:p>
+        </p:txBody>
+      </p:sp>
+    </p:spTree>
+    <p:extLst>
+      <p:ext uri="{BB962C8B-B14F-4D97-AF65-F5344CB8AC3E}">
+        <p14:creationId xmlns:p14="http://schemas.microsoft.com/office/powerpoint/2010/main" val="519123992"/>
+      </p:ext>
+    </p:extLst>
+  </p:cSld>
+  <p:clrMapOvr>
+    <a:masterClrMapping/>
+  </p:clrMapOvr>
+</p:sld>
+</file>
+
+<file path=ppt/slides/slide38.xml><?xml version="1.0" encoding="utf-8"?>
 <p:sld xmlns:a="http://schemas.openxmlformats.org/drawingml/2006/main" xmlns:r="http://schemas.openxmlformats.org/officeDocument/2006/relationships" xmlns:p="http://schemas.openxmlformats.org/presentationml/2006/main">
   <p:cSld>
     <p:spTree>
@@ -35579,7 +35725,7 @@
           <a:p>
             <a:r>
               <a:rPr lang="en-US" dirty="0"/>
-              <a:t>Making decisions - Continued</a:t>
+              <a:t>Can we make decisions like a boss yet?</a:t>
             </a:r>
           </a:p>
         </p:txBody>
@@ -35608,7 +35754,247 @@
             <a:fld id="{98087C8C-FB93-F749-A32B-FDEADC74AE65}" type="slidenum">
               <a:rPr lang="en-US" smtClean="0"/>
               <a:pPr/>
-              <a:t>37</a:t>
+              <a:t>38</a:t>
+            </a:fld>
+            <a:endParaRPr lang="en-US" dirty="0"/>
+          </a:p>
+        </p:txBody>
+      </p:sp>
+      <p:sp>
+        <p:nvSpPr>
+          <p:cNvPr id="4" name="TextBox 3">
+            <a:extLst>
+              <a:ext uri="{FF2B5EF4-FFF2-40B4-BE49-F238E27FC236}">
+                <a16:creationId xmlns:a16="http://schemas.microsoft.com/office/drawing/2014/main" id="{F1D15C21-0EE7-1549-9A4C-3DEA9F81371F}"/>
+              </a:ext>
+            </a:extLst>
+          </p:cNvPr>
+          <p:cNvSpPr txBox="1"/>
+          <p:nvPr/>
+        </p:nvSpPr>
+        <p:spPr>
+          <a:xfrm>
+            <a:off x="325516" y="953167"/>
+            <a:ext cx="11323320" cy="6001643"/>
+          </a:xfrm>
+          <a:prstGeom prst="rect">
+            <a:avLst/>
+          </a:prstGeom>
+          <a:noFill/>
+        </p:spPr>
+        <p:txBody>
+          <a:bodyPr wrap="square" rtlCol="0">
+            <a:spAutoFit/>
+          </a:bodyPr>
+          <a:lstStyle/>
+          <a:p>
+            <a:r>
+              <a:rPr lang="en-US" sz="2400" b="1" dirty="0">
+                <a:latin typeface="Palatino" pitchFamily="2" charset="77"/>
+                <a:ea typeface="Palatino" pitchFamily="2" charset="77"/>
+              </a:rPr>
+              <a:t>What technologies and implementations do we have for security?</a:t>
+            </a:r>
+          </a:p>
+          <a:p>
+            <a:pPr lvl="1"/>
+            <a:r>
+              <a:rPr lang="en-US" sz="2400" dirty="0">
+                <a:latin typeface="Palatino" pitchFamily="2" charset="77"/>
+                <a:ea typeface="Palatino" pitchFamily="2" charset="77"/>
+              </a:rPr>
+              <a:t>You can now look at your Matrix for the specific area in question</a:t>
+            </a:r>
+          </a:p>
+          <a:p>
+            <a:pPr marL="742950" lvl="1" indent="-285750">
+              <a:buFont typeface="Arial" panose="020B0604020202020204" pitchFamily="34" charset="0"/>
+              <a:buChar char="•"/>
+            </a:pPr>
+            <a:endParaRPr lang="en-US" sz="2400" dirty="0">
+              <a:latin typeface="Palatino" pitchFamily="2" charset="77"/>
+              <a:ea typeface="Palatino" pitchFamily="2" charset="77"/>
+            </a:endParaRPr>
+          </a:p>
+          <a:p>
+            <a:r>
+              <a:rPr lang="en-US" sz="2400" b="1" dirty="0">
+                <a:latin typeface="Palatino" pitchFamily="2" charset="77"/>
+                <a:ea typeface="Palatino" pitchFamily="2" charset="77"/>
+              </a:rPr>
+              <a:t>Don’t we have something that will do that already?</a:t>
+            </a:r>
+          </a:p>
+          <a:p>
+            <a:pPr lvl="1"/>
+            <a:r>
+              <a:rPr lang="en-US" sz="2400" dirty="0">
+                <a:latin typeface="Palatino" pitchFamily="2" charset="77"/>
+                <a:ea typeface="Palatino" pitchFamily="2" charset="77"/>
+              </a:rPr>
+              <a:t>You can see what you have that overlaps, you may also use addition data (columns) to see what makes them different such as platform or location</a:t>
+            </a:r>
+          </a:p>
+          <a:p>
+            <a:pPr marL="742950" lvl="1" indent="-285750">
+              <a:buFont typeface="Arial" panose="020B0604020202020204" pitchFamily="34" charset="0"/>
+              <a:buChar char="•"/>
+            </a:pPr>
+            <a:endParaRPr lang="en-US" sz="2400" dirty="0">
+              <a:latin typeface="Palatino" pitchFamily="2" charset="77"/>
+              <a:ea typeface="Palatino" pitchFamily="2" charset="77"/>
+            </a:endParaRPr>
+          </a:p>
+          <a:p>
+            <a:r>
+              <a:rPr lang="en-US" sz="2400" b="1" dirty="0">
+                <a:latin typeface="Palatino" pitchFamily="2" charset="77"/>
+                <a:ea typeface="Palatino" pitchFamily="2" charset="77"/>
+              </a:rPr>
+              <a:t>We are covering the important stuff, right?</a:t>
+            </a:r>
+          </a:p>
+          <a:p>
+            <a:pPr lvl="1"/>
+            <a:r>
+              <a:rPr lang="en-US" sz="2400" dirty="0">
+                <a:latin typeface="Palatino" pitchFamily="2" charset="77"/>
+                <a:ea typeface="Palatino" pitchFamily="2" charset="77"/>
+              </a:rPr>
+              <a:t>You can ask them what they think is important. It should be in your model. Maybe you need a discussion on what is important.</a:t>
+            </a:r>
+          </a:p>
+          <a:p>
+            <a:pPr marL="742950" lvl="1" indent="-285750">
+              <a:buFont typeface="Arial" panose="020B0604020202020204" pitchFamily="34" charset="0"/>
+              <a:buChar char="•"/>
+            </a:pPr>
+            <a:endParaRPr lang="en-US" sz="2400" dirty="0">
+              <a:latin typeface="Palatino" pitchFamily="2" charset="77"/>
+              <a:ea typeface="Palatino" pitchFamily="2" charset="77"/>
+            </a:endParaRPr>
+          </a:p>
+          <a:p>
+            <a:r>
+              <a:rPr lang="en-US" sz="2400" b="1" dirty="0">
+                <a:latin typeface="Palatino" pitchFamily="2" charset="77"/>
+                <a:ea typeface="Palatino" pitchFamily="2" charset="77"/>
+              </a:rPr>
+              <a:t>Is there anything we can DROP, stop supporting, cancel the contract?</a:t>
+            </a:r>
+          </a:p>
+          <a:p>
+            <a:r>
+              <a:rPr lang="en-US" sz="2400" b="1" dirty="0">
+                <a:latin typeface="Palatino" pitchFamily="2" charset="77"/>
+                <a:ea typeface="Palatino" pitchFamily="2" charset="77"/>
+              </a:rPr>
+              <a:t>What happens when this services goes out of support?</a:t>
+            </a:r>
+          </a:p>
+          <a:p>
+            <a:pPr lvl="1"/>
+            <a:r>
+              <a:rPr lang="en-US" sz="2400" dirty="0">
+                <a:latin typeface="Palatino" pitchFamily="2" charset="77"/>
+                <a:ea typeface="Palatino" pitchFamily="2" charset="77"/>
+              </a:rPr>
+              <a:t>See what specific areas of security will be affected and if you have multiple implementations for that coverage. </a:t>
+            </a:r>
+          </a:p>
+          <a:p>
+            <a:endParaRPr lang="en-US" sz="2400" dirty="0">
+              <a:latin typeface="Palatino" pitchFamily="2" charset="77"/>
+              <a:ea typeface="Palatino" pitchFamily="2" charset="77"/>
+            </a:endParaRPr>
+          </a:p>
+        </p:txBody>
+      </p:sp>
+    </p:spTree>
+    <p:extLst>
+      <p:ext uri="{BB962C8B-B14F-4D97-AF65-F5344CB8AC3E}">
+        <p14:creationId xmlns:p14="http://schemas.microsoft.com/office/powerpoint/2010/main" val="3525159497"/>
+      </p:ext>
+    </p:extLst>
+  </p:cSld>
+  <p:clrMapOvr>
+    <a:masterClrMapping/>
+  </p:clrMapOvr>
+</p:sld>
+</file>
+
+<file path=ppt/slides/slide39.xml><?xml version="1.0" encoding="utf-8"?>
+<p:sld xmlns:a="http://schemas.openxmlformats.org/drawingml/2006/main" xmlns:r="http://schemas.openxmlformats.org/officeDocument/2006/relationships" xmlns:p="http://schemas.openxmlformats.org/presentationml/2006/main">
+  <p:cSld>
+    <p:spTree>
+      <p:nvGrpSpPr>
+        <p:cNvPr id="1" name=""/>
+        <p:cNvGrpSpPr/>
+        <p:nvPr/>
+      </p:nvGrpSpPr>
+      <p:grpSpPr>
+        <a:xfrm>
+          <a:off x="0" y="0"/>
+          <a:ext cx="0" cy="0"/>
+          <a:chOff x="0" y="0"/>
+          <a:chExt cx="0" cy="0"/>
+        </a:xfrm>
+      </p:grpSpPr>
+      <p:sp>
+        <p:nvSpPr>
+          <p:cNvPr id="2" name="Title 1">
+            <a:extLst>
+              <a:ext uri="{FF2B5EF4-FFF2-40B4-BE49-F238E27FC236}">
+                <a16:creationId xmlns:a16="http://schemas.microsoft.com/office/drawing/2014/main" id="{63F90658-C23E-CA41-AA08-642F512DD0BF}"/>
+              </a:ext>
+            </a:extLst>
+          </p:cNvPr>
+          <p:cNvSpPr>
+            <a:spLocks noGrp="1"/>
+          </p:cNvSpPr>
+          <p:nvPr>
+            <p:ph type="title"/>
+          </p:nvPr>
+        </p:nvSpPr>
+        <p:spPr/>
+        <p:txBody>
+          <a:bodyPr>
+            <a:normAutofit fontScale="90000"/>
+          </a:bodyPr>
+          <a:lstStyle/>
+          <a:p>
+            <a:r>
+              <a:rPr lang="en-US" dirty="0"/>
+              <a:t>Making decisions - Continued</a:t>
+            </a:r>
+          </a:p>
+        </p:txBody>
+      </p:sp>
+      <p:sp>
+        <p:nvSpPr>
+          <p:cNvPr id="3" name="Slide Number Placeholder 2">
+            <a:extLst>
+              <a:ext uri="{FF2B5EF4-FFF2-40B4-BE49-F238E27FC236}">
+                <a16:creationId xmlns:a16="http://schemas.microsoft.com/office/drawing/2014/main" id="{6A0C8E21-C4C5-8548-8120-1E0D3A15F55F}"/>
+              </a:ext>
+            </a:extLst>
+          </p:cNvPr>
+          <p:cNvSpPr>
+            <a:spLocks noGrp="1"/>
+          </p:cNvSpPr>
+          <p:nvPr>
+            <p:ph type="sldNum" sz="quarter" idx="11"/>
+          </p:nvPr>
+        </p:nvSpPr>
+        <p:spPr/>
+        <p:txBody>
+          <a:bodyPr/>
+          <a:lstStyle/>
+          <a:p>
+            <a:fld id="{98087C8C-FB93-F749-A32B-FDEADC74AE65}" type="slidenum">
+              <a:rPr lang="en-US" smtClean="0"/>
+              <a:pPr/>
+              <a:t>39</a:t>
             </a:fld>
             <a:endParaRPr lang="en-US" dirty="0"/>
           </a:p>
@@ -35725,7 +36111,319 @@
 </p:sld>
 </file>
 
-<file path=ppt/slides/slide38.xml><?xml version="1.0" encoding="utf-8"?>
+<file path=ppt/slides/slide4.xml><?xml version="1.0" encoding="utf-8"?>
+<p:sld xmlns:a="http://schemas.openxmlformats.org/drawingml/2006/main" xmlns:r="http://schemas.openxmlformats.org/officeDocument/2006/relationships" xmlns:p="http://schemas.openxmlformats.org/presentationml/2006/main">
+  <p:cSld>
+    <p:spTree>
+      <p:nvGrpSpPr>
+        <p:cNvPr id="1" name=""/>
+        <p:cNvGrpSpPr/>
+        <p:nvPr/>
+      </p:nvGrpSpPr>
+      <p:grpSpPr>
+        <a:xfrm>
+          <a:off x="0" y="0"/>
+          <a:ext cx="0" cy="0"/>
+          <a:chOff x="0" y="0"/>
+          <a:chExt cx="0" cy="0"/>
+        </a:xfrm>
+      </p:grpSpPr>
+      <p:sp>
+        <p:nvSpPr>
+          <p:cNvPr id="2" name="Title 1">
+            <a:extLst>
+              <a:ext uri="{FF2B5EF4-FFF2-40B4-BE49-F238E27FC236}">
+                <a16:creationId xmlns:a16="http://schemas.microsoft.com/office/drawing/2014/main" id="{FF713293-390A-E043-B649-0B7BB6486D14}"/>
+              </a:ext>
+            </a:extLst>
+          </p:cNvPr>
+          <p:cNvSpPr>
+            <a:spLocks noGrp="1"/>
+          </p:cNvSpPr>
+          <p:nvPr>
+            <p:ph type="title"/>
+          </p:nvPr>
+        </p:nvSpPr>
+        <p:spPr>
+          <a:xfrm>
+            <a:off x="325516" y="113170"/>
+            <a:ext cx="7069216" cy="615494"/>
+          </a:xfrm>
+        </p:spPr>
+        <p:txBody>
+          <a:bodyPr>
+            <a:normAutofit/>
+          </a:bodyPr>
+          <a:lstStyle/>
+          <a:p>
+            <a:r>
+              <a:rPr lang="en-US" dirty="0"/>
+              <a:t>Those questions and decisions pile up*</a:t>
+            </a:r>
+          </a:p>
+        </p:txBody>
+      </p:sp>
+      <p:sp>
+        <p:nvSpPr>
+          <p:cNvPr id="12" name="Slide Number Placeholder 11">
+            <a:extLst>
+              <a:ext uri="{FF2B5EF4-FFF2-40B4-BE49-F238E27FC236}">
+                <a16:creationId xmlns:a16="http://schemas.microsoft.com/office/drawing/2014/main" id="{4DAF52C6-BDFC-524E-BC7F-3FCFA84A5B32}"/>
+              </a:ext>
+            </a:extLst>
+          </p:cNvPr>
+          <p:cNvSpPr>
+            <a:spLocks noGrp="1"/>
+          </p:cNvSpPr>
+          <p:nvPr>
+            <p:ph type="sldNum" sz="quarter" idx="11"/>
+          </p:nvPr>
+        </p:nvSpPr>
+        <p:spPr/>
+        <p:txBody>
+          <a:bodyPr/>
+          <a:lstStyle/>
+          <a:p>
+            <a:fld id="{98087C8C-FB93-F749-A32B-FDEADC74AE65}" type="slidenum">
+              <a:rPr lang="en-US" smtClean="0"/>
+              <a:pPr/>
+              <a:t>4</a:t>
+            </a:fld>
+            <a:endParaRPr lang="en-US" dirty="0"/>
+          </a:p>
+        </p:txBody>
+      </p:sp>
+      <p:sp>
+        <p:nvSpPr>
+          <p:cNvPr id="13" name="TextBox 12">
+            <a:extLst>
+              <a:ext uri="{FF2B5EF4-FFF2-40B4-BE49-F238E27FC236}">
+                <a16:creationId xmlns:a16="http://schemas.microsoft.com/office/drawing/2014/main" id="{D314E458-D973-DB43-B7F1-FCBC5BEC90B1}"/>
+              </a:ext>
+            </a:extLst>
+          </p:cNvPr>
+          <p:cNvSpPr txBox="1"/>
+          <p:nvPr/>
+        </p:nvSpPr>
+        <p:spPr>
+          <a:xfrm>
+            <a:off x="594360" y="946270"/>
+            <a:ext cx="11323320" cy="5878532"/>
+          </a:xfrm>
+          <a:prstGeom prst="rect">
+            <a:avLst/>
+          </a:prstGeom>
+          <a:noFill/>
+        </p:spPr>
+        <p:txBody>
+          <a:bodyPr wrap="square" rtlCol="0">
+            <a:spAutoFit/>
+          </a:bodyPr>
+          <a:lstStyle/>
+          <a:p>
+            <a:pPr marL="285750" indent="-285750">
+              <a:buFont typeface="Arial" panose="020B0604020202020204" pitchFamily="34" charset="0"/>
+              <a:buChar char="•"/>
+            </a:pPr>
+            <a:r>
+              <a:rPr lang="en-US" sz="2400" dirty="0">
+                <a:latin typeface="Palatino" pitchFamily="2" charset="77"/>
+                <a:ea typeface="Palatino" pitchFamily="2" charset="77"/>
+              </a:rPr>
+              <a:t>What technologies and implementations do we have for security?</a:t>
+            </a:r>
+          </a:p>
+          <a:p>
+            <a:pPr marL="285750" indent="-285750">
+              <a:buFont typeface="Arial" panose="020B0604020202020204" pitchFamily="34" charset="0"/>
+              <a:buChar char="•"/>
+            </a:pPr>
+            <a:r>
+              <a:rPr lang="en-US" sz="2400" dirty="0">
+                <a:latin typeface="Palatino" pitchFamily="2" charset="77"/>
+                <a:ea typeface="Palatino" pitchFamily="2" charset="77"/>
+              </a:rPr>
+              <a:t>Don’t we have something that will do that already?</a:t>
+            </a:r>
+          </a:p>
+          <a:p>
+            <a:pPr marL="285750" indent="-285750">
+              <a:buFont typeface="Arial" panose="020B0604020202020204" pitchFamily="34" charset="0"/>
+              <a:buChar char="•"/>
+            </a:pPr>
+            <a:r>
+              <a:rPr lang="en-US" sz="2400" dirty="0">
+                <a:latin typeface="Palatino" pitchFamily="2" charset="77"/>
+                <a:ea typeface="Palatino" pitchFamily="2" charset="77"/>
+              </a:rPr>
+              <a:t>We are covering the important stuff, right?</a:t>
+            </a:r>
+          </a:p>
+          <a:p>
+            <a:pPr marL="285750" indent="-285750">
+              <a:buFont typeface="Arial" panose="020B0604020202020204" pitchFamily="34" charset="0"/>
+              <a:buChar char="•"/>
+            </a:pPr>
+            <a:r>
+              <a:rPr lang="en-US" sz="2400" dirty="0">
+                <a:latin typeface="Palatino" pitchFamily="2" charset="77"/>
+                <a:ea typeface="Palatino" pitchFamily="2" charset="77"/>
+              </a:rPr>
+              <a:t>Is there anything we can DROP?</a:t>
+            </a:r>
+          </a:p>
+          <a:p>
+            <a:pPr marL="285750" indent="-285750">
+              <a:buFont typeface="Arial" panose="020B0604020202020204" pitchFamily="34" charset="0"/>
+              <a:buChar char="•"/>
+            </a:pPr>
+            <a:r>
+              <a:rPr lang="en-US" sz="2400" dirty="0">
+                <a:latin typeface="Palatino" pitchFamily="2" charset="77"/>
+                <a:ea typeface="Palatino" pitchFamily="2" charset="77"/>
+              </a:rPr>
+              <a:t>Which way should we grow or improve?</a:t>
+            </a:r>
+          </a:p>
+          <a:p>
+            <a:pPr marL="285750" indent="-285750">
+              <a:buFont typeface="Arial" panose="020B0604020202020204" pitchFamily="34" charset="0"/>
+              <a:buChar char="•"/>
+            </a:pPr>
+            <a:r>
+              <a:rPr lang="en-US" sz="2400" dirty="0">
+                <a:latin typeface="Palatino" pitchFamily="2" charset="77"/>
+                <a:ea typeface="Palatino" pitchFamily="2" charset="77"/>
+              </a:rPr>
+              <a:t>What happens when this services goes out of support?</a:t>
+            </a:r>
+          </a:p>
+          <a:p>
+            <a:pPr marL="285750" indent="-285750">
+              <a:buFont typeface="Arial" panose="020B0604020202020204" pitchFamily="34" charset="0"/>
+              <a:buChar char="•"/>
+            </a:pPr>
+            <a:r>
+              <a:rPr lang="en-US" sz="2400" dirty="0">
+                <a:latin typeface="Palatino" pitchFamily="2" charset="77"/>
+                <a:ea typeface="Palatino" pitchFamily="2" charset="77"/>
+              </a:rPr>
+              <a:t>How do I plan the work for next year?</a:t>
+            </a:r>
+          </a:p>
+          <a:p>
+            <a:pPr marL="285750" indent="-285750">
+              <a:buFont typeface="Arial" panose="020B0604020202020204" pitchFamily="34" charset="0"/>
+              <a:buChar char="•"/>
+            </a:pPr>
+            <a:r>
+              <a:rPr lang="en-US" sz="2400" dirty="0">
+                <a:latin typeface="Palatino" pitchFamily="2" charset="77"/>
+                <a:ea typeface="Palatino" pitchFamily="2" charset="77"/>
+              </a:rPr>
+              <a:t>I know we just moved to the cloud but I though we already implemented that security thing.</a:t>
+            </a:r>
+          </a:p>
+          <a:p>
+            <a:pPr marL="285750" indent="-285750">
+              <a:buFont typeface="Arial" panose="020B0604020202020204" pitchFamily="34" charset="0"/>
+              <a:buChar char="•"/>
+            </a:pPr>
+            <a:r>
+              <a:rPr lang="en-US" sz="2400" dirty="0">
+                <a:latin typeface="Palatino" pitchFamily="2" charset="77"/>
+                <a:ea typeface="Palatino" pitchFamily="2" charset="77"/>
+              </a:rPr>
+              <a:t>How does this fit with the long-term road map?</a:t>
+            </a:r>
+          </a:p>
+          <a:p>
+            <a:pPr marL="285750" indent="-285750">
+              <a:buFont typeface="Arial" panose="020B0604020202020204" pitchFamily="34" charset="0"/>
+              <a:buChar char="•"/>
+            </a:pPr>
+            <a:r>
+              <a:rPr lang="en-US" sz="2400" dirty="0">
+                <a:latin typeface="Palatino" pitchFamily="2" charset="77"/>
+                <a:ea typeface="Palatino" pitchFamily="2" charset="77"/>
+              </a:rPr>
+              <a:t>How does that new security product fit in?</a:t>
+            </a:r>
+          </a:p>
+          <a:p>
+            <a:pPr marL="285750" indent="-285750">
+              <a:buFont typeface="Arial" panose="020B0604020202020204" pitchFamily="34" charset="0"/>
+              <a:buChar char="•"/>
+            </a:pPr>
+            <a:r>
+              <a:rPr lang="en-US" sz="2400" dirty="0">
+                <a:latin typeface="Palatino" pitchFamily="2" charset="77"/>
+                <a:ea typeface="Palatino" pitchFamily="2" charset="77"/>
+              </a:rPr>
+              <a:t>How does all this relate to our security controls?</a:t>
+            </a:r>
+          </a:p>
+          <a:p>
+            <a:pPr marL="285750" indent="-285750">
+              <a:buFont typeface="Arial" panose="020B0604020202020204" pitchFamily="34" charset="0"/>
+              <a:buChar char="•"/>
+            </a:pPr>
+            <a:r>
+              <a:rPr lang="en-US" sz="2400" dirty="0">
+                <a:latin typeface="Palatino" pitchFamily="2" charset="77"/>
+                <a:ea typeface="Palatino" pitchFamily="2" charset="77"/>
+              </a:rPr>
+              <a:t>Is our organization organized correctly?</a:t>
+            </a:r>
+          </a:p>
+          <a:p>
+            <a:pPr marL="285750" indent="-285750">
+              <a:buFont typeface="Arial" panose="020B0604020202020204" pitchFamily="34" charset="0"/>
+              <a:buChar char="•"/>
+            </a:pPr>
+            <a:r>
+              <a:rPr lang="en-US" sz="2400" dirty="0">
+                <a:latin typeface="Palatino" pitchFamily="2" charset="77"/>
+                <a:ea typeface="Palatino" pitchFamily="2" charset="77"/>
+              </a:rPr>
+              <a:t>Where are we spending our money?</a:t>
+            </a:r>
+          </a:p>
+          <a:p>
+            <a:pPr marL="285750" indent="-285750">
+              <a:buFont typeface="Arial" panose="020B0604020202020204" pitchFamily="34" charset="0"/>
+              <a:buChar char="•"/>
+            </a:pPr>
+            <a:endParaRPr lang="en-US" sz="2400" dirty="0">
+              <a:latin typeface="Palatino" pitchFamily="2" charset="77"/>
+              <a:ea typeface="Palatino" pitchFamily="2" charset="77"/>
+            </a:endParaRPr>
+          </a:p>
+          <a:p>
+            <a:r>
+              <a:rPr lang="en-US" sz="1600" dirty="0">
+                <a:latin typeface="Palatino" pitchFamily="2" charset="77"/>
+                <a:ea typeface="Palatino" pitchFamily="2" charset="77"/>
+              </a:rPr>
+              <a:t>* This is a good example of a bad slide</a:t>
+            </a:r>
+          </a:p>
+        </p:txBody>
+      </p:sp>
+    </p:spTree>
+    <p:extLst>
+      <p:ext uri="{BB962C8B-B14F-4D97-AF65-F5344CB8AC3E}">
+        <p14:creationId xmlns:p14="http://schemas.microsoft.com/office/powerpoint/2010/main" val="2252136490"/>
+      </p:ext>
+    </p:extLst>
+  </p:cSld>
+  <p:clrMapOvr>
+    <a:masterClrMapping/>
+  </p:clrMapOvr>
+</p:sld>
+</file>
+
+<file path=ppt/slides/slide40.xml><?xml version="1.0" encoding="utf-8"?>
 <p:sld xmlns:a="http://schemas.openxmlformats.org/drawingml/2006/main" xmlns:r="http://schemas.openxmlformats.org/officeDocument/2006/relationships" xmlns:p="http://schemas.openxmlformats.org/presentationml/2006/main">
   <p:cSld>
     <p:spTree>
@@ -35824,7 +36522,7 @@
                   </a:schemeClr>
                 </a:solidFill>
               </a:rPr>
-              <a:t>38</a:t>
+              <a:t>40</a:t>
             </a:fld>
             <a:endParaRPr lang="en-US">
               <a:solidFill>
@@ -36030,7 +36728,7 @@
 </p:sld>
 </file>
 
-<file path=ppt/slides/slide39.xml><?xml version="1.0" encoding="utf-8"?>
+<file path=ppt/slides/slide41.xml><?xml version="1.0" encoding="utf-8"?>
 <p:sld xmlns:a="http://schemas.openxmlformats.org/drawingml/2006/main" xmlns:r="http://schemas.openxmlformats.org/officeDocument/2006/relationships" xmlns:p="http://schemas.openxmlformats.org/presentationml/2006/main">
   <p:cSld>
     <p:spTree>
@@ -36585,319 +37283,7 @@
 </p:sld>
 </file>
 
-<file path=ppt/slides/slide4.xml><?xml version="1.0" encoding="utf-8"?>
-<p:sld xmlns:a="http://schemas.openxmlformats.org/drawingml/2006/main" xmlns:r="http://schemas.openxmlformats.org/officeDocument/2006/relationships" xmlns:p="http://schemas.openxmlformats.org/presentationml/2006/main">
-  <p:cSld>
-    <p:spTree>
-      <p:nvGrpSpPr>
-        <p:cNvPr id="1" name=""/>
-        <p:cNvGrpSpPr/>
-        <p:nvPr/>
-      </p:nvGrpSpPr>
-      <p:grpSpPr>
-        <a:xfrm>
-          <a:off x="0" y="0"/>
-          <a:ext cx="0" cy="0"/>
-          <a:chOff x="0" y="0"/>
-          <a:chExt cx="0" cy="0"/>
-        </a:xfrm>
-      </p:grpSpPr>
-      <p:sp>
-        <p:nvSpPr>
-          <p:cNvPr id="2" name="Title 1">
-            <a:extLst>
-              <a:ext uri="{FF2B5EF4-FFF2-40B4-BE49-F238E27FC236}">
-                <a16:creationId xmlns:a16="http://schemas.microsoft.com/office/drawing/2014/main" id="{FF713293-390A-E043-B649-0B7BB6486D14}"/>
-              </a:ext>
-            </a:extLst>
-          </p:cNvPr>
-          <p:cNvSpPr>
-            <a:spLocks noGrp="1"/>
-          </p:cNvSpPr>
-          <p:nvPr>
-            <p:ph type="title"/>
-          </p:nvPr>
-        </p:nvSpPr>
-        <p:spPr>
-          <a:xfrm>
-            <a:off x="325516" y="113170"/>
-            <a:ext cx="7069216" cy="615494"/>
-          </a:xfrm>
-        </p:spPr>
-        <p:txBody>
-          <a:bodyPr>
-            <a:normAutofit/>
-          </a:bodyPr>
-          <a:lstStyle/>
-          <a:p>
-            <a:r>
-              <a:rPr lang="en-US" dirty="0"/>
-              <a:t>Those questions and decisions pile up*</a:t>
-            </a:r>
-          </a:p>
-        </p:txBody>
-      </p:sp>
-      <p:sp>
-        <p:nvSpPr>
-          <p:cNvPr id="12" name="Slide Number Placeholder 11">
-            <a:extLst>
-              <a:ext uri="{FF2B5EF4-FFF2-40B4-BE49-F238E27FC236}">
-                <a16:creationId xmlns:a16="http://schemas.microsoft.com/office/drawing/2014/main" id="{4DAF52C6-BDFC-524E-BC7F-3FCFA84A5B32}"/>
-              </a:ext>
-            </a:extLst>
-          </p:cNvPr>
-          <p:cNvSpPr>
-            <a:spLocks noGrp="1"/>
-          </p:cNvSpPr>
-          <p:nvPr>
-            <p:ph type="sldNum" sz="quarter" idx="11"/>
-          </p:nvPr>
-        </p:nvSpPr>
-        <p:spPr/>
-        <p:txBody>
-          <a:bodyPr/>
-          <a:lstStyle/>
-          <a:p>
-            <a:fld id="{98087C8C-FB93-F749-A32B-FDEADC74AE65}" type="slidenum">
-              <a:rPr lang="en-US" smtClean="0"/>
-              <a:pPr/>
-              <a:t>4</a:t>
-            </a:fld>
-            <a:endParaRPr lang="en-US" dirty="0"/>
-          </a:p>
-        </p:txBody>
-      </p:sp>
-      <p:sp>
-        <p:nvSpPr>
-          <p:cNvPr id="13" name="TextBox 12">
-            <a:extLst>
-              <a:ext uri="{FF2B5EF4-FFF2-40B4-BE49-F238E27FC236}">
-                <a16:creationId xmlns:a16="http://schemas.microsoft.com/office/drawing/2014/main" id="{D314E458-D973-DB43-B7F1-FCBC5BEC90B1}"/>
-              </a:ext>
-            </a:extLst>
-          </p:cNvPr>
-          <p:cNvSpPr txBox="1"/>
-          <p:nvPr/>
-        </p:nvSpPr>
-        <p:spPr>
-          <a:xfrm>
-            <a:off x="594360" y="946270"/>
-            <a:ext cx="11323320" cy="5878532"/>
-          </a:xfrm>
-          <a:prstGeom prst="rect">
-            <a:avLst/>
-          </a:prstGeom>
-          <a:noFill/>
-        </p:spPr>
-        <p:txBody>
-          <a:bodyPr wrap="square" rtlCol="0">
-            <a:spAutoFit/>
-          </a:bodyPr>
-          <a:lstStyle/>
-          <a:p>
-            <a:pPr marL="285750" indent="-285750">
-              <a:buFont typeface="Arial" panose="020B0604020202020204" pitchFamily="34" charset="0"/>
-              <a:buChar char="•"/>
-            </a:pPr>
-            <a:r>
-              <a:rPr lang="en-US" sz="2400" dirty="0">
-                <a:latin typeface="Palatino" pitchFamily="2" charset="77"/>
-                <a:ea typeface="Palatino" pitchFamily="2" charset="77"/>
-              </a:rPr>
-              <a:t>What technologies and implementations do we have for security?</a:t>
-            </a:r>
-          </a:p>
-          <a:p>
-            <a:pPr marL="285750" indent="-285750">
-              <a:buFont typeface="Arial" panose="020B0604020202020204" pitchFamily="34" charset="0"/>
-              <a:buChar char="•"/>
-            </a:pPr>
-            <a:r>
-              <a:rPr lang="en-US" sz="2400" dirty="0">
-                <a:latin typeface="Palatino" pitchFamily="2" charset="77"/>
-                <a:ea typeface="Palatino" pitchFamily="2" charset="77"/>
-              </a:rPr>
-              <a:t>Don’t we have something that will do that already?</a:t>
-            </a:r>
-          </a:p>
-          <a:p>
-            <a:pPr marL="285750" indent="-285750">
-              <a:buFont typeface="Arial" panose="020B0604020202020204" pitchFamily="34" charset="0"/>
-              <a:buChar char="•"/>
-            </a:pPr>
-            <a:r>
-              <a:rPr lang="en-US" sz="2400" dirty="0">
-                <a:latin typeface="Palatino" pitchFamily="2" charset="77"/>
-                <a:ea typeface="Palatino" pitchFamily="2" charset="77"/>
-              </a:rPr>
-              <a:t>We are covering the important stuff, right?</a:t>
-            </a:r>
-          </a:p>
-          <a:p>
-            <a:pPr marL="285750" indent="-285750">
-              <a:buFont typeface="Arial" panose="020B0604020202020204" pitchFamily="34" charset="0"/>
-              <a:buChar char="•"/>
-            </a:pPr>
-            <a:r>
-              <a:rPr lang="en-US" sz="2400" dirty="0">
-                <a:latin typeface="Palatino" pitchFamily="2" charset="77"/>
-                <a:ea typeface="Palatino" pitchFamily="2" charset="77"/>
-              </a:rPr>
-              <a:t>Is there anything we can DROP?</a:t>
-            </a:r>
-          </a:p>
-          <a:p>
-            <a:pPr marL="285750" indent="-285750">
-              <a:buFont typeface="Arial" panose="020B0604020202020204" pitchFamily="34" charset="0"/>
-              <a:buChar char="•"/>
-            </a:pPr>
-            <a:r>
-              <a:rPr lang="en-US" sz="2400" dirty="0">
-                <a:latin typeface="Palatino" pitchFamily="2" charset="77"/>
-                <a:ea typeface="Palatino" pitchFamily="2" charset="77"/>
-              </a:rPr>
-              <a:t>Which way should we grow or improve?</a:t>
-            </a:r>
-          </a:p>
-          <a:p>
-            <a:pPr marL="285750" indent="-285750">
-              <a:buFont typeface="Arial" panose="020B0604020202020204" pitchFamily="34" charset="0"/>
-              <a:buChar char="•"/>
-            </a:pPr>
-            <a:r>
-              <a:rPr lang="en-US" sz="2400" dirty="0">
-                <a:latin typeface="Palatino" pitchFamily="2" charset="77"/>
-                <a:ea typeface="Palatino" pitchFamily="2" charset="77"/>
-              </a:rPr>
-              <a:t>What happens when this services goes out of support?</a:t>
-            </a:r>
-          </a:p>
-          <a:p>
-            <a:pPr marL="285750" indent="-285750">
-              <a:buFont typeface="Arial" panose="020B0604020202020204" pitchFamily="34" charset="0"/>
-              <a:buChar char="•"/>
-            </a:pPr>
-            <a:r>
-              <a:rPr lang="en-US" sz="2400" dirty="0">
-                <a:latin typeface="Palatino" pitchFamily="2" charset="77"/>
-                <a:ea typeface="Palatino" pitchFamily="2" charset="77"/>
-              </a:rPr>
-              <a:t>How do I plan the work for next year?</a:t>
-            </a:r>
-          </a:p>
-          <a:p>
-            <a:pPr marL="285750" indent="-285750">
-              <a:buFont typeface="Arial" panose="020B0604020202020204" pitchFamily="34" charset="0"/>
-              <a:buChar char="•"/>
-            </a:pPr>
-            <a:r>
-              <a:rPr lang="en-US" sz="2400" dirty="0">
-                <a:latin typeface="Palatino" pitchFamily="2" charset="77"/>
-                <a:ea typeface="Palatino" pitchFamily="2" charset="77"/>
-              </a:rPr>
-              <a:t>I know we just moved to the cloud but I though we already implemented that security thing.</a:t>
-            </a:r>
-          </a:p>
-          <a:p>
-            <a:pPr marL="285750" indent="-285750">
-              <a:buFont typeface="Arial" panose="020B0604020202020204" pitchFamily="34" charset="0"/>
-              <a:buChar char="•"/>
-            </a:pPr>
-            <a:r>
-              <a:rPr lang="en-US" sz="2400" dirty="0">
-                <a:latin typeface="Palatino" pitchFamily="2" charset="77"/>
-                <a:ea typeface="Palatino" pitchFamily="2" charset="77"/>
-              </a:rPr>
-              <a:t>How does this fit with the long-term road map?</a:t>
-            </a:r>
-          </a:p>
-          <a:p>
-            <a:pPr marL="285750" indent="-285750">
-              <a:buFont typeface="Arial" panose="020B0604020202020204" pitchFamily="34" charset="0"/>
-              <a:buChar char="•"/>
-            </a:pPr>
-            <a:r>
-              <a:rPr lang="en-US" sz="2400" dirty="0">
-                <a:latin typeface="Palatino" pitchFamily="2" charset="77"/>
-                <a:ea typeface="Palatino" pitchFamily="2" charset="77"/>
-              </a:rPr>
-              <a:t>How does that new security product fit in?</a:t>
-            </a:r>
-          </a:p>
-          <a:p>
-            <a:pPr marL="285750" indent="-285750">
-              <a:buFont typeface="Arial" panose="020B0604020202020204" pitchFamily="34" charset="0"/>
-              <a:buChar char="•"/>
-            </a:pPr>
-            <a:r>
-              <a:rPr lang="en-US" sz="2400" dirty="0">
-                <a:latin typeface="Palatino" pitchFamily="2" charset="77"/>
-                <a:ea typeface="Palatino" pitchFamily="2" charset="77"/>
-              </a:rPr>
-              <a:t>How does all this relate to our security controls?</a:t>
-            </a:r>
-          </a:p>
-          <a:p>
-            <a:pPr marL="285750" indent="-285750">
-              <a:buFont typeface="Arial" panose="020B0604020202020204" pitchFamily="34" charset="0"/>
-              <a:buChar char="•"/>
-            </a:pPr>
-            <a:r>
-              <a:rPr lang="en-US" sz="2400" dirty="0">
-                <a:latin typeface="Palatino" pitchFamily="2" charset="77"/>
-                <a:ea typeface="Palatino" pitchFamily="2" charset="77"/>
-              </a:rPr>
-              <a:t>Is our organization organized correctly?</a:t>
-            </a:r>
-          </a:p>
-          <a:p>
-            <a:pPr marL="285750" indent="-285750">
-              <a:buFont typeface="Arial" panose="020B0604020202020204" pitchFamily="34" charset="0"/>
-              <a:buChar char="•"/>
-            </a:pPr>
-            <a:r>
-              <a:rPr lang="en-US" sz="2400" dirty="0">
-                <a:latin typeface="Palatino" pitchFamily="2" charset="77"/>
-                <a:ea typeface="Palatino" pitchFamily="2" charset="77"/>
-              </a:rPr>
-              <a:t>Where are we spending our money?</a:t>
-            </a:r>
-          </a:p>
-          <a:p>
-            <a:pPr marL="285750" indent="-285750">
-              <a:buFont typeface="Arial" panose="020B0604020202020204" pitchFamily="34" charset="0"/>
-              <a:buChar char="•"/>
-            </a:pPr>
-            <a:endParaRPr lang="en-US" sz="2400" dirty="0">
-              <a:latin typeface="Palatino" pitchFamily="2" charset="77"/>
-              <a:ea typeface="Palatino" pitchFamily="2" charset="77"/>
-            </a:endParaRPr>
-          </a:p>
-          <a:p>
-            <a:r>
-              <a:rPr lang="en-US" sz="1600" dirty="0">
-                <a:latin typeface="Palatino" pitchFamily="2" charset="77"/>
-                <a:ea typeface="Palatino" pitchFamily="2" charset="77"/>
-              </a:rPr>
-              <a:t>* This is a good example of a bad slide</a:t>
-            </a:r>
-          </a:p>
-        </p:txBody>
-      </p:sp>
-    </p:spTree>
-    <p:extLst>
-      <p:ext uri="{BB962C8B-B14F-4D97-AF65-F5344CB8AC3E}">
-        <p14:creationId xmlns:p14="http://schemas.microsoft.com/office/powerpoint/2010/main" val="2252136490"/>
-      </p:ext>
-    </p:extLst>
-  </p:cSld>
-  <p:clrMapOvr>
-    <a:masterClrMapping/>
-  </p:clrMapOvr>
-</p:sld>
-</file>
-
-<file path=ppt/slides/slide40.xml><?xml version="1.0" encoding="utf-8"?>
+<file path=ppt/slides/slide42.xml><?xml version="1.0" encoding="utf-8"?>
 <p:sld xmlns:a="http://schemas.openxmlformats.org/drawingml/2006/main" xmlns:r="http://schemas.openxmlformats.org/officeDocument/2006/relationships" xmlns:p="http://schemas.openxmlformats.org/presentationml/2006/main">
   <p:cSld>
     <p:spTree>
@@ -36968,7 +37354,7 @@
             <a:fld id="{98087C8C-FB93-F749-A32B-FDEADC74AE65}" type="slidenum">
               <a:rPr lang="en-US" smtClean="0"/>
               <a:pPr/>
-              <a:t>40</a:t>
+              <a:t>42</a:t>
             </a:fld>
             <a:endParaRPr lang="en-US" dirty="0"/>
           </a:p>

--- a/MakingSecurityDecisionsLikeABoss.pptx
+++ b/MakingSecurityDecisionsLikeABoss.pptx
@@ -15332,6 +15332,34 @@
 </dgm:styleDef>
 </file>
 
+<file path=ppt/ink/ink1.xml><?xml version="1.0" encoding="utf-8"?>
+<inkml:ink xmlns:inkml="http://www.w3.org/2003/InkML">
+  <inkml:definitions>
+    <inkml:context xml:id="ctx0">
+      <inkml:inkSource xml:id="inkSrc0">
+        <inkml:traceFormat>
+          <inkml:channel name="X" type="integer" min="-2.14748E9" max="2.14748E9" units="cm"/>
+          <inkml:channel name="Y" type="integer" min="-2.14748E9" max="2.14748E9" units="cm"/>
+          <inkml:channel name="F" type="integer" max="32767" units="dev"/>
+        </inkml:traceFormat>
+        <inkml:channelProperties>
+          <inkml:channelProperty channel="X" name="resolution" value="1000" units="1/cm"/>
+          <inkml:channelProperty channel="Y" name="resolution" value="1000" units="1/cm"/>
+          <inkml:channelProperty channel="F" name="resolution" value="0" units="1/dev"/>
+        </inkml:channelProperties>
+      </inkml:inkSource>
+      <inkml:timestamp xml:id="ts0" timeString="2022-04-02T00:39:57.594"/>
+    </inkml:context>
+    <inkml:brush xml:id="br0">
+      <inkml:brushProperty name="width" value="0.1" units="cm"/>
+      <inkml:brushProperty name="height" value="0.1" units="cm"/>
+      <inkml:brushProperty name="color" value="#F6630D"/>
+    </inkml:brush>
+  </inkml:definitions>
+  <inkml:trace contextRef="#ctx0" brushRef="#br0">680 0 24575,'-2'16'0,"-21"55"0,12-26 0,-1 9 0,-2 14 0,-2 15 0,-1 4 0,2-3 0,-1 13 0,2-1 0,0 4 0,2-5 0,-1 5 0,0-1 0,1-4-439,-1 9 0,0-6 1,0-3 438,3-13 0,0-4 0,0 0 0,-3-2 0,0 0 0,1-2 66,1-7 0,2-1 0,0 0-66,-2 32 0,2-2 0,0-7 0,2 1 0,5 8 0,1 1 0,-3-10 0,0-1 0,0 2 0,-1-3 0,1-9 0,-1-2 0,-4-9 0,0-2 0,0-4 0,1-3 0,1-2 0,-1-1 494,2 0 0,1 0-494,-1 4 0,2 1 65,2 0 0,0 1-65,-2 4 0,0 0 0,2-4 0,0 0 0,-3-2 0,-1 1 0,4 4 0,-1 0 0,-3 3 0,-1 1 0,1 13 0,0 1 0,1-4 0,1 1 0,-5 8 0,1-1 0,7-13 0,0-1 0,-3 3 0,-1-1 0,2-8 0,0-2 0,2-3 0,-1-1 0,0 0 0,-1 0 0,-1-3 0,1 0 0,2-1 0,0 0 0,-6 1 0,0 0 0,6-4 0,0 0 0,-5 6 0,-2 1 0,3 2 0,1 2 0,0 12 0,-1 2 0,-2 3 0,0 1 0,6 2 0,0-1 0,-6-5 0,0-2 0,6-10 0,0-2 0,-2-3 0,0-3 0,3 42 0,0-44 0,0 2 0,0 2 0,0 2 0,0 7 0,0 3 0,0 1 0,0 1 0,-1 3 0,2-2 0,0-8 0,2-2 0,1 0 0,2-1 0,3-7 0,1-1 0,15 37 0,-11-44 0,1-2 0,14 36 0,1 6 0,5-7 0,4 5 0,8-12 0,-1 6 0,5-1 0,0 2 0,-24-37 0,1-1 0,1 1 0,2 0 0,-2-1 0,1 1 0,0 0 0,0 0 0,-1-4 0,1 0 0,-1 3 0,1 0 0,3-1 0,1-2 0,-4 1 0,1-1 0,6 1 0,0-2 0,20 25 0,0-4 0,-5-13 0,0-6 0,12-4 0,3-6 0,1 0 0,3-4 0,-11-10 0,10 2 0,-5-16 0,13 2 0,4-6 0,-3-6 0,10-17 0,-6-15 0,-28 6 0,1-3 0,-3-1 0,1-2 0,13-8 0,-2-2 0,-11 6 0,-3 0 0,-2 1 0,-5-1 0,17-29 0,-32 24 0,-3-5 0,2-9 0,-2-5 0,4-14 0,-1-5 0,-5 19 0,1-3 0,-2 0 0,-3 1 0,-1-1 0,1 0 0,1 0 0,1 0 0,-2 0 0,0 2 0,-2 0 0,0 2 0,5-24 0,-2 2 0,1 4 0,-3 1 0,-4 0 0,-3 2 0,-3 8 0,-3 2 0,-1-1 0,-2 2 0,-3 5 0,0 1 0,0 3 0,0 1 0,0 1 0,0 1 0,0 0 0,0 0 0,0-3 0,0-1 0,0-6 0,0-2 0,0-2 0,0-1 0,0-4 0,0-1 0,0 1 0,0-1 0,0 0 0,0 1 0,0-1 0,0 1 0,0-1 0,0 0 0,-3-4 0,-2-1 0,0-2 0,-1-1 0,-2 19 0,-2-1 0,1 0-167,0-2 1,-1 1-1,1-2 167,-2-5 0,1-2 0,-1 2 0,1 3 0,1 2 0,-1 1 0,-3-24 0,0 2 0,1 10 0,-1 4 0,1 14 0,-1 0 0,0-6 0,-2-1 0,-4-1 0,0-1 0,4-6 0,0-1 0,-5-2 0,1 0 250,4 9 0,2 1-250,1 5 0,-2 0 0,-1 6 0,0 1 0,3 3 0,-1-1 0,-6-6 0,-1-1 0,3-5 0,-1-1 0,-6-8 0,-1-1 0,7 2 0,1 1 0,-7 3 0,-1 2 0,8 7 0,0 2 0,-2 7 0,0 1 0,1 3 0,0 2 0,-1 2 0,0 1 0,-3-3 0,-1 0 0,0 3 0,0-1 0,-1-6 0,1-1 0,1 8 0,-1 1 0,1-1 0,0 1 0,-17-33 0,0 13 0,9 7 0,-7 11 0,7 6 0,-6 3 0,0 0 0,-1-3 0,-8 0 0,2-2 0,4 2 0,0 1 0,10 0 0,-2 8 0,6 0 0,1 1 0,3 5 0,0-5 0,4 12 0,1-2 0,1 5 0,2-6 0,-5 0 0,-1-2 0,-7-3 0,7 2 0,0 4 0,12 3 0,1 7 0,1 3 0,3 1 0,-2 5 0,1-5 0,0 3 0,-3-2 0,-3-2 0,-1-3 0,-12-2 0,-1-4 0,-12-3 0,7 6 0,0-5 0,6 14 0,5-4 0,-3 5 0,0 0 0,1 2 0,-3-2 0,6 4 0,-2 0 0,6 0 0,-1 0 0,3 0 0,-3 0 0,2 0 0,-7 0 0,5 0 0,-7 0 0,4 0 0,-1 0 0,-3-6 0,-3 5 0,-4-4 0,-1 5 0,-1 0 0,6 0 0,7 0 0,1 0 0,10 0 0,-4 0 0,7 0 0,-5 0 0,3 0 0,-6 0 0,-1 0 0,1 0 0,4 4 0,-1-3 0,5 4 0,-7-4 0,7 1 0,-8 8 0,8-2 0,-6 3 0,5-8 0,-5-3 0,2 0 0,-2 0 0,4 0 0,1 0 0</inkml:trace>
+</inkml:ink>
+</file>
+
 <file path=ppt/notesMasters/notesMaster1.xml><?xml version="1.0" encoding="utf-8"?>
 <p:notesMaster xmlns:a="http://schemas.openxmlformats.org/drawingml/2006/main" xmlns:r="http://schemas.openxmlformats.org/officeDocument/2006/relationships" xmlns:p="http://schemas.openxmlformats.org/presentationml/2006/main">
   <p:cSld>
@@ -16663,6 +16691,33 @@
               <a:t>Archi is also a nice tool.</a:t>
             </a:r>
           </a:p>
+          <a:p>
+            <a:endParaRPr lang="en-US" dirty="0"/>
+          </a:p>
+          <a:p>
+            <a:r>
+              <a:rPr lang="en-US" dirty="0"/>
+              <a:t>There are also complete architecture methods</a:t>
+            </a:r>
+          </a:p>
+          <a:p>
+            <a:r>
+              <a:rPr lang="en-US" dirty="0"/>
+              <a:t>SABSA</a:t>
+            </a:r>
+          </a:p>
+          <a:p>
+            <a:r>
+              <a:rPr lang="en-US" dirty="0"/>
+              <a:t>Zachman - very old and stodgy</a:t>
+            </a:r>
+          </a:p>
+          <a:p>
+            <a:r>
+              <a:rPr lang="en-US" dirty="0"/>
+              <a:t>TOGAF - is not what you think it is</a:t>
+            </a:r>
+          </a:p>
         </p:txBody>
       </p:sp>
       <p:sp>
@@ -16772,15 +16827,6 @@
             <a:endParaRPr lang="en-US" dirty="0"/>
           </a:p>
           <a:p>
-            <a:r>
-              <a:rPr lang="en-US" dirty="0"/>
-              <a:t>Talk about others that may exist. This is just a fly by.</a:t>
-            </a:r>
-          </a:p>
-          <a:p>
-            <a:endParaRPr lang="en-US" dirty="0"/>
-          </a:p>
-          <a:p>
             <a:endParaRPr lang="en-US" dirty="0"/>
           </a:p>
           <a:p>
@@ -17009,10 +17055,7 @@
             <a:endParaRPr lang="en-US" dirty="0"/>
           </a:p>
           <a:p>
-            <a:r>
-              <a:rPr lang="en-US" dirty="0"/>
-              <a:t>This is the beginning of an approach.</a:t>
-            </a:r>
+            <a:endParaRPr lang="en-US" dirty="0"/>
           </a:p>
           <a:p>
             <a:r>
@@ -17149,6 +17192,24 @@
               <a:t>It depends on your audience and needs.</a:t>
             </a:r>
           </a:p>
+          <a:p>
+            <a:endParaRPr lang="en-US" dirty="0"/>
+          </a:p>
+          <a:p>
+            <a:r>
+              <a:rPr lang="en-US" dirty="0"/>
+              <a:t>Your industry</a:t>
+            </a:r>
+          </a:p>
+          <a:p>
+            <a:endParaRPr lang="en-US" dirty="0"/>
+          </a:p>
+          <a:p>
+            <a:r>
+              <a:rPr lang="en-US" dirty="0"/>
+              <a:t>The level of detail</a:t>
+            </a:r>
+          </a:p>
         </p:txBody>
       </p:sp>
       <p:sp>
@@ -17318,18 +17379,6 @@
           <a:bodyPr/>
           <a:lstStyle/>
           <a:p>
-            <a:r>
-              <a:rPr lang="en-US" dirty="0"/>
-              <a:t>We process first</a:t>
-            </a:r>
-          </a:p>
-          <a:p>
-            <a:r>
-              <a:rPr lang="en-US" dirty="0"/>
-              <a:t>The steps</a:t>
-            </a:r>
-          </a:p>
-          <a:p>
             <a:endParaRPr lang="en-US" dirty="0"/>
           </a:p>
           <a:p>
@@ -17339,16 +17388,16 @@
             </a:r>
           </a:p>
           <a:p>
-            <a:endParaRPr lang="en-US" dirty="0"/>
-          </a:p>
-          <a:p>
             <a:r>
               <a:rPr lang="en-US" dirty="0"/>
-              <a:t>You could think about these as activities you do along the way</a:t>
-            </a:r>
-          </a:p>
-          <a:p>
-            <a:endParaRPr lang="en-US" dirty="0"/>
+              <a:t>But notice the progression</a:t>
+            </a:r>
+          </a:p>
+          <a:p>
+            <a:r>
+              <a:rPr lang="en-US" dirty="0"/>
+              <a:t>Discovery - Model - Assess - Change</a:t>
+            </a:r>
           </a:p>
           <a:p>
             <a:r>
@@ -17502,7 +17551,7 @@
           <a:p>
             <a:r>
               <a:rPr lang="en-US" dirty="0"/>
-              <a:t>If the technology does several things or has several functions, note them - this will be common especially for SASE that are security garbage dumps</a:t>
+              <a:t>If the technology does several things or has several functions, note them - this will be common especially for new "tech" like SASE</a:t>
             </a:r>
           </a:p>
         </p:txBody>
@@ -18154,52 +18203,23 @@
           <a:p>
             <a:r>
               <a:rPr lang="en-US" dirty="0"/>
-              <a:t>You </a:t>
-            </a:r>
-            <a:r>
-              <a:rPr lang="en-US" dirty="0" err="1"/>
-              <a:t>dont</a:t>
-            </a:r>
+              <a:t>This is a very simple scale</a:t>
+            </a:r>
+          </a:p>
+          <a:p>
             <a:r>
               <a:rPr lang="en-US" dirty="0"/>
-              <a:t> just have to use a spreadsheet</a:t>
+              <a:t>But it is the easiest to begin with</a:t>
+            </a:r>
+          </a:p>
+          <a:p>
+            <a:r>
+              <a:rPr lang="en-US" dirty="0"/>
+              <a:t>and it works</a:t>
             </a:r>
           </a:p>
           <a:p>
             <a:endParaRPr lang="en-US" dirty="0"/>
-          </a:p>
-          <a:p>
-            <a:r>
-              <a:rPr lang="en-US" dirty="0"/>
-              <a:t>Visually you can mark the capabilities you care about</a:t>
-            </a:r>
-          </a:p>
-          <a:p>
-            <a:endParaRPr lang="en-US" dirty="0"/>
-          </a:p>
-          <a:p>
-            <a:r>
-              <a:rPr lang="en-US" dirty="0"/>
-              <a:t>You can mark the functionality that you have, don’t have and need</a:t>
-            </a:r>
-          </a:p>
-          <a:p>
-            <a:endParaRPr lang="en-US" dirty="0"/>
-          </a:p>
-          <a:p>
-            <a:r>
-              <a:rPr lang="en-US" dirty="0"/>
-              <a:t>It would make for a good wall sized poster</a:t>
-            </a:r>
-          </a:p>
-          <a:p>
-            <a:endParaRPr lang="en-US" dirty="0"/>
-          </a:p>
-          <a:p>
-            <a:r>
-              <a:rPr lang="en-US" dirty="0"/>
-              <a:t>But nothing stays the same</a:t>
-            </a:r>
           </a:p>
         </p:txBody>
       </p:sp>
@@ -18220,7 +18240,7 @@
           <a:p>
             <a:fld id="{B1CAF607-DF55-DC47-B415-DAD88B121D06}" type="slidenum">
               <a:rPr lang="en-US" smtClean="0"/>
-              <a:t>30</a:t>
+              <a:t>29</a:t>
             </a:fld>
             <a:endParaRPr lang="en-US"/>
           </a:p>
@@ -18229,7 +18249,7 @@
     </p:spTree>
     <p:extLst>
       <p:ext uri="{BB962C8B-B14F-4D97-AF65-F5344CB8AC3E}">
-        <p14:creationId xmlns:p14="http://schemas.microsoft.com/office/powerpoint/2010/main" val="2951091680"/>
+        <p14:creationId xmlns:p14="http://schemas.microsoft.com/office/powerpoint/2010/main" val="444457377"/>
       </p:ext>
     </p:extLst>
   </p:cSld>
@@ -18389,30 +18409,33 @@
           <a:p>
             <a:r>
               <a:rPr lang="en-US" dirty="0"/>
-              <a:t>You want to Increase maturity</a:t>
-            </a:r>
-          </a:p>
-          <a:p>
+              <a:t>You </a:t>
+            </a:r>
+            <a:r>
+              <a:rPr lang="en-US" dirty="0" err="1"/>
+              <a:t>dont</a:t>
+            </a:r>
             <a:r>
               <a:rPr lang="en-US" dirty="0"/>
-              <a:t>You have a new New threat and you are adding </a:t>
-            </a:r>
-            <a:r>
-              <a:rPr lang="en-US" dirty="0" err="1"/>
-              <a:t>Zscaler</a:t>
-            </a:r>
+              <a:t> just have to use a spreadsheet</a:t>
+            </a:r>
+          </a:p>
+          <a:p>
             <a:endParaRPr lang="en-US" dirty="0"/>
           </a:p>
           <a:p>
             <a:r>
               <a:rPr lang="en-US" dirty="0"/>
-              <a:t>Change in your business whole new mobile platform to protect</a:t>
-            </a:r>
+              <a:t>Visually you can mark the capabilities you care about</a:t>
+            </a:r>
+          </a:p>
+          <a:p>
+            <a:endParaRPr lang="en-US" dirty="0"/>
           </a:p>
           <a:p>
             <a:r>
               <a:rPr lang="en-US" dirty="0"/>
-              <a:t>Change in services, your outsourced provider just went belly up</a:t>
+              <a:t>You can mark the functionality that you have, don’t have and need</a:t>
             </a:r>
           </a:p>
           <a:p>
@@ -18421,7 +18444,7 @@
           <a:p>
             <a:r>
               <a:rPr lang="en-US" dirty="0"/>
-              <a:t>No longer need fax machine protection</a:t>
+              <a:t>It would make for a good wall sized poster</a:t>
             </a:r>
           </a:p>
           <a:p>
@@ -18430,26 +18453,8 @@
           <a:p>
             <a:r>
               <a:rPr lang="en-US" dirty="0"/>
-              <a:t>Comes down to a couple of choices</a:t>
-            </a:r>
-          </a:p>
-          <a:p>
-            <a:endParaRPr lang="en-US" dirty="0"/>
-          </a:p>
-          <a:p>
-            <a:r>
-              <a:rPr lang="en-US" dirty="0"/>
-              <a:t>Once we have made our changes and updated all our artifacts we can...</a:t>
-            </a:r>
-          </a:p>
-          <a:p>
-            <a:endParaRPr lang="en-US" dirty="0"/>
-          </a:p>
-          <a:p>
-            <a:endParaRPr lang="en-US" dirty="0"/>
-          </a:p>
-          <a:p>
-            <a:endParaRPr lang="en-US" dirty="0"/>
+              <a:t>But nothing stays the same</a:t>
+            </a:r>
           </a:p>
         </p:txBody>
       </p:sp>
@@ -18470,7 +18475,7 @@
           <a:p>
             <a:fld id="{B1CAF607-DF55-DC47-B415-DAD88B121D06}" type="slidenum">
               <a:rPr lang="en-US" smtClean="0"/>
-              <a:t>31</a:t>
+              <a:t>30</a:t>
             </a:fld>
             <a:endParaRPr lang="en-US"/>
           </a:p>
@@ -18479,7 +18484,7 @@
     </p:spTree>
     <p:extLst>
       <p:ext uri="{BB962C8B-B14F-4D97-AF65-F5344CB8AC3E}">
-        <p14:creationId xmlns:p14="http://schemas.microsoft.com/office/powerpoint/2010/main" val="1748277257"/>
+        <p14:creationId xmlns:p14="http://schemas.microsoft.com/office/powerpoint/2010/main" val="2951091680"/>
       </p:ext>
     </p:extLst>
   </p:cSld>
@@ -18535,22 +18540,30 @@
           <a:p>
             <a:r>
               <a:rPr lang="en-US" dirty="0"/>
-              <a:t>Yep </a:t>
+              <a:t>You want to Increase maturity</a:t>
             </a:r>
           </a:p>
           <a:p>
             <a:r>
               <a:rPr lang="en-US" dirty="0"/>
-              <a:t>let it sit or work on it some more</a:t>
-            </a:r>
-          </a:p>
-          <a:p>
+              <a:t>You have a new New threat and you are adding </a:t>
+            </a:r>
+            <a:r>
+              <a:rPr lang="en-US" dirty="0" err="1"/>
+              <a:t>Zscaler</a:t>
+            </a:r>
             <a:endParaRPr lang="en-US" dirty="0"/>
           </a:p>
           <a:p>
             <a:r>
               <a:rPr lang="en-US" dirty="0"/>
-              <a:t>Get more detailed</a:t>
+              <a:t>Change in your business whole new mobile platform to protect</a:t>
+            </a:r>
+          </a:p>
+          <a:p>
+            <a:r>
+              <a:rPr lang="en-US" dirty="0"/>
+              <a:t>Change in services, your outsourced provider just went belly up</a:t>
             </a:r>
           </a:p>
           <a:p>
@@ -18559,8 +18572,35 @@
           <a:p>
             <a:r>
               <a:rPr lang="en-US" dirty="0"/>
-              <a:t>Add more FUNCTIONS</a:t>
-            </a:r>
+              <a:t>No longer need fax machine protection</a:t>
+            </a:r>
+          </a:p>
+          <a:p>
+            <a:endParaRPr lang="en-US" dirty="0"/>
+          </a:p>
+          <a:p>
+            <a:r>
+              <a:rPr lang="en-US" dirty="0"/>
+              <a:t>Comes down to a couple of choices</a:t>
+            </a:r>
+          </a:p>
+          <a:p>
+            <a:endParaRPr lang="en-US" dirty="0"/>
+          </a:p>
+          <a:p>
+            <a:r>
+              <a:rPr lang="en-US" dirty="0"/>
+              <a:t>Once we have made our changes and updated all our artifacts we can...</a:t>
+            </a:r>
+          </a:p>
+          <a:p>
+            <a:endParaRPr lang="en-US" dirty="0"/>
+          </a:p>
+          <a:p>
+            <a:endParaRPr lang="en-US" dirty="0"/>
+          </a:p>
+          <a:p>
+            <a:endParaRPr lang="en-US" dirty="0"/>
           </a:p>
         </p:txBody>
       </p:sp>
@@ -18581,7 +18621,7 @@
           <a:p>
             <a:fld id="{B1CAF607-DF55-DC47-B415-DAD88B121D06}" type="slidenum">
               <a:rPr lang="en-US" smtClean="0"/>
-              <a:t>32</a:t>
+              <a:t>31</a:t>
             </a:fld>
             <a:endParaRPr lang="en-US"/>
           </a:p>
@@ -18590,7 +18630,7 @@
     </p:spTree>
     <p:extLst>
       <p:ext uri="{BB962C8B-B14F-4D97-AF65-F5344CB8AC3E}">
-        <p14:creationId xmlns:p14="http://schemas.microsoft.com/office/powerpoint/2010/main" val="416404408"/>
+        <p14:creationId xmlns:p14="http://schemas.microsoft.com/office/powerpoint/2010/main" val="1748277257"/>
       </p:ext>
     </p:extLst>
   </p:cSld>
@@ -18646,7 +18686,31 @@
           <a:p>
             <a:r>
               <a:rPr lang="en-US" dirty="0"/>
-              <a:t>A little more on visual mapping</a:t>
+              <a:t>Yep </a:t>
+            </a:r>
+          </a:p>
+          <a:p>
+            <a:r>
+              <a:rPr lang="en-US" dirty="0"/>
+              <a:t>let it sit or work on it some more</a:t>
+            </a:r>
+          </a:p>
+          <a:p>
+            <a:endParaRPr lang="en-US" dirty="0"/>
+          </a:p>
+          <a:p>
+            <a:r>
+              <a:rPr lang="en-US" dirty="0"/>
+              <a:t>Get more detailed</a:t>
+            </a:r>
+          </a:p>
+          <a:p>
+            <a:endParaRPr lang="en-US" dirty="0"/>
+          </a:p>
+          <a:p>
+            <a:r>
+              <a:rPr lang="en-US" dirty="0"/>
+              <a:t>Add more FUNCTIONS</a:t>
             </a:r>
           </a:p>
         </p:txBody>
@@ -18668,7 +18732,7 @@
           <a:p>
             <a:fld id="{B1CAF607-DF55-DC47-B415-DAD88B121D06}" type="slidenum">
               <a:rPr lang="en-US" smtClean="0"/>
-              <a:t>33</a:t>
+              <a:t>32</a:t>
             </a:fld>
             <a:endParaRPr lang="en-US"/>
           </a:p>
@@ -18677,7 +18741,7 @@
     </p:spTree>
     <p:extLst>
       <p:ext uri="{BB962C8B-B14F-4D97-AF65-F5344CB8AC3E}">
-        <p14:creationId xmlns:p14="http://schemas.microsoft.com/office/powerpoint/2010/main" val="1664962197"/>
+        <p14:creationId xmlns:p14="http://schemas.microsoft.com/office/powerpoint/2010/main" val="416404408"/>
       </p:ext>
     </p:extLst>
   </p:cSld>
@@ -18733,7 +18797,19 @@
           <a:p>
             <a:r>
               <a:rPr lang="en-US" dirty="0"/>
-              <a:t>You can map the FUNCTIONS to the CSF</a:t>
+              <a:t>A little more on visual mapping</a:t>
+            </a:r>
+          </a:p>
+          <a:p>
+            <a:r>
+              <a:rPr lang="en-US" dirty="0"/>
+              <a:t>To me this is actually the core or heart of the work</a:t>
+            </a:r>
+          </a:p>
+          <a:p>
+            <a:r>
+              <a:rPr lang="en-US" dirty="0"/>
+              <a:t>But it connects from front to back</a:t>
             </a:r>
           </a:p>
         </p:txBody>
@@ -18755,7 +18831,7 @@
           <a:p>
             <a:fld id="{B1CAF607-DF55-DC47-B415-DAD88B121D06}" type="slidenum">
               <a:rPr lang="en-US" smtClean="0"/>
-              <a:t>34</a:t>
+              <a:t>33</a:t>
             </a:fld>
             <a:endParaRPr lang="en-US"/>
           </a:p>
@@ -18764,7 +18840,7 @@
     </p:spTree>
     <p:extLst>
       <p:ext uri="{BB962C8B-B14F-4D97-AF65-F5344CB8AC3E}">
-        <p14:creationId xmlns:p14="http://schemas.microsoft.com/office/powerpoint/2010/main" val="1006017226"/>
+        <p14:creationId xmlns:p14="http://schemas.microsoft.com/office/powerpoint/2010/main" val="1664962197"/>
       </p:ext>
     </p:extLst>
   </p:cSld>
@@ -18820,16 +18896,25 @@
           <a:p>
             <a:r>
               <a:rPr lang="en-US" dirty="0"/>
-              <a:t>Once you do that you can even add the technologies to the labels and have a complete map of</a:t>
-            </a:r>
-          </a:p>
-          <a:p>
-            <a:endParaRPr lang="en-US" dirty="0"/>
+              <a:t>You can map the FUNCTIONS to the CSF</a:t>
+            </a:r>
           </a:p>
           <a:p>
             <a:r>
               <a:rPr lang="en-US" dirty="0"/>
-              <a:t>CAPABILITIES - FUNCTIONS - TECHNOLOGIES - CSF</a:t>
+              <a:t>You may not think much about the CSF </a:t>
+            </a:r>
+          </a:p>
+          <a:p>
+            <a:r>
+              <a:rPr lang="en-US" dirty="0"/>
+              <a:t>But we have a lot of large customers who understand it</a:t>
+            </a:r>
+          </a:p>
+          <a:p>
+            <a:r>
+              <a:rPr lang="en-US" dirty="0"/>
+              <a:t>It is a common understanding</a:t>
             </a:r>
           </a:p>
         </p:txBody>
@@ -18851,7 +18936,7 @@
           <a:p>
             <a:fld id="{B1CAF607-DF55-DC47-B415-DAD88B121D06}" type="slidenum">
               <a:rPr lang="en-US" smtClean="0"/>
-              <a:t>35</a:t>
+              <a:t>34</a:t>
             </a:fld>
             <a:endParaRPr lang="en-US"/>
           </a:p>
@@ -18860,7 +18945,7 @@
     </p:spTree>
     <p:extLst>
       <p:ext uri="{BB962C8B-B14F-4D97-AF65-F5344CB8AC3E}">
-        <p14:creationId xmlns:p14="http://schemas.microsoft.com/office/powerpoint/2010/main" val="4128579812"/>
+        <p14:creationId xmlns:p14="http://schemas.microsoft.com/office/powerpoint/2010/main" val="1006017226"/>
       </p:ext>
     </p:extLst>
   </p:cSld>
@@ -18914,7 +18999,28 @@
           <a:bodyPr/>
           <a:lstStyle/>
           <a:p>
+            <a:r>
+              <a:rPr lang="en-US" dirty="0"/>
+              <a:t>Once you do that you can even add the technologies to the labels and have a complete map of</a:t>
+            </a:r>
+          </a:p>
+          <a:p>
             <a:endParaRPr lang="en-US" dirty="0"/>
+          </a:p>
+          <a:p>
+            <a:r>
+              <a:rPr lang="en-US" dirty="0"/>
+              <a:t>The more specific the functions are the less overlap you will have</a:t>
+            </a:r>
+          </a:p>
+          <a:p>
+            <a:endParaRPr lang="en-US" dirty="0"/>
+          </a:p>
+          <a:p>
+            <a:r>
+              <a:rPr lang="en-US" dirty="0"/>
+              <a:t>CAPABILITIES - FUNCTIONS - TECHNOLOGIES - CSF</a:t>
+            </a:r>
           </a:p>
         </p:txBody>
       </p:sp>
@@ -18935,7 +19041,7 @@
           <a:p>
             <a:fld id="{B1CAF607-DF55-DC47-B415-DAD88B121D06}" type="slidenum">
               <a:rPr lang="en-US" smtClean="0"/>
-              <a:t>37</a:t>
+              <a:t>35</a:t>
             </a:fld>
             <a:endParaRPr lang="en-US"/>
           </a:p>
@@ -18944,7 +19050,7 @@
     </p:spTree>
     <p:extLst>
       <p:ext uri="{BB962C8B-B14F-4D97-AF65-F5344CB8AC3E}">
-        <p14:creationId xmlns:p14="http://schemas.microsoft.com/office/powerpoint/2010/main" val="1135666183"/>
+        <p14:creationId xmlns:p14="http://schemas.microsoft.com/office/powerpoint/2010/main" val="4128579812"/>
       </p:ext>
     </p:extLst>
   </p:cSld>
@@ -19000,35 +19106,53 @@
           <a:p>
             <a:r>
               <a:rPr lang="en-US" dirty="0"/>
-              <a:t>This is not an end all be all</a:t>
+              <a:t>You can also place the security FUNCTIONS</a:t>
             </a:r>
           </a:p>
           <a:p>
             <a:r>
               <a:rPr lang="en-US" dirty="0"/>
-              <a:t>This is just a foundation for you to use</a:t>
+              <a:t>To show people where you expect security to be applied</a:t>
             </a:r>
           </a:p>
           <a:p>
             <a:r>
               <a:rPr lang="en-US" dirty="0"/>
-              <a:t>Add more data points</a:t>
-            </a:r>
+              <a:t>You could even express these as controls</a:t>
+            </a:r>
+          </a:p>
+          <a:p>
+            <a:endParaRPr lang="en-US" dirty="0"/>
           </a:p>
           <a:p>
             <a:r>
               <a:rPr lang="en-US" dirty="0"/>
-              <a:t>Draw more diagrams</a:t>
+              <a:t>Typical cloud setup</a:t>
             </a:r>
           </a:p>
           <a:p>
             <a:r>
               <a:rPr lang="en-US" dirty="0"/>
-              <a:t>Change your diagrams to models </a:t>
+              <a:t>Here is what you expect</a:t>
             </a:r>
           </a:p>
           <a:p>
             <a:endParaRPr lang="en-US" dirty="0"/>
+          </a:p>
+          <a:p>
+            <a:r>
+              <a:rPr lang="en-US" dirty="0"/>
+              <a:t>Notice the two items in BLUE we don’t have FUNCTIONs for those in our model</a:t>
+            </a:r>
+          </a:p>
+          <a:p>
+            <a:endParaRPr lang="en-US" dirty="0"/>
+          </a:p>
+          <a:p>
+            <a:r>
+              <a:rPr lang="en-US" dirty="0"/>
+              <a:t>Model needs updated to match what we need or know about</a:t>
+            </a:r>
           </a:p>
           <a:p>
             <a:endParaRPr lang="en-US" dirty="0"/>
@@ -19052,6 +19176,264 @@
           <a:p>
             <a:fld id="{B1CAF607-DF55-DC47-B415-DAD88B121D06}" type="slidenum">
               <a:rPr lang="en-US" smtClean="0"/>
+              <a:t>36</a:t>
+            </a:fld>
+            <a:endParaRPr lang="en-US"/>
+          </a:p>
+        </p:txBody>
+      </p:sp>
+    </p:spTree>
+    <p:extLst>
+      <p:ext uri="{BB962C8B-B14F-4D97-AF65-F5344CB8AC3E}">
+        <p14:creationId xmlns:p14="http://schemas.microsoft.com/office/powerpoint/2010/main" val="2257074108"/>
+      </p:ext>
+    </p:extLst>
+  </p:cSld>
+  <p:clrMapOvr>
+    <a:masterClrMapping/>
+  </p:clrMapOvr>
+</p:notes>
+</file>
+
+<file path=ppt/notesSlides/notesSlide37.xml><?xml version="1.0" encoding="utf-8"?>
+<p:notes xmlns:a="http://schemas.openxmlformats.org/drawingml/2006/main" xmlns:r="http://schemas.openxmlformats.org/officeDocument/2006/relationships" xmlns:p="http://schemas.openxmlformats.org/presentationml/2006/main">
+  <p:cSld>
+    <p:spTree>
+      <p:nvGrpSpPr>
+        <p:cNvPr id="1" name=""/>
+        <p:cNvGrpSpPr/>
+        <p:nvPr/>
+      </p:nvGrpSpPr>
+      <p:grpSpPr>
+        <a:xfrm>
+          <a:off x="0" y="0"/>
+          <a:ext cx="0" cy="0"/>
+          <a:chOff x="0" y="0"/>
+          <a:chExt cx="0" cy="0"/>
+        </a:xfrm>
+      </p:grpSpPr>
+      <p:sp>
+        <p:nvSpPr>
+          <p:cNvPr id="2" name="Slide Image Placeholder 1"/>
+          <p:cNvSpPr>
+            <a:spLocks noGrp="1" noRot="1" noChangeAspect="1"/>
+          </p:cNvSpPr>
+          <p:nvPr>
+            <p:ph type="sldImg"/>
+          </p:nvPr>
+        </p:nvSpPr>
+        <p:spPr/>
+      </p:sp>
+      <p:sp>
+        <p:nvSpPr>
+          <p:cNvPr id="3" name="Notes Placeholder 2"/>
+          <p:cNvSpPr>
+            <a:spLocks noGrp="1"/>
+          </p:cNvSpPr>
+          <p:nvPr>
+            <p:ph type="body" idx="1"/>
+          </p:nvPr>
+        </p:nvSpPr>
+        <p:spPr/>
+        <p:txBody>
+          <a:bodyPr/>
+          <a:lstStyle/>
+          <a:p>
+            <a:r>
+              <a:rPr lang="en-US" dirty="0"/>
+              <a:t>Place that is a simple AWS Context</a:t>
+            </a:r>
+          </a:p>
+          <a:p>
+            <a:endParaRPr lang="en-US" dirty="0"/>
+          </a:p>
+          <a:p>
+            <a:r>
+              <a:rPr lang="en-US" dirty="0"/>
+              <a:t>We can see what technologies are being used where</a:t>
+            </a:r>
+          </a:p>
+          <a:p>
+            <a:r>
+              <a:rPr lang="en-US" dirty="0"/>
+              <a:t>Also are these on your MATRIX?</a:t>
+            </a:r>
+          </a:p>
+          <a:p>
+            <a:endParaRPr lang="en-US" dirty="0"/>
+          </a:p>
+          <a:p>
+            <a:r>
+              <a:rPr lang="en-US" dirty="0"/>
+              <a:t>Also notice we don’t have a DLP solution yet although we should have one</a:t>
+            </a:r>
+          </a:p>
+          <a:p>
+            <a:r>
+              <a:rPr lang="en-US" dirty="0"/>
+              <a:t>And is Guard Duty good enough.?</a:t>
+            </a:r>
+          </a:p>
+          <a:p>
+            <a:endParaRPr lang="en-US" dirty="0"/>
+          </a:p>
+          <a:p>
+            <a:r>
+              <a:rPr lang="en-US" dirty="0"/>
+              <a:t>The next level is to build out a Reference Architecture</a:t>
+            </a:r>
+          </a:p>
+          <a:p>
+            <a:r>
+              <a:rPr lang="en-US" dirty="0"/>
+              <a:t>When you add more lines and boxes</a:t>
+            </a:r>
+          </a:p>
+          <a:p>
+            <a:endParaRPr lang="en-US" dirty="0"/>
+          </a:p>
+          <a:p>
+            <a:r>
+              <a:rPr lang="en-US" dirty="0"/>
+              <a:t>SO</a:t>
+            </a:r>
+          </a:p>
+        </p:txBody>
+      </p:sp>
+      <p:sp>
+        <p:nvSpPr>
+          <p:cNvPr id="4" name="Slide Number Placeholder 3"/>
+          <p:cNvSpPr>
+            <a:spLocks noGrp="1"/>
+          </p:cNvSpPr>
+          <p:nvPr>
+            <p:ph type="sldNum" sz="quarter" idx="5"/>
+          </p:nvPr>
+        </p:nvSpPr>
+        <p:spPr/>
+        <p:txBody>
+          <a:bodyPr/>
+          <a:lstStyle/>
+          <a:p>
+            <a:fld id="{B1CAF607-DF55-DC47-B415-DAD88B121D06}" type="slidenum">
+              <a:rPr lang="en-US" smtClean="0"/>
+              <a:t>37</a:t>
+            </a:fld>
+            <a:endParaRPr lang="en-US"/>
+          </a:p>
+        </p:txBody>
+      </p:sp>
+    </p:spTree>
+    <p:extLst>
+      <p:ext uri="{BB962C8B-B14F-4D97-AF65-F5344CB8AC3E}">
+        <p14:creationId xmlns:p14="http://schemas.microsoft.com/office/powerpoint/2010/main" val="1135666183"/>
+      </p:ext>
+    </p:extLst>
+  </p:cSld>
+  <p:clrMapOvr>
+    <a:masterClrMapping/>
+  </p:clrMapOvr>
+</p:notes>
+</file>
+
+<file path=ppt/notesSlides/notesSlide38.xml><?xml version="1.0" encoding="utf-8"?>
+<p:notes xmlns:a="http://schemas.openxmlformats.org/drawingml/2006/main" xmlns:r="http://schemas.openxmlformats.org/officeDocument/2006/relationships" xmlns:p="http://schemas.openxmlformats.org/presentationml/2006/main">
+  <p:cSld>
+    <p:spTree>
+      <p:nvGrpSpPr>
+        <p:cNvPr id="1" name=""/>
+        <p:cNvGrpSpPr/>
+        <p:nvPr/>
+      </p:nvGrpSpPr>
+      <p:grpSpPr>
+        <a:xfrm>
+          <a:off x="0" y="0"/>
+          <a:ext cx="0" cy="0"/>
+          <a:chOff x="0" y="0"/>
+          <a:chExt cx="0" cy="0"/>
+        </a:xfrm>
+      </p:grpSpPr>
+      <p:sp>
+        <p:nvSpPr>
+          <p:cNvPr id="2" name="Slide Image Placeholder 1"/>
+          <p:cNvSpPr>
+            <a:spLocks noGrp="1" noRot="1" noChangeAspect="1"/>
+          </p:cNvSpPr>
+          <p:nvPr>
+            <p:ph type="sldImg"/>
+          </p:nvPr>
+        </p:nvSpPr>
+        <p:spPr/>
+      </p:sp>
+      <p:sp>
+        <p:nvSpPr>
+          <p:cNvPr id="3" name="Notes Placeholder 2"/>
+          <p:cNvSpPr>
+            <a:spLocks noGrp="1"/>
+          </p:cNvSpPr>
+          <p:nvPr>
+            <p:ph type="body" idx="1"/>
+          </p:nvPr>
+        </p:nvSpPr>
+        <p:spPr/>
+        <p:txBody>
+          <a:bodyPr/>
+          <a:lstStyle/>
+          <a:p>
+            <a:r>
+              <a:rPr lang="en-US" dirty="0"/>
+              <a:t>This is not an end all be all</a:t>
+            </a:r>
+          </a:p>
+          <a:p>
+            <a:r>
+              <a:rPr lang="en-US" dirty="0"/>
+              <a:t>This is just a foundation for you to use</a:t>
+            </a:r>
+          </a:p>
+          <a:p>
+            <a:r>
+              <a:rPr lang="en-US" dirty="0"/>
+              <a:t>Add more data points</a:t>
+            </a:r>
+          </a:p>
+          <a:p>
+            <a:r>
+              <a:rPr lang="en-US" dirty="0"/>
+              <a:t>Draw more diagrams</a:t>
+            </a:r>
+          </a:p>
+          <a:p>
+            <a:r>
+              <a:rPr lang="en-US" dirty="0"/>
+              <a:t>Change your diagrams to models </a:t>
+            </a:r>
+          </a:p>
+          <a:p>
+            <a:endParaRPr lang="en-US" dirty="0"/>
+          </a:p>
+          <a:p>
+            <a:endParaRPr lang="en-US" dirty="0"/>
+          </a:p>
+        </p:txBody>
+      </p:sp>
+      <p:sp>
+        <p:nvSpPr>
+          <p:cNvPr id="4" name="Slide Number Placeholder 3"/>
+          <p:cNvSpPr>
+            <a:spLocks noGrp="1"/>
+          </p:cNvSpPr>
+          <p:nvPr>
+            <p:ph type="sldNum" sz="quarter" idx="5"/>
+          </p:nvPr>
+        </p:nvSpPr>
+        <p:spPr/>
+        <p:txBody>
+          <a:bodyPr/>
+          <a:lstStyle/>
+          <a:p>
+            <a:fld id="{B1CAF607-DF55-DC47-B415-DAD88B121D06}" type="slidenum">
+              <a:rPr lang="en-US" smtClean="0"/>
               <a:t>40</a:t>
             </a:fld>
             <a:endParaRPr lang="en-US"/>
@@ -19071,7 +19453,7 @@
 </p:notes>
 </file>
 
-<file path=ppt/notesSlides/notesSlide37.xml><?xml version="1.0" encoding="utf-8"?>
+<file path=ppt/notesSlides/notesSlide39.xml><?xml version="1.0" encoding="utf-8"?>
 <p:notes xmlns:a="http://schemas.openxmlformats.org/drawingml/2006/main" xmlns:r="http://schemas.openxmlformats.org/officeDocument/2006/relationships" xmlns:p="http://schemas.openxmlformats.org/presentationml/2006/main">
   <p:cSld>
     <p:spTree>
@@ -19355,6 +19737,15 @@
             <a:r>
               <a:rPr lang="en-US" dirty="0"/>
               <a:t>The more you back up what you say the more people will listen to you.</a:t>
+            </a:r>
+          </a:p>
+          <a:p>
+            <a:endParaRPr lang="en-US" dirty="0"/>
+          </a:p>
+          <a:p>
+            <a:r>
+              <a:rPr lang="en-US" dirty="0"/>
+              <a:t>YOU HAVE TO START SOMEWHERE</a:t>
             </a:r>
           </a:p>
         </p:txBody>
@@ -29869,13 +30260,13 @@
           <p:nvPr>
             <p:extLst>
               <p:ext uri="{D42A27DB-BD31-4B8C-83A1-F6EECF244321}">
-                <p14:modId xmlns:p14="http://schemas.microsoft.com/office/powerpoint/2010/main" val="3276039788"/>
+                <p14:modId xmlns:p14="http://schemas.microsoft.com/office/powerpoint/2010/main" val="2730200589"/>
               </p:ext>
             </p:extLst>
           </p:nvPr>
         </p:nvGraphicFramePr>
         <p:xfrm>
-          <a:off x="2032000" y="1138933"/>
+          <a:off x="3738484" y="1096480"/>
           <a:ext cx="8128000" cy="5418667"/>
         </p:xfrm>
         <a:graphic>
@@ -29884,6 +30275,364 @@
           </a:graphicData>
         </a:graphic>
       </p:graphicFrame>
+      <p:sp>
+        <p:nvSpPr>
+          <p:cNvPr id="5" name="Rectangle 4">
+            <a:extLst>
+              <a:ext uri="{FF2B5EF4-FFF2-40B4-BE49-F238E27FC236}">
+                <a16:creationId xmlns:a16="http://schemas.microsoft.com/office/drawing/2014/main" id="{A6E910D0-7445-2345-9954-15D40CF6EDAF}"/>
+              </a:ext>
+            </a:extLst>
+          </p:cNvPr>
+          <p:cNvSpPr/>
+          <p:nvPr/>
+        </p:nvSpPr>
+        <p:spPr>
+          <a:xfrm>
+            <a:off x="325516" y="1138933"/>
+            <a:ext cx="2138548" cy="1143000"/>
+          </a:xfrm>
+          <a:prstGeom prst="rect">
+            <a:avLst/>
+          </a:prstGeom>
+          <a:solidFill>
+            <a:schemeClr val="accent6">
+              <a:lumMod val="50000"/>
+            </a:schemeClr>
+          </a:solidFill>
+          <a:ln>
+            <a:solidFill>
+              <a:schemeClr val="accent6">
+                <a:lumMod val="50000"/>
+              </a:schemeClr>
+            </a:solidFill>
+          </a:ln>
+        </p:spPr>
+        <p:style>
+          <a:lnRef idx="2">
+            <a:schemeClr val="accent1">
+              <a:shade val="50000"/>
+            </a:schemeClr>
+          </a:lnRef>
+          <a:fillRef idx="1">
+            <a:schemeClr val="accent1"/>
+          </a:fillRef>
+          <a:effectRef idx="0">
+            <a:schemeClr val="accent1"/>
+          </a:effectRef>
+          <a:fontRef idx="minor">
+            <a:schemeClr val="lt1"/>
+          </a:fontRef>
+        </p:style>
+        <p:txBody>
+          <a:bodyPr rtlCol="0" anchor="ctr"/>
+          <a:lstStyle/>
+          <a:p>
+            <a:pPr algn="ctr"/>
+            <a:r>
+              <a:rPr lang="en-US" sz="2400" dirty="0">
+                <a:solidFill>
+                  <a:schemeClr val="bg1"/>
+                </a:solidFill>
+                <a:latin typeface="Palatino" pitchFamily="2" charset="77"/>
+                <a:ea typeface="Palatino" pitchFamily="2" charset="77"/>
+              </a:rPr>
+              <a:t>Capability</a:t>
+            </a:r>
+          </a:p>
+        </p:txBody>
+      </p:sp>
+      <p:sp>
+        <p:nvSpPr>
+          <p:cNvPr id="6" name="Rectangle 5">
+            <a:extLst>
+              <a:ext uri="{FF2B5EF4-FFF2-40B4-BE49-F238E27FC236}">
+                <a16:creationId xmlns:a16="http://schemas.microsoft.com/office/drawing/2014/main" id="{A50570A7-C603-3A44-BB6C-7181FD524E53}"/>
+              </a:ext>
+            </a:extLst>
+          </p:cNvPr>
+          <p:cNvSpPr/>
+          <p:nvPr/>
+        </p:nvSpPr>
+        <p:spPr>
+          <a:xfrm>
+            <a:off x="325516" y="2853433"/>
+            <a:ext cx="2138548" cy="1143000"/>
+          </a:xfrm>
+          <a:prstGeom prst="rect">
+            <a:avLst/>
+          </a:prstGeom>
+          <a:solidFill>
+            <a:schemeClr val="accent6">
+              <a:lumMod val="60000"/>
+              <a:lumOff val="40000"/>
+            </a:schemeClr>
+          </a:solidFill>
+          <a:ln>
+            <a:solidFill>
+              <a:schemeClr val="bg1"/>
+            </a:solidFill>
+          </a:ln>
+        </p:spPr>
+        <p:style>
+          <a:lnRef idx="2">
+            <a:schemeClr val="accent1">
+              <a:shade val="50000"/>
+            </a:schemeClr>
+          </a:lnRef>
+          <a:fillRef idx="1">
+            <a:schemeClr val="accent1"/>
+          </a:fillRef>
+          <a:effectRef idx="0">
+            <a:schemeClr val="accent1"/>
+          </a:effectRef>
+          <a:fontRef idx="minor">
+            <a:schemeClr val="lt1"/>
+          </a:fontRef>
+        </p:style>
+        <p:txBody>
+          <a:bodyPr rtlCol="0" anchor="ctr"/>
+          <a:lstStyle/>
+          <a:p>
+            <a:pPr algn="ctr"/>
+            <a:r>
+              <a:rPr lang="en-US" sz="2400" dirty="0">
+                <a:solidFill>
+                  <a:schemeClr val="accent6">
+                    <a:lumMod val="50000"/>
+                  </a:schemeClr>
+                </a:solidFill>
+                <a:latin typeface="Palatino" pitchFamily="2" charset="77"/>
+                <a:ea typeface="Palatino" pitchFamily="2" charset="77"/>
+              </a:rPr>
+              <a:t>Service or Function</a:t>
+            </a:r>
+          </a:p>
+        </p:txBody>
+      </p:sp>
+      <p:sp>
+        <p:nvSpPr>
+          <p:cNvPr id="7" name="Rectangle 6">
+            <a:extLst>
+              <a:ext uri="{FF2B5EF4-FFF2-40B4-BE49-F238E27FC236}">
+                <a16:creationId xmlns:a16="http://schemas.microsoft.com/office/drawing/2014/main" id="{0D815A03-CE78-E64F-A7AB-C0C994BFD7B2}"/>
+              </a:ext>
+            </a:extLst>
+          </p:cNvPr>
+          <p:cNvSpPr/>
+          <p:nvPr/>
+        </p:nvSpPr>
+        <p:spPr>
+          <a:xfrm>
+            <a:off x="325516" y="4567933"/>
+            <a:ext cx="2138548" cy="1143000"/>
+          </a:xfrm>
+          <a:prstGeom prst="rect">
+            <a:avLst/>
+          </a:prstGeom>
+          <a:solidFill>
+            <a:schemeClr val="accent6">
+              <a:lumMod val="20000"/>
+              <a:lumOff val="80000"/>
+            </a:schemeClr>
+          </a:solidFill>
+          <a:ln>
+            <a:solidFill>
+              <a:schemeClr val="bg1"/>
+            </a:solidFill>
+          </a:ln>
+        </p:spPr>
+        <p:style>
+          <a:lnRef idx="2">
+            <a:schemeClr val="accent1">
+              <a:shade val="50000"/>
+            </a:schemeClr>
+          </a:lnRef>
+          <a:fillRef idx="1">
+            <a:schemeClr val="accent1"/>
+          </a:fillRef>
+          <a:effectRef idx="0">
+            <a:schemeClr val="accent1"/>
+          </a:effectRef>
+          <a:fontRef idx="minor">
+            <a:schemeClr val="lt1"/>
+          </a:fontRef>
+        </p:style>
+        <p:txBody>
+          <a:bodyPr rtlCol="0" anchor="ctr"/>
+          <a:lstStyle/>
+          <a:p>
+            <a:pPr algn="ctr"/>
+            <a:r>
+              <a:rPr lang="en-US" sz="2400" dirty="0">
+                <a:solidFill>
+                  <a:schemeClr val="accent6">
+                    <a:lumMod val="50000"/>
+                  </a:schemeClr>
+                </a:solidFill>
+                <a:latin typeface="Palatino" pitchFamily="2" charset="77"/>
+                <a:ea typeface="Palatino" pitchFamily="2" charset="77"/>
+              </a:rPr>
+              <a:t>People, Process, Technology</a:t>
+            </a:r>
+          </a:p>
+        </p:txBody>
+      </p:sp>
+      <p:cxnSp>
+        <p:nvCxnSpPr>
+          <p:cNvPr id="8" name="Straight Connector 7">
+            <a:extLst>
+              <a:ext uri="{FF2B5EF4-FFF2-40B4-BE49-F238E27FC236}">
+                <a16:creationId xmlns:a16="http://schemas.microsoft.com/office/drawing/2014/main" id="{E2C8EC5F-BA65-D943-8EAB-50C79D36FD43}"/>
+              </a:ext>
+            </a:extLst>
+          </p:cNvPr>
+          <p:cNvCxnSpPr>
+            <a:cxnSpLocks/>
+            <a:endCxn id="6" idx="0"/>
+          </p:cNvCxnSpPr>
+          <p:nvPr/>
+        </p:nvCxnSpPr>
+        <p:spPr>
+          <a:xfrm>
+            <a:off x="1394790" y="2281933"/>
+            <a:ext cx="0" cy="571500"/>
+          </a:xfrm>
+          <a:prstGeom prst="line">
+            <a:avLst/>
+          </a:prstGeom>
+          <a:ln w="38100">
+            <a:solidFill>
+              <a:schemeClr val="accent6">
+                <a:lumMod val="60000"/>
+                <a:lumOff val="40000"/>
+              </a:schemeClr>
+            </a:solidFill>
+          </a:ln>
+        </p:spPr>
+        <p:style>
+          <a:lnRef idx="1">
+            <a:schemeClr val="accent1"/>
+          </a:lnRef>
+          <a:fillRef idx="0">
+            <a:schemeClr val="accent1"/>
+          </a:fillRef>
+          <a:effectRef idx="0">
+            <a:schemeClr val="accent1"/>
+          </a:effectRef>
+          <a:fontRef idx="minor">
+            <a:schemeClr val="tx1"/>
+          </a:fontRef>
+        </p:style>
+      </p:cxnSp>
+      <p:cxnSp>
+        <p:nvCxnSpPr>
+          <p:cNvPr id="9" name="Straight Connector 8">
+            <a:extLst>
+              <a:ext uri="{FF2B5EF4-FFF2-40B4-BE49-F238E27FC236}">
+                <a16:creationId xmlns:a16="http://schemas.microsoft.com/office/drawing/2014/main" id="{D5C8C1CB-AE0E-9743-B544-E3AC1DC75E7F}"/>
+              </a:ext>
+            </a:extLst>
+          </p:cNvPr>
+          <p:cNvCxnSpPr>
+            <a:cxnSpLocks/>
+            <a:stCxn id="6" idx="2"/>
+            <a:endCxn id="7" idx="0"/>
+          </p:cNvCxnSpPr>
+          <p:nvPr/>
+        </p:nvCxnSpPr>
+        <p:spPr>
+          <a:xfrm>
+            <a:off x="1394790" y="3996433"/>
+            <a:ext cx="0" cy="571500"/>
+          </a:xfrm>
+          <a:prstGeom prst="line">
+            <a:avLst/>
+          </a:prstGeom>
+          <a:ln w="38100">
+            <a:solidFill>
+              <a:schemeClr val="accent6">
+                <a:lumMod val="40000"/>
+                <a:lumOff val="60000"/>
+              </a:schemeClr>
+            </a:solidFill>
+          </a:ln>
+        </p:spPr>
+        <p:style>
+          <a:lnRef idx="1">
+            <a:schemeClr val="accent1"/>
+          </a:lnRef>
+          <a:fillRef idx="0">
+            <a:schemeClr val="accent1"/>
+          </a:fillRef>
+          <a:effectRef idx="0">
+            <a:schemeClr val="accent1"/>
+          </a:effectRef>
+          <a:fontRef idx="minor">
+            <a:schemeClr val="tx1"/>
+          </a:fontRef>
+        </p:style>
+      </p:cxnSp>
+      <p:sp>
+        <p:nvSpPr>
+          <p:cNvPr id="10" name="Right Arrow 9">
+            <a:extLst>
+              <a:ext uri="{FF2B5EF4-FFF2-40B4-BE49-F238E27FC236}">
+                <a16:creationId xmlns:a16="http://schemas.microsoft.com/office/drawing/2014/main" id="{2E65C6F1-2539-1A4D-B978-8C55A2D88030}"/>
+              </a:ext>
+            </a:extLst>
+          </p:cNvPr>
+          <p:cNvSpPr/>
+          <p:nvPr/>
+        </p:nvSpPr>
+        <p:spPr>
+          <a:xfrm>
+            <a:off x="2674766" y="1240743"/>
+            <a:ext cx="1185358" cy="939380"/>
+          </a:xfrm>
+          <a:prstGeom prst="rightArrow">
+            <a:avLst/>
+          </a:prstGeom>
+          <a:solidFill>
+            <a:schemeClr val="accent6">
+              <a:lumMod val="60000"/>
+              <a:lumOff val="40000"/>
+            </a:schemeClr>
+          </a:solidFill>
+          <a:ln>
+            <a:solidFill>
+              <a:schemeClr val="accent6">
+                <a:lumMod val="60000"/>
+                <a:lumOff val="40000"/>
+              </a:schemeClr>
+            </a:solidFill>
+          </a:ln>
+        </p:spPr>
+        <p:style>
+          <a:lnRef idx="2">
+            <a:schemeClr val="accent1">
+              <a:shade val="50000"/>
+            </a:schemeClr>
+          </a:lnRef>
+          <a:fillRef idx="1">
+            <a:schemeClr val="accent1"/>
+          </a:fillRef>
+          <a:effectRef idx="0">
+            <a:schemeClr val="accent1"/>
+          </a:effectRef>
+          <a:fontRef idx="minor">
+            <a:schemeClr val="lt1"/>
+          </a:fontRef>
+        </p:style>
+        <p:txBody>
+          <a:bodyPr rtlCol="0" anchor="ctr"/>
+          <a:lstStyle/>
+          <a:p>
+            <a:pPr algn="ctr"/>
+            <a:endParaRPr lang="en-US"/>
+          </a:p>
+        </p:txBody>
+      </p:sp>
     </p:spTree>
     <p:extLst>
       <p:ext uri="{BB962C8B-B14F-4D97-AF65-F5344CB8AC3E}">
@@ -32286,6 +33035,57 @@
           </a:prstGeom>
         </p:spPr>
       </p:pic>
+      <mc:AlternateContent xmlns:mc="http://schemas.openxmlformats.org/markup-compatibility/2006">
+        <mc:Choice xmlns:p14="http://schemas.microsoft.com/office/powerpoint/2010/main" Requires="p14">
+          <p:contentPart p14:bwMode="auto" r:id="rId4">
+            <p14:nvContentPartPr>
+              <p14:cNvPr id="4" name="Ink 3">
+                <a:extLst>
+                  <a:ext uri="{FF2B5EF4-FFF2-40B4-BE49-F238E27FC236}">
+                    <a16:creationId xmlns:a16="http://schemas.microsoft.com/office/drawing/2014/main" id="{49CDB863-2DDA-8C4C-9D70-A90DE1E702B2}"/>
+                  </a:ext>
+                </a:extLst>
+              </p14:cNvPr>
+              <p14:cNvContentPartPr/>
+              <p14:nvPr/>
+            </p14:nvContentPartPr>
+            <p14:xfrm>
+              <a:off x="5787785" y="454909"/>
+              <a:ext cx="1161720" cy="3772800"/>
+            </p14:xfrm>
+          </p:contentPart>
+        </mc:Choice>
+        <mc:Fallback>
+          <p:pic>
+            <p:nvPicPr>
+              <p:cNvPr id="4" name="Ink 3">
+                <a:extLst>
+                  <a:ext uri="{FF2B5EF4-FFF2-40B4-BE49-F238E27FC236}">
+                    <a16:creationId xmlns:a16="http://schemas.microsoft.com/office/drawing/2014/main" id="{49CDB863-2DDA-8C4C-9D70-A90DE1E702B2}"/>
+                  </a:ext>
+                </a:extLst>
+              </p:cNvPr>
+              <p:cNvPicPr/>
+              <p:nvPr/>
+            </p:nvPicPr>
+            <p:blipFill>
+              <a:blip r:embed="rId5"/>
+              <a:stretch>
+                <a:fillRect/>
+              </a:stretch>
+            </p:blipFill>
+            <p:spPr>
+              <a:xfrm>
+                <a:off x="5769785" y="436909"/>
+                <a:ext cx="1197360" cy="3808440"/>
+              </a:xfrm>
+              <a:prstGeom prst="rect">
+                <a:avLst/>
+              </a:prstGeom>
+            </p:spPr>
+          </p:pic>
+        </mc:Fallback>
+      </mc:AlternateContent>
     </p:spTree>
     <p:extLst>
       <p:ext uri="{BB962C8B-B14F-4D97-AF65-F5344CB8AC3E}">
@@ -32669,7 +33469,7 @@
           <p:nvPr/>
         </p:nvPicPr>
         <p:blipFill>
-          <a:blip r:embed="rId2"/>
+          <a:blip r:embed="rId3"/>
           <a:stretch>
             <a:fillRect/>
           </a:stretch>
@@ -35445,7 +36245,7 @@
           <p:nvPr/>
         </p:nvPicPr>
         <p:blipFill>
-          <a:blip r:embed="rId2">
+          <a:blip r:embed="rId3">
             <a:extLst>
               <a:ext uri="{28A0092B-C50C-407E-A947-70E740481C1C}">
                 <a14:useLocalDpi xmlns:a14="http://schemas.microsoft.com/office/drawing/2010/main" val="0"/>
